--- a/Shop Web.pptx
+++ b/Shop Web.pptx
@@ -7,15 +7,15 @@
   <p:sldIdLst>
     <p:sldId id="256" r:id="rId2"/>
     <p:sldId id="257" r:id="rId3"/>
-    <p:sldId id="258" r:id="rId4"/>
-    <p:sldId id="259" r:id="rId5"/>
-    <p:sldId id="262" r:id="rId6"/>
-    <p:sldId id="263" r:id="rId7"/>
-    <p:sldId id="265" r:id="rId8"/>
-    <p:sldId id="264" r:id="rId9"/>
-    <p:sldId id="266" r:id="rId10"/>
-    <p:sldId id="267" r:id="rId11"/>
-    <p:sldId id="260" r:id="rId12"/>
+    <p:sldId id="259" r:id="rId4"/>
+    <p:sldId id="262" r:id="rId5"/>
+    <p:sldId id="263" r:id="rId6"/>
+    <p:sldId id="265" r:id="rId7"/>
+    <p:sldId id="264" r:id="rId8"/>
+    <p:sldId id="266" r:id="rId9"/>
+    <p:sldId id="267" r:id="rId10"/>
+    <p:sldId id="268" r:id="rId11"/>
+    <p:sldId id="269" r:id="rId12"/>
   </p:sldIdLst>
   <p:sldSz cx="12192000" cy="6858000"/>
   <p:notesSz cx="6858000" cy="9144000"/>
@@ -281,7 +281,7 @@
           <a:p>
             <a:fld id="{FBFAB66C-DF62-403B-BC34-3A628988F33D}" type="datetimeFigureOut">
               <a:rPr lang="zh-CN" altLang="en-US" smtClean="0"/>
-              <a:t>2019/9/16</a:t>
+              <a:t>2019/9/17</a:t>
             </a:fld>
             <a:endParaRPr lang="zh-CN" altLang="en-US"/>
           </a:p>
@@ -479,7 +479,7 @@
           <a:p>
             <a:fld id="{FBFAB66C-DF62-403B-BC34-3A628988F33D}" type="datetimeFigureOut">
               <a:rPr lang="zh-CN" altLang="en-US" smtClean="0"/>
-              <a:t>2019/9/16</a:t>
+              <a:t>2019/9/17</a:t>
             </a:fld>
             <a:endParaRPr lang="zh-CN" altLang="en-US"/>
           </a:p>
@@ -687,7 +687,7 @@
           <a:p>
             <a:fld id="{FBFAB66C-DF62-403B-BC34-3A628988F33D}" type="datetimeFigureOut">
               <a:rPr lang="zh-CN" altLang="en-US" smtClean="0"/>
-              <a:t>2019/9/16</a:t>
+              <a:t>2019/9/17</a:t>
             </a:fld>
             <a:endParaRPr lang="zh-CN" altLang="en-US"/>
           </a:p>
@@ -885,7 +885,7 @@
           <a:p>
             <a:fld id="{FBFAB66C-DF62-403B-BC34-3A628988F33D}" type="datetimeFigureOut">
               <a:rPr lang="zh-CN" altLang="en-US" smtClean="0"/>
-              <a:t>2019/9/16</a:t>
+              <a:t>2019/9/17</a:t>
             </a:fld>
             <a:endParaRPr lang="zh-CN" altLang="en-US"/>
           </a:p>
@@ -1160,7 +1160,7 @@
           <a:p>
             <a:fld id="{FBFAB66C-DF62-403B-BC34-3A628988F33D}" type="datetimeFigureOut">
               <a:rPr lang="zh-CN" altLang="en-US" smtClean="0"/>
-              <a:t>2019/9/16</a:t>
+              <a:t>2019/9/17</a:t>
             </a:fld>
             <a:endParaRPr lang="zh-CN" altLang="en-US"/>
           </a:p>
@@ -1425,7 +1425,7 @@
           <a:p>
             <a:fld id="{FBFAB66C-DF62-403B-BC34-3A628988F33D}" type="datetimeFigureOut">
               <a:rPr lang="zh-CN" altLang="en-US" smtClean="0"/>
-              <a:t>2019/9/16</a:t>
+              <a:t>2019/9/17</a:t>
             </a:fld>
             <a:endParaRPr lang="zh-CN" altLang="en-US"/>
           </a:p>
@@ -1837,7 +1837,7 @@
           <a:p>
             <a:fld id="{FBFAB66C-DF62-403B-BC34-3A628988F33D}" type="datetimeFigureOut">
               <a:rPr lang="zh-CN" altLang="en-US" smtClean="0"/>
-              <a:t>2019/9/16</a:t>
+              <a:t>2019/9/17</a:t>
             </a:fld>
             <a:endParaRPr lang="zh-CN" altLang="en-US"/>
           </a:p>
@@ -1978,7 +1978,7 @@
           <a:p>
             <a:fld id="{FBFAB66C-DF62-403B-BC34-3A628988F33D}" type="datetimeFigureOut">
               <a:rPr lang="zh-CN" altLang="en-US" smtClean="0"/>
-              <a:t>2019/9/16</a:t>
+              <a:t>2019/9/17</a:t>
             </a:fld>
             <a:endParaRPr lang="zh-CN" altLang="en-US"/>
           </a:p>
@@ -2091,7 +2091,7 @@
           <a:p>
             <a:fld id="{FBFAB66C-DF62-403B-BC34-3A628988F33D}" type="datetimeFigureOut">
               <a:rPr lang="zh-CN" altLang="en-US" smtClean="0"/>
-              <a:t>2019/9/16</a:t>
+              <a:t>2019/9/17</a:t>
             </a:fld>
             <a:endParaRPr lang="zh-CN" altLang="en-US"/>
           </a:p>
@@ -2402,7 +2402,7 @@
           <a:p>
             <a:fld id="{FBFAB66C-DF62-403B-BC34-3A628988F33D}" type="datetimeFigureOut">
               <a:rPr lang="zh-CN" altLang="en-US" smtClean="0"/>
-              <a:t>2019/9/16</a:t>
+              <a:t>2019/9/17</a:t>
             </a:fld>
             <a:endParaRPr lang="zh-CN" altLang="en-US"/>
           </a:p>
@@ -2690,7 +2690,7 @@
           <a:p>
             <a:fld id="{FBFAB66C-DF62-403B-BC34-3A628988F33D}" type="datetimeFigureOut">
               <a:rPr lang="zh-CN" altLang="en-US" smtClean="0"/>
-              <a:t>2019/9/16</a:t>
+              <a:t>2019/9/17</a:t>
             </a:fld>
             <a:endParaRPr lang="zh-CN" altLang="en-US"/>
           </a:p>
@@ -2931,7 +2931,7 @@
           <a:p>
             <a:fld id="{FBFAB66C-DF62-403B-BC34-3A628988F33D}" type="datetimeFigureOut">
               <a:rPr lang="zh-CN" altLang="en-US" smtClean="0"/>
-              <a:t>2019/9/16</a:t>
+              <a:t>2019/9/17</a:t>
             </a:fld>
             <a:endParaRPr lang="zh-CN" altLang="en-US"/>
           </a:p>
@@ -3434,7 +3434,7 @@
           <p:cNvPr id="2" name="标题 1">
             <a:extLst>
               <a:ext uri="{FF2B5EF4-FFF2-40B4-BE49-F238E27FC236}">
-                <a16:creationId xmlns:a16="http://schemas.microsoft.com/office/drawing/2014/main" id="{A1E1F3B3-20F6-4EBA-B41B-15A6EBE24B07}"/>
+                <a16:creationId xmlns:a16="http://schemas.microsoft.com/office/drawing/2014/main" id="{BDBCC4B8-538E-4C2E-97A3-0A679BEA52B0}"/>
               </a:ext>
             </a:extLst>
           </p:cNvPr>
@@ -3448,7 +3448,7 @@
         <p:spPr>
           <a:xfrm>
             <a:off x="0" y="1"/>
-            <a:ext cx="12192000" cy="956602"/>
+            <a:ext cx="12192000" cy="895966"/>
           </a:xfrm>
         </p:spPr>
         <p:txBody>
@@ -3456,12 +3456,422 @@
           <a:lstStyle/>
           <a:p>
             <a:r>
-              <a:rPr lang="en-US" altLang="zh-CN" dirty="0"/>
-              <a:t>PO</a:t>
+              <a:rPr lang="zh-CN" altLang="en-US" dirty="0"/>
+              <a:t>后台用例图</a:t>
             </a:r>
+          </a:p>
+        </p:txBody>
+      </p:sp>
+      <p:sp>
+        <p:nvSpPr>
+          <p:cNvPr id="4" name="笑脸 3">
+            <a:extLst>
+              <a:ext uri="{FF2B5EF4-FFF2-40B4-BE49-F238E27FC236}">
+                <a16:creationId xmlns:a16="http://schemas.microsoft.com/office/drawing/2014/main" id="{C8EEE2FE-1232-49FE-B955-372959865E10}"/>
+              </a:ext>
+            </a:extLst>
+          </p:cNvPr>
+          <p:cNvSpPr/>
+          <p:nvPr/>
+        </p:nvSpPr>
+        <p:spPr>
+          <a:xfrm>
+            <a:off x="935687" y="3202536"/>
+            <a:ext cx="512748" cy="452927"/>
+          </a:xfrm>
+          <a:prstGeom prst="smileyFace">
+            <a:avLst/>
+          </a:prstGeom>
+          <a:solidFill>
+            <a:schemeClr val="bg1"/>
+          </a:solidFill>
+          <a:ln/>
+        </p:spPr>
+        <p:style>
+          <a:lnRef idx="2">
+            <a:schemeClr val="accent6"/>
+          </a:lnRef>
+          <a:fillRef idx="1">
+            <a:schemeClr val="lt1"/>
+          </a:fillRef>
+          <a:effectRef idx="0">
+            <a:schemeClr val="accent6"/>
+          </a:effectRef>
+          <a:fontRef idx="minor">
+            <a:schemeClr val="dk1"/>
+          </a:fontRef>
+        </p:style>
+        <p:txBody>
+          <a:bodyPr rtlCol="0" anchor="ctr"/>
+          <a:lstStyle/>
+          <a:p>
+            <a:pPr algn="ctr"/>
+            <a:endParaRPr lang="zh-CN" altLang="en-US"/>
+          </a:p>
+        </p:txBody>
+      </p:sp>
+      <p:sp>
+        <p:nvSpPr>
+          <p:cNvPr id="5" name="矩形 4">
+            <a:extLst>
+              <a:ext uri="{FF2B5EF4-FFF2-40B4-BE49-F238E27FC236}">
+                <a16:creationId xmlns:a16="http://schemas.microsoft.com/office/drawing/2014/main" id="{B820D322-5122-453F-96E0-F8D438D736FA}"/>
+              </a:ext>
+            </a:extLst>
+          </p:cNvPr>
+          <p:cNvSpPr/>
+          <p:nvPr/>
+        </p:nvSpPr>
+        <p:spPr>
+          <a:xfrm>
+            <a:off x="2305325" y="2065951"/>
+            <a:ext cx="1290415" cy="376015"/>
+          </a:xfrm>
+          <a:prstGeom prst="rect">
+            <a:avLst/>
+          </a:prstGeom>
+          <a:solidFill>
+            <a:srgbClr val="00B050"/>
+          </a:solidFill>
+        </p:spPr>
+        <p:style>
+          <a:lnRef idx="0">
+            <a:schemeClr val="accent1"/>
+          </a:lnRef>
+          <a:fillRef idx="3">
+            <a:schemeClr val="accent1"/>
+          </a:fillRef>
+          <a:effectRef idx="3">
+            <a:schemeClr val="accent1"/>
+          </a:effectRef>
+          <a:fontRef idx="minor">
+            <a:schemeClr val="lt1"/>
+          </a:fontRef>
+        </p:style>
+        <p:txBody>
+          <a:bodyPr rtlCol="0" anchor="ctr"/>
+          <a:lstStyle/>
+          <a:p>
+            <a:pPr algn="ctr"/>
             <a:r>
               <a:rPr lang="zh-CN" altLang="en-US" dirty="0"/>
-              <a:t>类字段</a:t>
+              <a:t>产品管理</a:t>
+            </a:r>
+          </a:p>
+        </p:txBody>
+      </p:sp>
+      <p:sp>
+        <p:nvSpPr>
+          <p:cNvPr id="8" name="矩形 7">
+            <a:extLst>
+              <a:ext uri="{FF2B5EF4-FFF2-40B4-BE49-F238E27FC236}">
+                <a16:creationId xmlns:a16="http://schemas.microsoft.com/office/drawing/2014/main" id="{0787FBAA-34C6-42D9-A487-43B8545495AB}"/>
+              </a:ext>
+            </a:extLst>
+          </p:cNvPr>
+          <p:cNvSpPr/>
+          <p:nvPr/>
+        </p:nvSpPr>
+        <p:spPr>
+          <a:xfrm>
+            <a:off x="2305325" y="4367061"/>
+            <a:ext cx="1290415" cy="376015"/>
+          </a:xfrm>
+          <a:prstGeom prst="rect">
+            <a:avLst/>
+          </a:prstGeom>
+          <a:solidFill>
+            <a:srgbClr val="00B050"/>
+          </a:solidFill>
+        </p:spPr>
+        <p:style>
+          <a:lnRef idx="0">
+            <a:schemeClr val="accent1"/>
+          </a:lnRef>
+          <a:fillRef idx="3">
+            <a:schemeClr val="accent1"/>
+          </a:fillRef>
+          <a:effectRef idx="3">
+            <a:schemeClr val="accent1"/>
+          </a:effectRef>
+          <a:fontRef idx="minor">
+            <a:schemeClr val="lt1"/>
+          </a:fontRef>
+        </p:style>
+        <p:txBody>
+          <a:bodyPr rtlCol="0" anchor="ctr"/>
+          <a:lstStyle/>
+          <a:p>
+            <a:pPr algn="ctr"/>
+            <a:r>
+              <a:rPr lang="zh-CN" altLang="en-US" dirty="0"/>
+              <a:t>订单管理</a:t>
+            </a:r>
+          </a:p>
+        </p:txBody>
+      </p:sp>
+      <p:cxnSp>
+        <p:nvCxnSpPr>
+          <p:cNvPr id="11" name="直接箭头连接符 10">
+            <a:extLst>
+              <a:ext uri="{FF2B5EF4-FFF2-40B4-BE49-F238E27FC236}">
+                <a16:creationId xmlns:a16="http://schemas.microsoft.com/office/drawing/2014/main" id="{FFBEE02B-EB60-4A71-911C-066D0E0184B8}"/>
+              </a:ext>
+            </a:extLst>
+          </p:cNvPr>
+          <p:cNvCxnSpPr>
+            <a:cxnSpLocks/>
+            <a:stCxn id="4" idx="6"/>
+            <a:endCxn id="5" idx="1"/>
+          </p:cNvCxnSpPr>
+          <p:nvPr/>
+        </p:nvCxnSpPr>
+        <p:spPr>
+          <a:xfrm flipV="1">
+            <a:off x="1448435" y="2253959"/>
+            <a:ext cx="856890" cy="1175041"/>
+          </a:xfrm>
+          <a:prstGeom prst="straightConnector1">
+            <a:avLst/>
+          </a:prstGeom>
+          <a:ln>
+            <a:tailEnd type="triangle"/>
+          </a:ln>
+        </p:spPr>
+        <p:style>
+          <a:lnRef idx="1">
+            <a:schemeClr val="accent1"/>
+          </a:lnRef>
+          <a:fillRef idx="0">
+            <a:schemeClr val="accent1"/>
+          </a:fillRef>
+          <a:effectRef idx="0">
+            <a:schemeClr val="accent1"/>
+          </a:effectRef>
+          <a:fontRef idx="minor">
+            <a:schemeClr val="tx1"/>
+          </a:fontRef>
+        </p:style>
+      </p:cxnSp>
+      <p:cxnSp>
+        <p:nvCxnSpPr>
+          <p:cNvPr id="15" name="直接箭头连接符 14">
+            <a:extLst>
+              <a:ext uri="{FF2B5EF4-FFF2-40B4-BE49-F238E27FC236}">
+                <a16:creationId xmlns:a16="http://schemas.microsoft.com/office/drawing/2014/main" id="{1C4B9D4D-7A57-4CC6-A055-47C64E9D6BFF}"/>
+              </a:ext>
+            </a:extLst>
+          </p:cNvPr>
+          <p:cNvCxnSpPr>
+            <a:cxnSpLocks/>
+            <a:stCxn id="4" idx="6"/>
+            <a:endCxn id="8" idx="1"/>
+          </p:cNvCxnSpPr>
+          <p:nvPr/>
+        </p:nvCxnSpPr>
+        <p:spPr>
+          <a:xfrm>
+            <a:off x="1448435" y="3429000"/>
+            <a:ext cx="856890" cy="1126069"/>
+          </a:xfrm>
+          <a:prstGeom prst="straightConnector1">
+            <a:avLst/>
+          </a:prstGeom>
+          <a:ln>
+            <a:tailEnd type="triangle"/>
+          </a:ln>
+        </p:spPr>
+        <p:style>
+          <a:lnRef idx="1">
+            <a:schemeClr val="accent1"/>
+          </a:lnRef>
+          <a:fillRef idx="0">
+            <a:schemeClr val="accent1"/>
+          </a:fillRef>
+          <a:effectRef idx="0">
+            <a:schemeClr val="accent1"/>
+          </a:effectRef>
+          <a:fontRef idx="minor">
+            <a:schemeClr val="tx1"/>
+          </a:fontRef>
+        </p:style>
+      </p:cxnSp>
+      <p:cxnSp>
+        <p:nvCxnSpPr>
+          <p:cNvPr id="7" name="直接箭头连接符 6">
+            <a:extLst>
+              <a:ext uri="{FF2B5EF4-FFF2-40B4-BE49-F238E27FC236}">
+                <a16:creationId xmlns:a16="http://schemas.microsoft.com/office/drawing/2014/main" id="{06A3E949-FDC8-4C81-A549-556A1D880D1D}"/>
+              </a:ext>
+            </a:extLst>
+          </p:cNvPr>
+          <p:cNvCxnSpPr>
+            <a:stCxn id="5" idx="3"/>
+          </p:cNvCxnSpPr>
+          <p:nvPr/>
+        </p:nvCxnSpPr>
+        <p:spPr>
+          <a:xfrm>
+            <a:off x="3595740" y="2253959"/>
+            <a:ext cx="924985" cy="0"/>
+          </a:xfrm>
+          <a:prstGeom prst="straightConnector1">
+            <a:avLst/>
+          </a:prstGeom>
+          <a:ln>
+            <a:tailEnd type="triangle"/>
+          </a:ln>
+        </p:spPr>
+        <p:style>
+          <a:lnRef idx="1">
+            <a:schemeClr val="accent1"/>
+          </a:lnRef>
+          <a:fillRef idx="0">
+            <a:schemeClr val="accent1"/>
+          </a:fillRef>
+          <a:effectRef idx="0">
+            <a:schemeClr val="accent1"/>
+          </a:effectRef>
+          <a:fontRef idx="minor">
+            <a:schemeClr val="tx1"/>
+          </a:fontRef>
+        </p:style>
+      </p:cxnSp>
+      <p:cxnSp>
+        <p:nvCxnSpPr>
+          <p:cNvPr id="10" name="直接箭头连接符 9">
+            <a:extLst>
+              <a:ext uri="{FF2B5EF4-FFF2-40B4-BE49-F238E27FC236}">
+                <a16:creationId xmlns:a16="http://schemas.microsoft.com/office/drawing/2014/main" id="{6970DACB-B213-4F10-9984-DBACC4704357}"/>
+              </a:ext>
+            </a:extLst>
+          </p:cNvPr>
+          <p:cNvCxnSpPr>
+            <a:stCxn id="8" idx="3"/>
+          </p:cNvCxnSpPr>
+          <p:nvPr/>
+        </p:nvCxnSpPr>
+        <p:spPr>
+          <a:xfrm>
+            <a:off x="3595740" y="4555069"/>
+            <a:ext cx="967713" cy="0"/>
+          </a:xfrm>
+          <a:prstGeom prst="straightConnector1">
+            <a:avLst/>
+          </a:prstGeom>
+          <a:ln>
+            <a:tailEnd type="triangle"/>
+          </a:ln>
+        </p:spPr>
+        <p:style>
+          <a:lnRef idx="1">
+            <a:schemeClr val="accent1"/>
+          </a:lnRef>
+          <a:fillRef idx="0">
+            <a:schemeClr val="accent1"/>
+          </a:fillRef>
+          <a:effectRef idx="0">
+            <a:schemeClr val="accent1"/>
+          </a:effectRef>
+          <a:fontRef idx="minor">
+            <a:schemeClr val="tx1"/>
+          </a:fontRef>
+        </p:style>
+      </p:cxnSp>
+      <p:sp>
+        <p:nvSpPr>
+          <p:cNvPr id="14" name="矩形 13">
+            <a:extLst>
+              <a:ext uri="{FF2B5EF4-FFF2-40B4-BE49-F238E27FC236}">
+                <a16:creationId xmlns:a16="http://schemas.microsoft.com/office/drawing/2014/main" id="{81EDE3BE-3E17-440E-B626-150CD9AA4F56}"/>
+              </a:ext>
+            </a:extLst>
+          </p:cNvPr>
+          <p:cNvSpPr/>
+          <p:nvPr/>
+        </p:nvSpPr>
+        <p:spPr>
+          <a:xfrm>
+            <a:off x="4520725" y="2144994"/>
+            <a:ext cx="967713" cy="230659"/>
+          </a:xfrm>
+          <a:prstGeom prst="rect">
+            <a:avLst/>
+          </a:prstGeom>
+        </p:spPr>
+        <p:style>
+          <a:lnRef idx="2">
+            <a:schemeClr val="accent1">
+              <a:shade val="50000"/>
+            </a:schemeClr>
+          </a:lnRef>
+          <a:fillRef idx="1">
+            <a:schemeClr val="accent1"/>
+          </a:fillRef>
+          <a:effectRef idx="0">
+            <a:schemeClr val="accent1"/>
+          </a:effectRef>
+          <a:fontRef idx="minor">
+            <a:schemeClr val="lt1"/>
+          </a:fontRef>
+        </p:style>
+        <p:txBody>
+          <a:bodyPr rtlCol="0" anchor="ctr"/>
+          <a:lstStyle/>
+          <a:p>
+            <a:pPr algn="ctr"/>
+            <a:r>
+              <a:rPr lang="zh-CN" altLang="en-US" sz="1400" dirty="0"/>
+              <a:t>产品搜索</a:t>
+            </a:r>
+          </a:p>
+        </p:txBody>
+      </p:sp>
+      <p:sp>
+        <p:nvSpPr>
+          <p:cNvPr id="18" name="矩形 17">
+            <a:extLst>
+              <a:ext uri="{FF2B5EF4-FFF2-40B4-BE49-F238E27FC236}">
+                <a16:creationId xmlns:a16="http://schemas.microsoft.com/office/drawing/2014/main" id="{ED538390-DCF9-45BA-A4DF-D075F556EF8D}"/>
+              </a:ext>
+            </a:extLst>
+          </p:cNvPr>
+          <p:cNvSpPr/>
+          <p:nvPr/>
+        </p:nvSpPr>
+        <p:spPr>
+          <a:xfrm>
+            <a:off x="4520724" y="4439738"/>
+            <a:ext cx="967713" cy="230659"/>
+          </a:xfrm>
+          <a:prstGeom prst="rect">
+            <a:avLst/>
+          </a:prstGeom>
+        </p:spPr>
+        <p:style>
+          <a:lnRef idx="2">
+            <a:schemeClr val="accent1">
+              <a:shade val="50000"/>
+            </a:schemeClr>
+          </a:lnRef>
+          <a:fillRef idx="1">
+            <a:schemeClr val="accent1"/>
+          </a:fillRef>
+          <a:effectRef idx="0">
+            <a:schemeClr val="accent1"/>
+          </a:effectRef>
+          <a:fontRef idx="minor">
+            <a:schemeClr val="lt1"/>
+          </a:fontRef>
+        </p:style>
+        <p:txBody>
+          <a:bodyPr rtlCol="0" anchor="ctr"/>
+          <a:lstStyle/>
+          <a:p>
+            <a:pPr algn="ctr"/>
+            <a:r>
+              <a:rPr lang="zh-CN" altLang="en-US" sz="1400" dirty="0"/>
+              <a:t>订单搜索</a:t>
             </a:r>
           </a:p>
         </p:txBody>
@@ -3469,7 +3879,7 @@
     </p:spTree>
     <p:extLst>
       <p:ext uri="{BB962C8B-B14F-4D97-AF65-F5344CB8AC3E}">
-        <p14:creationId xmlns:p14="http://schemas.microsoft.com/office/powerpoint/2010/main" val="4135036029"/>
+        <p14:creationId xmlns:p14="http://schemas.microsoft.com/office/powerpoint/2010/main" val="3955556093"/>
       </p:ext>
     </p:extLst>
   </p:cSld>
@@ -3498,10 +3908,10 @@
       </p:grpSpPr>
       <p:sp>
         <p:nvSpPr>
-          <p:cNvPr id="2" name="标题 1">
-            <a:extLst>
-              <a:ext uri="{FF2B5EF4-FFF2-40B4-BE49-F238E27FC236}">
-                <a16:creationId xmlns:a16="http://schemas.microsoft.com/office/drawing/2014/main" id="{1D25C9E7-EB58-4EBF-BA09-8EE366A5B929}"/>
+          <p:cNvPr id="4" name="标题 1">
+            <a:extLst>
+              <a:ext uri="{FF2B5EF4-FFF2-40B4-BE49-F238E27FC236}">
+                <a16:creationId xmlns:a16="http://schemas.microsoft.com/office/drawing/2014/main" id="{9AB3BB87-31EE-4EBB-84A9-C0D84AF621BE}"/>
               </a:ext>
             </a:extLst>
           </p:cNvPr>
@@ -3526,17 +3936,17 @@
           <a:p>
             <a:r>
               <a:rPr lang="zh-CN" altLang="en-US" dirty="0"/>
-              <a:t>数据库表字段</a:t>
+              <a:t>前台后台数据库表字段</a:t>
             </a:r>
           </a:p>
         </p:txBody>
       </p:sp>
       <p:graphicFrame>
         <p:nvGraphicFramePr>
-          <p:cNvPr id="6" name="表格 6">
-            <a:extLst>
-              <a:ext uri="{FF2B5EF4-FFF2-40B4-BE49-F238E27FC236}">
-                <a16:creationId xmlns:a16="http://schemas.microsoft.com/office/drawing/2014/main" id="{4A47FC80-C8B8-4360-BA0C-33633B6B9883}"/>
+          <p:cNvPr id="6" name="表格 5">
+            <a:extLst>
+              <a:ext uri="{FF2B5EF4-FFF2-40B4-BE49-F238E27FC236}">
+                <a16:creationId xmlns:a16="http://schemas.microsoft.com/office/drawing/2014/main" id="{7E164E48-7AAA-4CAB-A6F1-C7F6D8054E7F}"/>
               </a:ext>
             </a:extLst>
           </p:cNvPr>
@@ -3546,14 +3956,14 @@
           <p:nvPr>
             <p:extLst>
               <p:ext uri="{D42A27DB-BD31-4B8C-83A1-F6EECF244321}">
-                <p14:modId xmlns:p14="http://schemas.microsoft.com/office/powerpoint/2010/main" val="901557788"/>
+                <p14:modId xmlns:p14="http://schemas.microsoft.com/office/powerpoint/2010/main" val="325672162"/>
               </p:ext>
             </p:extLst>
           </p:nvPr>
         </p:nvGraphicFramePr>
         <p:xfrm>
-          <a:off x="1" y="841830"/>
-          <a:ext cx="12192003" cy="5760720"/>
+          <a:off x="0" y="719666"/>
+          <a:ext cx="12191994" cy="6138333"/>
         </p:xfrm>
         <a:graphic>
           <a:graphicData uri="http://schemas.openxmlformats.org/drawingml/2006/table">
@@ -3562,71 +3972,71 @@
                 <a:tableStyleId>{5C22544A-7EE6-4342-B048-85BDC9FD1C3A}</a:tableStyleId>
               </a:tblPr>
               <a:tblGrid>
-                <a:gridCol w="1354667">
+                <a:gridCol w="1354666">
                   <a:extLst>
                     <a:ext uri="{9D8B030D-6E8A-4147-A177-3AD203B41FA5}">
-                      <a16:colId xmlns:a16="http://schemas.microsoft.com/office/drawing/2014/main" val="2874810677"/>
+                      <a16:colId xmlns:a16="http://schemas.microsoft.com/office/drawing/2014/main" val="4265606772"/>
                     </a:ext>
                   </a:extLst>
                 </a:gridCol>
-                <a:gridCol w="1354667">
+                <a:gridCol w="1354666">
                   <a:extLst>
                     <a:ext uri="{9D8B030D-6E8A-4147-A177-3AD203B41FA5}">
-                      <a16:colId xmlns:a16="http://schemas.microsoft.com/office/drawing/2014/main" val="3045065535"/>
+                      <a16:colId xmlns:a16="http://schemas.microsoft.com/office/drawing/2014/main" val="4124632601"/>
                     </a:ext>
                   </a:extLst>
                 </a:gridCol>
-                <a:gridCol w="1354667">
+                <a:gridCol w="1354666">
                   <a:extLst>
                     <a:ext uri="{9D8B030D-6E8A-4147-A177-3AD203B41FA5}">
-                      <a16:colId xmlns:a16="http://schemas.microsoft.com/office/drawing/2014/main" val="318985290"/>
+                      <a16:colId xmlns:a16="http://schemas.microsoft.com/office/drawing/2014/main" val="2206490258"/>
                     </a:ext>
                   </a:extLst>
                 </a:gridCol>
-                <a:gridCol w="1354667">
+                <a:gridCol w="1354666">
                   <a:extLst>
                     <a:ext uri="{9D8B030D-6E8A-4147-A177-3AD203B41FA5}">
-                      <a16:colId xmlns:a16="http://schemas.microsoft.com/office/drawing/2014/main" val="2164639876"/>
+                      <a16:colId xmlns:a16="http://schemas.microsoft.com/office/drawing/2014/main" val="4117108070"/>
                     </a:ext>
                   </a:extLst>
                 </a:gridCol>
-                <a:gridCol w="1354667">
+                <a:gridCol w="1354666">
                   <a:extLst>
                     <a:ext uri="{9D8B030D-6E8A-4147-A177-3AD203B41FA5}">
-                      <a16:colId xmlns:a16="http://schemas.microsoft.com/office/drawing/2014/main" val="1237473952"/>
+                      <a16:colId xmlns:a16="http://schemas.microsoft.com/office/drawing/2014/main" val="396907170"/>
                     </a:ext>
                   </a:extLst>
                 </a:gridCol>
-                <a:gridCol w="1354667">
+                <a:gridCol w="1354666">
                   <a:extLst>
                     <a:ext uri="{9D8B030D-6E8A-4147-A177-3AD203B41FA5}">
-                      <a16:colId xmlns:a16="http://schemas.microsoft.com/office/drawing/2014/main" val="3138265399"/>
+                      <a16:colId xmlns:a16="http://schemas.microsoft.com/office/drawing/2014/main" val="2689863938"/>
                     </a:ext>
                   </a:extLst>
                 </a:gridCol>
-                <a:gridCol w="1354667">
+                <a:gridCol w="1354666">
                   <a:extLst>
                     <a:ext uri="{9D8B030D-6E8A-4147-A177-3AD203B41FA5}">
-                      <a16:colId xmlns:a16="http://schemas.microsoft.com/office/drawing/2014/main" val="1754849391"/>
+                      <a16:colId xmlns:a16="http://schemas.microsoft.com/office/drawing/2014/main" val="352420136"/>
                     </a:ext>
                   </a:extLst>
                 </a:gridCol>
-                <a:gridCol w="1354667">
+                <a:gridCol w="1354666">
                   <a:extLst>
                     <a:ext uri="{9D8B030D-6E8A-4147-A177-3AD203B41FA5}">
-                      <a16:colId xmlns:a16="http://schemas.microsoft.com/office/drawing/2014/main" val="119598254"/>
+                      <a16:colId xmlns:a16="http://schemas.microsoft.com/office/drawing/2014/main" val="3656480174"/>
                     </a:ext>
                   </a:extLst>
                 </a:gridCol>
-                <a:gridCol w="1354667">
+                <a:gridCol w="1354666">
                   <a:extLst>
                     <a:ext uri="{9D8B030D-6E8A-4147-A177-3AD203B41FA5}">
-                      <a16:colId xmlns:a16="http://schemas.microsoft.com/office/drawing/2014/main" val="1816061993"/>
+                      <a16:colId xmlns:a16="http://schemas.microsoft.com/office/drawing/2014/main" val="800686970"/>
                     </a:ext>
                   </a:extLst>
                 </a:gridCol>
               </a:tblGrid>
-              <a:tr h="624113">
+              <a:tr h="715554">
                 <a:tc>
                   <a:txBody>
                     <a:bodyPr/>
@@ -3634,10 +4044,10 @@
                     <a:p>
                       <a:pPr algn="ctr"/>
                       <a:r>
-                        <a:rPr lang="en-US" altLang="zh-CN" dirty="0"/>
+                        <a:rPr lang="en-US" altLang="zh-CN" sz="1400" dirty="0"/>
                         <a:t>Users</a:t>
                       </a:r>
-                      <a:endParaRPr lang="zh-CN" altLang="en-US" dirty="0"/>
+                      <a:endParaRPr lang="zh-CN" altLang="en-US" sz="1400" dirty="0"/>
                     </a:p>
                   </a:txBody>
                   <a:tcPr/>
@@ -3649,10 +4059,10 @@
                     <a:p>
                       <a:pPr algn="ctr"/>
                       <a:r>
-                        <a:rPr lang="en-US" altLang="zh-CN" dirty="0"/>
+                        <a:rPr lang="en-US" altLang="zh-CN" sz="1400" dirty="0"/>
                         <a:t>user addresses</a:t>
                       </a:r>
-                      <a:endParaRPr lang="zh-CN" altLang="en-US" dirty="0"/>
+                      <a:endParaRPr lang="zh-CN" altLang="en-US" sz="1400" dirty="0"/>
                     </a:p>
                   </a:txBody>
                   <a:tcPr/>
@@ -3664,10 +4074,10 @@
                     <a:p>
                       <a:pPr algn="ctr"/>
                       <a:r>
-                        <a:rPr lang="en-US" altLang="zh-CN" dirty="0"/>
+                        <a:rPr lang="en-US" altLang="zh-CN" sz="1400" dirty="0"/>
                         <a:t>User Favorites</a:t>
                       </a:r>
-                      <a:endParaRPr lang="zh-CN" altLang="en-US" dirty="0"/>
+                      <a:endParaRPr lang="zh-CN" altLang="en-US" sz="1400" dirty="0"/>
                     </a:p>
                   </a:txBody>
                   <a:tcPr/>
@@ -3679,10 +4089,10 @@
                     <a:p>
                       <a:pPr algn="ctr"/>
                       <a:r>
-                        <a:rPr lang="en-US" altLang="zh-CN" dirty="0"/>
+                        <a:rPr lang="en-US" altLang="zh-CN" sz="1400" dirty="0"/>
                         <a:t>Products</a:t>
                       </a:r>
-                      <a:endParaRPr lang="zh-CN" altLang="en-US" dirty="0"/>
+                      <a:endParaRPr lang="zh-CN" altLang="en-US" sz="1400" dirty="0"/>
                     </a:p>
                   </a:txBody>
                   <a:tcPr/>
@@ -3694,10 +4104,10 @@
                     <a:p>
                       <a:pPr algn="ctr"/>
                       <a:r>
-                        <a:rPr lang="en-US" altLang="zh-CN" dirty="0"/>
+                        <a:rPr lang="en-US" altLang="zh-CN" sz="1400" dirty="0"/>
                         <a:t>Product reviews</a:t>
                       </a:r>
-                      <a:endParaRPr lang="zh-CN" altLang="en-US" dirty="0"/>
+                      <a:endParaRPr lang="zh-CN" altLang="en-US" sz="1400" dirty="0"/>
                     </a:p>
                   </a:txBody>
                   <a:tcPr/>
@@ -3709,10 +4119,10 @@
                     <a:p>
                       <a:pPr algn="ctr"/>
                       <a:r>
-                        <a:rPr lang="en-US" altLang="zh-CN" dirty="0"/>
+                        <a:rPr lang="en-US" altLang="zh-CN" sz="1400" dirty="0"/>
                         <a:t>Orders</a:t>
                       </a:r>
-                      <a:endParaRPr lang="zh-CN" altLang="en-US" dirty="0"/>
+                      <a:endParaRPr lang="zh-CN" altLang="en-US" sz="1400" dirty="0"/>
                     </a:p>
                   </a:txBody>
                   <a:tcPr/>
@@ -3724,10 +4134,10 @@
                     <a:p>
                       <a:pPr algn="ctr"/>
                       <a:r>
-                        <a:rPr lang="en-US" altLang="zh-CN" dirty="0"/>
+                        <a:rPr lang="en-US" altLang="zh-CN" sz="1400" dirty="0"/>
                         <a:t>Order products</a:t>
                       </a:r>
-                      <a:endParaRPr lang="zh-CN" altLang="en-US" dirty="0"/>
+                      <a:endParaRPr lang="zh-CN" altLang="en-US" sz="1400" dirty="0"/>
                     </a:p>
                   </a:txBody>
                   <a:tcPr/>
@@ -3739,10 +4149,10 @@
                     <a:p>
                       <a:pPr algn="ctr"/>
                       <a:r>
-                        <a:rPr lang="en-US" altLang="zh-CN" dirty="0"/>
+                        <a:rPr lang="en-US" altLang="zh-CN" sz="1400" dirty="0"/>
                         <a:t>Order status</a:t>
                       </a:r>
-                      <a:endParaRPr lang="zh-CN" altLang="en-US" dirty="0"/>
+                      <a:endParaRPr lang="zh-CN" altLang="en-US" sz="1400" dirty="0"/>
                     </a:p>
                   </a:txBody>
                   <a:tcPr/>
@@ -3754,28 +4164,28 @@
                     <a:p>
                       <a:pPr algn="ctr"/>
                       <a:r>
-                        <a:rPr lang="en-US" altLang="zh-CN" dirty="0"/>
+                        <a:rPr lang="en-US" altLang="zh-CN" sz="1400" dirty="0"/>
                         <a:t>Cart</a:t>
                       </a:r>
-                      <a:endParaRPr lang="zh-CN" altLang="en-US" dirty="0"/>
+                      <a:endParaRPr lang="zh-CN" altLang="en-US" sz="1400" dirty="0"/>
                     </a:p>
                   </a:txBody>
                   <a:tcPr/>
                 </a:tc>
                 <a:extLst>
                   <a:ext uri="{0D108BD9-81ED-4DB2-BD59-A6C34878D82A}">
-                    <a16:rowId xmlns:a16="http://schemas.microsoft.com/office/drawing/2014/main" val="1090053540"/>
+                    <a16:rowId xmlns:a16="http://schemas.microsoft.com/office/drawing/2014/main" val="2061275841"/>
                   </a:ext>
                 </a:extLst>
               </a:tr>
-              <a:tr h="640080">
-                <a:tc>
-                  <a:txBody>
-                    <a:bodyPr/>
-                    <a:lstStyle/>
-                    <a:p>
-                      <a:r>
-                        <a:rPr lang="en-US" altLang="zh-CN" dirty="0"/>
+              <a:tr h="602531">
+                <a:tc>
+                  <a:txBody>
+                    <a:bodyPr/>
+                    <a:lstStyle/>
+                    <a:p>
+                      <a:r>
+                        <a:rPr lang="en-US" altLang="zh-CN" sz="1400" dirty="0"/>
                         <a:t>id</a:t>
                       </a:r>
                     </a:p>
@@ -3788,7 +4198,7 @@
                     <a:lstStyle/>
                     <a:p>
                       <a:r>
-                        <a:rPr lang="en-US" altLang="zh-CN" dirty="0"/>
+                        <a:rPr lang="en-US" altLang="zh-CN" sz="1400" dirty="0"/>
                         <a:t>id</a:t>
                       </a:r>
                     </a:p>
@@ -3801,7 +4211,7 @@
                     <a:lstStyle/>
                     <a:p>
                       <a:r>
-                        <a:rPr lang="en-US" altLang="zh-CN" dirty="0"/>
+                        <a:rPr lang="en-US" altLang="zh-CN" sz="1400" dirty="0"/>
                         <a:t>User id</a:t>
                       </a:r>
                     </a:p>
@@ -3814,35 +4224,35 @@
                     <a:lstStyle/>
                     <a:p>
                       <a:r>
-                        <a:rPr lang="en-US" altLang="zh-CN" dirty="0"/>
+                        <a:rPr lang="en-US" altLang="zh-CN" sz="1400" dirty="0"/>
                         <a:t>id</a:t>
                       </a:r>
-                      <a:endParaRPr lang="zh-CN" altLang="en-US" dirty="0"/>
-                    </a:p>
-                  </a:txBody>
-                  <a:tcPr/>
-                </a:tc>
-                <a:tc>
-                  <a:txBody>
-                    <a:bodyPr/>
-                    <a:lstStyle/>
-                    <a:p>
-                      <a:r>
-                        <a:rPr lang="en-US" altLang="zh-CN" dirty="0"/>
+                      <a:endParaRPr lang="zh-CN" altLang="en-US" sz="1400" dirty="0"/>
+                    </a:p>
+                  </a:txBody>
+                  <a:tcPr/>
+                </a:tc>
+                <a:tc>
+                  <a:txBody>
+                    <a:bodyPr/>
+                    <a:lstStyle/>
+                    <a:p>
+                      <a:r>
+                        <a:rPr lang="en-US" altLang="zh-CN" sz="1400" dirty="0"/>
                         <a:t>id</a:t>
                       </a:r>
-                      <a:endParaRPr lang="zh-CN" altLang="en-US" dirty="0"/>
-                    </a:p>
-                  </a:txBody>
-                  <a:tcPr/>
-                </a:tc>
-                <a:tc>
-                  <a:txBody>
-                    <a:bodyPr/>
-                    <a:lstStyle/>
-                    <a:p>
-                      <a:r>
-                        <a:rPr lang="en-US" altLang="zh-CN" dirty="0"/>
+                      <a:endParaRPr lang="zh-CN" altLang="en-US" sz="1400" dirty="0"/>
+                    </a:p>
+                  </a:txBody>
+                  <a:tcPr/>
+                </a:tc>
+                <a:tc>
+                  <a:txBody>
+                    <a:bodyPr/>
+                    <a:lstStyle/>
+                    <a:p>
+                      <a:r>
+                        <a:rPr lang="en-US" altLang="zh-CN" sz="1400" dirty="0"/>
                         <a:t>Id</a:t>
                       </a:r>
                     </a:p>
@@ -3855,571 +4265,571 @@
                     <a:lstStyle/>
                     <a:p>
                       <a:r>
-                        <a:rPr lang="en-US" altLang="zh-CN" dirty="0"/>
+                        <a:rPr lang="en-US" altLang="zh-CN" sz="1400" dirty="0"/>
                         <a:t>Order id</a:t>
                       </a:r>
-                      <a:endParaRPr lang="zh-CN" altLang="en-US" dirty="0"/>
-                    </a:p>
-                  </a:txBody>
-                  <a:tcPr/>
-                </a:tc>
-                <a:tc>
-                  <a:txBody>
-                    <a:bodyPr/>
-                    <a:lstStyle/>
-                    <a:p>
-                      <a:r>
-                        <a:rPr lang="en-US" altLang="zh-CN" dirty="0"/>
+                      <a:endParaRPr lang="zh-CN" altLang="en-US" sz="1400" dirty="0"/>
+                    </a:p>
+                  </a:txBody>
+                  <a:tcPr/>
+                </a:tc>
+                <a:tc>
+                  <a:txBody>
+                    <a:bodyPr/>
+                    <a:lstStyle/>
+                    <a:p>
+                      <a:r>
+                        <a:rPr lang="en-US" altLang="zh-CN" sz="1400" dirty="0"/>
                         <a:t>order id</a:t>
                       </a:r>
-                      <a:endParaRPr lang="zh-CN" altLang="en-US" dirty="0"/>
-                    </a:p>
-                  </a:txBody>
-                  <a:tcPr/>
-                </a:tc>
-                <a:tc>
-                  <a:txBody>
-                    <a:bodyPr/>
-                    <a:lstStyle/>
-                    <a:p>
-                      <a:r>
-                        <a:rPr lang="en-US" altLang="zh-CN" dirty="0"/>
+                      <a:endParaRPr lang="zh-CN" altLang="en-US" sz="1400" dirty="0"/>
+                    </a:p>
+                  </a:txBody>
+                  <a:tcPr/>
+                </a:tc>
+                <a:tc>
+                  <a:txBody>
+                    <a:bodyPr/>
+                    <a:lstStyle/>
+                    <a:p>
+                      <a:r>
+                        <a:rPr lang="en-US" altLang="zh-CN" sz="1400" dirty="0"/>
                         <a:t>User id</a:t>
                       </a:r>
-                      <a:endParaRPr lang="zh-CN" altLang="en-US" dirty="0"/>
+                      <a:endParaRPr lang="zh-CN" altLang="en-US" sz="1400" dirty="0"/>
                     </a:p>
                   </a:txBody>
                   <a:tcPr/>
                 </a:tc>
                 <a:extLst>
                   <a:ext uri="{0D108BD9-81ED-4DB2-BD59-A6C34878D82A}">
-                    <a16:rowId xmlns:a16="http://schemas.microsoft.com/office/drawing/2014/main" val="2069591821"/>
+                    <a16:rowId xmlns:a16="http://schemas.microsoft.com/office/drawing/2014/main" val="4219200699"/>
                   </a:ext>
                 </a:extLst>
               </a:tr>
-              <a:tr h="640080">
-                <a:tc>
-                  <a:txBody>
-                    <a:bodyPr/>
-                    <a:lstStyle/>
-                    <a:p>
-                      <a:r>
-                        <a:rPr lang="en-US" altLang="zh-CN" dirty="0"/>
+              <a:tr h="602531">
+                <a:tc>
+                  <a:txBody>
+                    <a:bodyPr/>
+                    <a:lstStyle/>
+                    <a:p>
+                      <a:r>
+                        <a:rPr lang="en-US" altLang="zh-CN" sz="1400" dirty="0"/>
                         <a:t>Name</a:t>
                       </a:r>
-                      <a:endParaRPr lang="zh-CN" altLang="en-US" dirty="0"/>
-                    </a:p>
-                  </a:txBody>
-                  <a:tcPr/>
-                </a:tc>
-                <a:tc>
-                  <a:txBody>
-                    <a:bodyPr/>
-                    <a:lstStyle/>
-                    <a:p>
-                      <a:r>
-                        <a:rPr lang="en-US" altLang="zh-CN" dirty="0"/>
+                      <a:endParaRPr lang="zh-CN" altLang="en-US" sz="1400" dirty="0"/>
+                    </a:p>
+                  </a:txBody>
+                  <a:tcPr/>
+                </a:tc>
+                <a:tc>
+                  <a:txBody>
+                    <a:bodyPr/>
+                    <a:lstStyle/>
+                    <a:p>
+                      <a:r>
+                        <a:rPr lang="en-US" altLang="zh-CN" sz="1400" dirty="0"/>
                         <a:t>country</a:t>
                       </a:r>
-                      <a:endParaRPr lang="zh-CN" altLang="en-US" dirty="0"/>
-                    </a:p>
-                  </a:txBody>
-                  <a:tcPr/>
-                </a:tc>
-                <a:tc>
-                  <a:txBody>
-                    <a:bodyPr/>
-                    <a:lstStyle/>
-                    <a:p>
-                      <a:r>
-                        <a:rPr lang="en-US" altLang="zh-CN" dirty="0"/>
+                      <a:endParaRPr lang="zh-CN" altLang="en-US" sz="1400" dirty="0"/>
+                    </a:p>
+                  </a:txBody>
+                  <a:tcPr/>
+                </a:tc>
+                <a:tc>
+                  <a:txBody>
+                    <a:bodyPr/>
+                    <a:lstStyle/>
+                    <a:p>
+                      <a:r>
+                        <a:rPr lang="en-US" altLang="zh-CN" sz="1400" dirty="0"/>
                         <a:t>Product id</a:t>
                       </a:r>
-                      <a:endParaRPr lang="zh-CN" altLang="en-US" dirty="0"/>
-                    </a:p>
-                  </a:txBody>
-                  <a:tcPr/>
-                </a:tc>
-                <a:tc>
-                  <a:txBody>
-                    <a:bodyPr/>
-                    <a:lstStyle/>
-                    <a:p>
-                      <a:r>
-                        <a:rPr lang="en-US" altLang="zh-CN" dirty="0"/>
+                      <a:endParaRPr lang="zh-CN" altLang="en-US" sz="1400" dirty="0"/>
+                    </a:p>
+                  </a:txBody>
+                  <a:tcPr/>
+                </a:tc>
+                <a:tc>
+                  <a:txBody>
+                    <a:bodyPr/>
+                    <a:lstStyle/>
+                    <a:p>
+                      <a:r>
+                        <a:rPr lang="en-US" altLang="zh-CN" sz="1400" dirty="0"/>
                         <a:t>name</a:t>
                       </a:r>
-                      <a:endParaRPr lang="zh-CN" altLang="en-US" dirty="0"/>
-                    </a:p>
-                  </a:txBody>
-                  <a:tcPr/>
-                </a:tc>
-                <a:tc>
-                  <a:txBody>
-                    <a:bodyPr/>
-                    <a:lstStyle/>
-                    <a:p>
-                      <a:r>
-                        <a:rPr lang="en-US" altLang="zh-CN" dirty="0"/>
+                      <a:endParaRPr lang="zh-CN" altLang="en-US" sz="1400" dirty="0"/>
+                    </a:p>
+                  </a:txBody>
+                  <a:tcPr/>
+                </a:tc>
+                <a:tc>
+                  <a:txBody>
+                    <a:bodyPr/>
+                    <a:lstStyle/>
+                    <a:p>
+                      <a:r>
+                        <a:rPr lang="en-US" altLang="zh-CN" sz="1400" dirty="0"/>
                         <a:t>Product id</a:t>
                       </a:r>
-                      <a:endParaRPr lang="zh-CN" altLang="en-US" dirty="0"/>
-                    </a:p>
-                  </a:txBody>
-                  <a:tcPr/>
-                </a:tc>
-                <a:tc>
-                  <a:txBody>
-                    <a:bodyPr/>
-                    <a:lstStyle/>
-                    <a:p>
-                      <a:r>
-                        <a:rPr lang="en-US" altLang="zh-CN" dirty="0"/>
+                      <a:endParaRPr lang="zh-CN" altLang="en-US" sz="1400" dirty="0"/>
+                    </a:p>
+                  </a:txBody>
+                  <a:tcPr/>
+                </a:tc>
+                <a:tc>
+                  <a:txBody>
+                    <a:bodyPr/>
+                    <a:lstStyle/>
+                    <a:p>
+                      <a:r>
+                        <a:rPr lang="en-US" altLang="zh-CN" sz="1400" dirty="0"/>
                         <a:t>Total price</a:t>
                       </a:r>
-                      <a:endParaRPr lang="zh-CN" altLang="en-US" dirty="0"/>
-                    </a:p>
-                  </a:txBody>
-                  <a:tcPr/>
-                </a:tc>
-                <a:tc>
-                  <a:txBody>
-                    <a:bodyPr/>
-                    <a:lstStyle/>
-                    <a:p>
-                      <a:r>
-                        <a:rPr lang="en-US" altLang="zh-CN" dirty="0"/>
+                      <a:endParaRPr lang="zh-CN" altLang="en-US" sz="1400" dirty="0"/>
+                    </a:p>
+                  </a:txBody>
+                  <a:tcPr/>
+                </a:tc>
+                <a:tc>
+                  <a:txBody>
+                    <a:bodyPr/>
+                    <a:lstStyle/>
+                    <a:p>
+                      <a:r>
+                        <a:rPr lang="en-US" altLang="zh-CN" sz="1400" dirty="0"/>
                         <a:t>Product id</a:t>
                       </a:r>
-                      <a:endParaRPr lang="zh-CN" altLang="en-US" dirty="0"/>
-                    </a:p>
-                  </a:txBody>
-                  <a:tcPr/>
-                </a:tc>
-                <a:tc>
-                  <a:txBody>
-                    <a:bodyPr/>
-                    <a:lstStyle/>
-                    <a:p>
-                      <a:r>
-                        <a:rPr lang="en-US" altLang="zh-CN" dirty="0"/>
+                      <a:endParaRPr lang="zh-CN" altLang="en-US" sz="1400" dirty="0"/>
+                    </a:p>
+                  </a:txBody>
+                  <a:tcPr/>
+                </a:tc>
+                <a:tc>
+                  <a:txBody>
+                    <a:bodyPr/>
+                    <a:lstStyle/>
+                    <a:p>
+                      <a:r>
+                        <a:rPr lang="en-US" altLang="zh-CN" sz="1400" dirty="0"/>
                         <a:t>create date</a:t>
                       </a:r>
-                      <a:endParaRPr lang="zh-CN" altLang="en-US" dirty="0"/>
-                    </a:p>
-                  </a:txBody>
-                  <a:tcPr/>
-                </a:tc>
-                <a:tc>
-                  <a:txBody>
-                    <a:bodyPr/>
-                    <a:lstStyle/>
-                    <a:p>
-                      <a:r>
-                        <a:rPr lang="en-US" altLang="zh-CN" dirty="0"/>
+                      <a:endParaRPr lang="zh-CN" altLang="en-US" sz="1400" dirty="0"/>
+                    </a:p>
+                  </a:txBody>
+                  <a:tcPr/>
+                </a:tc>
+                <a:tc>
+                  <a:txBody>
+                    <a:bodyPr/>
+                    <a:lstStyle/>
+                    <a:p>
+                      <a:r>
+                        <a:rPr lang="en-US" altLang="zh-CN" sz="1400" dirty="0"/>
                         <a:t>Product id</a:t>
                       </a:r>
-                      <a:endParaRPr lang="zh-CN" altLang="en-US" dirty="0"/>
+                      <a:endParaRPr lang="zh-CN" altLang="en-US" sz="1400" dirty="0"/>
                     </a:p>
                   </a:txBody>
                   <a:tcPr/>
                 </a:tc>
                 <a:extLst>
                   <a:ext uri="{0D108BD9-81ED-4DB2-BD59-A6C34878D82A}">
-                    <a16:rowId xmlns:a16="http://schemas.microsoft.com/office/drawing/2014/main" val="686011161"/>
+                    <a16:rowId xmlns:a16="http://schemas.microsoft.com/office/drawing/2014/main" val="2232068831"/>
                   </a:ext>
                 </a:extLst>
               </a:tr>
-              <a:tr h="640080">
-                <a:tc>
-                  <a:txBody>
-                    <a:bodyPr/>
-                    <a:lstStyle/>
-                    <a:p>
-                      <a:r>
-                        <a:rPr lang="en-US" altLang="zh-CN" dirty="0"/>
+              <a:tr h="602531">
+                <a:tc>
+                  <a:txBody>
+                    <a:bodyPr/>
+                    <a:lstStyle/>
+                    <a:p>
+                      <a:r>
+                        <a:rPr lang="en-US" altLang="zh-CN" sz="1400" dirty="0"/>
                         <a:t>username</a:t>
                       </a:r>
-                      <a:endParaRPr lang="zh-CN" altLang="en-US" dirty="0"/>
-                    </a:p>
-                  </a:txBody>
-                  <a:tcPr/>
-                </a:tc>
-                <a:tc>
-                  <a:txBody>
-                    <a:bodyPr/>
-                    <a:lstStyle/>
-                    <a:p>
-                      <a:r>
-                        <a:rPr lang="en-US" altLang="zh-CN" dirty="0"/>
+                      <a:endParaRPr lang="zh-CN" altLang="en-US" sz="1400" dirty="0"/>
+                    </a:p>
+                  </a:txBody>
+                  <a:tcPr/>
+                </a:tc>
+                <a:tc>
+                  <a:txBody>
+                    <a:bodyPr/>
+                    <a:lstStyle/>
+                    <a:p>
+                      <a:r>
+                        <a:rPr lang="en-US" altLang="zh-CN" sz="1400" dirty="0"/>
                         <a:t>province</a:t>
                       </a:r>
-                      <a:endParaRPr lang="zh-CN" altLang="en-US" dirty="0"/>
-                    </a:p>
-                  </a:txBody>
-                  <a:tcPr/>
-                </a:tc>
-                <a:tc>
-                  <a:txBody>
-                    <a:bodyPr/>
-                    <a:lstStyle/>
-                    <a:p>
-                      <a:r>
-                        <a:rPr lang="en-US" altLang="zh-CN" dirty="0"/>
+                      <a:endParaRPr lang="zh-CN" altLang="en-US" sz="1400" dirty="0"/>
+                    </a:p>
+                  </a:txBody>
+                  <a:tcPr/>
+                </a:tc>
+                <a:tc>
+                  <a:txBody>
+                    <a:bodyPr/>
+                    <a:lstStyle/>
+                    <a:p>
+                      <a:r>
+                        <a:rPr lang="en-US" altLang="zh-CN" sz="1400" dirty="0"/>
                         <a:t>price</a:t>
                       </a:r>
-                      <a:endParaRPr lang="zh-CN" altLang="en-US" dirty="0"/>
-                    </a:p>
-                  </a:txBody>
-                  <a:tcPr/>
-                </a:tc>
-                <a:tc>
-                  <a:txBody>
-                    <a:bodyPr/>
-                    <a:lstStyle/>
-                    <a:p>
-                      <a:r>
-                        <a:rPr lang="en-US" altLang="zh-CN" dirty="0"/>
+                      <a:endParaRPr lang="zh-CN" altLang="en-US" sz="1400" dirty="0"/>
+                    </a:p>
+                  </a:txBody>
+                  <a:tcPr/>
+                </a:tc>
+                <a:tc>
+                  <a:txBody>
+                    <a:bodyPr/>
+                    <a:lstStyle/>
+                    <a:p>
+                      <a:r>
+                        <a:rPr lang="en-US" altLang="zh-CN" sz="1400" dirty="0"/>
                         <a:t>price</a:t>
                       </a:r>
-                      <a:endParaRPr lang="zh-CN" altLang="en-US" dirty="0"/>
-                    </a:p>
-                  </a:txBody>
-                  <a:tcPr/>
-                </a:tc>
-                <a:tc>
-                  <a:txBody>
-                    <a:bodyPr/>
-                    <a:lstStyle/>
-                    <a:p>
-                      <a:r>
-                        <a:rPr lang="en-US" altLang="zh-CN" dirty="0"/>
+                      <a:endParaRPr lang="zh-CN" altLang="en-US" sz="1400" dirty="0"/>
+                    </a:p>
+                  </a:txBody>
+                  <a:tcPr/>
+                </a:tc>
+                <a:tc>
+                  <a:txBody>
+                    <a:bodyPr/>
+                    <a:lstStyle/>
+                    <a:p>
+                      <a:r>
+                        <a:rPr lang="en-US" altLang="zh-CN" sz="1400" dirty="0"/>
                         <a:t>title</a:t>
                       </a:r>
-                      <a:endParaRPr lang="zh-CN" altLang="en-US" dirty="0"/>
-                    </a:p>
-                  </a:txBody>
-                  <a:tcPr/>
-                </a:tc>
-                <a:tc>
-                  <a:txBody>
-                    <a:bodyPr/>
-                    <a:lstStyle/>
-                    <a:p>
-                      <a:r>
-                        <a:rPr lang="en-US" altLang="zh-CN" dirty="0"/>
+                      <a:endParaRPr lang="zh-CN" altLang="en-US" sz="1400" dirty="0"/>
+                    </a:p>
+                  </a:txBody>
+                  <a:tcPr/>
+                </a:tc>
+                <a:tc>
+                  <a:txBody>
+                    <a:bodyPr/>
+                    <a:lstStyle/>
+                    <a:p>
+                      <a:r>
+                        <a:rPr lang="en-US" altLang="zh-CN" sz="1400" dirty="0"/>
                         <a:t>review</a:t>
                       </a:r>
-                      <a:endParaRPr lang="zh-CN" altLang="en-US" dirty="0"/>
-                    </a:p>
-                  </a:txBody>
-                  <a:tcPr/>
-                </a:tc>
-                <a:tc>
-                  <a:txBody>
-                    <a:bodyPr/>
-                    <a:lstStyle/>
-                    <a:p>
-                      <a:r>
-                        <a:rPr lang="en-US" altLang="zh-CN" dirty="0"/>
+                      <a:endParaRPr lang="zh-CN" altLang="en-US" sz="1400" dirty="0"/>
+                    </a:p>
+                  </a:txBody>
+                  <a:tcPr/>
+                </a:tc>
+                <a:tc>
+                  <a:txBody>
+                    <a:bodyPr/>
+                    <a:lstStyle/>
+                    <a:p>
+                      <a:r>
+                        <a:rPr lang="en-US" altLang="zh-CN" sz="1400" dirty="0"/>
                         <a:t>Product number</a:t>
                       </a:r>
-                      <a:endParaRPr lang="zh-CN" altLang="en-US" dirty="0"/>
-                    </a:p>
-                  </a:txBody>
-                  <a:tcPr/>
-                </a:tc>
-                <a:tc>
-                  <a:txBody>
-                    <a:bodyPr/>
-                    <a:lstStyle/>
-                    <a:p>
-                      <a:r>
-                        <a:rPr lang="en-US" altLang="zh-CN" dirty="0"/>
+                      <a:endParaRPr lang="zh-CN" altLang="en-US" sz="1400" dirty="0"/>
+                    </a:p>
+                  </a:txBody>
+                  <a:tcPr/>
+                </a:tc>
+                <a:tc>
+                  <a:txBody>
+                    <a:bodyPr/>
+                    <a:lstStyle/>
+                    <a:p>
+                      <a:r>
+                        <a:rPr lang="en-US" altLang="zh-CN" sz="1400" dirty="0"/>
                         <a:t>Payed date</a:t>
                       </a:r>
-                      <a:endParaRPr lang="zh-CN" altLang="en-US" dirty="0"/>
-                    </a:p>
-                  </a:txBody>
-                  <a:tcPr/>
-                </a:tc>
-                <a:tc>
-                  <a:txBody>
-                    <a:bodyPr/>
-                    <a:lstStyle/>
-                    <a:p>
-                      <a:r>
-                        <a:rPr lang="en-US" altLang="zh-CN" dirty="0"/>
+                      <a:endParaRPr lang="zh-CN" altLang="en-US" sz="1400" dirty="0"/>
+                    </a:p>
+                  </a:txBody>
+                  <a:tcPr/>
+                </a:tc>
+                <a:tc>
+                  <a:txBody>
+                    <a:bodyPr/>
+                    <a:lstStyle/>
+                    <a:p>
+                      <a:r>
+                        <a:rPr lang="en-US" altLang="zh-CN" sz="1400" dirty="0"/>
                         <a:t>Product number</a:t>
                       </a:r>
-                      <a:endParaRPr lang="zh-CN" altLang="en-US" dirty="0"/>
+                      <a:endParaRPr lang="zh-CN" altLang="en-US" sz="1400" dirty="0"/>
                     </a:p>
                   </a:txBody>
                   <a:tcPr/>
                 </a:tc>
                 <a:extLst>
                   <a:ext uri="{0D108BD9-81ED-4DB2-BD59-A6C34878D82A}">
-                    <a16:rowId xmlns:a16="http://schemas.microsoft.com/office/drawing/2014/main" val="1435709788"/>
+                    <a16:rowId xmlns:a16="http://schemas.microsoft.com/office/drawing/2014/main" val="3650241724"/>
                   </a:ext>
                 </a:extLst>
               </a:tr>
-              <a:tr h="640080">
-                <a:tc>
-                  <a:txBody>
-                    <a:bodyPr/>
-                    <a:lstStyle/>
-                    <a:p>
-                      <a:r>
-                        <a:rPr lang="en-US" altLang="zh-CN" dirty="0"/>
+              <a:tr h="602531">
+                <a:tc>
+                  <a:txBody>
+                    <a:bodyPr/>
+                    <a:lstStyle/>
+                    <a:p>
+                      <a:r>
+                        <a:rPr lang="en-US" altLang="zh-CN" sz="1400"/>
                         <a:t>password</a:t>
                       </a:r>
-                      <a:endParaRPr lang="zh-CN" altLang="en-US" dirty="0"/>
-                    </a:p>
-                  </a:txBody>
-                  <a:tcPr/>
-                </a:tc>
-                <a:tc>
-                  <a:txBody>
-                    <a:bodyPr/>
-                    <a:lstStyle/>
-                    <a:p>
-                      <a:r>
-                        <a:rPr lang="en-US" altLang="zh-CN" dirty="0"/>
+                      <a:endParaRPr lang="zh-CN" altLang="en-US" sz="1400" dirty="0"/>
+                    </a:p>
+                  </a:txBody>
+                  <a:tcPr/>
+                </a:tc>
+                <a:tc>
+                  <a:txBody>
+                    <a:bodyPr/>
+                    <a:lstStyle/>
+                    <a:p>
+                      <a:r>
+                        <a:rPr lang="en-US" altLang="zh-CN" sz="1400" dirty="0"/>
                         <a:t>district</a:t>
                       </a:r>
-                      <a:endParaRPr lang="zh-CN" altLang="en-US" dirty="0"/>
-                    </a:p>
-                  </a:txBody>
-                  <a:tcPr/>
-                </a:tc>
-                <a:tc>
-                  <a:txBody>
-                    <a:bodyPr/>
-                    <a:lstStyle/>
-                    <a:p>
-                      <a:r>
-                        <a:rPr lang="en-US" altLang="zh-CN" dirty="0"/>
+                      <a:endParaRPr lang="zh-CN" altLang="en-US" sz="1400" dirty="0"/>
+                    </a:p>
+                  </a:txBody>
+                  <a:tcPr/>
+                </a:tc>
+                <a:tc>
+                  <a:txBody>
+                    <a:bodyPr/>
+                    <a:lstStyle/>
+                    <a:p>
+                      <a:r>
+                        <a:rPr lang="en-US" altLang="zh-CN" sz="1400" dirty="0"/>
                         <a:t>Add date</a:t>
                       </a:r>
-                      <a:endParaRPr lang="zh-CN" altLang="en-US" dirty="0"/>
-                    </a:p>
-                  </a:txBody>
-                  <a:tcPr/>
-                </a:tc>
-                <a:tc>
-                  <a:txBody>
-                    <a:bodyPr/>
-                    <a:lstStyle/>
-                    <a:p>
-                      <a:r>
-                        <a:rPr lang="en-US" altLang="zh-CN" dirty="0"/>
+                      <a:endParaRPr lang="zh-CN" altLang="en-US" sz="1400" dirty="0"/>
+                    </a:p>
+                  </a:txBody>
+                  <a:tcPr/>
+                </a:tc>
+                <a:tc>
+                  <a:txBody>
+                    <a:bodyPr/>
+                    <a:lstStyle/>
+                    <a:p>
+                      <a:r>
+                        <a:rPr lang="en-US" altLang="zh-CN" sz="1400" dirty="0"/>
                         <a:t>photo</a:t>
                       </a:r>
-                      <a:endParaRPr lang="zh-CN" altLang="en-US" dirty="0"/>
-                    </a:p>
-                  </a:txBody>
-                  <a:tcPr/>
-                </a:tc>
-                <a:tc>
-                  <a:txBody>
-                    <a:bodyPr/>
-                    <a:lstStyle/>
-                    <a:p>
-                      <a:r>
-                        <a:rPr lang="en-US" altLang="zh-CN" dirty="0"/>
+                      <a:endParaRPr lang="zh-CN" altLang="en-US" sz="1400" dirty="0"/>
+                    </a:p>
+                  </a:txBody>
+                  <a:tcPr/>
+                </a:tc>
+                <a:tc>
+                  <a:txBody>
+                    <a:bodyPr/>
+                    <a:lstStyle/>
+                    <a:p>
+                      <a:r>
+                        <a:rPr lang="en-US" altLang="zh-CN" sz="1400" dirty="0"/>
                         <a:t>content</a:t>
                       </a:r>
-                      <a:endParaRPr lang="zh-CN" altLang="en-US" dirty="0"/>
-                    </a:p>
-                  </a:txBody>
-                  <a:tcPr/>
-                </a:tc>
-                <a:tc>
-                  <a:txBody>
-                    <a:bodyPr/>
-                    <a:lstStyle/>
-                    <a:p>
-                      <a:r>
-                        <a:rPr lang="en-US" altLang="zh-CN" dirty="0"/>
+                      <a:endParaRPr lang="zh-CN" altLang="en-US" sz="1400" dirty="0"/>
+                    </a:p>
+                  </a:txBody>
+                  <a:tcPr/>
+                </a:tc>
+                <a:tc>
+                  <a:txBody>
+                    <a:bodyPr/>
+                    <a:lstStyle/>
+                    <a:p>
+                      <a:r>
+                        <a:rPr lang="en-US" altLang="zh-CN" sz="1400" dirty="0"/>
                         <a:t>Shipping address id</a:t>
                       </a:r>
-                      <a:endParaRPr lang="zh-CN" altLang="en-US" dirty="0"/>
-                    </a:p>
-                  </a:txBody>
-                  <a:tcPr/>
-                </a:tc>
-                <a:tc>
-                  <a:txBody>
-                    <a:bodyPr/>
-                    <a:lstStyle/>
-                    <a:p>
-                      <a:endParaRPr lang="zh-CN" altLang="en-US" dirty="0"/>
-                    </a:p>
-                  </a:txBody>
-                  <a:tcPr/>
-                </a:tc>
-                <a:tc>
-                  <a:txBody>
-                    <a:bodyPr/>
-                    <a:lstStyle/>
-                    <a:p>
-                      <a:r>
-                        <a:rPr lang="en-US" altLang="zh-CN" dirty="0"/>
+                      <a:endParaRPr lang="zh-CN" altLang="en-US" sz="1400" dirty="0"/>
+                    </a:p>
+                  </a:txBody>
+                  <a:tcPr/>
+                </a:tc>
+                <a:tc>
+                  <a:txBody>
+                    <a:bodyPr/>
+                    <a:lstStyle/>
+                    <a:p>
+                      <a:endParaRPr lang="zh-CN" altLang="en-US" sz="1400" dirty="0"/>
+                    </a:p>
+                  </a:txBody>
+                  <a:tcPr/>
+                </a:tc>
+                <a:tc>
+                  <a:txBody>
+                    <a:bodyPr/>
+                    <a:lstStyle/>
+                    <a:p>
+                      <a:r>
+                        <a:rPr lang="en-US" altLang="zh-CN" sz="1400" dirty="0"/>
                         <a:t>Ship start date</a:t>
                       </a:r>
-                      <a:endParaRPr lang="zh-CN" altLang="en-US" dirty="0"/>
-                    </a:p>
-                  </a:txBody>
-                  <a:tcPr/>
-                </a:tc>
-                <a:tc>
-                  <a:txBody>
-                    <a:bodyPr/>
-                    <a:lstStyle/>
-                    <a:p>
-                      <a:endParaRPr lang="zh-CN" altLang="en-US" dirty="0"/>
+                      <a:endParaRPr lang="zh-CN" altLang="en-US" sz="1400" dirty="0"/>
+                    </a:p>
+                  </a:txBody>
+                  <a:tcPr/>
+                </a:tc>
+                <a:tc>
+                  <a:txBody>
+                    <a:bodyPr/>
+                    <a:lstStyle/>
+                    <a:p>
+                      <a:endParaRPr lang="zh-CN" altLang="en-US" sz="1400" dirty="0"/>
                     </a:p>
                   </a:txBody>
                   <a:tcPr/>
                 </a:tc>
                 <a:extLst>
                   <a:ext uri="{0D108BD9-81ED-4DB2-BD59-A6C34878D82A}">
-                    <a16:rowId xmlns:a16="http://schemas.microsoft.com/office/drawing/2014/main" val="633512543"/>
+                    <a16:rowId xmlns:a16="http://schemas.microsoft.com/office/drawing/2014/main" val="2636682292"/>
                   </a:ext>
                 </a:extLst>
               </a:tr>
-              <a:tr h="640080">
-                <a:tc>
-                  <a:txBody>
-                    <a:bodyPr/>
-                    <a:lstStyle/>
-                    <a:p>
-                      <a:r>
-                        <a:rPr lang="en-US" altLang="zh-CN" dirty="0"/>
+              <a:tr h="602531">
+                <a:tc>
+                  <a:txBody>
+                    <a:bodyPr/>
+                    <a:lstStyle/>
+                    <a:p>
+                      <a:r>
+                        <a:rPr lang="en-US" altLang="zh-CN" sz="1400"/>
                         <a:t>email</a:t>
                       </a:r>
-                      <a:endParaRPr lang="zh-CN" altLang="en-US" dirty="0"/>
-                    </a:p>
-                  </a:txBody>
-                  <a:tcPr/>
-                </a:tc>
-                <a:tc>
-                  <a:txBody>
-                    <a:bodyPr/>
-                    <a:lstStyle/>
-                    <a:p>
-                      <a:r>
-                        <a:rPr lang="en-US" altLang="zh-CN" dirty="0"/>
+                      <a:endParaRPr lang="zh-CN" altLang="en-US" sz="1400" dirty="0"/>
+                    </a:p>
+                  </a:txBody>
+                  <a:tcPr/>
+                </a:tc>
+                <a:tc>
+                  <a:txBody>
+                    <a:bodyPr/>
+                    <a:lstStyle/>
+                    <a:p>
+                      <a:r>
+                        <a:rPr lang="en-US" altLang="zh-CN" sz="1400" dirty="0"/>
                         <a:t>detail</a:t>
                       </a:r>
-                      <a:endParaRPr lang="zh-CN" altLang="en-US" dirty="0"/>
-                    </a:p>
-                  </a:txBody>
-                  <a:tcPr/>
-                </a:tc>
-                <a:tc>
-                  <a:txBody>
-                    <a:bodyPr/>
-                    <a:lstStyle/>
-                    <a:p>
-                      <a:endParaRPr lang="zh-CN" altLang="en-US" dirty="0"/>
-                    </a:p>
-                  </a:txBody>
-                  <a:tcPr/>
-                </a:tc>
-                <a:tc>
-                  <a:txBody>
-                    <a:bodyPr/>
-                    <a:lstStyle/>
-                    <a:p>
-                      <a:r>
-                        <a:rPr lang="en-US" altLang="zh-CN" dirty="0"/>
+                      <a:endParaRPr lang="zh-CN" altLang="en-US" sz="1400" dirty="0"/>
+                    </a:p>
+                  </a:txBody>
+                  <a:tcPr/>
+                </a:tc>
+                <a:tc>
+                  <a:txBody>
+                    <a:bodyPr/>
+                    <a:lstStyle/>
+                    <a:p>
+                      <a:endParaRPr lang="zh-CN" altLang="en-US" sz="1400" dirty="0"/>
+                    </a:p>
+                  </a:txBody>
+                  <a:tcPr/>
+                </a:tc>
+                <a:tc>
+                  <a:txBody>
+                    <a:bodyPr/>
+                    <a:lstStyle/>
+                    <a:p>
+                      <a:r>
+                        <a:rPr lang="en-US" altLang="zh-CN" sz="1400" dirty="0"/>
                         <a:t>introduction</a:t>
                       </a:r>
-                      <a:endParaRPr lang="zh-CN" altLang="en-US" dirty="0"/>
-                    </a:p>
-                  </a:txBody>
-                  <a:tcPr/>
-                </a:tc>
-                <a:tc>
-                  <a:txBody>
-                    <a:bodyPr/>
-                    <a:lstStyle/>
-                    <a:p>
-                      <a:r>
-                        <a:rPr lang="en-US" altLang="zh-CN" dirty="0"/>
+                      <a:endParaRPr lang="zh-CN" altLang="en-US" sz="1400" dirty="0"/>
+                    </a:p>
+                  </a:txBody>
+                  <a:tcPr/>
+                </a:tc>
+                <a:tc>
+                  <a:txBody>
+                    <a:bodyPr/>
+                    <a:lstStyle/>
+                    <a:p>
+                      <a:r>
+                        <a:rPr lang="en-US" altLang="zh-CN" sz="1400" dirty="0"/>
                         <a:t>Create date</a:t>
                       </a:r>
-                      <a:endParaRPr lang="zh-CN" altLang="en-US" dirty="0"/>
-                    </a:p>
-                  </a:txBody>
-                  <a:tcPr/>
-                </a:tc>
-                <a:tc>
-                  <a:txBody>
-                    <a:bodyPr/>
-                    <a:lstStyle/>
-                    <a:p>
-                      <a:r>
-                        <a:rPr lang="en-US" altLang="zh-CN" dirty="0"/>
+                      <a:endParaRPr lang="zh-CN" altLang="en-US" sz="1400" dirty="0"/>
+                    </a:p>
+                  </a:txBody>
+                  <a:tcPr/>
+                </a:tc>
+                <a:tc>
+                  <a:txBody>
+                    <a:bodyPr/>
+                    <a:lstStyle/>
+                    <a:p>
+                      <a:r>
+                        <a:rPr lang="en-US" altLang="zh-CN" sz="1400" dirty="0"/>
                         <a:t>User id</a:t>
                       </a:r>
-                      <a:endParaRPr lang="zh-CN" altLang="en-US" dirty="0"/>
-                    </a:p>
-                  </a:txBody>
-                  <a:tcPr/>
-                </a:tc>
-                <a:tc>
-                  <a:txBody>
-                    <a:bodyPr/>
-                    <a:lstStyle/>
-                    <a:p>
-                      <a:endParaRPr lang="zh-CN" altLang="en-US" dirty="0"/>
-                    </a:p>
-                  </a:txBody>
-                  <a:tcPr/>
-                </a:tc>
-                <a:tc>
-                  <a:txBody>
-                    <a:bodyPr/>
-                    <a:lstStyle/>
-                    <a:p>
-                      <a:r>
-                        <a:rPr lang="en-US" altLang="zh-CN" dirty="0"/>
+                      <a:endParaRPr lang="zh-CN" altLang="en-US" sz="1400" dirty="0"/>
+                    </a:p>
+                  </a:txBody>
+                  <a:tcPr/>
+                </a:tc>
+                <a:tc>
+                  <a:txBody>
+                    <a:bodyPr/>
+                    <a:lstStyle/>
+                    <a:p>
+                      <a:endParaRPr lang="zh-CN" altLang="en-US" sz="1400" dirty="0"/>
+                    </a:p>
+                  </a:txBody>
+                  <a:tcPr/>
+                </a:tc>
+                <a:tc>
+                  <a:txBody>
+                    <a:bodyPr/>
+                    <a:lstStyle/>
+                    <a:p>
+                      <a:r>
+                        <a:rPr lang="en-US" altLang="zh-CN" sz="1400" dirty="0"/>
                         <a:t>Arrived date</a:t>
                       </a:r>
-                      <a:endParaRPr lang="zh-CN" altLang="en-US" dirty="0"/>
-                    </a:p>
-                  </a:txBody>
-                  <a:tcPr/>
-                </a:tc>
-                <a:tc>
-                  <a:txBody>
-                    <a:bodyPr/>
-                    <a:lstStyle/>
-                    <a:p>
-                      <a:endParaRPr lang="zh-CN" altLang="en-US" dirty="0"/>
+                      <a:endParaRPr lang="zh-CN" altLang="en-US" sz="1400" dirty="0"/>
+                    </a:p>
+                  </a:txBody>
+                  <a:tcPr/>
+                </a:tc>
+                <a:tc>
+                  <a:txBody>
+                    <a:bodyPr/>
+                    <a:lstStyle/>
+                    <a:p>
+                      <a:endParaRPr lang="zh-CN" altLang="en-US" sz="1400" dirty="0"/>
                     </a:p>
                   </a:txBody>
                   <a:tcPr/>
                 </a:tc>
                 <a:extLst>
                   <a:ext uri="{0D108BD9-81ED-4DB2-BD59-A6C34878D82A}">
-                    <a16:rowId xmlns:a16="http://schemas.microsoft.com/office/drawing/2014/main" val="12914266"/>
+                    <a16:rowId xmlns:a16="http://schemas.microsoft.com/office/drawing/2014/main" val="3918034612"/>
                   </a:ext>
                 </a:extLst>
               </a:tr>
-              <a:tr h="640080">
-                <a:tc>
-                  <a:txBody>
-                    <a:bodyPr/>
-                    <a:lstStyle/>
-                    <a:p>
-                      <a:r>
-                        <a:rPr lang="en-US" altLang="zh-CN" dirty="0"/>
+              <a:tr h="602531">
+                <a:tc>
+                  <a:txBody>
+                    <a:bodyPr/>
+                    <a:lstStyle/>
+                    <a:p>
+                      <a:r>
+                        <a:rPr lang="en-US" altLang="zh-CN" sz="1400"/>
                         <a:t>role</a:t>
                       </a:r>
-                      <a:endParaRPr lang="zh-CN" altLang="en-US" dirty="0"/>
+                      <a:endParaRPr lang="zh-CN" altLang="en-US" sz="1400" dirty="0"/>
                     </a:p>
                   </a:txBody>
                   <a:tcPr/>
@@ -4447,7 +4857,7 @@
                         <a:defRPr/>
                       </a:pPr>
                       <a:r>
-                        <a:rPr lang="en-US" altLang="zh-CN" dirty="0"/>
+                        <a:rPr lang="en-US" altLang="zh-CN" sz="1400" dirty="0"/>
                         <a:t>User id</a:t>
                       </a:r>
                     </a:p>
@@ -4459,292 +4869,405 @@
                     <a:bodyPr/>
                     <a:lstStyle/>
                     <a:p>
-                      <a:endParaRPr lang="zh-CN" altLang="en-US" dirty="0"/>
-                    </a:p>
-                  </a:txBody>
-                  <a:tcPr/>
-                </a:tc>
-                <a:tc>
-                  <a:txBody>
-                    <a:bodyPr/>
-                    <a:lstStyle/>
-                    <a:p>
-                      <a:r>
-                        <a:rPr lang="en-US" altLang="zh-CN" dirty="0"/>
+                      <a:endParaRPr lang="zh-CN" altLang="en-US" sz="1400" dirty="0"/>
+                    </a:p>
+                  </a:txBody>
+                  <a:tcPr/>
+                </a:tc>
+                <a:tc>
+                  <a:txBody>
+                    <a:bodyPr/>
+                    <a:lstStyle/>
+                    <a:p>
+                      <a:r>
+                        <a:rPr lang="en-US" altLang="zh-CN" sz="1400" dirty="0"/>
                         <a:t>type</a:t>
                       </a:r>
-                      <a:endParaRPr lang="zh-CN" altLang="en-US" dirty="0"/>
-                    </a:p>
-                  </a:txBody>
-                  <a:tcPr/>
-                </a:tc>
-                <a:tc>
-                  <a:txBody>
-                    <a:bodyPr/>
-                    <a:lstStyle/>
-                    <a:p>
-                      <a:endParaRPr lang="zh-CN" altLang="en-US" dirty="0"/>
-                    </a:p>
-                  </a:txBody>
-                  <a:tcPr/>
-                </a:tc>
-                <a:tc>
-                  <a:txBody>
-                    <a:bodyPr/>
-                    <a:lstStyle/>
-                    <a:p>
-                      <a:endParaRPr lang="zh-CN" altLang="en-US" dirty="0"/>
-                    </a:p>
-                  </a:txBody>
-                  <a:tcPr/>
-                </a:tc>
-                <a:tc>
-                  <a:txBody>
-                    <a:bodyPr/>
-                    <a:lstStyle/>
-                    <a:p>
-                      <a:endParaRPr lang="zh-CN" altLang="en-US" dirty="0"/>
-                    </a:p>
-                  </a:txBody>
-                  <a:tcPr/>
-                </a:tc>
-                <a:tc>
-                  <a:txBody>
-                    <a:bodyPr/>
-                    <a:lstStyle/>
-                    <a:p>
-                      <a:endParaRPr lang="zh-CN" altLang="en-US" dirty="0"/>
-                    </a:p>
-                  </a:txBody>
-                  <a:tcPr/>
-                </a:tc>
-                <a:tc>
-                  <a:txBody>
-                    <a:bodyPr/>
-                    <a:lstStyle/>
-                    <a:p>
-                      <a:endParaRPr lang="zh-CN" altLang="en-US" dirty="0"/>
+                      <a:endParaRPr lang="zh-CN" altLang="en-US" sz="1400" dirty="0"/>
+                    </a:p>
+                  </a:txBody>
+                  <a:tcPr/>
+                </a:tc>
+                <a:tc>
+                  <a:txBody>
+                    <a:bodyPr/>
+                    <a:lstStyle/>
+                    <a:p>
+                      <a:endParaRPr lang="zh-CN" altLang="en-US" sz="1400" dirty="0"/>
+                    </a:p>
+                  </a:txBody>
+                  <a:tcPr/>
+                </a:tc>
+                <a:tc>
+                  <a:txBody>
+                    <a:bodyPr/>
+                    <a:lstStyle/>
+                    <a:p>
+                      <a:endParaRPr lang="zh-CN" altLang="en-US" sz="1400" dirty="0"/>
+                    </a:p>
+                  </a:txBody>
+                  <a:tcPr/>
+                </a:tc>
+                <a:tc>
+                  <a:txBody>
+                    <a:bodyPr/>
+                    <a:lstStyle/>
+                    <a:p>
+                      <a:endParaRPr lang="zh-CN" altLang="en-US" sz="1400" dirty="0"/>
+                    </a:p>
+                  </a:txBody>
+                  <a:tcPr/>
+                </a:tc>
+                <a:tc>
+                  <a:txBody>
+                    <a:bodyPr/>
+                    <a:lstStyle/>
+                    <a:p>
+                      <a:r>
+                        <a:rPr lang="en-US" altLang="zh-CN" sz="1400" dirty="0"/>
+                        <a:t>Recommend by receiver</a:t>
+                      </a:r>
+                      <a:endParaRPr lang="zh-CN" altLang="en-US" sz="1400" dirty="0"/>
+                    </a:p>
+                  </a:txBody>
+                  <a:tcPr/>
+                </a:tc>
+                <a:tc>
+                  <a:txBody>
+                    <a:bodyPr/>
+                    <a:lstStyle/>
+                    <a:p>
+                      <a:endParaRPr lang="zh-CN" altLang="en-US" sz="1400" dirty="0"/>
                     </a:p>
                   </a:txBody>
                   <a:tcPr/>
                 </a:tc>
                 <a:extLst>
                   <a:ext uri="{0D108BD9-81ED-4DB2-BD59-A6C34878D82A}">
-                    <a16:rowId xmlns:a16="http://schemas.microsoft.com/office/drawing/2014/main" val="349594382"/>
+                    <a16:rowId xmlns:a16="http://schemas.microsoft.com/office/drawing/2014/main" val="3419541386"/>
                   </a:ext>
                 </a:extLst>
               </a:tr>
-              <a:tr h="640080">
-                <a:tc>
-                  <a:txBody>
-                    <a:bodyPr/>
-                    <a:lstStyle/>
-                    <a:p>
-                      <a:r>
-                        <a:rPr lang="en-US" altLang="zh-CN" dirty="0"/>
+              <a:tr h="602531">
+                <a:tc>
+                  <a:txBody>
+                    <a:bodyPr/>
+                    <a:lstStyle/>
+                    <a:p>
+                      <a:r>
+                        <a:rPr lang="en-US" altLang="zh-CN" sz="1400" dirty="0"/>
                         <a:t>photo</a:t>
                       </a:r>
-                      <a:endParaRPr lang="zh-CN" altLang="en-US" dirty="0"/>
-                    </a:p>
-                  </a:txBody>
-                  <a:tcPr/>
-                </a:tc>
-                <a:tc>
-                  <a:txBody>
-                    <a:bodyPr/>
-                    <a:lstStyle/>
-                    <a:p>
-                      <a:r>
-                        <a:rPr lang="en-US" altLang="zh-CN" dirty="0"/>
+                      <a:endParaRPr lang="zh-CN" altLang="en-US" sz="1400" dirty="0"/>
+                    </a:p>
+                  </a:txBody>
+                  <a:tcPr/>
+                </a:tc>
+                <a:tc>
+                  <a:txBody>
+                    <a:bodyPr/>
+                    <a:lstStyle/>
+                    <a:p>
+                      <a:r>
+                        <a:rPr lang="en-US" altLang="zh-CN" sz="1400" dirty="0"/>
                         <a:t>receiver</a:t>
                       </a:r>
-                      <a:endParaRPr lang="zh-CN" altLang="en-US" dirty="0"/>
-                    </a:p>
-                  </a:txBody>
-                  <a:tcPr/>
-                </a:tc>
-                <a:tc>
-                  <a:txBody>
-                    <a:bodyPr/>
-                    <a:lstStyle/>
-                    <a:p>
-                      <a:endParaRPr lang="zh-CN" altLang="en-US" dirty="0"/>
-                    </a:p>
-                  </a:txBody>
-                  <a:tcPr/>
-                </a:tc>
-                <a:tc>
-                  <a:txBody>
-                    <a:bodyPr/>
-                    <a:lstStyle/>
-                    <a:p>
-                      <a:r>
-                        <a:rPr lang="en-US" altLang="zh-CN" dirty="0"/>
+                      <a:endParaRPr lang="zh-CN" altLang="en-US" sz="1400" dirty="0"/>
+                    </a:p>
+                  </a:txBody>
+                  <a:tcPr/>
+                </a:tc>
+                <a:tc>
+                  <a:txBody>
+                    <a:bodyPr/>
+                    <a:lstStyle/>
+                    <a:p>
+                      <a:endParaRPr lang="zh-CN" altLang="en-US" sz="1400" dirty="0"/>
+                    </a:p>
+                  </a:txBody>
+                  <a:tcPr/>
+                </a:tc>
+                <a:tc>
+                  <a:txBody>
+                    <a:bodyPr/>
+                    <a:lstStyle/>
+                    <a:p>
+                      <a:r>
+                        <a:rPr lang="en-US" altLang="zh-CN" sz="1400" dirty="0"/>
                         <a:t>volume</a:t>
                       </a:r>
-                      <a:endParaRPr lang="zh-CN" altLang="en-US" dirty="0"/>
-                    </a:p>
-                  </a:txBody>
-                  <a:tcPr/>
-                </a:tc>
-                <a:tc>
-                  <a:txBody>
-                    <a:bodyPr/>
-                    <a:lstStyle/>
-                    <a:p>
-                      <a:endParaRPr lang="zh-CN" altLang="en-US" dirty="0"/>
-                    </a:p>
-                  </a:txBody>
-                  <a:tcPr/>
-                </a:tc>
-                <a:tc>
-                  <a:txBody>
-                    <a:bodyPr/>
-                    <a:lstStyle/>
-                    <a:p>
-                      <a:endParaRPr lang="zh-CN" altLang="en-US" dirty="0"/>
-                    </a:p>
-                  </a:txBody>
-                  <a:tcPr/>
-                </a:tc>
-                <a:tc>
-                  <a:txBody>
-                    <a:bodyPr/>
-                    <a:lstStyle/>
-                    <a:p>
-                      <a:endParaRPr lang="zh-CN" altLang="en-US" dirty="0"/>
-                    </a:p>
-                  </a:txBody>
-                  <a:tcPr/>
-                </a:tc>
-                <a:tc>
-                  <a:txBody>
-                    <a:bodyPr/>
-                    <a:lstStyle/>
-                    <a:p>
-                      <a:endParaRPr lang="zh-CN" altLang="en-US" dirty="0"/>
-                    </a:p>
-                  </a:txBody>
-                  <a:tcPr/>
-                </a:tc>
-                <a:tc>
-                  <a:txBody>
-                    <a:bodyPr/>
-                    <a:lstStyle/>
-                    <a:p>
-                      <a:endParaRPr lang="zh-CN" altLang="en-US" dirty="0"/>
+                      <a:endParaRPr lang="zh-CN" altLang="en-US" sz="1400" dirty="0"/>
+                    </a:p>
+                  </a:txBody>
+                  <a:tcPr/>
+                </a:tc>
+                <a:tc>
+                  <a:txBody>
+                    <a:bodyPr/>
+                    <a:lstStyle/>
+                    <a:p>
+                      <a:endParaRPr lang="zh-CN" altLang="en-US" sz="1400" dirty="0"/>
+                    </a:p>
+                  </a:txBody>
+                  <a:tcPr/>
+                </a:tc>
+                <a:tc>
+                  <a:txBody>
+                    <a:bodyPr/>
+                    <a:lstStyle/>
+                    <a:p>
+                      <a:endParaRPr lang="zh-CN" altLang="en-US" sz="1400" dirty="0"/>
+                    </a:p>
+                  </a:txBody>
+                  <a:tcPr/>
+                </a:tc>
+                <a:tc>
+                  <a:txBody>
+                    <a:bodyPr/>
+                    <a:lstStyle/>
+                    <a:p>
+                      <a:endParaRPr lang="zh-CN" altLang="en-US" sz="1400" dirty="0"/>
+                    </a:p>
+                  </a:txBody>
+                  <a:tcPr/>
+                </a:tc>
+                <a:tc>
+                  <a:txBody>
+                    <a:bodyPr/>
+                    <a:lstStyle/>
+                    <a:p>
+                      <a:endParaRPr lang="zh-CN" altLang="en-US" sz="1400" dirty="0"/>
+                    </a:p>
+                  </a:txBody>
+                  <a:tcPr/>
+                </a:tc>
+                <a:tc>
+                  <a:txBody>
+                    <a:bodyPr/>
+                    <a:lstStyle/>
+                    <a:p>
+                      <a:endParaRPr lang="zh-CN" altLang="en-US" sz="1400" dirty="0"/>
                     </a:p>
                   </a:txBody>
                   <a:tcPr/>
                 </a:tc>
                 <a:extLst>
                   <a:ext uri="{0D108BD9-81ED-4DB2-BD59-A6C34878D82A}">
-                    <a16:rowId xmlns:a16="http://schemas.microsoft.com/office/drawing/2014/main" val="2902241204"/>
+                    <a16:rowId xmlns:a16="http://schemas.microsoft.com/office/drawing/2014/main" val="961195113"/>
                   </a:ext>
                 </a:extLst>
               </a:tr>
-              <a:tr h="640080">
-                <a:tc>
-                  <a:txBody>
-                    <a:bodyPr/>
-                    <a:lstStyle/>
-                    <a:p>
-                      <a:endParaRPr lang="zh-CN" altLang="en-US" dirty="0"/>
-                    </a:p>
-                  </a:txBody>
-                  <a:tcPr/>
-                </a:tc>
-                <a:tc>
-                  <a:txBody>
-                    <a:bodyPr/>
-                    <a:lstStyle/>
-                    <a:p>
-                      <a:r>
-                        <a:rPr lang="en-US" altLang="zh-CN" dirty="0"/>
+              <a:tr h="602531">
+                <a:tc>
+                  <a:txBody>
+                    <a:bodyPr/>
+                    <a:lstStyle/>
+                    <a:p>
+                      <a:endParaRPr lang="zh-CN" altLang="en-US" sz="1400" dirty="0"/>
+                    </a:p>
+                  </a:txBody>
+                  <a:tcPr/>
+                </a:tc>
+                <a:tc>
+                  <a:txBody>
+                    <a:bodyPr/>
+                    <a:lstStyle/>
+                    <a:p>
+                      <a:r>
+                        <a:rPr lang="en-US" altLang="zh-CN" sz="1400" dirty="0"/>
                         <a:t>Phone no</a:t>
                       </a:r>
-                      <a:endParaRPr lang="zh-CN" altLang="en-US" dirty="0"/>
-                    </a:p>
-                  </a:txBody>
-                  <a:tcPr/>
-                </a:tc>
-                <a:tc>
-                  <a:txBody>
-                    <a:bodyPr/>
-                    <a:lstStyle/>
-                    <a:p>
-                      <a:endParaRPr lang="zh-CN" altLang="en-US" dirty="0"/>
-                    </a:p>
-                  </a:txBody>
-                  <a:tcPr/>
-                </a:tc>
-                <a:tc>
-                  <a:txBody>
-                    <a:bodyPr/>
-                    <a:lstStyle/>
-                    <a:p>
-                      <a:r>
-                        <a:rPr lang="en-US" altLang="zh-CN" dirty="0"/>
+                      <a:endParaRPr lang="zh-CN" altLang="en-US" sz="1400" dirty="0"/>
+                    </a:p>
+                  </a:txBody>
+                  <a:tcPr/>
+                </a:tc>
+                <a:tc>
+                  <a:txBody>
+                    <a:bodyPr/>
+                    <a:lstStyle/>
+                    <a:p>
+                      <a:endParaRPr lang="zh-CN" altLang="en-US" sz="1400" dirty="0"/>
+                    </a:p>
+                  </a:txBody>
+                  <a:tcPr/>
+                </a:tc>
+                <a:tc>
+                  <a:txBody>
+                    <a:bodyPr/>
+                    <a:lstStyle/>
+                    <a:p>
+                      <a:r>
+                        <a:rPr lang="en-US" altLang="zh-CN" sz="1400" dirty="0"/>
                         <a:t>stock</a:t>
                       </a:r>
-                      <a:endParaRPr lang="zh-CN" altLang="en-US" dirty="0"/>
-                    </a:p>
-                  </a:txBody>
-                  <a:tcPr/>
-                </a:tc>
-                <a:tc>
-                  <a:txBody>
-                    <a:bodyPr/>
-                    <a:lstStyle/>
-                    <a:p>
-                      <a:endParaRPr lang="zh-CN" altLang="en-US" dirty="0"/>
-                    </a:p>
-                  </a:txBody>
-                  <a:tcPr/>
-                </a:tc>
-                <a:tc>
-                  <a:txBody>
-                    <a:bodyPr/>
-                    <a:lstStyle/>
-                    <a:p>
-                      <a:endParaRPr lang="zh-CN" altLang="en-US" dirty="0"/>
-                    </a:p>
-                  </a:txBody>
-                  <a:tcPr/>
-                </a:tc>
-                <a:tc>
-                  <a:txBody>
-                    <a:bodyPr/>
-                    <a:lstStyle/>
-                    <a:p>
-                      <a:endParaRPr lang="zh-CN" altLang="en-US" dirty="0"/>
-                    </a:p>
-                  </a:txBody>
-                  <a:tcPr/>
-                </a:tc>
-                <a:tc>
-                  <a:txBody>
-                    <a:bodyPr/>
-                    <a:lstStyle/>
-                    <a:p>
-                      <a:endParaRPr lang="zh-CN" altLang="en-US" dirty="0"/>
-                    </a:p>
-                  </a:txBody>
-                  <a:tcPr/>
-                </a:tc>
-                <a:tc>
-                  <a:txBody>
-                    <a:bodyPr/>
-                    <a:lstStyle/>
-                    <a:p>
-                      <a:endParaRPr lang="zh-CN" altLang="en-US" dirty="0"/>
+                      <a:endParaRPr lang="zh-CN" altLang="en-US" sz="1400" dirty="0"/>
+                    </a:p>
+                  </a:txBody>
+                  <a:tcPr/>
+                </a:tc>
+                <a:tc>
+                  <a:txBody>
+                    <a:bodyPr/>
+                    <a:lstStyle/>
+                    <a:p>
+                      <a:endParaRPr lang="zh-CN" altLang="en-US" sz="1400" dirty="0"/>
+                    </a:p>
+                  </a:txBody>
+                  <a:tcPr/>
+                </a:tc>
+                <a:tc>
+                  <a:txBody>
+                    <a:bodyPr/>
+                    <a:lstStyle/>
+                    <a:p>
+                      <a:endParaRPr lang="zh-CN" altLang="en-US" sz="1400" dirty="0"/>
+                    </a:p>
+                  </a:txBody>
+                  <a:tcPr/>
+                </a:tc>
+                <a:tc>
+                  <a:txBody>
+                    <a:bodyPr/>
+                    <a:lstStyle/>
+                    <a:p>
+                      <a:endParaRPr lang="zh-CN" altLang="en-US" sz="1400" dirty="0"/>
+                    </a:p>
+                  </a:txBody>
+                  <a:tcPr/>
+                </a:tc>
+                <a:tc>
+                  <a:txBody>
+                    <a:bodyPr/>
+                    <a:lstStyle/>
+                    <a:p>
+                      <a:endParaRPr lang="zh-CN" altLang="en-US" sz="1400" dirty="0"/>
+                    </a:p>
+                  </a:txBody>
+                  <a:tcPr/>
+                </a:tc>
+                <a:tc>
+                  <a:txBody>
+                    <a:bodyPr/>
+                    <a:lstStyle/>
+                    <a:p>
+                      <a:endParaRPr lang="zh-CN" altLang="en-US" sz="1400" dirty="0"/>
                     </a:p>
                   </a:txBody>
                   <a:tcPr/>
                 </a:tc>
                 <a:extLst>
                   <a:ext uri="{0D108BD9-81ED-4DB2-BD59-A6C34878D82A}">
-                    <a16:rowId xmlns:a16="http://schemas.microsoft.com/office/drawing/2014/main" val="3044787773"/>
+                    <a16:rowId xmlns:a16="http://schemas.microsoft.com/office/drawing/2014/main" val="3075187898"/>
+                  </a:ext>
+                </a:extLst>
+              </a:tr>
+              <a:tr h="602531">
+                <a:tc>
+                  <a:txBody>
+                    <a:bodyPr/>
+                    <a:lstStyle/>
+                    <a:p>
+                      <a:endParaRPr lang="zh-CN" altLang="en-US" sz="1400" dirty="0"/>
+                    </a:p>
+                  </a:txBody>
+                  <a:tcPr/>
+                </a:tc>
+                <a:tc>
+                  <a:txBody>
+                    <a:bodyPr/>
+                    <a:lstStyle/>
+                    <a:p>
+                      <a:endParaRPr lang="zh-CN" altLang="en-US" sz="1400" dirty="0"/>
+                    </a:p>
+                  </a:txBody>
+                  <a:tcPr/>
+                </a:tc>
+                <a:tc>
+                  <a:txBody>
+                    <a:bodyPr/>
+                    <a:lstStyle/>
+                    <a:p>
+                      <a:endParaRPr lang="zh-CN" altLang="en-US" sz="1400" dirty="0"/>
+                    </a:p>
+                  </a:txBody>
+                  <a:tcPr/>
+                </a:tc>
+                <a:tc>
+                  <a:txBody>
+                    <a:bodyPr/>
+                    <a:lstStyle/>
+                    <a:p>
+                      <a:r>
+                        <a:rPr lang="en-US" altLang="zh-CN" sz="1400" dirty="0"/>
+                        <a:t>Status[</a:t>
+                      </a:r>
+                      <a:r>
+                        <a:rPr lang="zh-CN" altLang="en-US" sz="1400"/>
+                        <a:t>投放中 下架中 已删除</a:t>
+                      </a:r>
+                      <a:r>
+                        <a:rPr lang="en-US" altLang="zh-CN" sz="1400"/>
+                        <a:t>]</a:t>
+                      </a:r>
+                      <a:endParaRPr lang="zh-CN" altLang="en-US" sz="1400" dirty="0"/>
+                    </a:p>
+                  </a:txBody>
+                  <a:tcPr/>
+                </a:tc>
+                <a:tc>
+                  <a:txBody>
+                    <a:bodyPr/>
+                    <a:lstStyle/>
+                    <a:p>
+                      <a:endParaRPr lang="zh-CN" altLang="en-US" sz="1400" dirty="0"/>
+                    </a:p>
+                  </a:txBody>
+                  <a:tcPr/>
+                </a:tc>
+                <a:tc>
+                  <a:txBody>
+                    <a:bodyPr/>
+                    <a:lstStyle/>
+                    <a:p>
+                      <a:endParaRPr lang="zh-CN" altLang="en-US" sz="1400" dirty="0"/>
+                    </a:p>
+                  </a:txBody>
+                  <a:tcPr/>
+                </a:tc>
+                <a:tc>
+                  <a:txBody>
+                    <a:bodyPr/>
+                    <a:lstStyle/>
+                    <a:p>
+                      <a:endParaRPr lang="zh-CN" altLang="en-US" sz="1400" dirty="0"/>
+                    </a:p>
+                  </a:txBody>
+                  <a:tcPr/>
+                </a:tc>
+                <a:tc>
+                  <a:txBody>
+                    <a:bodyPr/>
+                    <a:lstStyle/>
+                    <a:p>
+                      <a:endParaRPr lang="zh-CN" altLang="en-US" sz="1400" dirty="0"/>
+                    </a:p>
+                  </a:txBody>
+                  <a:tcPr/>
+                </a:tc>
+                <a:tc>
+                  <a:txBody>
+                    <a:bodyPr/>
+                    <a:lstStyle/>
+                    <a:p>
+                      <a:endParaRPr lang="zh-CN" altLang="en-US" sz="1400" dirty="0"/>
+                    </a:p>
+                  </a:txBody>
+                  <a:tcPr/>
+                </a:tc>
+                <a:extLst>
+                  <a:ext uri="{0D108BD9-81ED-4DB2-BD59-A6C34878D82A}">
+                    <a16:rowId xmlns:a16="http://schemas.microsoft.com/office/drawing/2014/main" val="1720029030"/>
                   </a:ext>
                 </a:extLst>
               </a:tr>
@@ -4755,7 +5278,7 @@
     </p:spTree>
     <p:extLst>
       <p:ext uri="{BB962C8B-B14F-4D97-AF65-F5344CB8AC3E}">
-        <p14:creationId xmlns:p14="http://schemas.microsoft.com/office/powerpoint/2010/main" val="3822955629"/>
+        <p14:creationId xmlns:p14="http://schemas.microsoft.com/office/powerpoint/2010/main" val="1895356443"/>
       </p:ext>
     </p:extLst>
   </p:cSld>
@@ -9245,396 +9768,6 @@
           <p:cNvPr id="2" name="标题 1">
             <a:extLst>
               <a:ext uri="{FF2B5EF4-FFF2-40B4-BE49-F238E27FC236}">
-                <a16:creationId xmlns:a16="http://schemas.microsoft.com/office/drawing/2014/main" id="{BDBCC4B8-538E-4C2E-97A3-0A679BEA52B0}"/>
-              </a:ext>
-            </a:extLst>
-          </p:cNvPr>
-          <p:cNvSpPr>
-            <a:spLocks noGrp="1"/>
-          </p:cNvSpPr>
-          <p:nvPr>
-            <p:ph type="title"/>
-          </p:nvPr>
-        </p:nvSpPr>
-        <p:spPr>
-          <a:xfrm>
-            <a:off x="0" y="1"/>
-            <a:ext cx="12192000" cy="895966"/>
-          </a:xfrm>
-        </p:spPr>
-        <p:txBody>
-          <a:bodyPr/>
-          <a:lstStyle/>
-          <a:p>
-            <a:r>
-              <a:rPr lang="zh-CN" altLang="en-US" dirty="0"/>
-              <a:t>后台用例图</a:t>
-            </a:r>
-          </a:p>
-        </p:txBody>
-      </p:sp>
-      <p:sp>
-        <p:nvSpPr>
-          <p:cNvPr id="4" name="笑脸 3">
-            <a:extLst>
-              <a:ext uri="{FF2B5EF4-FFF2-40B4-BE49-F238E27FC236}">
-                <a16:creationId xmlns:a16="http://schemas.microsoft.com/office/drawing/2014/main" id="{C8EEE2FE-1232-49FE-B955-372959865E10}"/>
-              </a:ext>
-            </a:extLst>
-          </p:cNvPr>
-          <p:cNvSpPr/>
-          <p:nvPr/>
-        </p:nvSpPr>
-        <p:spPr>
-          <a:xfrm>
-            <a:off x="935687" y="3202536"/>
-            <a:ext cx="512748" cy="452927"/>
-          </a:xfrm>
-          <a:prstGeom prst="smileyFace">
-            <a:avLst/>
-          </a:prstGeom>
-          <a:solidFill>
-            <a:schemeClr val="bg1"/>
-          </a:solidFill>
-          <a:ln/>
-        </p:spPr>
-        <p:style>
-          <a:lnRef idx="2">
-            <a:schemeClr val="accent6"/>
-          </a:lnRef>
-          <a:fillRef idx="1">
-            <a:schemeClr val="lt1"/>
-          </a:fillRef>
-          <a:effectRef idx="0">
-            <a:schemeClr val="accent6"/>
-          </a:effectRef>
-          <a:fontRef idx="minor">
-            <a:schemeClr val="dk1"/>
-          </a:fontRef>
-        </p:style>
-        <p:txBody>
-          <a:bodyPr rtlCol="0" anchor="ctr"/>
-          <a:lstStyle/>
-          <a:p>
-            <a:pPr algn="ctr"/>
-            <a:endParaRPr lang="zh-CN" altLang="en-US"/>
-          </a:p>
-        </p:txBody>
-      </p:sp>
-      <p:sp>
-        <p:nvSpPr>
-          <p:cNvPr id="5" name="矩形 4">
-            <a:extLst>
-              <a:ext uri="{FF2B5EF4-FFF2-40B4-BE49-F238E27FC236}">
-                <a16:creationId xmlns:a16="http://schemas.microsoft.com/office/drawing/2014/main" id="{B820D322-5122-453F-96E0-F8D438D736FA}"/>
-              </a:ext>
-            </a:extLst>
-          </p:cNvPr>
-          <p:cNvSpPr/>
-          <p:nvPr/>
-        </p:nvSpPr>
-        <p:spPr>
-          <a:xfrm>
-            <a:off x="2305325" y="2065951"/>
-            <a:ext cx="1290415" cy="376015"/>
-          </a:xfrm>
-          <a:prstGeom prst="rect">
-            <a:avLst/>
-          </a:prstGeom>
-          <a:solidFill>
-            <a:srgbClr val="00B050"/>
-          </a:solidFill>
-        </p:spPr>
-        <p:style>
-          <a:lnRef idx="0">
-            <a:schemeClr val="accent1"/>
-          </a:lnRef>
-          <a:fillRef idx="3">
-            <a:schemeClr val="accent1"/>
-          </a:fillRef>
-          <a:effectRef idx="3">
-            <a:schemeClr val="accent1"/>
-          </a:effectRef>
-          <a:fontRef idx="minor">
-            <a:schemeClr val="lt1"/>
-          </a:fontRef>
-        </p:style>
-        <p:txBody>
-          <a:bodyPr rtlCol="0" anchor="ctr"/>
-          <a:lstStyle/>
-          <a:p>
-            <a:pPr algn="ctr"/>
-            <a:r>
-              <a:rPr lang="zh-CN" altLang="en-US" dirty="0"/>
-              <a:t>产品管理</a:t>
-            </a:r>
-          </a:p>
-        </p:txBody>
-      </p:sp>
-      <p:sp>
-        <p:nvSpPr>
-          <p:cNvPr id="6" name="矩形 5">
-            <a:extLst>
-              <a:ext uri="{FF2B5EF4-FFF2-40B4-BE49-F238E27FC236}">
-                <a16:creationId xmlns:a16="http://schemas.microsoft.com/office/drawing/2014/main" id="{35EC4569-B098-450E-978F-5F31E8E18748}"/>
-              </a:ext>
-            </a:extLst>
-          </p:cNvPr>
-          <p:cNvSpPr/>
-          <p:nvPr/>
-        </p:nvSpPr>
-        <p:spPr>
-          <a:xfrm>
-            <a:off x="2305324" y="4410977"/>
-            <a:ext cx="1290415" cy="376015"/>
-          </a:xfrm>
-          <a:prstGeom prst="rect">
-            <a:avLst/>
-          </a:prstGeom>
-          <a:solidFill>
-            <a:srgbClr val="00B050"/>
-          </a:solidFill>
-        </p:spPr>
-        <p:style>
-          <a:lnRef idx="0">
-            <a:schemeClr val="accent1"/>
-          </a:lnRef>
-          <a:fillRef idx="3">
-            <a:schemeClr val="accent1"/>
-          </a:fillRef>
-          <a:effectRef idx="3">
-            <a:schemeClr val="accent1"/>
-          </a:effectRef>
-          <a:fontRef idx="minor">
-            <a:schemeClr val="lt1"/>
-          </a:fontRef>
-        </p:style>
-        <p:txBody>
-          <a:bodyPr rtlCol="0" anchor="ctr"/>
-          <a:lstStyle/>
-          <a:p>
-            <a:pPr algn="ctr"/>
-            <a:r>
-              <a:rPr lang="zh-CN" altLang="en-US" dirty="0"/>
-              <a:t>用户管理</a:t>
-            </a:r>
-          </a:p>
-        </p:txBody>
-      </p:sp>
-      <p:sp>
-        <p:nvSpPr>
-          <p:cNvPr id="8" name="矩形 7">
-            <a:extLst>
-              <a:ext uri="{FF2B5EF4-FFF2-40B4-BE49-F238E27FC236}">
-                <a16:creationId xmlns:a16="http://schemas.microsoft.com/office/drawing/2014/main" id="{0787FBAA-34C6-42D9-A487-43B8545495AB}"/>
-              </a:ext>
-            </a:extLst>
-          </p:cNvPr>
-          <p:cNvSpPr/>
-          <p:nvPr/>
-        </p:nvSpPr>
-        <p:spPr>
-          <a:xfrm>
-            <a:off x="2305326" y="3238464"/>
-            <a:ext cx="1290415" cy="376015"/>
-          </a:xfrm>
-          <a:prstGeom prst="rect">
-            <a:avLst/>
-          </a:prstGeom>
-          <a:solidFill>
-            <a:srgbClr val="00B050"/>
-          </a:solidFill>
-        </p:spPr>
-        <p:style>
-          <a:lnRef idx="0">
-            <a:schemeClr val="accent1"/>
-          </a:lnRef>
-          <a:fillRef idx="3">
-            <a:schemeClr val="accent1"/>
-          </a:fillRef>
-          <a:effectRef idx="3">
-            <a:schemeClr val="accent1"/>
-          </a:effectRef>
-          <a:fontRef idx="minor">
-            <a:schemeClr val="lt1"/>
-          </a:fontRef>
-        </p:style>
-        <p:txBody>
-          <a:bodyPr rtlCol="0" anchor="ctr"/>
-          <a:lstStyle/>
-          <a:p>
-            <a:pPr algn="ctr"/>
-            <a:r>
-              <a:rPr lang="zh-CN" altLang="en-US" dirty="0"/>
-              <a:t>订单管理</a:t>
-            </a:r>
-          </a:p>
-        </p:txBody>
-      </p:sp>
-      <p:cxnSp>
-        <p:nvCxnSpPr>
-          <p:cNvPr id="11" name="直接箭头连接符 10">
-            <a:extLst>
-              <a:ext uri="{FF2B5EF4-FFF2-40B4-BE49-F238E27FC236}">
-                <a16:creationId xmlns:a16="http://schemas.microsoft.com/office/drawing/2014/main" id="{FFBEE02B-EB60-4A71-911C-066D0E0184B8}"/>
-              </a:ext>
-            </a:extLst>
-          </p:cNvPr>
-          <p:cNvCxnSpPr>
-            <a:cxnSpLocks/>
-            <a:stCxn id="4" idx="6"/>
-            <a:endCxn id="5" idx="1"/>
-          </p:cNvCxnSpPr>
-          <p:nvPr/>
-        </p:nvCxnSpPr>
-        <p:spPr>
-          <a:xfrm flipV="1">
-            <a:off x="1448435" y="2253959"/>
-            <a:ext cx="856890" cy="1175041"/>
-          </a:xfrm>
-          <a:prstGeom prst="straightConnector1">
-            <a:avLst/>
-          </a:prstGeom>
-          <a:ln>
-            <a:tailEnd type="triangle"/>
-          </a:ln>
-        </p:spPr>
-        <p:style>
-          <a:lnRef idx="1">
-            <a:schemeClr val="accent1"/>
-          </a:lnRef>
-          <a:fillRef idx="0">
-            <a:schemeClr val="accent1"/>
-          </a:fillRef>
-          <a:effectRef idx="0">
-            <a:schemeClr val="accent1"/>
-          </a:effectRef>
-          <a:fontRef idx="minor">
-            <a:schemeClr val="tx1"/>
-          </a:fontRef>
-        </p:style>
-      </p:cxnSp>
-      <p:cxnSp>
-        <p:nvCxnSpPr>
-          <p:cNvPr id="15" name="直接箭头连接符 14">
-            <a:extLst>
-              <a:ext uri="{FF2B5EF4-FFF2-40B4-BE49-F238E27FC236}">
-                <a16:creationId xmlns:a16="http://schemas.microsoft.com/office/drawing/2014/main" id="{1C4B9D4D-7A57-4CC6-A055-47C64E9D6BFF}"/>
-              </a:ext>
-            </a:extLst>
-          </p:cNvPr>
-          <p:cNvCxnSpPr>
-            <a:cxnSpLocks/>
-            <a:stCxn id="4" idx="6"/>
-            <a:endCxn id="8" idx="1"/>
-          </p:cNvCxnSpPr>
-          <p:nvPr/>
-        </p:nvCxnSpPr>
-        <p:spPr>
-          <a:xfrm flipV="1">
-            <a:off x="1448435" y="3426472"/>
-            <a:ext cx="856891" cy="2528"/>
-          </a:xfrm>
-          <a:prstGeom prst="straightConnector1">
-            <a:avLst/>
-          </a:prstGeom>
-          <a:ln>
-            <a:tailEnd type="triangle"/>
-          </a:ln>
-        </p:spPr>
-        <p:style>
-          <a:lnRef idx="1">
-            <a:schemeClr val="accent1"/>
-          </a:lnRef>
-          <a:fillRef idx="0">
-            <a:schemeClr val="accent1"/>
-          </a:fillRef>
-          <a:effectRef idx="0">
-            <a:schemeClr val="accent1"/>
-          </a:effectRef>
-          <a:fontRef idx="minor">
-            <a:schemeClr val="tx1"/>
-          </a:fontRef>
-        </p:style>
-      </p:cxnSp>
-      <p:cxnSp>
-        <p:nvCxnSpPr>
-          <p:cNvPr id="19" name="直接箭头连接符 18">
-            <a:extLst>
-              <a:ext uri="{FF2B5EF4-FFF2-40B4-BE49-F238E27FC236}">
-                <a16:creationId xmlns:a16="http://schemas.microsoft.com/office/drawing/2014/main" id="{B8F379C2-50FA-48CA-B731-B918A31524F3}"/>
-              </a:ext>
-            </a:extLst>
-          </p:cNvPr>
-          <p:cNvCxnSpPr>
-            <a:cxnSpLocks/>
-            <a:stCxn id="4" idx="6"/>
-            <a:endCxn id="6" idx="1"/>
-          </p:cNvCxnSpPr>
-          <p:nvPr/>
-        </p:nvCxnSpPr>
-        <p:spPr>
-          <a:xfrm>
-            <a:off x="1448435" y="3429000"/>
-            <a:ext cx="856889" cy="1169985"/>
-          </a:xfrm>
-          <a:prstGeom prst="straightConnector1">
-            <a:avLst/>
-          </a:prstGeom>
-          <a:ln>
-            <a:tailEnd type="triangle"/>
-          </a:ln>
-        </p:spPr>
-        <p:style>
-          <a:lnRef idx="1">
-            <a:schemeClr val="accent1"/>
-          </a:lnRef>
-          <a:fillRef idx="0">
-            <a:schemeClr val="accent1"/>
-          </a:fillRef>
-          <a:effectRef idx="0">
-            <a:schemeClr val="accent1"/>
-          </a:effectRef>
-          <a:fontRef idx="minor">
-            <a:schemeClr val="tx1"/>
-          </a:fontRef>
-        </p:style>
-      </p:cxnSp>
-    </p:spTree>
-    <p:extLst>
-      <p:ext uri="{BB962C8B-B14F-4D97-AF65-F5344CB8AC3E}">
-        <p14:creationId xmlns:p14="http://schemas.microsoft.com/office/powerpoint/2010/main" val="2379969685"/>
-      </p:ext>
-    </p:extLst>
-  </p:cSld>
-  <p:clrMapOvr>
-    <a:masterClrMapping/>
-  </p:clrMapOvr>
-</p:sld>
-</file>
-
-<file path=ppt/slides/slide4.xml><?xml version="1.0" encoding="utf-8"?>
-<p:sld xmlns:a="http://schemas.openxmlformats.org/drawingml/2006/main" xmlns:r="http://schemas.openxmlformats.org/officeDocument/2006/relationships" xmlns:p="http://schemas.openxmlformats.org/presentationml/2006/main">
-  <p:cSld>
-    <p:spTree>
-      <p:nvGrpSpPr>
-        <p:cNvPr id="1" name=""/>
-        <p:cNvGrpSpPr/>
-        <p:nvPr/>
-      </p:nvGrpSpPr>
-      <p:grpSpPr>
-        <a:xfrm>
-          <a:off x="0" y="0"/>
-          <a:ext cx="0" cy="0"/>
-          <a:chOff x="0" y="0"/>
-          <a:chExt cx="0" cy="0"/>
-        </a:xfrm>
-      </p:grpSpPr>
-      <p:sp>
-        <p:nvSpPr>
-          <p:cNvPr id="2" name="标题 1">
-            <a:extLst>
-              <a:ext uri="{FF2B5EF4-FFF2-40B4-BE49-F238E27FC236}">
                 <a16:creationId xmlns:a16="http://schemas.microsoft.com/office/drawing/2014/main" id="{654A5A48-8CFF-4B5F-9E0B-D7BAE686E3D0}"/>
               </a:ext>
             </a:extLst>
@@ -10521,7 +10654,7 @@
 </p:sld>
 </file>
 
-<file path=ppt/slides/slide5.xml><?xml version="1.0" encoding="utf-8"?>
+<file path=ppt/slides/slide4.xml><?xml version="1.0" encoding="utf-8"?>
 <p:sld xmlns:a="http://schemas.openxmlformats.org/drawingml/2006/main" xmlns:r="http://schemas.openxmlformats.org/officeDocument/2006/relationships" xmlns:p="http://schemas.openxmlformats.org/presentationml/2006/main">
   <p:cSld>
     <p:spTree>
@@ -12027,7 +12160,7 @@
 </p:sld>
 </file>
 
-<file path=ppt/slides/slide6.xml><?xml version="1.0" encoding="utf-8"?>
+<file path=ppt/slides/slide5.xml><?xml version="1.0" encoding="utf-8"?>
 <p:sld xmlns:a="http://schemas.openxmlformats.org/drawingml/2006/main" xmlns:r="http://schemas.openxmlformats.org/officeDocument/2006/relationships" xmlns:p="http://schemas.openxmlformats.org/presentationml/2006/main">
   <p:cSld>
     <p:spTree>
@@ -13301,7 +13434,7 @@
 </p:sld>
 </file>
 
-<file path=ppt/slides/slide7.xml><?xml version="1.0" encoding="utf-8"?>
+<file path=ppt/slides/slide6.xml><?xml version="1.0" encoding="utf-8"?>
 <p:sld xmlns:a="http://schemas.openxmlformats.org/drawingml/2006/main" xmlns:r="http://schemas.openxmlformats.org/officeDocument/2006/relationships" xmlns:p="http://schemas.openxmlformats.org/presentationml/2006/main">
   <p:cSld>
     <p:spTree>
@@ -15075,7 +15208,7 @@
 </p:sld>
 </file>
 
-<file path=ppt/slides/slide8.xml><?xml version="1.0" encoding="utf-8"?>
+<file path=ppt/slides/slide7.xml><?xml version="1.0" encoding="utf-8"?>
 <p:sld xmlns:a="http://schemas.openxmlformats.org/drawingml/2006/main" xmlns:r="http://schemas.openxmlformats.org/officeDocument/2006/relationships" xmlns:p="http://schemas.openxmlformats.org/presentationml/2006/main">
   <p:cSld>
     <p:spTree>
@@ -16474,7 +16607,7 @@
 </p:sld>
 </file>
 
-<file path=ppt/slides/slide9.xml><?xml version="1.0" encoding="utf-8"?>
+<file path=ppt/slides/slide8.xml><?xml version="1.0" encoding="utf-8"?>
 <p:sld xmlns:a="http://schemas.openxmlformats.org/drawingml/2006/main" xmlns:r="http://schemas.openxmlformats.org/officeDocument/2006/relationships" xmlns:p="http://schemas.openxmlformats.org/presentationml/2006/main">
   <p:cSld>
     <p:spTree>
@@ -17536,6 +17669,73 @@
     <p:extLst>
       <p:ext uri="{BB962C8B-B14F-4D97-AF65-F5344CB8AC3E}">
         <p14:creationId xmlns:p14="http://schemas.microsoft.com/office/powerpoint/2010/main" val="4096062070"/>
+      </p:ext>
+    </p:extLst>
+  </p:cSld>
+  <p:clrMapOvr>
+    <a:masterClrMapping/>
+  </p:clrMapOvr>
+</p:sld>
+</file>
+
+<file path=ppt/slides/slide9.xml><?xml version="1.0" encoding="utf-8"?>
+<p:sld xmlns:a="http://schemas.openxmlformats.org/drawingml/2006/main" xmlns:r="http://schemas.openxmlformats.org/officeDocument/2006/relationships" xmlns:p="http://schemas.openxmlformats.org/presentationml/2006/main">
+  <p:cSld>
+    <p:spTree>
+      <p:nvGrpSpPr>
+        <p:cNvPr id="1" name=""/>
+        <p:cNvGrpSpPr/>
+        <p:nvPr/>
+      </p:nvGrpSpPr>
+      <p:grpSpPr>
+        <a:xfrm>
+          <a:off x="0" y="0"/>
+          <a:ext cx="0" cy="0"/>
+          <a:chOff x="0" y="0"/>
+          <a:chExt cx="0" cy="0"/>
+        </a:xfrm>
+      </p:grpSpPr>
+      <p:sp>
+        <p:nvSpPr>
+          <p:cNvPr id="2" name="标题 1">
+            <a:extLst>
+              <a:ext uri="{FF2B5EF4-FFF2-40B4-BE49-F238E27FC236}">
+                <a16:creationId xmlns:a16="http://schemas.microsoft.com/office/drawing/2014/main" id="{A1E1F3B3-20F6-4EBA-B41B-15A6EBE24B07}"/>
+              </a:ext>
+            </a:extLst>
+          </p:cNvPr>
+          <p:cNvSpPr>
+            <a:spLocks noGrp="1"/>
+          </p:cNvSpPr>
+          <p:nvPr>
+            <p:ph type="title"/>
+          </p:nvPr>
+        </p:nvSpPr>
+        <p:spPr>
+          <a:xfrm>
+            <a:off x="0" y="1"/>
+            <a:ext cx="12192000" cy="956602"/>
+          </a:xfrm>
+        </p:spPr>
+        <p:txBody>
+          <a:bodyPr/>
+          <a:lstStyle/>
+          <a:p>
+            <a:r>
+              <a:rPr lang="en-US" altLang="zh-CN" dirty="0"/>
+              <a:t>PO</a:t>
+            </a:r>
+            <a:r>
+              <a:rPr lang="zh-CN" altLang="en-US" dirty="0"/>
+              <a:t>类字段</a:t>
+            </a:r>
+          </a:p>
+        </p:txBody>
+      </p:sp>
+    </p:spTree>
+    <p:extLst>
+      <p:ext uri="{BB962C8B-B14F-4D97-AF65-F5344CB8AC3E}">
+        <p14:creationId xmlns:p14="http://schemas.microsoft.com/office/powerpoint/2010/main" val="4135036029"/>
       </p:ext>
     </p:extLst>
   </p:cSld>

--- a/Shop Web.pptx
+++ b/Shop Web.pptx
@@ -16,6 +16,7 @@
     <p:sldId id="267" r:id="rId10"/>
     <p:sldId id="268" r:id="rId11"/>
     <p:sldId id="269" r:id="rId12"/>
+    <p:sldId id="270" r:id="rId13"/>
   </p:sldIdLst>
   <p:sldSz cx="12192000" cy="6858000"/>
   <p:notesSz cx="6858000" cy="9144000"/>
@@ -3476,7 +3477,7 @@
         </p:nvSpPr>
         <p:spPr>
           <a:xfrm>
-            <a:off x="935687" y="3202536"/>
+            <a:off x="937815" y="3712059"/>
             <a:ext cx="512748" cy="452927"/>
           </a:xfrm>
           <a:prstGeom prst="smileyFace">
@@ -3524,7 +3525,7 @@
         </p:nvSpPr>
         <p:spPr>
           <a:xfrm>
-            <a:off x="2305325" y="2065951"/>
+            <a:off x="1717680" y="1992365"/>
             <a:ext cx="1290415" cy="376015"/>
           </a:xfrm>
           <a:prstGeom prst="rect">
@@ -3574,7 +3575,7 @@
         </p:nvSpPr>
         <p:spPr>
           <a:xfrm>
-            <a:off x="2305325" y="4367061"/>
+            <a:off x="1717680" y="3751144"/>
             <a:ext cx="1290415" cy="376015"/>
           </a:xfrm>
           <a:prstGeom prst="rect">
@@ -3628,8 +3629,8 @@
         </p:nvCxnSpPr>
         <p:spPr>
           <a:xfrm flipV="1">
-            <a:off x="1448435" y="2253959"/>
-            <a:ext cx="856890" cy="1175041"/>
+            <a:off x="1450563" y="2180373"/>
+            <a:ext cx="267117" cy="1758150"/>
           </a:xfrm>
           <a:prstGeom prst="straightConnector1">
             <a:avLst/>
@@ -3671,8 +3672,8 @@
         </p:nvCxnSpPr>
         <p:spPr>
           <a:xfrm>
-            <a:off x="1448435" y="3429000"/>
-            <a:ext cx="856890" cy="1126069"/>
+            <a:off x="1450563" y="3938523"/>
+            <a:ext cx="267117" cy="629"/>
           </a:xfrm>
           <a:prstGeom prst="straightConnector1">
             <a:avLst/>
@@ -3706,14 +3707,16 @@
             </a:extLst>
           </p:cNvPr>
           <p:cNvCxnSpPr>
+            <a:cxnSpLocks/>
             <a:stCxn id="5" idx="3"/>
+            <a:endCxn id="14" idx="1"/>
           </p:cNvCxnSpPr>
           <p:nvPr/>
         </p:nvCxnSpPr>
         <p:spPr>
           <a:xfrm>
-            <a:off x="3595740" y="2253959"/>
-            <a:ext cx="924985" cy="0"/>
+            <a:off x="3008095" y="2180373"/>
+            <a:ext cx="206137" cy="2490"/>
           </a:xfrm>
           <a:prstGeom prst="straightConnector1">
             <a:avLst/>
@@ -3747,14 +3750,16 @@
             </a:extLst>
           </p:cNvPr>
           <p:cNvCxnSpPr>
+            <a:cxnSpLocks/>
             <a:stCxn id="8" idx="3"/>
+            <a:endCxn id="124" idx="1"/>
           </p:cNvCxnSpPr>
           <p:nvPr/>
         </p:nvCxnSpPr>
         <p:spPr>
-          <a:xfrm>
-            <a:off x="3595740" y="4555069"/>
-            <a:ext cx="967713" cy="0"/>
+          <a:xfrm flipV="1">
+            <a:off x="3008095" y="3938524"/>
+            <a:ext cx="206137" cy="628"/>
           </a:xfrm>
           <a:prstGeom prst="straightConnector1">
             <a:avLst/>
@@ -3792,8 +3797,8 @@
         </p:nvSpPr>
         <p:spPr>
           <a:xfrm>
-            <a:off x="4520725" y="2144994"/>
-            <a:ext cx="967713" cy="230659"/>
+            <a:off x="3214232" y="1994856"/>
+            <a:ext cx="1189688" cy="376013"/>
           </a:xfrm>
           <a:prstGeom prst="rect">
             <a:avLst/>
@@ -3821,18 +3826,61 @@
           <a:p>
             <a:pPr algn="ctr"/>
             <a:r>
-              <a:rPr lang="zh-CN" altLang="en-US" sz="1400" dirty="0"/>
-              <a:t>产品搜索</a:t>
+              <a:rPr lang="zh-CN" altLang="en-US" dirty="0"/>
+              <a:t>条件查询</a:t>
             </a:r>
           </a:p>
         </p:txBody>
       </p:sp>
+      <p:cxnSp>
+        <p:nvCxnSpPr>
+          <p:cNvPr id="12" name="直接箭头连接符 11">
+            <a:extLst>
+              <a:ext uri="{FF2B5EF4-FFF2-40B4-BE49-F238E27FC236}">
+                <a16:creationId xmlns:a16="http://schemas.microsoft.com/office/drawing/2014/main" id="{49A9B8CC-76FF-4A3E-AE71-124C795AEA8E}"/>
+              </a:ext>
+            </a:extLst>
+          </p:cNvPr>
+          <p:cNvCxnSpPr>
+            <a:cxnSpLocks/>
+            <a:stCxn id="14" idx="3"/>
+            <a:endCxn id="17" idx="1"/>
+          </p:cNvCxnSpPr>
+          <p:nvPr/>
+        </p:nvCxnSpPr>
+        <p:spPr>
+          <a:xfrm flipV="1">
+            <a:off x="4403920" y="2180374"/>
+            <a:ext cx="279701" cy="2489"/>
+          </a:xfrm>
+          <a:prstGeom prst="straightConnector1">
+            <a:avLst/>
+          </a:prstGeom>
+          <a:ln>
+            <a:tailEnd type="triangle"/>
+          </a:ln>
+        </p:spPr>
+        <p:style>
+          <a:lnRef idx="1">
+            <a:schemeClr val="accent1"/>
+          </a:lnRef>
+          <a:fillRef idx="0">
+            <a:schemeClr val="accent1"/>
+          </a:fillRef>
+          <a:effectRef idx="0">
+            <a:schemeClr val="accent1"/>
+          </a:effectRef>
+          <a:fontRef idx="minor">
+            <a:schemeClr val="tx1"/>
+          </a:fontRef>
+        </p:style>
+      </p:cxnSp>
       <p:sp>
         <p:nvSpPr>
-          <p:cNvPr id="18" name="矩形 17">
-            <a:extLst>
-              <a:ext uri="{FF2B5EF4-FFF2-40B4-BE49-F238E27FC236}">
-                <a16:creationId xmlns:a16="http://schemas.microsoft.com/office/drawing/2014/main" id="{ED538390-DCF9-45BA-A4DF-D075F556EF8D}"/>
+          <p:cNvPr id="17" name="矩形 16">
+            <a:extLst>
+              <a:ext uri="{FF2B5EF4-FFF2-40B4-BE49-F238E27FC236}">
+                <a16:creationId xmlns:a16="http://schemas.microsoft.com/office/drawing/2014/main" id="{82CF718C-044C-456D-80B4-96BB1010AD56}"/>
               </a:ext>
             </a:extLst>
           </p:cNvPr>
@@ -3841,8 +3889,8 @@
         </p:nvSpPr>
         <p:spPr>
           <a:xfrm>
-            <a:off x="4520724" y="4439738"/>
-            <a:ext cx="967713" cy="230659"/>
+            <a:off x="4683621" y="1992367"/>
+            <a:ext cx="1189688" cy="376013"/>
           </a:xfrm>
           <a:prstGeom prst="rect">
             <a:avLst/>
@@ -3870,12 +3918,2299 @@
           <a:p>
             <a:pPr algn="ctr"/>
             <a:r>
-              <a:rPr lang="zh-CN" altLang="en-US" sz="1400" dirty="0"/>
-              <a:t>订单搜索</a:t>
+              <a:rPr lang="zh-CN" altLang="en-US" dirty="0"/>
+              <a:t>产品列表</a:t>
             </a:r>
           </a:p>
         </p:txBody>
       </p:sp>
+      <p:cxnSp>
+        <p:nvCxnSpPr>
+          <p:cNvPr id="20" name="直接箭头连接符 19">
+            <a:extLst>
+              <a:ext uri="{FF2B5EF4-FFF2-40B4-BE49-F238E27FC236}">
+                <a16:creationId xmlns:a16="http://schemas.microsoft.com/office/drawing/2014/main" id="{073BAF2C-BC51-4008-B844-E3DA09559300}"/>
+              </a:ext>
+            </a:extLst>
+          </p:cNvPr>
+          <p:cNvCxnSpPr>
+            <a:cxnSpLocks/>
+            <a:stCxn id="17" idx="3"/>
+            <a:endCxn id="46" idx="1"/>
+          </p:cNvCxnSpPr>
+          <p:nvPr/>
+        </p:nvCxnSpPr>
+        <p:spPr>
+          <a:xfrm flipV="1">
+            <a:off x="5873309" y="1056538"/>
+            <a:ext cx="1090602" cy="1123836"/>
+          </a:xfrm>
+          <a:prstGeom prst="straightConnector1">
+            <a:avLst/>
+          </a:prstGeom>
+          <a:ln>
+            <a:tailEnd type="triangle"/>
+          </a:ln>
+        </p:spPr>
+        <p:style>
+          <a:lnRef idx="1">
+            <a:schemeClr val="accent1"/>
+          </a:lnRef>
+          <a:fillRef idx="0">
+            <a:schemeClr val="accent1"/>
+          </a:fillRef>
+          <a:effectRef idx="0">
+            <a:schemeClr val="accent1"/>
+          </a:effectRef>
+          <a:fontRef idx="minor">
+            <a:schemeClr val="tx1"/>
+          </a:fontRef>
+        </p:style>
+      </p:cxnSp>
+      <p:cxnSp>
+        <p:nvCxnSpPr>
+          <p:cNvPr id="22" name="直接箭头连接符 21">
+            <a:extLst>
+              <a:ext uri="{FF2B5EF4-FFF2-40B4-BE49-F238E27FC236}">
+                <a16:creationId xmlns:a16="http://schemas.microsoft.com/office/drawing/2014/main" id="{21EBD0B2-7DB0-4466-86BC-265BAFEFFED2}"/>
+              </a:ext>
+            </a:extLst>
+          </p:cNvPr>
+          <p:cNvCxnSpPr>
+            <a:cxnSpLocks/>
+            <a:stCxn id="17" idx="3"/>
+            <a:endCxn id="47" idx="1"/>
+          </p:cNvCxnSpPr>
+          <p:nvPr/>
+        </p:nvCxnSpPr>
+        <p:spPr>
+          <a:xfrm flipV="1">
+            <a:off x="5873309" y="1913536"/>
+            <a:ext cx="1090602" cy="266838"/>
+          </a:xfrm>
+          <a:prstGeom prst="straightConnector1">
+            <a:avLst/>
+          </a:prstGeom>
+          <a:ln>
+            <a:tailEnd type="triangle"/>
+          </a:ln>
+        </p:spPr>
+        <p:style>
+          <a:lnRef idx="1">
+            <a:schemeClr val="accent1"/>
+          </a:lnRef>
+          <a:fillRef idx="0">
+            <a:schemeClr val="accent1"/>
+          </a:fillRef>
+          <a:effectRef idx="0">
+            <a:schemeClr val="accent1"/>
+          </a:effectRef>
+          <a:fontRef idx="minor">
+            <a:schemeClr val="tx1"/>
+          </a:fontRef>
+        </p:style>
+      </p:cxnSp>
+      <p:sp>
+        <p:nvSpPr>
+          <p:cNvPr id="45" name="矩形 44">
+            <a:extLst>
+              <a:ext uri="{FF2B5EF4-FFF2-40B4-BE49-F238E27FC236}">
+                <a16:creationId xmlns:a16="http://schemas.microsoft.com/office/drawing/2014/main" id="{B17ACC22-FC19-4C24-A516-11E7481799A9}"/>
+              </a:ext>
+            </a:extLst>
+          </p:cNvPr>
+          <p:cNvSpPr/>
+          <p:nvPr/>
+        </p:nvSpPr>
+        <p:spPr>
+          <a:xfrm>
+            <a:off x="6963911" y="2724940"/>
+            <a:ext cx="1189688" cy="376013"/>
+          </a:xfrm>
+          <a:prstGeom prst="rect">
+            <a:avLst/>
+          </a:prstGeom>
+          <a:ln>
+            <a:solidFill>
+              <a:srgbClr val="00B0F0"/>
+            </a:solidFill>
+          </a:ln>
+        </p:spPr>
+        <p:style>
+          <a:lnRef idx="0">
+            <a:schemeClr val="accent6"/>
+          </a:lnRef>
+          <a:fillRef idx="3">
+            <a:schemeClr val="accent6"/>
+          </a:fillRef>
+          <a:effectRef idx="3">
+            <a:schemeClr val="accent6"/>
+          </a:effectRef>
+          <a:fontRef idx="minor">
+            <a:schemeClr val="lt1"/>
+          </a:fontRef>
+        </p:style>
+        <p:txBody>
+          <a:bodyPr rtlCol="0" anchor="ctr"/>
+          <a:lstStyle/>
+          <a:p>
+            <a:pPr algn="ctr"/>
+            <a:r>
+              <a:rPr lang="zh-CN" altLang="en-US" dirty="0"/>
+              <a:t>添加产品</a:t>
+            </a:r>
+          </a:p>
+        </p:txBody>
+      </p:sp>
+      <p:sp>
+        <p:nvSpPr>
+          <p:cNvPr id="46" name="矩形 45">
+            <a:extLst>
+              <a:ext uri="{FF2B5EF4-FFF2-40B4-BE49-F238E27FC236}">
+                <a16:creationId xmlns:a16="http://schemas.microsoft.com/office/drawing/2014/main" id="{ABCB08A6-88FA-4494-85A3-295AA9BE3887}"/>
+              </a:ext>
+            </a:extLst>
+          </p:cNvPr>
+          <p:cNvSpPr/>
+          <p:nvPr/>
+        </p:nvSpPr>
+        <p:spPr>
+          <a:xfrm>
+            <a:off x="6963911" y="868531"/>
+            <a:ext cx="1189688" cy="376013"/>
+          </a:xfrm>
+          <a:prstGeom prst="rect">
+            <a:avLst/>
+          </a:prstGeom>
+          <a:ln>
+            <a:solidFill>
+              <a:srgbClr val="FF0000"/>
+            </a:solidFill>
+          </a:ln>
+        </p:spPr>
+        <p:style>
+          <a:lnRef idx="0">
+            <a:schemeClr val="accent6"/>
+          </a:lnRef>
+          <a:fillRef idx="3">
+            <a:schemeClr val="accent6"/>
+          </a:fillRef>
+          <a:effectRef idx="3">
+            <a:schemeClr val="accent6"/>
+          </a:effectRef>
+          <a:fontRef idx="minor">
+            <a:schemeClr val="lt1"/>
+          </a:fontRef>
+        </p:style>
+        <p:txBody>
+          <a:bodyPr rtlCol="0" anchor="ctr"/>
+          <a:lstStyle/>
+          <a:p>
+            <a:pPr algn="ctr"/>
+            <a:r>
+              <a:rPr lang="zh-CN" altLang="en-US" dirty="0"/>
+              <a:t>批量操作</a:t>
+            </a:r>
+          </a:p>
+        </p:txBody>
+      </p:sp>
+      <p:sp>
+        <p:nvSpPr>
+          <p:cNvPr id="47" name="矩形 46">
+            <a:extLst>
+              <a:ext uri="{FF2B5EF4-FFF2-40B4-BE49-F238E27FC236}">
+                <a16:creationId xmlns:a16="http://schemas.microsoft.com/office/drawing/2014/main" id="{061C53F4-430C-46DD-BB25-3F5CA2CCFF2C}"/>
+              </a:ext>
+            </a:extLst>
+          </p:cNvPr>
+          <p:cNvSpPr/>
+          <p:nvPr/>
+        </p:nvSpPr>
+        <p:spPr>
+          <a:xfrm>
+            <a:off x="6963911" y="1725529"/>
+            <a:ext cx="1189688" cy="376013"/>
+          </a:xfrm>
+          <a:prstGeom prst="rect">
+            <a:avLst/>
+          </a:prstGeom>
+          <a:ln>
+            <a:solidFill>
+              <a:srgbClr val="FFC000"/>
+            </a:solidFill>
+          </a:ln>
+        </p:spPr>
+        <p:style>
+          <a:lnRef idx="0">
+            <a:schemeClr val="accent6"/>
+          </a:lnRef>
+          <a:fillRef idx="3">
+            <a:schemeClr val="accent6"/>
+          </a:fillRef>
+          <a:effectRef idx="3">
+            <a:schemeClr val="accent6"/>
+          </a:effectRef>
+          <a:fontRef idx="minor">
+            <a:schemeClr val="lt1"/>
+          </a:fontRef>
+        </p:style>
+        <p:txBody>
+          <a:bodyPr rtlCol="0" anchor="ctr"/>
+          <a:lstStyle/>
+          <a:p>
+            <a:pPr algn="ctr"/>
+            <a:r>
+              <a:rPr lang="zh-CN" altLang="en-US" dirty="0"/>
+              <a:t>单一产品</a:t>
+            </a:r>
+          </a:p>
+        </p:txBody>
+      </p:sp>
+      <p:cxnSp>
+        <p:nvCxnSpPr>
+          <p:cNvPr id="54" name="直接箭头连接符 53">
+            <a:extLst>
+              <a:ext uri="{FF2B5EF4-FFF2-40B4-BE49-F238E27FC236}">
+                <a16:creationId xmlns:a16="http://schemas.microsoft.com/office/drawing/2014/main" id="{755FFCA1-98D0-4286-A907-22FC09C689FC}"/>
+              </a:ext>
+            </a:extLst>
+          </p:cNvPr>
+          <p:cNvCxnSpPr>
+            <a:cxnSpLocks/>
+            <a:stCxn id="17" idx="3"/>
+            <a:endCxn id="45" idx="1"/>
+          </p:cNvCxnSpPr>
+          <p:nvPr/>
+        </p:nvCxnSpPr>
+        <p:spPr>
+          <a:xfrm>
+            <a:off x="5873309" y="2180374"/>
+            <a:ext cx="1090602" cy="732573"/>
+          </a:xfrm>
+          <a:prstGeom prst="straightConnector1">
+            <a:avLst/>
+          </a:prstGeom>
+          <a:ln>
+            <a:tailEnd type="triangle"/>
+          </a:ln>
+        </p:spPr>
+        <p:style>
+          <a:lnRef idx="1">
+            <a:schemeClr val="accent1"/>
+          </a:lnRef>
+          <a:fillRef idx="0">
+            <a:schemeClr val="accent1"/>
+          </a:fillRef>
+          <a:effectRef idx="0">
+            <a:schemeClr val="accent1"/>
+          </a:effectRef>
+          <a:fontRef idx="minor">
+            <a:schemeClr val="tx1"/>
+          </a:fontRef>
+        </p:style>
+      </p:cxnSp>
+      <p:cxnSp>
+        <p:nvCxnSpPr>
+          <p:cNvPr id="62" name="直接箭头连接符 61">
+            <a:extLst>
+              <a:ext uri="{FF2B5EF4-FFF2-40B4-BE49-F238E27FC236}">
+                <a16:creationId xmlns:a16="http://schemas.microsoft.com/office/drawing/2014/main" id="{E1C570A3-567B-4B0D-9A67-E3498DEDEE35}"/>
+              </a:ext>
+            </a:extLst>
+          </p:cNvPr>
+          <p:cNvCxnSpPr>
+            <a:cxnSpLocks/>
+            <a:stCxn id="46" idx="3"/>
+            <a:endCxn id="69" idx="1"/>
+          </p:cNvCxnSpPr>
+          <p:nvPr/>
+        </p:nvCxnSpPr>
+        <p:spPr>
+          <a:xfrm>
+            <a:off x="8153599" y="1056538"/>
+            <a:ext cx="1875339" cy="1500781"/>
+          </a:xfrm>
+          <a:prstGeom prst="straightConnector1">
+            <a:avLst/>
+          </a:prstGeom>
+          <a:ln>
+            <a:solidFill>
+              <a:srgbClr val="FF0000"/>
+            </a:solidFill>
+            <a:tailEnd type="triangle"/>
+          </a:ln>
+        </p:spPr>
+        <p:style>
+          <a:lnRef idx="1">
+            <a:schemeClr val="accent1"/>
+          </a:lnRef>
+          <a:fillRef idx="0">
+            <a:schemeClr val="accent1"/>
+          </a:fillRef>
+          <a:effectRef idx="0">
+            <a:schemeClr val="accent1"/>
+          </a:effectRef>
+          <a:fontRef idx="minor">
+            <a:schemeClr val="tx1"/>
+          </a:fontRef>
+        </p:style>
+      </p:cxnSp>
+      <p:cxnSp>
+        <p:nvCxnSpPr>
+          <p:cNvPr id="64" name="直接箭头连接符 63">
+            <a:extLst>
+              <a:ext uri="{FF2B5EF4-FFF2-40B4-BE49-F238E27FC236}">
+                <a16:creationId xmlns:a16="http://schemas.microsoft.com/office/drawing/2014/main" id="{043BB5DF-6C72-4FB9-BEF5-8E9A03A27443}"/>
+              </a:ext>
+            </a:extLst>
+          </p:cNvPr>
+          <p:cNvCxnSpPr>
+            <a:cxnSpLocks/>
+            <a:stCxn id="46" idx="3"/>
+            <a:endCxn id="68" idx="1"/>
+          </p:cNvCxnSpPr>
+          <p:nvPr/>
+        </p:nvCxnSpPr>
+        <p:spPr>
+          <a:xfrm>
+            <a:off x="8153599" y="1056538"/>
+            <a:ext cx="1875340" cy="2158804"/>
+          </a:xfrm>
+          <a:prstGeom prst="straightConnector1">
+            <a:avLst/>
+          </a:prstGeom>
+          <a:ln>
+            <a:solidFill>
+              <a:srgbClr val="FF0000"/>
+            </a:solidFill>
+            <a:tailEnd type="triangle"/>
+          </a:ln>
+        </p:spPr>
+        <p:style>
+          <a:lnRef idx="1">
+            <a:schemeClr val="accent1"/>
+          </a:lnRef>
+          <a:fillRef idx="0">
+            <a:schemeClr val="accent1"/>
+          </a:fillRef>
+          <a:effectRef idx="0">
+            <a:schemeClr val="accent1"/>
+          </a:effectRef>
+          <a:fontRef idx="minor">
+            <a:schemeClr val="tx1"/>
+          </a:fontRef>
+        </p:style>
+      </p:cxnSp>
+      <p:cxnSp>
+        <p:nvCxnSpPr>
+          <p:cNvPr id="66" name="直接箭头连接符 65">
+            <a:extLst>
+              <a:ext uri="{FF2B5EF4-FFF2-40B4-BE49-F238E27FC236}">
+                <a16:creationId xmlns:a16="http://schemas.microsoft.com/office/drawing/2014/main" id="{24532B0F-28D3-4B75-8E19-E687A9F8D1E6}"/>
+              </a:ext>
+            </a:extLst>
+          </p:cNvPr>
+          <p:cNvCxnSpPr>
+            <a:cxnSpLocks/>
+            <a:stCxn id="46" idx="3"/>
+            <a:endCxn id="67" idx="1"/>
+          </p:cNvCxnSpPr>
+          <p:nvPr/>
+        </p:nvCxnSpPr>
+        <p:spPr>
+          <a:xfrm>
+            <a:off x="8153599" y="1056538"/>
+            <a:ext cx="1875339" cy="844682"/>
+          </a:xfrm>
+          <a:prstGeom prst="straightConnector1">
+            <a:avLst/>
+          </a:prstGeom>
+          <a:ln>
+            <a:solidFill>
+              <a:srgbClr val="FF0000"/>
+            </a:solidFill>
+            <a:tailEnd type="triangle"/>
+          </a:ln>
+        </p:spPr>
+        <p:style>
+          <a:lnRef idx="1">
+            <a:schemeClr val="accent1"/>
+          </a:lnRef>
+          <a:fillRef idx="0">
+            <a:schemeClr val="accent1"/>
+          </a:fillRef>
+          <a:effectRef idx="0">
+            <a:schemeClr val="accent1"/>
+          </a:effectRef>
+          <a:fontRef idx="minor">
+            <a:schemeClr val="tx1"/>
+          </a:fontRef>
+        </p:style>
+      </p:cxnSp>
+      <p:sp>
+        <p:nvSpPr>
+          <p:cNvPr id="67" name="矩形 66">
+            <a:extLst>
+              <a:ext uri="{FF2B5EF4-FFF2-40B4-BE49-F238E27FC236}">
+                <a16:creationId xmlns:a16="http://schemas.microsoft.com/office/drawing/2014/main" id="{359A7CCF-4246-4B1A-A792-FA54C12F3FCB}"/>
+              </a:ext>
+            </a:extLst>
+          </p:cNvPr>
+          <p:cNvSpPr/>
+          <p:nvPr/>
+        </p:nvSpPr>
+        <p:spPr>
+          <a:xfrm>
+            <a:off x="10028938" y="1713213"/>
+            <a:ext cx="1189688" cy="376013"/>
+          </a:xfrm>
+          <a:prstGeom prst="rect">
+            <a:avLst/>
+          </a:prstGeom>
+          <a:solidFill>
+            <a:srgbClr val="002060">
+              <a:alpha val="50000"/>
+            </a:srgbClr>
+          </a:solidFill>
+          <a:ln>
+            <a:noFill/>
+          </a:ln>
+        </p:spPr>
+        <p:style>
+          <a:lnRef idx="0">
+            <a:scrgbClr r="0" g="0" b="0"/>
+          </a:lnRef>
+          <a:fillRef idx="0">
+            <a:scrgbClr r="0" g="0" b="0"/>
+          </a:fillRef>
+          <a:effectRef idx="0">
+            <a:scrgbClr r="0" g="0" b="0"/>
+          </a:effectRef>
+          <a:fontRef idx="minor">
+            <a:schemeClr val="lt1"/>
+          </a:fontRef>
+        </p:style>
+        <p:txBody>
+          <a:bodyPr rtlCol="0" anchor="ctr"/>
+          <a:lstStyle/>
+          <a:p>
+            <a:pPr algn="ctr"/>
+            <a:r>
+              <a:rPr lang="zh-CN" altLang="en-US" dirty="0"/>
+              <a:t>类别</a:t>
+            </a:r>
+          </a:p>
+        </p:txBody>
+      </p:sp>
+      <p:sp>
+        <p:nvSpPr>
+          <p:cNvPr id="68" name="矩形 67">
+            <a:extLst>
+              <a:ext uri="{FF2B5EF4-FFF2-40B4-BE49-F238E27FC236}">
+                <a16:creationId xmlns:a16="http://schemas.microsoft.com/office/drawing/2014/main" id="{6B10738E-F777-4140-9020-1ECE82D99BE3}"/>
+              </a:ext>
+            </a:extLst>
+          </p:cNvPr>
+          <p:cNvSpPr/>
+          <p:nvPr/>
+        </p:nvSpPr>
+        <p:spPr>
+          <a:xfrm>
+            <a:off x="10028939" y="3027335"/>
+            <a:ext cx="1189688" cy="376013"/>
+          </a:xfrm>
+          <a:prstGeom prst="rect">
+            <a:avLst/>
+          </a:prstGeom>
+          <a:solidFill>
+            <a:srgbClr val="002060">
+              <a:alpha val="50000"/>
+            </a:srgbClr>
+          </a:solidFill>
+          <a:ln>
+            <a:noFill/>
+          </a:ln>
+        </p:spPr>
+        <p:style>
+          <a:lnRef idx="0">
+            <a:scrgbClr r="0" g="0" b="0"/>
+          </a:lnRef>
+          <a:fillRef idx="0">
+            <a:scrgbClr r="0" g="0" b="0"/>
+          </a:fillRef>
+          <a:effectRef idx="0">
+            <a:scrgbClr r="0" g="0" b="0"/>
+          </a:effectRef>
+          <a:fontRef idx="minor">
+            <a:schemeClr val="lt1"/>
+          </a:fontRef>
+        </p:style>
+        <p:txBody>
+          <a:bodyPr rtlCol="0" anchor="ctr"/>
+          <a:lstStyle/>
+          <a:p>
+            <a:pPr algn="ctr"/>
+            <a:r>
+              <a:rPr lang="zh-CN" altLang="en-US" dirty="0"/>
+              <a:t>库存</a:t>
+            </a:r>
+          </a:p>
+        </p:txBody>
+      </p:sp>
+      <p:sp>
+        <p:nvSpPr>
+          <p:cNvPr id="69" name="矩形 68">
+            <a:extLst>
+              <a:ext uri="{FF2B5EF4-FFF2-40B4-BE49-F238E27FC236}">
+                <a16:creationId xmlns:a16="http://schemas.microsoft.com/office/drawing/2014/main" id="{017500E1-944C-4FA4-9409-86C922969D07}"/>
+              </a:ext>
+            </a:extLst>
+          </p:cNvPr>
+          <p:cNvSpPr/>
+          <p:nvPr/>
+        </p:nvSpPr>
+        <p:spPr>
+          <a:xfrm>
+            <a:off x="10028938" y="2369312"/>
+            <a:ext cx="1189688" cy="376013"/>
+          </a:xfrm>
+          <a:prstGeom prst="rect">
+            <a:avLst/>
+          </a:prstGeom>
+          <a:solidFill>
+            <a:srgbClr val="002060">
+              <a:alpha val="50000"/>
+            </a:srgbClr>
+          </a:solidFill>
+          <a:ln>
+            <a:noFill/>
+          </a:ln>
+        </p:spPr>
+        <p:style>
+          <a:lnRef idx="0">
+            <a:scrgbClr r="0" g="0" b="0"/>
+          </a:lnRef>
+          <a:fillRef idx="0">
+            <a:scrgbClr r="0" g="0" b="0"/>
+          </a:fillRef>
+          <a:effectRef idx="0">
+            <a:scrgbClr r="0" g="0" b="0"/>
+          </a:effectRef>
+          <a:fontRef idx="minor">
+            <a:schemeClr val="lt1"/>
+          </a:fontRef>
+        </p:style>
+        <p:txBody>
+          <a:bodyPr rtlCol="0" anchor="ctr"/>
+          <a:lstStyle/>
+          <a:p>
+            <a:pPr algn="ctr"/>
+            <a:r>
+              <a:rPr lang="zh-CN" altLang="en-US" dirty="0"/>
+              <a:t>产品状态</a:t>
+            </a:r>
+          </a:p>
+        </p:txBody>
+      </p:sp>
+      <p:cxnSp>
+        <p:nvCxnSpPr>
+          <p:cNvPr id="89" name="直接箭头连接符 88">
+            <a:extLst>
+              <a:ext uri="{FF2B5EF4-FFF2-40B4-BE49-F238E27FC236}">
+                <a16:creationId xmlns:a16="http://schemas.microsoft.com/office/drawing/2014/main" id="{0FF3CF35-8B16-4EF7-8CB4-705C7699863D}"/>
+              </a:ext>
+            </a:extLst>
+          </p:cNvPr>
+          <p:cNvCxnSpPr>
+            <a:cxnSpLocks/>
+            <a:stCxn id="46" idx="3"/>
+            <a:endCxn id="90" idx="1"/>
+          </p:cNvCxnSpPr>
+          <p:nvPr/>
+        </p:nvCxnSpPr>
+        <p:spPr>
+          <a:xfrm>
+            <a:off x="8153599" y="1056538"/>
+            <a:ext cx="1875339" cy="186658"/>
+          </a:xfrm>
+          <a:prstGeom prst="straightConnector1">
+            <a:avLst/>
+          </a:prstGeom>
+          <a:ln>
+            <a:solidFill>
+              <a:srgbClr val="FF0000"/>
+            </a:solidFill>
+            <a:tailEnd type="triangle"/>
+          </a:ln>
+        </p:spPr>
+        <p:style>
+          <a:lnRef idx="1">
+            <a:schemeClr val="accent1"/>
+          </a:lnRef>
+          <a:fillRef idx="0">
+            <a:schemeClr val="accent1"/>
+          </a:fillRef>
+          <a:effectRef idx="0">
+            <a:schemeClr val="accent1"/>
+          </a:effectRef>
+          <a:fontRef idx="minor">
+            <a:schemeClr val="tx1"/>
+          </a:fontRef>
+        </p:style>
+      </p:cxnSp>
+      <p:sp>
+        <p:nvSpPr>
+          <p:cNvPr id="90" name="矩形 89">
+            <a:extLst>
+              <a:ext uri="{FF2B5EF4-FFF2-40B4-BE49-F238E27FC236}">
+                <a16:creationId xmlns:a16="http://schemas.microsoft.com/office/drawing/2014/main" id="{E830665F-3E14-4AF4-B7AE-133865357228}"/>
+              </a:ext>
+            </a:extLst>
+          </p:cNvPr>
+          <p:cNvSpPr/>
+          <p:nvPr/>
+        </p:nvSpPr>
+        <p:spPr>
+          <a:xfrm>
+            <a:off x="10028938" y="1055189"/>
+            <a:ext cx="1189688" cy="376013"/>
+          </a:xfrm>
+          <a:prstGeom prst="rect">
+            <a:avLst/>
+          </a:prstGeom>
+          <a:solidFill>
+            <a:srgbClr val="002060">
+              <a:alpha val="50000"/>
+            </a:srgbClr>
+          </a:solidFill>
+          <a:ln>
+            <a:noFill/>
+          </a:ln>
+        </p:spPr>
+        <p:style>
+          <a:lnRef idx="0">
+            <a:scrgbClr r="0" g="0" b="0"/>
+          </a:lnRef>
+          <a:fillRef idx="0">
+            <a:scrgbClr r="0" g="0" b="0"/>
+          </a:fillRef>
+          <a:effectRef idx="0">
+            <a:scrgbClr r="0" g="0" b="0"/>
+          </a:effectRef>
+          <a:fontRef idx="minor">
+            <a:schemeClr val="lt1"/>
+          </a:fontRef>
+        </p:style>
+        <p:txBody>
+          <a:bodyPr rtlCol="0" anchor="ctr"/>
+          <a:lstStyle/>
+          <a:p>
+            <a:pPr algn="ctr"/>
+            <a:r>
+              <a:rPr lang="zh-CN" altLang="en-US" dirty="0"/>
+              <a:t>价格</a:t>
+            </a:r>
+          </a:p>
+        </p:txBody>
+      </p:sp>
+      <p:sp>
+        <p:nvSpPr>
+          <p:cNvPr id="93" name="对话气泡: 矩形 92">
+            <a:extLst>
+              <a:ext uri="{FF2B5EF4-FFF2-40B4-BE49-F238E27FC236}">
+                <a16:creationId xmlns:a16="http://schemas.microsoft.com/office/drawing/2014/main" id="{1CC5F50A-5BC7-4974-9360-88C7A132850D}"/>
+              </a:ext>
+            </a:extLst>
+          </p:cNvPr>
+          <p:cNvSpPr/>
+          <p:nvPr/>
+        </p:nvSpPr>
+        <p:spPr>
+          <a:xfrm>
+            <a:off x="5178859" y="520505"/>
+            <a:ext cx="1466712" cy="576240"/>
+          </a:xfrm>
+          <a:prstGeom prst="wedgeRectCallout">
+            <a:avLst>
+              <a:gd name="adj1" fmla="val 73471"/>
+              <a:gd name="adj2" fmla="val 36647"/>
+            </a:avLst>
+          </a:prstGeom>
+          <a:solidFill>
+            <a:schemeClr val="accent5"/>
+          </a:solidFill>
+          <a:ln>
+            <a:noFill/>
+          </a:ln>
+        </p:spPr>
+        <p:style>
+          <a:lnRef idx="0">
+            <a:scrgbClr r="0" g="0" b="0"/>
+          </a:lnRef>
+          <a:fillRef idx="0">
+            <a:scrgbClr r="0" g="0" b="0"/>
+          </a:fillRef>
+          <a:effectRef idx="0">
+            <a:scrgbClr r="0" g="0" b="0"/>
+          </a:effectRef>
+          <a:fontRef idx="minor">
+            <a:schemeClr val="lt1"/>
+          </a:fontRef>
+        </p:style>
+        <p:txBody>
+          <a:bodyPr rtlCol="0" anchor="ctr"/>
+          <a:lstStyle/>
+          <a:p>
+            <a:pPr algn="ctr"/>
+            <a:r>
+              <a:rPr lang="zh-CN" altLang="en-US" sz="1200" dirty="0"/>
+              <a:t>批量修改</a:t>
+            </a:r>
+            <a:r>
+              <a:rPr lang="zh-CN" altLang="en-US" sz="1200" dirty="0">
+                <a:ln>
+                  <a:solidFill>
+                    <a:srgbClr val="C00000"/>
+                  </a:solidFill>
+                </a:ln>
+              </a:rPr>
+              <a:t>价格</a:t>
+            </a:r>
+            <a:r>
+              <a:rPr lang="zh-CN" altLang="en-US" sz="1200" dirty="0"/>
+              <a:t>或者增加或降低同一数量的价格</a:t>
+            </a:r>
+          </a:p>
+        </p:txBody>
+      </p:sp>
+      <p:sp>
+        <p:nvSpPr>
+          <p:cNvPr id="96" name="矩形 95">
+            <a:extLst>
+              <a:ext uri="{FF2B5EF4-FFF2-40B4-BE49-F238E27FC236}">
+                <a16:creationId xmlns:a16="http://schemas.microsoft.com/office/drawing/2014/main" id="{72FCC915-8318-42B7-BECE-D88423E1537B}"/>
+              </a:ext>
+            </a:extLst>
+          </p:cNvPr>
+          <p:cNvSpPr/>
+          <p:nvPr/>
+        </p:nvSpPr>
+        <p:spPr>
+          <a:xfrm>
+            <a:off x="10028939" y="3682181"/>
+            <a:ext cx="1189688" cy="376013"/>
+          </a:xfrm>
+          <a:prstGeom prst="rect">
+            <a:avLst/>
+          </a:prstGeom>
+          <a:solidFill>
+            <a:srgbClr val="002060">
+              <a:alpha val="50000"/>
+            </a:srgbClr>
+          </a:solidFill>
+          <a:ln>
+            <a:noFill/>
+          </a:ln>
+        </p:spPr>
+        <p:style>
+          <a:lnRef idx="0">
+            <a:scrgbClr r="0" g="0" b="0"/>
+          </a:lnRef>
+          <a:fillRef idx="0">
+            <a:scrgbClr r="0" g="0" b="0"/>
+          </a:fillRef>
+          <a:effectRef idx="0">
+            <a:scrgbClr r="0" g="0" b="0"/>
+          </a:effectRef>
+          <a:fontRef idx="minor">
+            <a:schemeClr val="lt1"/>
+          </a:fontRef>
+        </p:style>
+        <p:txBody>
+          <a:bodyPr rtlCol="0" anchor="ctr"/>
+          <a:lstStyle/>
+          <a:p>
+            <a:pPr algn="ctr"/>
+            <a:r>
+              <a:rPr lang="zh-CN" altLang="en-US" dirty="0"/>
+              <a:t>其他信息</a:t>
+            </a:r>
+          </a:p>
+        </p:txBody>
+      </p:sp>
+      <p:sp>
+        <p:nvSpPr>
+          <p:cNvPr id="124" name="矩形 123">
+            <a:extLst>
+              <a:ext uri="{FF2B5EF4-FFF2-40B4-BE49-F238E27FC236}">
+                <a16:creationId xmlns:a16="http://schemas.microsoft.com/office/drawing/2014/main" id="{A034D2C7-8632-45F3-94CF-2749973E515C}"/>
+              </a:ext>
+            </a:extLst>
+          </p:cNvPr>
+          <p:cNvSpPr/>
+          <p:nvPr/>
+        </p:nvSpPr>
+        <p:spPr>
+          <a:xfrm>
+            <a:off x="3214232" y="3750517"/>
+            <a:ext cx="1189688" cy="376013"/>
+          </a:xfrm>
+          <a:prstGeom prst="rect">
+            <a:avLst/>
+          </a:prstGeom>
+        </p:spPr>
+        <p:style>
+          <a:lnRef idx="2">
+            <a:schemeClr val="accent1">
+              <a:shade val="50000"/>
+            </a:schemeClr>
+          </a:lnRef>
+          <a:fillRef idx="1">
+            <a:schemeClr val="accent1"/>
+          </a:fillRef>
+          <a:effectRef idx="0">
+            <a:schemeClr val="accent1"/>
+          </a:effectRef>
+          <a:fontRef idx="minor">
+            <a:schemeClr val="lt1"/>
+          </a:fontRef>
+        </p:style>
+        <p:txBody>
+          <a:bodyPr rtlCol="0" anchor="ctr"/>
+          <a:lstStyle/>
+          <a:p>
+            <a:pPr algn="ctr"/>
+            <a:r>
+              <a:rPr lang="zh-CN" altLang="en-US" dirty="0"/>
+              <a:t>条件查询</a:t>
+            </a:r>
+          </a:p>
+        </p:txBody>
+      </p:sp>
+      <p:sp>
+        <p:nvSpPr>
+          <p:cNvPr id="219" name="矩形 218">
+            <a:extLst>
+              <a:ext uri="{FF2B5EF4-FFF2-40B4-BE49-F238E27FC236}">
+                <a16:creationId xmlns:a16="http://schemas.microsoft.com/office/drawing/2014/main" id="{B6BC67F5-E93C-457F-AEA9-FDCA131A6484}"/>
+              </a:ext>
+            </a:extLst>
+          </p:cNvPr>
+          <p:cNvSpPr/>
+          <p:nvPr/>
+        </p:nvSpPr>
+        <p:spPr>
+          <a:xfrm>
+            <a:off x="8428109" y="2083373"/>
+            <a:ext cx="411142" cy="719205"/>
+          </a:xfrm>
+          <a:prstGeom prst="rect">
+            <a:avLst/>
+          </a:prstGeom>
+        </p:spPr>
+        <p:style>
+          <a:lnRef idx="0">
+            <a:schemeClr val="accent1"/>
+          </a:lnRef>
+          <a:fillRef idx="3">
+            <a:schemeClr val="accent1"/>
+          </a:fillRef>
+          <a:effectRef idx="3">
+            <a:schemeClr val="accent1"/>
+          </a:effectRef>
+          <a:fontRef idx="minor">
+            <a:schemeClr val="lt1"/>
+          </a:fontRef>
+        </p:style>
+        <p:txBody>
+          <a:bodyPr rtlCol="0" anchor="ctr"/>
+          <a:lstStyle/>
+          <a:p>
+            <a:pPr algn="ctr"/>
+            <a:r>
+              <a:rPr lang="zh-CN" altLang="en-US" dirty="0"/>
+              <a:t>详情</a:t>
+            </a:r>
+          </a:p>
+        </p:txBody>
+      </p:sp>
+      <p:cxnSp>
+        <p:nvCxnSpPr>
+          <p:cNvPr id="221" name="直接箭头连接符 220">
+            <a:extLst>
+              <a:ext uri="{FF2B5EF4-FFF2-40B4-BE49-F238E27FC236}">
+                <a16:creationId xmlns:a16="http://schemas.microsoft.com/office/drawing/2014/main" id="{28870302-AE45-469F-87B6-27F26270F981}"/>
+              </a:ext>
+            </a:extLst>
+          </p:cNvPr>
+          <p:cNvCxnSpPr>
+            <a:cxnSpLocks/>
+            <a:stCxn id="47" idx="3"/>
+            <a:endCxn id="219" idx="1"/>
+          </p:cNvCxnSpPr>
+          <p:nvPr/>
+        </p:nvCxnSpPr>
+        <p:spPr>
+          <a:xfrm>
+            <a:off x="8153599" y="1913536"/>
+            <a:ext cx="274510" cy="529440"/>
+          </a:xfrm>
+          <a:prstGeom prst="straightConnector1">
+            <a:avLst/>
+          </a:prstGeom>
+          <a:ln>
+            <a:tailEnd type="triangle"/>
+          </a:ln>
+        </p:spPr>
+        <p:style>
+          <a:lnRef idx="1">
+            <a:schemeClr val="accent1"/>
+          </a:lnRef>
+          <a:fillRef idx="0">
+            <a:schemeClr val="accent1"/>
+          </a:fillRef>
+          <a:effectRef idx="0">
+            <a:schemeClr val="accent1"/>
+          </a:effectRef>
+          <a:fontRef idx="minor">
+            <a:schemeClr val="tx1"/>
+          </a:fontRef>
+        </p:style>
+      </p:cxnSp>
+      <p:cxnSp>
+        <p:nvCxnSpPr>
+          <p:cNvPr id="225" name="直接箭头连接符 224">
+            <a:extLst>
+              <a:ext uri="{FF2B5EF4-FFF2-40B4-BE49-F238E27FC236}">
+                <a16:creationId xmlns:a16="http://schemas.microsoft.com/office/drawing/2014/main" id="{AC1564AE-3109-484F-8B7B-0F289A6E3E53}"/>
+              </a:ext>
+            </a:extLst>
+          </p:cNvPr>
+          <p:cNvCxnSpPr>
+            <a:cxnSpLocks/>
+            <a:stCxn id="45" idx="3"/>
+            <a:endCxn id="219" idx="1"/>
+          </p:cNvCxnSpPr>
+          <p:nvPr/>
+        </p:nvCxnSpPr>
+        <p:spPr>
+          <a:xfrm flipV="1">
+            <a:off x="8153599" y="2442976"/>
+            <a:ext cx="274510" cy="469971"/>
+          </a:xfrm>
+          <a:prstGeom prst="straightConnector1">
+            <a:avLst/>
+          </a:prstGeom>
+          <a:ln>
+            <a:tailEnd type="triangle"/>
+          </a:ln>
+        </p:spPr>
+        <p:style>
+          <a:lnRef idx="1">
+            <a:schemeClr val="accent1"/>
+          </a:lnRef>
+          <a:fillRef idx="0">
+            <a:schemeClr val="accent1"/>
+          </a:fillRef>
+          <a:effectRef idx="0">
+            <a:schemeClr val="accent1"/>
+          </a:effectRef>
+          <a:fontRef idx="minor">
+            <a:schemeClr val="tx1"/>
+          </a:fontRef>
+        </p:style>
+      </p:cxnSp>
+      <p:cxnSp>
+        <p:nvCxnSpPr>
+          <p:cNvPr id="227" name="直接箭头连接符 226">
+            <a:extLst>
+              <a:ext uri="{FF2B5EF4-FFF2-40B4-BE49-F238E27FC236}">
+                <a16:creationId xmlns:a16="http://schemas.microsoft.com/office/drawing/2014/main" id="{A6A9809D-811F-4A50-B67B-080D5162D2F2}"/>
+              </a:ext>
+            </a:extLst>
+          </p:cNvPr>
+          <p:cNvCxnSpPr>
+            <a:cxnSpLocks/>
+            <a:stCxn id="219" idx="3"/>
+            <a:endCxn id="90" idx="1"/>
+          </p:cNvCxnSpPr>
+          <p:nvPr/>
+        </p:nvCxnSpPr>
+        <p:spPr>
+          <a:xfrm flipV="1">
+            <a:off x="8839251" y="1243196"/>
+            <a:ext cx="1189687" cy="1199780"/>
+          </a:xfrm>
+          <a:prstGeom prst="straightConnector1">
+            <a:avLst/>
+          </a:prstGeom>
+          <a:ln>
+            <a:tailEnd type="triangle"/>
+          </a:ln>
+        </p:spPr>
+        <p:style>
+          <a:lnRef idx="1">
+            <a:schemeClr val="accent1"/>
+          </a:lnRef>
+          <a:fillRef idx="0">
+            <a:schemeClr val="accent1"/>
+          </a:fillRef>
+          <a:effectRef idx="0">
+            <a:schemeClr val="accent1"/>
+          </a:effectRef>
+          <a:fontRef idx="minor">
+            <a:schemeClr val="tx1"/>
+          </a:fontRef>
+        </p:style>
+      </p:cxnSp>
+      <p:cxnSp>
+        <p:nvCxnSpPr>
+          <p:cNvPr id="229" name="直接箭头连接符 228">
+            <a:extLst>
+              <a:ext uri="{FF2B5EF4-FFF2-40B4-BE49-F238E27FC236}">
+                <a16:creationId xmlns:a16="http://schemas.microsoft.com/office/drawing/2014/main" id="{4FFDA1F1-A9AE-43AF-9BB1-4B644488E4F0}"/>
+              </a:ext>
+            </a:extLst>
+          </p:cNvPr>
+          <p:cNvCxnSpPr>
+            <a:cxnSpLocks/>
+            <a:stCxn id="219" idx="3"/>
+            <a:endCxn id="67" idx="1"/>
+          </p:cNvCxnSpPr>
+          <p:nvPr/>
+        </p:nvCxnSpPr>
+        <p:spPr>
+          <a:xfrm flipV="1">
+            <a:off x="8839251" y="1901220"/>
+            <a:ext cx="1189687" cy="541756"/>
+          </a:xfrm>
+          <a:prstGeom prst="straightConnector1">
+            <a:avLst/>
+          </a:prstGeom>
+          <a:ln>
+            <a:tailEnd type="triangle"/>
+          </a:ln>
+        </p:spPr>
+        <p:style>
+          <a:lnRef idx="1">
+            <a:schemeClr val="accent1"/>
+          </a:lnRef>
+          <a:fillRef idx="0">
+            <a:schemeClr val="accent1"/>
+          </a:fillRef>
+          <a:effectRef idx="0">
+            <a:schemeClr val="accent1"/>
+          </a:effectRef>
+          <a:fontRef idx="minor">
+            <a:schemeClr val="tx1"/>
+          </a:fontRef>
+        </p:style>
+      </p:cxnSp>
+      <p:cxnSp>
+        <p:nvCxnSpPr>
+          <p:cNvPr id="231" name="直接箭头连接符 230">
+            <a:extLst>
+              <a:ext uri="{FF2B5EF4-FFF2-40B4-BE49-F238E27FC236}">
+                <a16:creationId xmlns:a16="http://schemas.microsoft.com/office/drawing/2014/main" id="{AFC7C8EA-B830-4F23-A42D-465813C5FF45}"/>
+              </a:ext>
+            </a:extLst>
+          </p:cNvPr>
+          <p:cNvCxnSpPr>
+            <a:cxnSpLocks/>
+            <a:stCxn id="219" idx="3"/>
+            <a:endCxn id="69" idx="1"/>
+          </p:cNvCxnSpPr>
+          <p:nvPr/>
+        </p:nvCxnSpPr>
+        <p:spPr>
+          <a:xfrm>
+            <a:off x="8839251" y="2442976"/>
+            <a:ext cx="1189687" cy="114343"/>
+          </a:xfrm>
+          <a:prstGeom prst="straightConnector1">
+            <a:avLst/>
+          </a:prstGeom>
+          <a:ln>
+            <a:tailEnd type="triangle"/>
+          </a:ln>
+        </p:spPr>
+        <p:style>
+          <a:lnRef idx="1">
+            <a:schemeClr val="accent1"/>
+          </a:lnRef>
+          <a:fillRef idx="0">
+            <a:schemeClr val="accent1"/>
+          </a:fillRef>
+          <a:effectRef idx="0">
+            <a:schemeClr val="accent1"/>
+          </a:effectRef>
+          <a:fontRef idx="minor">
+            <a:schemeClr val="tx1"/>
+          </a:fontRef>
+        </p:style>
+      </p:cxnSp>
+      <p:cxnSp>
+        <p:nvCxnSpPr>
+          <p:cNvPr id="233" name="直接箭头连接符 232">
+            <a:extLst>
+              <a:ext uri="{FF2B5EF4-FFF2-40B4-BE49-F238E27FC236}">
+                <a16:creationId xmlns:a16="http://schemas.microsoft.com/office/drawing/2014/main" id="{13BBBA0A-6934-412E-86FD-670F7086A960}"/>
+              </a:ext>
+            </a:extLst>
+          </p:cNvPr>
+          <p:cNvCxnSpPr>
+            <a:cxnSpLocks/>
+            <a:stCxn id="219" idx="3"/>
+            <a:endCxn id="68" idx="1"/>
+          </p:cNvCxnSpPr>
+          <p:nvPr/>
+        </p:nvCxnSpPr>
+        <p:spPr>
+          <a:xfrm>
+            <a:off x="8839251" y="2442976"/>
+            <a:ext cx="1189688" cy="772366"/>
+          </a:xfrm>
+          <a:prstGeom prst="straightConnector1">
+            <a:avLst/>
+          </a:prstGeom>
+          <a:ln>
+            <a:tailEnd type="triangle"/>
+          </a:ln>
+        </p:spPr>
+        <p:style>
+          <a:lnRef idx="1">
+            <a:schemeClr val="accent1"/>
+          </a:lnRef>
+          <a:fillRef idx="0">
+            <a:schemeClr val="accent1"/>
+          </a:fillRef>
+          <a:effectRef idx="0">
+            <a:schemeClr val="accent1"/>
+          </a:effectRef>
+          <a:fontRef idx="minor">
+            <a:schemeClr val="tx1"/>
+          </a:fontRef>
+        </p:style>
+      </p:cxnSp>
+      <p:cxnSp>
+        <p:nvCxnSpPr>
+          <p:cNvPr id="235" name="直接箭头连接符 234">
+            <a:extLst>
+              <a:ext uri="{FF2B5EF4-FFF2-40B4-BE49-F238E27FC236}">
+                <a16:creationId xmlns:a16="http://schemas.microsoft.com/office/drawing/2014/main" id="{D9D0CC2A-212D-4D4F-B897-9275D12BDCC1}"/>
+              </a:ext>
+            </a:extLst>
+          </p:cNvPr>
+          <p:cNvCxnSpPr>
+            <a:cxnSpLocks/>
+            <a:stCxn id="219" idx="3"/>
+            <a:endCxn id="96" idx="1"/>
+          </p:cNvCxnSpPr>
+          <p:nvPr/>
+        </p:nvCxnSpPr>
+        <p:spPr>
+          <a:xfrm>
+            <a:off x="8839251" y="2442976"/>
+            <a:ext cx="1189688" cy="1427212"/>
+          </a:xfrm>
+          <a:prstGeom prst="straightConnector1">
+            <a:avLst/>
+          </a:prstGeom>
+          <a:ln>
+            <a:tailEnd type="triangle"/>
+          </a:ln>
+        </p:spPr>
+        <p:style>
+          <a:lnRef idx="1">
+            <a:schemeClr val="accent1"/>
+          </a:lnRef>
+          <a:fillRef idx="0">
+            <a:schemeClr val="accent1"/>
+          </a:fillRef>
+          <a:effectRef idx="0">
+            <a:schemeClr val="accent1"/>
+          </a:effectRef>
+          <a:fontRef idx="minor">
+            <a:schemeClr val="tx1"/>
+          </a:fontRef>
+        </p:style>
+      </p:cxnSp>
+      <p:sp>
+        <p:nvSpPr>
+          <p:cNvPr id="286" name="矩形 285">
+            <a:extLst>
+              <a:ext uri="{FF2B5EF4-FFF2-40B4-BE49-F238E27FC236}">
+                <a16:creationId xmlns:a16="http://schemas.microsoft.com/office/drawing/2014/main" id="{458102EB-D11D-458F-9D79-ED52D8CD124B}"/>
+              </a:ext>
+            </a:extLst>
+          </p:cNvPr>
+          <p:cNvSpPr/>
+          <p:nvPr/>
+        </p:nvSpPr>
+        <p:spPr>
+          <a:xfrm>
+            <a:off x="4682971" y="3750518"/>
+            <a:ext cx="1189688" cy="376013"/>
+          </a:xfrm>
+          <a:prstGeom prst="rect">
+            <a:avLst/>
+          </a:prstGeom>
+        </p:spPr>
+        <p:style>
+          <a:lnRef idx="2">
+            <a:schemeClr val="accent1">
+              <a:shade val="50000"/>
+            </a:schemeClr>
+          </a:lnRef>
+          <a:fillRef idx="1">
+            <a:schemeClr val="accent1"/>
+          </a:fillRef>
+          <a:effectRef idx="0">
+            <a:schemeClr val="accent1"/>
+          </a:effectRef>
+          <a:fontRef idx="minor">
+            <a:schemeClr val="lt1"/>
+          </a:fontRef>
+        </p:style>
+        <p:txBody>
+          <a:bodyPr rtlCol="0" anchor="ctr"/>
+          <a:lstStyle/>
+          <a:p>
+            <a:pPr algn="ctr"/>
+            <a:r>
+              <a:rPr lang="zh-CN" altLang="en-US" dirty="0"/>
+              <a:t>订单列表</a:t>
+            </a:r>
+          </a:p>
+        </p:txBody>
+      </p:sp>
+      <p:cxnSp>
+        <p:nvCxnSpPr>
+          <p:cNvPr id="288" name="直接箭头连接符 287">
+            <a:extLst>
+              <a:ext uri="{FF2B5EF4-FFF2-40B4-BE49-F238E27FC236}">
+                <a16:creationId xmlns:a16="http://schemas.microsoft.com/office/drawing/2014/main" id="{6E09178D-2A97-431D-805B-E79372DC2512}"/>
+              </a:ext>
+            </a:extLst>
+          </p:cNvPr>
+          <p:cNvCxnSpPr>
+            <a:cxnSpLocks/>
+            <a:stCxn id="124" idx="3"/>
+            <a:endCxn id="286" idx="1"/>
+          </p:cNvCxnSpPr>
+          <p:nvPr/>
+        </p:nvCxnSpPr>
+        <p:spPr>
+          <a:xfrm>
+            <a:off x="4403920" y="3938524"/>
+            <a:ext cx="279051" cy="1"/>
+          </a:xfrm>
+          <a:prstGeom prst="straightConnector1">
+            <a:avLst/>
+          </a:prstGeom>
+          <a:ln>
+            <a:tailEnd type="triangle"/>
+          </a:ln>
+        </p:spPr>
+        <p:style>
+          <a:lnRef idx="1">
+            <a:schemeClr val="accent1"/>
+          </a:lnRef>
+          <a:fillRef idx="0">
+            <a:schemeClr val="accent1"/>
+          </a:fillRef>
+          <a:effectRef idx="0">
+            <a:schemeClr val="accent1"/>
+          </a:effectRef>
+          <a:fontRef idx="minor">
+            <a:schemeClr val="tx1"/>
+          </a:fontRef>
+        </p:style>
+      </p:cxnSp>
+      <p:sp>
+        <p:nvSpPr>
+          <p:cNvPr id="313" name="矩形 312">
+            <a:extLst>
+              <a:ext uri="{FF2B5EF4-FFF2-40B4-BE49-F238E27FC236}">
+                <a16:creationId xmlns:a16="http://schemas.microsoft.com/office/drawing/2014/main" id="{CD613948-F37E-4555-8B2F-1880B82EFD24}"/>
+              </a:ext>
+            </a:extLst>
+          </p:cNvPr>
+          <p:cNvSpPr/>
+          <p:nvPr/>
+        </p:nvSpPr>
+        <p:spPr>
+          <a:xfrm>
+            <a:off x="10014207" y="509902"/>
+            <a:ext cx="1189688" cy="376013"/>
+          </a:xfrm>
+          <a:prstGeom prst="rect">
+            <a:avLst/>
+          </a:prstGeom>
+          <a:solidFill>
+            <a:srgbClr val="002060">
+              <a:alpha val="50000"/>
+            </a:srgbClr>
+          </a:solidFill>
+          <a:ln>
+            <a:noFill/>
+          </a:ln>
+        </p:spPr>
+        <p:style>
+          <a:lnRef idx="0">
+            <a:scrgbClr r="0" g="0" b="0"/>
+          </a:lnRef>
+          <a:fillRef idx="0">
+            <a:scrgbClr r="0" g="0" b="0"/>
+          </a:fillRef>
+          <a:effectRef idx="0">
+            <a:scrgbClr r="0" g="0" b="0"/>
+          </a:effectRef>
+          <a:fontRef idx="minor">
+            <a:schemeClr val="lt1"/>
+          </a:fontRef>
+        </p:style>
+        <p:txBody>
+          <a:bodyPr rtlCol="0" anchor="ctr"/>
+          <a:lstStyle/>
+          <a:p>
+            <a:pPr algn="ctr"/>
+            <a:r>
+              <a:rPr lang="zh-CN" altLang="en-US" dirty="0"/>
+              <a:t>删除</a:t>
+            </a:r>
+          </a:p>
+        </p:txBody>
+      </p:sp>
+      <p:cxnSp>
+        <p:nvCxnSpPr>
+          <p:cNvPr id="315" name="直接箭头连接符 314">
+            <a:extLst>
+              <a:ext uri="{FF2B5EF4-FFF2-40B4-BE49-F238E27FC236}">
+                <a16:creationId xmlns:a16="http://schemas.microsoft.com/office/drawing/2014/main" id="{8A63EECF-B702-44F7-A443-859D43FA0BB2}"/>
+              </a:ext>
+            </a:extLst>
+          </p:cNvPr>
+          <p:cNvCxnSpPr>
+            <a:stCxn id="46" idx="3"/>
+            <a:endCxn id="313" idx="1"/>
+          </p:cNvCxnSpPr>
+          <p:nvPr/>
+        </p:nvCxnSpPr>
+        <p:spPr>
+          <a:xfrm flipV="1">
+            <a:off x="8153599" y="697909"/>
+            <a:ext cx="1860608" cy="358629"/>
+          </a:xfrm>
+          <a:prstGeom prst="straightConnector1">
+            <a:avLst/>
+          </a:prstGeom>
+          <a:ln>
+            <a:solidFill>
+              <a:srgbClr val="FF0000"/>
+            </a:solidFill>
+            <a:tailEnd type="triangle"/>
+          </a:ln>
+        </p:spPr>
+        <p:style>
+          <a:lnRef idx="1">
+            <a:schemeClr val="accent1"/>
+          </a:lnRef>
+          <a:fillRef idx="0">
+            <a:schemeClr val="accent1"/>
+          </a:fillRef>
+          <a:effectRef idx="0">
+            <a:schemeClr val="accent1"/>
+          </a:effectRef>
+          <a:fontRef idx="minor">
+            <a:schemeClr val="tx1"/>
+          </a:fontRef>
+        </p:style>
+      </p:cxnSp>
+      <p:cxnSp>
+        <p:nvCxnSpPr>
+          <p:cNvPr id="317" name="直接箭头连接符 316">
+            <a:extLst>
+              <a:ext uri="{FF2B5EF4-FFF2-40B4-BE49-F238E27FC236}">
+                <a16:creationId xmlns:a16="http://schemas.microsoft.com/office/drawing/2014/main" id="{C1729007-32F6-4882-A463-F016D16009FE}"/>
+              </a:ext>
+            </a:extLst>
+          </p:cNvPr>
+          <p:cNvCxnSpPr>
+            <a:stCxn id="47" idx="3"/>
+            <a:endCxn id="313" idx="1"/>
+          </p:cNvCxnSpPr>
+          <p:nvPr/>
+        </p:nvCxnSpPr>
+        <p:spPr>
+          <a:xfrm flipV="1">
+            <a:off x="8153599" y="697909"/>
+            <a:ext cx="1860608" cy="1215627"/>
+          </a:xfrm>
+          <a:prstGeom prst="straightConnector1">
+            <a:avLst/>
+          </a:prstGeom>
+          <a:ln>
+            <a:tailEnd type="triangle"/>
+          </a:ln>
+        </p:spPr>
+        <p:style>
+          <a:lnRef idx="1">
+            <a:schemeClr val="accent2"/>
+          </a:lnRef>
+          <a:fillRef idx="0">
+            <a:schemeClr val="accent2"/>
+          </a:fillRef>
+          <a:effectRef idx="0">
+            <a:schemeClr val="accent2"/>
+          </a:effectRef>
+          <a:fontRef idx="minor">
+            <a:schemeClr val="tx1"/>
+          </a:fontRef>
+        </p:style>
+      </p:cxnSp>
+      <p:sp>
+        <p:nvSpPr>
+          <p:cNvPr id="320" name="矩形 319">
+            <a:extLst>
+              <a:ext uri="{FF2B5EF4-FFF2-40B4-BE49-F238E27FC236}">
+                <a16:creationId xmlns:a16="http://schemas.microsoft.com/office/drawing/2014/main" id="{7B66FD49-CE0B-4144-9E08-0638AFC79630}"/>
+              </a:ext>
+            </a:extLst>
+          </p:cNvPr>
+          <p:cNvSpPr/>
+          <p:nvPr/>
+        </p:nvSpPr>
+        <p:spPr>
+          <a:xfrm>
+            <a:off x="6454989" y="3366515"/>
+            <a:ext cx="1189688" cy="376013"/>
+          </a:xfrm>
+          <a:prstGeom prst="rect">
+            <a:avLst/>
+          </a:prstGeom>
+          <a:ln>
+            <a:solidFill>
+              <a:srgbClr val="FF0000"/>
+            </a:solidFill>
+          </a:ln>
+        </p:spPr>
+        <p:style>
+          <a:lnRef idx="0">
+            <a:schemeClr val="accent6"/>
+          </a:lnRef>
+          <a:fillRef idx="3">
+            <a:schemeClr val="accent6"/>
+          </a:fillRef>
+          <a:effectRef idx="3">
+            <a:schemeClr val="accent6"/>
+          </a:effectRef>
+          <a:fontRef idx="minor">
+            <a:schemeClr val="lt1"/>
+          </a:fontRef>
+        </p:style>
+        <p:txBody>
+          <a:bodyPr rtlCol="0" anchor="ctr"/>
+          <a:lstStyle/>
+          <a:p>
+            <a:pPr algn="ctr"/>
+            <a:r>
+              <a:rPr lang="zh-CN" altLang="en-US" dirty="0"/>
+              <a:t>批量操作</a:t>
+            </a:r>
+          </a:p>
+        </p:txBody>
+      </p:sp>
+      <p:sp>
+        <p:nvSpPr>
+          <p:cNvPr id="324" name="矩形 323">
+            <a:extLst>
+              <a:ext uri="{FF2B5EF4-FFF2-40B4-BE49-F238E27FC236}">
+                <a16:creationId xmlns:a16="http://schemas.microsoft.com/office/drawing/2014/main" id="{FAB422B6-3D75-4C95-8F07-86575F4D6619}"/>
+              </a:ext>
+            </a:extLst>
+          </p:cNvPr>
+          <p:cNvSpPr/>
+          <p:nvPr/>
+        </p:nvSpPr>
+        <p:spPr>
+          <a:xfrm>
+            <a:off x="6454989" y="4138137"/>
+            <a:ext cx="1189688" cy="376013"/>
+          </a:xfrm>
+          <a:prstGeom prst="rect">
+            <a:avLst/>
+          </a:prstGeom>
+          <a:ln>
+            <a:solidFill>
+              <a:srgbClr val="FFC000"/>
+            </a:solidFill>
+          </a:ln>
+        </p:spPr>
+        <p:style>
+          <a:lnRef idx="0">
+            <a:schemeClr val="accent6"/>
+          </a:lnRef>
+          <a:fillRef idx="3">
+            <a:schemeClr val="accent6"/>
+          </a:fillRef>
+          <a:effectRef idx="3">
+            <a:schemeClr val="accent6"/>
+          </a:effectRef>
+          <a:fontRef idx="minor">
+            <a:schemeClr val="lt1"/>
+          </a:fontRef>
+        </p:style>
+        <p:txBody>
+          <a:bodyPr rtlCol="0" anchor="ctr"/>
+          <a:lstStyle/>
+          <a:p>
+            <a:pPr algn="ctr"/>
+            <a:r>
+              <a:rPr lang="zh-CN" altLang="en-US" dirty="0"/>
+              <a:t>单一订单</a:t>
+            </a:r>
+          </a:p>
+        </p:txBody>
+      </p:sp>
+      <p:cxnSp>
+        <p:nvCxnSpPr>
+          <p:cNvPr id="326" name="直接箭头连接符 325">
+            <a:extLst>
+              <a:ext uri="{FF2B5EF4-FFF2-40B4-BE49-F238E27FC236}">
+                <a16:creationId xmlns:a16="http://schemas.microsoft.com/office/drawing/2014/main" id="{8676813C-A36A-4BF1-B04D-6FE5B6EDB7C5}"/>
+              </a:ext>
+            </a:extLst>
+          </p:cNvPr>
+          <p:cNvCxnSpPr>
+            <a:stCxn id="286" idx="3"/>
+            <a:endCxn id="320" idx="1"/>
+          </p:cNvCxnSpPr>
+          <p:nvPr/>
+        </p:nvCxnSpPr>
+        <p:spPr>
+          <a:xfrm flipV="1">
+            <a:off x="5872659" y="3554522"/>
+            <a:ext cx="582330" cy="384003"/>
+          </a:xfrm>
+          <a:prstGeom prst="straightConnector1">
+            <a:avLst/>
+          </a:prstGeom>
+          <a:ln>
+            <a:tailEnd type="triangle"/>
+          </a:ln>
+        </p:spPr>
+        <p:style>
+          <a:lnRef idx="1">
+            <a:schemeClr val="accent1"/>
+          </a:lnRef>
+          <a:fillRef idx="0">
+            <a:schemeClr val="accent1"/>
+          </a:fillRef>
+          <a:effectRef idx="0">
+            <a:schemeClr val="accent1"/>
+          </a:effectRef>
+          <a:fontRef idx="minor">
+            <a:schemeClr val="tx1"/>
+          </a:fontRef>
+        </p:style>
+      </p:cxnSp>
+      <p:cxnSp>
+        <p:nvCxnSpPr>
+          <p:cNvPr id="328" name="直接箭头连接符 327">
+            <a:extLst>
+              <a:ext uri="{FF2B5EF4-FFF2-40B4-BE49-F238E27FC236}">
+                <a16:creationId xmlns:a16="http://schemas.microsoft.com/office/drawing/2014/main" id="{976D35A2-7593-47EF-9A61-D713FAE16A28}"/>
+              </a:ext>
+            </a:extLst>
+          </p:cNvPr>
+          <p:cNvCxnSpPr>
+            <a:stCxn id="286" idx="3"/>
+            <a:endCxn id="324" idx="1"/>
+          </p:cNvCxnSpPr>
+          <p:nvPr/>
+        </p:nvCxnSpPr>
+        <p:spPr>
+          <a:xfrm>
+            <a:off x="5872659" y="3938525"/>
+            <a:ext cx="582330" cy="387619"/>
+          </a:xfrm>
+          <a:prstGeom prst="straightConnector1">
+            <a:avLst/>
+          </a:prstGeom>
+          <a:ln>
+            <a:tailEnd type="triangle"/>
+          </a:ln>
+        </p:spPr>
+        <p:style>
+          <a:lnRef idx="1">
+            <a:schemeClr val="accent1"/>
+          </a:lnRef>
+          <a:fillRef idx="0">
+            <a:schemeClr val="accent1"/>
+          </a:fillRef>
+          <a:effectRef idx="0">
+            <a:schemeClr val="accent1"/>
+          </a:effectRef>
+          <a:fontRef idx="minor">
+            <a:schemeClr val="tx1"/>
+          </a:fontRef>
+        </p:style>
+      </p:cxnSp>
+      <p:sp>
+        <p:nvSpPr>
+          <p:cNvPr id="330" name="矩形 329">
+            <a:extLst>
+              <a:ext uri="{FF2B5EF4-FFF2-40B4-BE49-F238E27FC236}">
+                <a16:creationId xmlns:a16="http://schemas.microsoft.com/office/drawing/2014/main" id="{A38C7D37-D6BC-40D0-81D3-7AF710F2C2A8}"/>
+              </a:ext>
+            </a:extLst>
+          </p:cNvPr>
+          <p:cNvSpPr/>
+          <p:nvPr/>
+        </p:nvSpPr>
+        <p:spPr>
+          <a:xfrm>
+            <a:off x="8195713" y="3381085"/>
+            <a:ext cx="1189688" cy="376013"/>
+          </a:xfrm>
+          <a:prstGeom prst="rect">
+            <a:avLst/>
+          </a:prstGeom>
+          <a:solidFill>
+            <a:srgbClr val="002060">
+              <a:alpha val="50000"/>
+            </a:srgbClr>
+          </a:solidFill>
+          <a:ln>
+            <a:noFill/>
+          </a:ln>
+        </p:spPr>
+        <p:style>
+          <a:lnRef idx="0">
+            <a:scrgbClr r="0" g="0" b="0"/>
+          </a:lnRef>
+          <a:fillRef idx="0">
+            <a:scrgbClr r="0" g="0" b="0"/>
+          </a:fillRef>
+          <a:effectRef idx="0">
+            <a:scrgbClr r="0" g="0" b="0"/>
+          </a:effectRef>
+          <a:fontRef idx="minor">
+            <a:schemeClr val="lt1"/>
+          </a:fontRef>
+        </p:style>
+        <p:txBody>
+          <a:bodyPr rtlCol="0" anchor="ctr"/>
+          <a:lstStyle/>
+          <a:p>
+            <a:pPr algn="ctr"/>
+            <a:r>
+              <a:rPr lang="zh-CN" altLang="en-US" dirty="0"/>
+              <a:t>删除</a:t>
+            </a:r>
+          </a:p>
+        </p:txBody>
+      </p:sp>
+      <p:sp>
+        <p:nvSpPr>
+          <p:cNvPr id="331" name="矩形 330">
+            <a:extLst>
+              <a:ext uri="{FF2B5EF4-FFF2-40B4-BE49-F238E27FC236}">
+                <a16:creationId xmlns:a16="http://schemas.microsoft.com/office/drawing/2014/main" id="{2869A83F-04CA-46F5-B1DA-851579BBBEE0}"/>
+              </a:ext>
+            </a:extLst>
+          </p:cNvPr>
+          <p:cNvSpPr/>
+          <p:nvPr/>
+        </p:nvSpPr>
+        <p:spPr>
+          <a:xfrm>
+            <a:off x="8195713" y="4154997"/>
+            <a:ext cx="1189688" cy="376013"/>
+          </a:xfrm>
+          <a:prstGeom prst="rect">
+            <a:avLst/>
+          </a:prstGeom>
+          <a:solidFill>
+            <a:srgbClr val="002060">
+              <a:alpha val="50000"/>
+            </a:srgbClr>
+          </a:solidFill>
+          <a:ln>
+            <a:noFill/>
+          </a:ln>
+        </p:spPr>
+        <p:style>
+          <a:lnRef idx="0">
+            <a:scrgbClr r="0" g="0" b="0"/>
+          </a:lnRef>
+          <a:fillRef idx="0">
+            <a:scrgbClr r="0" g="0" b="0"/>
+          </a:fillRef>
+          <a:effectRef idx="0">
+            <a:scrgbClr r="0" g="0" b="0"/>
+          </a:effectRef>
+          <a:fontRef idx="minor">
+            <a:schemeClr val="lt1"/>
+          </a:fontRef>
+        </p:style>
+        <p:txBody>
+          <a:bodyPr rtlCol="0" anchor="ctr"/>
+          <a:lstStyle/>
+          <a:p>
+            <a:pPr algn="ctr"/>
+            <a:r>
+              <a:rPr lang="zh-CN" altLang="en-US" dirty="0"/>
+              <a:t>邮寄信息</a:t>
+            </a:r>
+          </a:p>
+        </p:txBody>
+      </p:sp>
+      <p:cxnSp>
+        <p:nvCxnSpPr>
+          <p:cNvPr id="344" name="直接箭头连接符 343">
+            <a:extLst>
+              <a:ext uri="{FF2B5EF4-FFF2-40B4-BE49-F238E27FC236}">
+                <a16:creationId xmlns:a16="http://schemas.microsoft.com/office/drawing/2014/main" id="{ABD3D93B-1B9E-4261-9C4C-C615C468D1B6}"/>
+              </a:ext>
+            </a:extLst>
+          </p:cNvPr>
+          <p:cNvCxnSpPr>
+            <a:cxnSpLocks/>
+            <a:stCxn id="320" idx="3"/>
+            <a:endCxn id="330" idx="1"/>
+          </p:cNvCxnSpPr>
+          <p:nvPr/>
+        </p:nvCxnSpPr>
+        <p:spPr>
+          <a:xfrm>
+            <a:off x="7644677" y="3554522"/>
+            <a:ext cx="551036" cy="14570"/>
+          </a:xfrm>
+          <a:prstGeom prst="straightConnector1">
+            <a:avLst/>
+          </a:prstGeom>
+          <a:ln>
+            <a:tailEnd type="triangle"/>
+          </a:ln>
+        </p:spPr>
+        <p:style>
+          <a:lnRef idx="1">
+            <a:schemeClr val="accent1"/>
+          </a:lnRef>
+          <a:fillRef idx="0">
+            <a:schemeClr val="accent1"/>
+          </a:fillRef>
+          <a:effectRef idx="0">
+            <a:schemeClr val="accent1"/>
+          </a:effectRef>
+          <a:fontRef idx="minor">
+            <a:schemeClr val="tx1"/>
+          </a:fontRef>
+        </p:style>
+      </p:cxnSp>
+      <p:cxnSp>
+        <p:nvCxnSpPr>
+          <p:cNvPr id="354" name="直接箭头连接符 353">
+            <a:extLst>
+              <a:ext uri="{FF2B5EF4-FFF2-40B4-BE49-F238E27FC236}">
+                <a16:creationId xmlns:a16="http://schemas.microsoft.com/office/drawing/2014/main" id="{9017A9DA-0B46-4619-8E83-9B9F3861C717}"/>
+              </a:ext>
+            </a:extLst>
+          </p:cNvPr>
+          <p:cNvCxnSpPr>
+            <a:stCxn id="324" idx="3"/>
+            <a:endCxn id="331" idx="1"/>
+          </p:cNvCxnSpPr>
+          <p:nvPr/>
+        </p:nvCxnSpPr>
+        <p:spPr>
+          <a:xfrm>
+            <a:off x="7644677" y="4326144"/>
+            <a:ext cx="551036" cy="16860"/>
+          </a:xfrm>
+          <a:prstGeom prst="straightConnector1">
+            <a:avLst/>
+          </a:prstGeom>
+          <a:ln>
+            <a:tailEnd type="triangle"/>
+          </a:ln>
+        </p:spPr>
+        <p:style>
+          <a:lnRef idx="1">
+            <a:schemeClr val="accent1"/>
+          </a:lnRef>
+          <a:fillRef idx="0">
+            <a:schemeClr val="accent1"/>
+          </a:fillRef>
+          <a:effectRef idx="0">
+            <a:schemeClr val="accent1"/>
+          </a:effectRef>
+          <a:fontRef idx="minor">
+            <a:schemeClr val="tx1"/>
+          </a:fontRef>
+        </p:style>
+      </p:cxnSp>
+      <p:cxnSp>
+        <p:nvCxnSpPr>
+          <p:cNvPr id="357" name="直接箭头连接符 356">
+            <a:extLst>
+              <a:ext uri="{FF2B5EF4-FFF2-40B4-BE49-F238E27FC236}">
+                <a16:creationId xmlns:a16="http://schemas.microsoft.com/office/drawing/2014/main" id="{A2E8493B-8433-42AE-BDD6-2E3063BE507D}"/>
+              </a:ext>
+            </a:extLst>
+          </p:cNvPr>
+          <p:cNvCxnSpPr>
+            <a:stCxn id="324" idx="3"/>
+            <a:endCxn id="330" idx="1"/>
+          </p:cNvCxnSpPr>
+          <p:nvPr/>
+        </p:nvCxnSpPr>
+        <p:spPr>
+          <a:xfrm flipV="1">
+            <a:off x="7644677" y="3569092"/>
+            <a:ext cx="551036" cy="757052"/>
+          </a:xfrm>
+          <a:prstGeom prst="straightConnector1">
+            <a:avLst/>
+          </a:prstGeom>
+          <a:ln>
+            <a:tailEnd type="triangle"/>
+          </a:ln>
+        </p:spPr>
+        <p:style>
+          <a:lnRef idx="1">
+            <a:schemeClr val="accent1"/>
+          </a:lnRef>
+          <a:fillRef idx="0">
+            <a:schemeClr val="accent1"/>
+          </a:fillRef>
+          <a:effectRef idx="0">
+            <a:schemeClr val="accent1"/>
+          </a:effectRef>
+          <a:fontRef idx="minor">
+            <a:schemeClr val="tx1"/>
+          </a:fontRef>
+        </p:style>
+      </p:cxnSp>
+      <p:sp>
+        <p:nvSpPr>
+          <p:cNvPr id="358" name="矩形 357">
+            <a:extLst>
+              <a:ext uri="{FF2B5EF4-FFF2-40B4-BE49-F238E27FC236}">
+                <a16:creationId xmlns:a16="http://schemas.microsoft.com/office/drawing/2014/main" id="{6B6FEC71-AA3D-4A10-87E9-99FDD7D3E6CF}"/>
+              </a:ext>
+            </a:extLst>
+          </p:cNvPr>
+          <p:cNvSpPr/>
+          <p:nvPr/>
+        </p:nvSpPr>
+        <p:spPr>
+          <a:xfrm>
+            <a:off x="1717680" y="5352621"/>
+            <a:ext cx="1290415" cy="376015"/>
+          </a:xfrm>
+          <a:prstGeom prst="rect">
+            <a:avLst/>
+          </a:prstGeom>
+          <a:solidFill>
+            <a:srgbClr val="00B050"/>
+          </a:solidFill>
+        </p:spPr>
+        <p:style>
+          <a:lnRef idx="0">
+            <a:schemeClr val="accent1"/>
+          </a:lnRef>
+          <a:fillRef idx="3">
+            <a:schemeClr val="accent1"/>
+          </a:fillRef>
+          <a:effectRef idx="3">
+            <a:schemeClr val="accent1"/>
+          </a:effectRef>
+          <a:fontRef idx="minor">
+            <a:schemeClr val="lt1"/>
+          </a:fontRef>
+        </p:style>
+        <p:txBody>
+          <a:bodyPr rtlCol="0" anchor="ctr"/>
+          <a:lstStyle/>
+          <a:p>
+            <a:pPr algn="ctr"/>
+            <a:r>
+              <a:rPr lang="zh-CN" altLang="en-US" dirty="0"/>
+              <a:t>报表统计</a:t>
+            </a:r>
+          </a:p>
+        </p:txBody>
+      </p:sp>
+      <p:cxnSp>
+        <p:nvCxnSpPr>
+          <p:cNvPr id="382" name="直接箭头连接符 381">
+            <a:extLst>
+              <a:ext uri="{FF2B5EF4-FFF2-40B4-BE49-F238E27FC236}">
+                <a16:creationId xmlns:a16="http://schemas.microsoft.com/office/drawing/2014/main" id="{3716D390-67F7-42AC-AC27-56C2E00A8DE3}"/>
+              </a:ext>
+            </a:extLst>
+          </p:cNvPr>
+          <p:cNvCxnSpPr>
+            <a:stCxn id="4" idx="6"/>
+            <a:endCxn id="358" idx="1"/>
+          </p:cNvCxnSpPr>
+          <p:nvPr/>
+        </p:nvCxnSpPr>
+        <p:spPr>
+          <a:xfrm>
+            <a:off x="1450563" y="3938523"/>
+            <a:ext cx="267117" cy="1602106"/>
+          </a:xfrm>
+          <a:prstGeom prst="straightConnector1">
+            <a:avLst/>
+          </a:prstGeom>
+          <a:ln>
+            <a:tailEnd type="triangle"/>
+          </a:ln>
+        </p:spPr>
+        <p:style>
+          <a:lnRef idx="1">
+            <a:schemeClr val="accent1"/>
+          </a:lnRef>
+          <a:fillRef idx="0">
+            <a:schemeClr val="accent1"/>
+          </a:fillRef>
+          <a:effectRef idx="0">
+            <a:schemeClr val="accent1"/>
+          </a:effectRef>
+          <a:fontRef idx="minor">
+            <a:schemeClr val="tx1"/>
+          </a:fontRef>
+        </p:style>
+      </p:cxnSp>
+      <p:cxnSp>
+        <p:nvCxnSpPr>
+          <p:cNvPr id="388" name="直接箭头连接符 387">
+            <a:extLst>
+              <a:ext uri="{FF2B5EF4-FFF2-40B4-BE49-F238E27FC236}">
+                <a16:creationId xmlns:a16="http://schemas.microsoft.com/office/drawing/2014/main" id="{C58B4336-DD20-4C8C-A72D-CE1E5C1750B2}"/>
+              </a:ext>
+            </a:extLst>
+          </p:cNvPr>
+          <p:cNvCxnSpPr>
+            <a:cxnSpLocks/>
+            <a:stCxn id="358" idx="3"/>
+            <a:endCxn id="389" idx="1"/>
+          </p:cNvCxnSpPr>
+          <p:nvPr/>
+        </p:nvCxnSpPr>
+        <p:spPr>
+          <a:xfrm>
+            <a:off x="3008095" y="5540629"/>
+            <a:ext cx="184888" cy="1"/>
+          </a:xfrm>
+          <a:prstGeom prst="straightConnector1">
+            <a:avLst/>
+          </a:prstGeom>
+          <a:ln>
+            <a:tailEnd type="triangle"/>
+          </a:ln>
+        </p:spPr>
+        <p:style>
+          <a:lnRef idx="1">
+            <a:schemeClr val="accent1"/>
+          </a:lnRef>
+          <a:fillRef idx="0">
+            <a:schemeClr val="accent1"/>
+          </a:fillRef>
+          <a:effectRef idx="0">
+            <a:schemeClr val="accent1"/>
+          </a:effectRef>
+          <a:fontRef idx="minor">
+            <a:schemeClr val="tx1"/>
+          </a:fontRef>
+        </p:style>
+      </p:cxnSp>
+      <p:sp>
+        <p:nvSpPr>
+          <p:cNvPr id="389" name="矩形 388">
+            <a:extLst>
+              <a:ext uri="{FF2B5EF4-FFF2-40B4-BE49-F238E27FC236}">
+                <a16:creationId xmlns:a16="http://schemas.microsoft.com/office/drawing/2014/main" id="{D0EE58F7-F25C-4EB8-ADE4-3A6FAC078840}"/>
+              </a:ext>
+            </a:extLst>
+          </p:cNvPr>
+          <p:cNvSpPr/>
+          <p:nvPr/>
+        </p:nvSpPr>
+        <p:spPr>
+          <a:xfrm>
+            <a:off x="3192983" y="5352623"/>
+            <a:ext cx="1189688" cy="376013"/>
+          </a:xfrm>
+          <a:prstGeom prst="rect">
+            <a:avLst/>
+          </a:prstGeom>
+        </p:spPr>
+        <p:style>
+          <a:lnRef idx="2">
+            <a:schemeClr val="accent1">
+              <a:shade val="50000"/>
+            </a:schemeClr>
+          </a:lnRef>
+          <a:fillRef idx="1">
+            <a:schemeClr val="accent1"/>
+          </a:fillRef>
+          <a:effectRef idx="0">
+            <a:schemeClr val="accent1"/>
+          </a:effectRef>
+          <a:fontRef idx="minor">
+            <a:schemeClr val="lt1"/>
+          </a:fontRef>
+        </p:style>
+        <p:txBody>
+          <a:bodyPr rtlCol="0" anchor="ctr"/>
+          <a:lstStyle/>
+          <a:p>
+            <a:pPr algn="ctr"/>
+            <a:r>
+              <a:rPr lang="zh-CN" altLang="en-US" dirty="0"/>
+              <a:t>条件查询</a:t>
+            </a:r>
+          </a:p>
+        </p:txBody>
+      </p:sp>
+      <p:sp>
+        <p:nvSpPr>
+          <p:cNvPr id="390" name="矩形 389">
+            <a:extLst>
+              <a:ext uri="{FF2B5EF4-FFF2-40B4-BE49-F238E27FC236}">
+                <a16:creationId xmlns:a16="http://schemas.microsoft.com/office/drawing/2014/main" id="{A7E30226-62D1-4881-87A1-72CB68867EF0}"/>
+              </a:ext>
+            </a:extLst>
+          </p:cNvPr>
+          <p:cNvSpPr/>
+          <p:nvPr/>
+        </p:nvSpPr>
+        <p:spPr>
+          <a:xfrm>
+            <a:off x="4682971" y="5352621"/>
+            <a:ext cx="1189688" cy="376013"/>
+          </a:xfrm>
+          <a:prstGeom prst="rect">
+            <a:avLst/>
+          </a:prstGeom>
+        </p:spPr>
+        <p:style>
+          <a:lnRef idx="2">
+            <a:schemeClr val="accent1">
+              <a:shade val="50000"/>
+            </a:schemeClr>
+          </a:lnRef>
+          <a:fillRef idx="1">
+            <a:schemeClr val="accent1"/>
+          </a:fillRef>
+          <a:effectRef idx="0">
+            <a:schemeClr val="accent1"/>
+          </a:effectRef>
+          <a:fontRef idx="minor">
+            <a:schemeClr val="lt1"/>
+          </a:fontRef>
+        </p:style>
+        <p:txBody>
+          <a:bodyPr rtlCol="0" anchor="ctr"/>
+          <a:lstStyle/>
+          <a:p>
+            <a:pPr algn="ctr"/>
+            <a:r>
+              <a:rPr lang="zh-CN" altLang="en-US" dirty="0"/>
+              <a:t>订单列表</a:t>
+            </a:r>
+          </a:p>
+        </p:txBody>
+      </p:sp>
+      <p:cxnSp>
+        <p:nvCxnSpPr>
+          <p:cNvPr id="391" name="直接箭头连接符 390">
+            <a:extLst>
+              <a:ext uri="{FF2B5EF4-FFF2-40B4-BE49-F238E27FC236}">
+                <a16:creationId xmlns:a16="http://schemas.microsoft.com/office/drawing/2014/main" id="{81DB1B85-AF7B-40D8-B4F0-4A5651664C6E}"/>
+              </a:ext>
+            </a:extLst>
+          </p:cNvPr>
+          <p:cNvCxnSpPr>
+            <a:cxnSpLocks/>
+            <a:stCxn id="389" idx="3"/>
+            <a:endCxn id="390" idx="1"/>
+          </p:cNvCxnSpPr>
+          <p:nvPr/>
+        </p:nvCxnSpPr>
+        <p:spPr>
+          <a:xfrm flipV="1">
+            <a:off x="4382671" y="5540628"/>
+            <a:ext cx="300300" cy="2"/>
+          </a:xfrm>
+          <a:prstGeom prst="straightConnector1">
+            <a:avLst/>
+          </a:prstGeom>
+          <a:ln>
+            <a:tailEnd type="triangle"/>
+          </a:ln>
+        </p:spPr>
+        <p:style>
+          <a:lnRef idx="1">
+            <a:schemeClr val="accent1"/>
+          </a:lnRef>
+          <a:fillRef idx="0">
+            <a:schemeClr val="accent1"/>
+          </a:fillRef>
+          <a:effectRef idx="0">
+            <a:schemeClr val="accent1"/>
+          </a:effectRef>
+          <a:fontRef idx="minor">
+            <a:schemeClr val="tx1"/>
+          </a:fontRef>
+        </p:style>
+      </p:cxnSp>
+      <p:cxnSp>
+        <p:nvCxnSpPr>
+          <p:cNvPr id="398" name="直接箭头连接符 397">
+            <a:extLst>
+              <a:ext uri="{FF2B5EF4-FFF2-40B4-BE49-F238E27FC236}">
+                <a16:creationId xmlns:a16="http://schemas.microsoft.com/office/drawing/2014/main" id="{6D8DA215-C70A-4488-A359-64FDE97353AB}"/>
+              </a:ext>
+            </a:extLst>
+          </p:cNvPr>
+          <p:cNvCxnSpPr>
+            <a:stCxn id="390" idx="3"/>
+            <a:endCxn id="324" idx="1"/>
+          </p:cNvCxnSpPr>
+          <p:nvPr/>
+        </p:nvCxnSpPr>
+        <p:spPr>
+          <a:xfrm flipV="1">
+            <a:off x="5872659" y="4326144"/>
+            <a:ext cx="582330" cy="1214484"/>
+          </a:xfrm>
+          <a:prstGeom prst="straightConnector1">
+            <a:avLst/>
+          </a:prstGeom>
+          <a:ln>
+            <a:tailEnd type="triangle"/>
+          </a:ln>
+        </p:spPr>
+        <p:style>
+          <a:lnRef idx="1">
+            <a:schemeClr val="accent1"/>
+          </a:lnRef>
+          <a:fillRef idx="0">
+            <a:schemeClr val="accent1"/>
+          </a:fillRef>
+          <a:effectRef idx="0">
+            <a:schemeClr val="accent1"/>
+          </a:effectRef>
+          <a:fontRef idx="minor">
+            <a:schemeClr val="tx1"/>
+          </a:fontRef>
+        </p:style>
+      </p:cxnSp>
+      <p:sp>
+        <p:nvSpPr>
+          <p:cNvPr id="399" name="矩形 398">
+            <a:extLst>
+              <a:ext uri="{FF2B5EF4-FFF2-40B4-BE49-F238E27FC236}">
+                <a16:creationId xmlns:a16="http://schemas.microsoft.com/office/drawing/2014/main" id="{25C1B420-46AF-4946-8020-7DE0C956C43B}"/>
+              </a:ext>
+            </a:extLst>
+          </p:cNvPr>
+          <p:cNvSpPr/>
+          <p:nvPr/>
+        </p:nvSpPr>
+        <p:spPr>
+          <a:xfrm>
+            <a:off x="6454989" y="5352621"/>
+            <a:ext cx="1740724" cy="376013"/>
+          </a:xfrm>
+          <a:prstGeom prst="rect">
+            <a:avLst/>
+          </a:prstGeom>
+          <a:solidFill>
+            <a:srgbClr val="C00000"/>
+          </a:solidFill>
+          <a:ln/>
+        </p:spPr>
+        <p:style>
+          <a:lnRef idx="0">
+            <a:schemeClr val="accent1"/>
+          </a:lnRef>
+          <a:fillRef idx="3">
+            <a:schemeClr val="accent1"/>
+          </a:fillRef>
+          <a:effectRef idx="3">
+            <a:schemeClr val="accent1"/>
+          </a:effectRef>
+          <a:fontRef idx="minor">
+            <a:schemeClr val="lt1"/>
+          </a:fontRef>
+        </p:style>
+        <p:txBody>
+          <a:bodyPr rtlCol="0" anchor="ctr"/>
+          <a:lstStyle/>
+          <a:p>
+            <a:pPr algn="ctr"/>
+            <a:r>
+              <a:rPr lang="zh-CN" altLang="en-US" dirty="0"/>
+              <a:t>报表导出</a:t>
+            </a:r>
+            <a:r>
+              <a:rPr lang="en-US" altLang="zh-CN" dirty="0"/>
+              <a:t>Excel</a:t>
+            </a:r>
+            <a:endParaRPr lang="zh-CN" altLang="en-US" dirty="0"/>
+          </a:p>
+        </p:txBody>
+      </p:sp>
+      <p:cxnSp>
+        <p:nvCxnSpPr>
+          <p:cNvPr id="401" name="直接箭头连接符 400">
+            <a:extLst>
+              <a:ext uri="{FF2B5EF4-FFF2-40B4-BE49-F238E27FC236}">
+                <a16:creationId xmlns:a16="http://schemas.microsoft.com/office/drawing/2014/main" id="{501525C2-C223-4DBC-A62E-84ED0333948B}"/>
+              </a:ext>
+            </a:extLst>
+          </p:cNvPr>
+          <p:cNvCxnSpPr>
+            <a:cxnSpLocks/>
+            <a:stCxn id="390" idx="3"/>
+            <a:endCxn id="399" idx="1"/>
+          </p:cNvCxnSpPr>
+          <p:nvPr/>
+        </p:nvCxnSpPr>
+        <p:spPr>
+          <a:xfrm>
+            <a:off x="5872659" y="5540628"/>
+            <a:ext cx="582330" cy="0"/>
+          </a:xfrm>
+          <a:prstGeom prst="straightConnector1">
+            <a:avLst/>
+          </a:prstGeom>
+          <a:ln>
+            <a:tailEnd type="triangle"/>
+          </a:ln>
+        </p:spPr>
+        <p:style>
+          <a:lnRef idx="1">
+            <a:schemeClr val="accent1"/>
+          </a:lnRef>
+          <a:fillRef idx="0">
+            <a:schemeClr val="accent1"/>
+          </a:fillRef>
+          <a:effectRef idx="0">
+            <a:schemeClr val="accent1"/>
+          </a:effectRef>
+          <a:fontRef idx="minor">
+            <a:schemeClr val="tx1"/>
+          </a:fontRef>
+        </p:style>
+      </p:cxnSp>
     </p:spTree>
     <p:extLst>
       <p:ext uri="{BB962C8B-B14F-4D97-AF65-F5344CB8AC3E}">
@@ -3943,10 +6278,10 @@
       </p:sp>
       <p:graphicFrame>
         <p:nvGraphicFramePr>
-          <p:cNvPr id="6" name="表格 5">
-            <a:extLst>
-              <a:ext uri="{FF2B5EF4-FFF2-40B4-BE49-F238E27FC236}">
-                <a16:creationId xmlns:a16="http://schemas.microsoft.com/office/drawing/2014/main" id="{7E164E48-7AAA-4CAB-A6F1-C7F6D8054E7F}"/>
+          <p:cNvPr id="2" name="表格 2">
+            <a:extLst>
+              <a:ext uri="{FF2B5EF4-FFF2-40B4-BE49-F238E27FC236}">
+                <a16:creationId xmlns:a16="http://schemas.microsoft.com/office/drawing/2014/main" id="{8AD65AD0-1CA2-4153-A32B-EED124FE77A6}"/>
               </a:ext>
             </a:extLst>
           </p:cNvPr>
@@ -3956,14 +6291,14 @@
           <p:nvPr>
             <p:extLst>
               <p:ext uri="{D42A27DB-BD31-4B8C-83A1-F6EECF244321}">
-                <p14:modId xmlns:p14="http://schemas.microsoft.com/office/powerpoint/2010/main" val="325672162"/>
+                <p14:modId xmlns:p14="http://schemas.microsoft.com/office/powerpoint/2010/main" val="1743130139"/>
               </p:ext>
             </p:extLst>
           </p:nvPr>
         </p:nvGraphicFramePr>
         <p:xfrm>
-          <a:off x="0" y="719666"/>
-          <a:ext cx="12191994" cy="6138333"/>
+          <a:off x="0" y="841830"/>
+          <a:ext cx="12192000" cy="6016173"/>
         </p:xfrm>
         <a:graphic>
           <a:graphicData uri="http://schemas.openxmlformats.org/drawingml/2006/table">
@@ -3972,71 +6307,64 @@
                 <a:tableStyleId>{5C22544A-7EE6-4342-B048-85BDC9FD1C3A}</a:tableStyleId>
               </a:tblPr>
               <a:tblGrid>
-                <a:gridCol w="1354666">
+                <a:gridCol w="1524000">
                   <a:extLst>
                     <a:ext uri="{9D8B030D-6E8A-4147-A177-3AD203B41FA5}">
-                      <a16:colId xmlns:a16="http://schemas.microsoft.com/office/drawing/2014/main" val="4265606772"/>
+                      <a16:colId xmlns:a16="http://schemas.microsoft.com/office/drawing/2014/main" val="1883979104"/>
                     </a:ext>
                   </a:extLst>
                 </a:gridCol>
-                <a:gridCol w="1354666">
+                <a:gridCol w="1524000">
                   <a:extLst>
                     <a:ext uri="{9D8B030D-6E8A-4147-A177-3AD203B41FA5}">
-                      <a16:colId xmlns:a16="http://schemas.microsoft.com/office/drawing/2014/main" val="4124632601"/>
+                      <a16:colId xmlns:a16="http://schemas.microsoft.com/office/drawing/2014/main" val="1809886652"/>
                     </a:ext>
                   </a:extLst>
                 </a:gridCol>
-                <a:gridCol w="1354666">
+                <a:gridCol w="1524000">
                   <a:extLst>
                     <a:ext uri="{9D8B030D-6E8A-4147-A177-3AD203B41FA5}">
-                      <a16:colId xmlns:a16="http://schemas.microsoft.com/office/drawing/2014/main" val="2206490258"/>
+                      <a16:colId xmlns:a16="http://schemas.microsoft.com/office/drawing/2014/main" val="4022731239"/>
                     </a:ext>
                   </a:extLst>
                 </a:gridCol>
-                <a:gridCol w="1354666">
+                <a:gridCol w="1524000">
                   <a:extLst>
                     <a:ext uri="{9D8B030D-6E8A-4147-A177-3AD203B41FA5}">
-                      <a16:colId xmlns:a16="http://schemas.microsoft.com/office/drawing/2014/main" val="4117108070"/>
+                      <a16:colId xmlns:a16="http://schemas.microsoft.com/office/drawing/2014/main" val="1807926791"/>
                     </a:ext>
                   </a:extLst>
                 </a:gridCol>
-                <a:gridCol w="1354666">
+                <a:gridCol w="1524000">
                   <a:extLst>
                     <a:ext uri="{9D8B030D-6E8A-4147-A177-3AD203B41FA5}">
-                      <a16:colId xmlns:a16="http://schemas.microsoft.com/office/drawing/2014/main" val="396907170"/>
+                      <a16:colId xmlns:a16="http://schemas.microsoft.com/office/drawing/2014/main" val="1345854224"/>
                     </a:ext>
                   </a:extLst>
                 </a:gridCol>
-                <a:gridCol w="1354666">
+                <a:gridCol w="1524000">
                   <a:extLst>
                     <a:ext uri="{9D8B030D-6E8A-4147-A177-3AD203B41FA5}">
-                      <a16:colId xmlns:a16="http://schemas.microsoft.com/office/drawing/2014/main" val="2689863938"/>
+                      <a16:colId xmlns:a16="http://schemas.microsoft.com/office/drawing/2014/main" val="350323257"/>
                     </a:ext>
                   </a:extLst>
                 </a:gridCol>
-                <a:gridCol w="1354666">
+                <a:gridCol w="1524000">
                   <a:extLst>
                     <a:ext uri="{9D8B030D-6E8A-4147-A177-3AD203B41FA5}">
-                      <a16:colId xmlns:a16="http://schemas.microsoft.com/office/drawing/2014/main" val="352420136"/>
+                      <a16:colId xmlns:a16="http://schemas.microsoft.com/office/drawing/2014/main" val="1539933347"/>
                     </a:ext>
                   </a:extLst>
                 </a:gridCol>
-                <a:gridCol w="1354666">
+                <a:gridCol w="1524000">
                   <a:extLst>
                     <a:ext uri="{9D8B030D-6E8A-4147-A177-3AD203B41FA5}">
-                      <a16:colId xmlns:a16="http://schemas.microsoft.com/office/drawing/2014/main" val="3656480174"/>
-                    </a:ext>
-                  </a:extLst>
-                </a:gridCol>
-                <a:gridCol w="1354666">
-                  <a:extLst>
-                    <a:ext uri="{9D8B030D-6E8A-4147-A177-3AD203B41FA5}">
-                      <a16:colId xmlns:a16="http://schemas.microsoft.com/office/drawing/2014/main" val="800686970"/>
+                      <a16:colId xmlns:a16="http://schemas.microsoft.com/office/drawing/2014/main" val="2644697738"/>
                     </a:ext>
                   </a:extLst>
                 </a:gridCol>
               </a:tblGrid>
-              <a:tr h="715554">
+              <a:tr h="530026">
                 <a:tc>
                   <a:txBody>
                     <a:bodyPr/>
@@ -4105,7 +6433,7 @@
                       <a:pPr algn="ctr"/>
                       <a:r>
                         <a:rPr lang="en-US" altLang="zh-CN" sz="1400" dirty="0"/>
-                        <a:t>Product reviews</a:t>
+                        <a:t>reviews</a:t>
                       </a:r>
                       <a:endParaRPr lang="zh-CN" altLang="en-US" sz="1400" dirty="0"/>
                     </a:p>
@@ -4150,21 +6478,6 @@
                       <a:pPr algn="ctr"/>
                       <a:r>
                         <a:rPr lang="en-US" altLang="zh-CN" sz="1400" dirty="0"/>
-                        <a:t>Order status</a:t>
-                      </a:r>
-                      <a:endParaRPr lang="zh-CN" altLang="en-US" sz="1400" dirty="0"/>
-                    </a:p>
-                  </a:txBody>
-                  <a:tcPr/>
-                </a:tc>
-                <a:tc>
-                  <a:txBody>
-                    <a:bodyPr/>
-                    <a:lstStyle/>
-                    <a:p>
-                      <a:pPr algn="ctr"/>
-                      <a:r>
-                        <a:rPr lang="en-US" altLang="zh-CN" sz="1400" dirty="0"/>
                         <a:t>Cart</a:t>
                       </a:r>
                       <a:endParaRPr lang="zh-CN" altLang="en-US" sz="1400" dirty="0"/>
@@ -4174,11 +6487,11 @@
                 </a:tc>
                 <a:extLst>
                   <a:ext uri="{0D108BD9-81ED-4DB2-BD59-A6C34878D82A}">
-                    <a16:rowId xmlns:a16="http://schemas.microsoft.com/office/drawing/2014/main" val="2061275841"/>
+                    <a16:rowId xmlns:a16="http://schemas.microsoft.com/office/drawing/2014/main" val="916411467"/>
                   </a:ext>
                 </a:extLst>
               </a:tr>
-              <a:tr h="602531">
+              <a:tr h="530026">
                 <a:tc>
                   <a:txBody>
                     <a:bodyPr/>
@@ -4280,20 +6593,6 @@
                     <a:p>
                       <a:r>
                         <a:rPr lang="en-US" altLang="zh-CN" sz="1400" dirty="0"/>
-                        <a:t>order id</a:t>
-                      </a:r>
-                      <a:endParaRPr lang="zh-CN" altLang="en-US" sz="1400" dirty="0"/>
-                    </a:p>
-                  </a:txBody>
-                  <a:tcPr/>
-                </a:tc>
-                <a:tc>
-                  <a:txBody>
-                    <a:bodyPr/>
-                    <a:lstStyle/>
-                    <a:p>
-                      <a:r>
-                        <a:rPr lang="en-US" altLang="zh-CN" sz="1400" dirty="0"/>
                         <a:t>User id</a:t>
                       </a:r>
                       <a:endParaRPr lang="zh-CN" altLang="en-US" sz="1400" dirty="0"/>
@@ -4303,11 +6602,11 @@
                 </a:tc>
                 <a:extLst>
                   <a:ext uri="{0D108BD9-81ED-4DB2-BD59-A6C34878D82A}">
-                    <a16:rowId xmlns:a16="http://schemas.microsoft.com/office/drawing/2014/main" val="4219200699"/>
+                    <a16:rowId xmlns:a16="http://schemas.microsoft.com/office/drawing/2014/main" val="1776169329"/>
                   </a:ext>
                 </a:extLst>
               </a:tr>
-              <a:tr h="602531">
+              <a:tr h="530026">
                 <a:tc>
                   <a:txBody>
                     <a:bodyPr/>
@@ -4413,20 +6712,6 @@
                     <a:p>
                       <a:r>
                         <a:rPr lang="en-US" altLang="zh-CN" sz="1400" dirty="0"/>
-                        <a:t>create date</a:t>
-                      </a:r>
-                      <a:endParaRPr lang="zh-CN" altLang="en-US" sz="1400" dirty="0"/>
-                    </a:p>
-                  </a:txBody>
-                  <a:tcPr/>
-                </a:tc>
-                <a:tc>
-                  <a:txBody>
-                    <a:bodyPr/>
-                    <a:lstStyle/>
-                    <a:p>
-                      <a:r>
-                        <a:rPr lang="en-US" altLang="zh-CN" sz="1400" dirty="0"/>
                         <a:t>Product id</a:t>
                       </a:r>
                       <a:endParaRPr lang="zh-CN" altLang="en-US" sz="1400" dirty="0"/>
@@ -4436,11 +6721,11 @@
                 </a:tc>
                 <a:extLst>
                   <a:ext uri="{0D108BD9-81ED-4DB2-BD59-A6C34878D82A}">
-                    <a16:rowId xmlns:a16="http://schemas.microsoft.com/office/drawing/2014/main" val="2232068831"/>
+                    <a16:rowId xmlns:a16="http://schemas.microsoft.com/office/drawing/2014/main" val="1977599060"/>
                   </a:ext>
                 </a:extLst>
               </a:tr>
-              <a:tr h="602531">
+              <a:tr h="530026">
                 <a:tc>
                   <a:txBody>
                     <a:bodyPr/>
@@ -4546,20 +6831,6 @@
                     <a:p>
                       <a:r>
                         <a:rPr lang="en-US" altLang="zh-CN" sz="1400" dirty="0"/>
-                        <a:t>Payed date</a:t>
-                      </a:r>
-                      <a:endParaRPr lang="zh-CN" altLang="en-US" sz="1400" dirty="0"/>
-                    </a:p>
-                  </a:txBody>
-                  <a:tcPr/>
-                </a:tc>
-                <a:tc>
-                  <a:txBody>
-                    <a:bodyPr/>
-                    <a:lstStyle/>
-                    <a:p>
-                      <a:r>
-                        <a:rPr lang="en-US" altLang="zh-CN" sz="1400" dirty="0"/>
                         <a:t>Product number</a:t>
                       </a:r>
                       <a:endParaRPr lang="zh-CN" altLang="en-US" sz="1400" dirty="0"/>
@@ -4569,11 +6840,11 @@
                 </a:tc>
                 <a:extLst>
                   <a:ext uri="{0D108BD9-81ED-4DB2-BD59-A6C34878D82A}">
-                    <a16:rowId xmlns:a16="http://schemas.microsoft.com/office/drawing/2014/main" val="3650241724"/>
+                    <a16:rowId xmlns:a16="http://schemas.microsoft.com/office/drawing/2014/main" val="2633796623"/>
                   </a:ext>
                 </a:extLst>
               </a:tr>
-              <a:tr h="602531">
+              <a:tr h="537021">
                 <a:tc>
                   <a:txBody>
                     <a:bodyPr/>
@@ -4673,20 +6944,6 @@
                     <a:bodyPr/>
                     <a:lstStyle/>
                     <a:p>
-                      <a:r>
-                        <a:rPr lang="en-US" altLang="zh-CN" sz="1400" dirty="0"/>
-                        <a:t>Ship start date</a:t>
-                      </a:r>
-                      <a:endParaRPr lang="zh-CN" altLang="en-US" sz="1400" dirty="0"/>
-                    </a:p>
-                  </a:txBody>
-                  <a:tcPr/>
-                </a:tc>
-                <a:tc>
-                  <a:txBody>
-                    <a:bodyPr/>
-                    <a:lstStyle/>
-                    <a:p>
                       <a:endParaRPr lang="zh-CN" altLang="en-US" sz="1400" dirty="0"/>
                     </a:p>
                   </a:txBody>
@@ -4694,11 +6951,11 @@
                 </a:tc>
                 <a:extLst>
                   <a:ext uri="{0D108BD9-81ED-4DB2-BD59-A6C34878D82A}">
-                    <a16:rowId xmlns:a16="http://schemas.microsoft.com/office/drawing/2014/main" val="2636682292"/>
+                    <a16:rowId xmlns:a16="http://schemas.microsoft.com/office/drawing/2014/main" val="708812270"/>
                   </a:ext>
                 </a:extLst>
               </a:tr>
-              <a:tr h="602531">
+              <a:tr h="530026">
                 <a:tc>
                   <a:txBody>
                     <a:bodyPr/>
@@ -4794,20 +7051,6 @@
                     <a:bodyPr/>
                     <a:lstStyle/>
                     <a:p>
-                      <a:r>
-                        <a:rPr lang="en-US" altLang="zh-CN" sz="1400" dirty="0"/>
-                        <a:t>Arrived date</a:t>
-                      </a:r>
-                      <a:endParaRPr lang="zh-CN" altLang="en-US" sz="1400" dirty="0"/>
-                    </a:p>
-                  </a:txBody>
-                  <a:tcPr/>
-                </a:tc>
-                <a:tc>
-                  <a:txBody>
-                    <a:bodyPr/>
-                    <a:lstStyle/>
-                    <a:p>
                       <a:endParaRPr lang="zh-CN" altLang="en-US" sz="1400" dirty="0"/>
                     </a:p>
                   </a:txBody>
@@ -4815,11 +7058,11 @@
                 </a:tc>
                 <a:extLst>
                   <a:ext uri="{0D108BD9-81ED-4DB2-BD59-A6C34878D82A}">
-                    <a16:rowId xmlns:a16="http://schemas.microsoft.com/office/drawing/2014/main" val="3918034612"/>
+                    <a16:rowId xmlns:a16="http://schemas.microsoft.com/office/drawing/2014/main" val="4145670580"/>
                   </a:ext>
                 </a:extLst>
               </a:tr>
-              <a:tr h="602531">
+              <a:tr h="530026">
                 <a:tc>
                   <a:txBody>
                     <a:bodyPr/>
@@ -4893,6 +7136,10 @@
                     <a:bodyPr/>
                     <a:lstStyle/>
                     <a:p>
+                      <a:r>
+                        <a:rPr lang="en-US" altLang="zh-CN" sz="1400" dirty="0"/>
+                        <a:t>Order id</a:t>
+                      </a:r>
                       <a:endParaRPr lang="zh-CN" altLang="en-US" sz="1400" dirty="0"/>
                     </a:p>
                   </a:txBody>
@@ -4903,6 +7150,10 @@
                     <a:bodyPr/>
                     <a:lstStyle/>
                     <a:p>
+                      <a:r>
+                        <a:rPr lang="en-US" altLang="zh-CN" sz="1400" dirty="0"/>
+                        <a:t>status</a:t>
+                      </a:r>
                       <a:endParaRPr lang="zh-CN" altLang="en-US" sz="1400" dirty="0"/>
                     </a:p>
                   </a:txBody>
@@ -4913,20 +7164,6 @@
                     <a:bodyPr/>
                     <a:lstStyle/>
                     <a:p>
-                      <a:endParaRPr lang="zh-CN" altLang="en-US" sz="1400" dirty="0"/>
-                    </a:p>
-                  </a:txBody>
-                  <a:tcPr/>
-                </a:tc>
-                <a:tc>
-                  <a:txBody>
-                    <a:bodyPr/>
-                    <a:lstStyle/>
-                    <a:p>
-                      <a:r>
-                        <a:rPr lang="en-US" altLang="zh-CN" sz="1400" dirty="0"/>
-                        <a:t>Recommend by receiver</a:t>
-                      </a:r>
                       <a:endParaRPr lang="zh-CN" altLang="en-US" sz="1400" dirty="0"/>
                     </a:p>
                   </a:txBody>
@@ -4944,11 +7181,11 @@
                 </a:tc>
                 <a:extLst>
                   <a:ext uri="{0D108BD9-81ED-4DB2-BD59-A6C34878D82A}">
-                    <a16:rowId xmlns:a16="http://schemas.microsoft.com/office/drawing/2014/main" val="3419541386"/>
+                    <a16:rowId xmlns:a16="http://schemas.microsoft.com/office/drawing/2014/main" val="3159457872"/>
                   </a:ext>
                 </a:extLst>
               </a:tr>
-              <a:tr h="602531">
+              <a:tr h="530026">
                 <a:tc>
                   <a:txBody>
                     <a:bodyPr/>
@@ -5016,16 +7253,27 @@
                     <a:bodyPr/>
                     <a:lstStyle/>
                     <a:p>
-                      <a:endParaRPr lang="zh-CN" altLang="en-US" sz="1400" dirty="0"/>
-                    </a:p>
-                  </a:txBody>
-                  <a:tcPr/>
-                </a:tc>
-                <a:tc>
-                  <a:txBody>
-                    <a:bodyPr/>
-                    <a:lstStyle/>
-                    <a:p>
+                      <a:pPr marL="0" marR="0" lvl="0" indent="0" algn="l" defTabSz="914400" rtl="0" eaLnBrk="1" fontAlgn="auto" latinLnBrk="0" hangingPunct="1">
+                        <a:lnSpc>
+                          <a:spcPct val="100000"/>
+                        </a:lnSpc>
+                        <a:spcBef>
+                          <a:spcPts val="0"/>
+                        </a:spcBef>
+                        <a:spcAft>
+                          <a:spcPts val="0"/>
+                        </a:spcAft>
+                        <a:buClrTx/>
+                        <a:buSzTx/>
+                        <a:buFontTx/>
+                        <a:buNone/>
+                        <a:tabLst/>
+                        <a:defRPr/>
+                      </a:pPr>
+                      <a:r>
+                        <a:rPr lang="en-US" altLang="zh-CN" sz="1400" dirty="0"/>
+                        <a:t>create date</a:t>
+                      </a:r>
                       <a:endParaRPr lang="zh-CN" altLang="en-US" sz="1400" dirty="0"/>
                     </a:p>
                   </a:txBody>
@@ -5053,11 +7301,11 @@
                 </a:tc>
                 <a:extLst>
                   <a:ext uri="{0D108BD9-81ED-4DB2-BD59-A6C34878D82A}">
-                    <a16:rowId xmlns:a16="http://schemas.microsoft.com/office/drawing/2014/main" val="961195113"/>
+                    <a16:rowId xmlns:a16="http://schemas.microsoft.com/office/drawing/2014/main" val="983397264"/>
                   </a:ext>
                 </a:extLst>
               </a:tr>
-              <a:tr h="602531">
+              <a:tr h="530026">
                 <a:tc>
                   <a:txBody>
                     <a:bodyPr/>
@@ -5121,16 +7369,27 @@
                     <a:bodyPr/>
                     <a:lstStyle/>
                     <a:p>
-                      <a:endParaRPr lang="zh-CN" altLang="en-US" sz="1400" dirty="0"/>
-                    </a:p>
-                  </a:txBody>
-                  <a:tcPr/>
-                </a:tc>
-                <a:tc>
-                  <a:txBody>
-                    <a:bodyPr/>
-                    <a:lstStyle/>
-                    <a:p>
+                      <a:pPr marL="0" marR="0" lvl="0" indent="0" algn="l" defTabSz="914400" rtl="0" eaLnBrk="1" fontAlgn="auto" latinLnBrk="0" hangingPunct="1">
+                        <a:lnSpc>
+                          <a:spcPct val="100000"/>
+                        </a:lnSpc>
+                        <a:spcBef>
+                          <a:spcPts val="0"/>
+                        </a:spcBef>
+                        <a:spcAft>
+                          <a:spcPts val="0"/>
+                        </a:spcAft>
+                        <a:buClrTx/>
+                        <a:buSzTx/>
+                        <a:buFontTx/>
+                        <a:buNone/>
+                        <a:tabLst/>
+                        <a:defRPr/>
+                      </a:pPr>
+                      <a:r>
+                        <a:rPr lang="en-US" altLang="zh-CN" sz="1400" dirty="0"/>
+                        <a:t>Payed date</a:t>
+                      </a:r>
                       <a:endParaRPr lang="zh-CN" altLang="en-US" sz="1400" dirty="0"/>
                     </a:p>
                   </a:txBody>
@@ -5158,11 +7417,11 @@
                 </a:tc>
                 <a:extLst>
                   <a:ext uri="{0D108BD9-81ED-4DB2-BD59-A6C34878D82A}">
-                    <a16:rowId xmlns:a16="http://schemas.microsoft.com/office/drawing/2014/main" val="3075187898"/>
+                    <a16:rowId xmlns:a16="http://schemas.microsoft.com/office/drawing/2014/main" val="2356930557"/>
                   </a:ext>
                 </a:extLst>
               </a:tr>
-              <a:tr h="602531">
+              <a:tr h="708918">
                 <a:tc>
                   <a:txBody>
                     <a:bodyPr/>
@@ -5203,11 +7462,11 @@
                         <a:t>Status[</a:t>
                       </a:r>
                       <a:r>
-                        <a:rPr lang="zh-CN" altLang="en-US" sz="1400"/>
+                        <a:rPr lang="zh-CN" altLang="en-US" sz="1400" dirty="0"/>
                         <a:t>投放中 下架中 已删除</a:t>
                       </a:r>
                       <a:r>
-                        <a:rPr lang="en-US" altLang="zh-CN" sz="1400"/>
+                        <a:rPr lang="en-US" altLang="zh-CN" sz="1400" dirty="0"/>
                         <a:t>]</a:t>
                       </a:r>
                       <a:endParaRPr lang="zh-CN" altLang="en-US" sz="1400" dirty="0"/>
@@ -5230,16 +7489,10 @@
                     <a:bodyPr/>
                     <a:lstStyle/>
                     <a:p>
-                      <a:endParaRPr lang="zh-CN" altLang="en-US" sz="1400" dirty="0"/>
-                    </a:p>
-                  </a:txBody>
-                  <a:tcPr/>
-                </a:tc>
-                <a:tc>
-                  <a:txBody>
-                    <a:bodyPr/>
-                    <a:lstStyle/>
-                    <a:p>
+                      <a:r>
+                        <a:rPr lang="en-US" altLang="zh-CN" sz="1400" dirty="0"/>
+                        <a:t>review</a:t>
+                      </a:r>
                       <a:endParaRPr lang="zh-CN" altLang="en-US" sz="1400" dirty="0"/>
                     </a:p>
                   </a:txBody>
@@ -5267,7 +7520,94 @@
                 </a:tc>
                 <a:extLst>
                   <a:ext uri="{0D108BD9-81ED-4DB2-BD59-A6C34878D82A}">
-                    <a16:rowId xmlns:a16="http://schemas.microsoft.com/office/drawing/2014/main" val="1720029030"/>
+                    <a16:rowId xmlns:a16="http://schemas.microsoft.com/office/drawing/2014/main" val="2819879435"/>
+                  </a:ext>
+                </a:extLst>
+              </a:tr>
+              <a:tr h="530026">
+                <a:tc>
+                  <a:txBody>
+                    <a:bodyPr/>
+                    <a:lstStyle/>
+                    <a:p>
+                      <a:endParaRPr lang="zh-CN" altLang="en-US" sz="1400" dirty="0"/>
+                    </a:p>
+                  </a:txBody>
+                  <a:tcPr/>
+                </a:tc>
+                <a:tc>
+                  <a:txBody>
+                    <a:bodyPr/>
+                    <a:lstStyle/>
+                    <a:p>
+                      <a:endParaRPr lang="zh-CN" altLang="en-US" sz="1400" dirty="0"/>
+                    </a:p>
+                  </a:txBody>
+                  <a:tcPr/>
+                </a:tc>
+                <a:tc>
+                  <a:txBody>
+                    <a:bodyPr/>
+                    <a:lstStyle/>
+                    <a:p>
+                      <a:endParaRPr lang="zh-CN" altLang="en-US" sz="1400" dirty="0"/>
+                    </a:p>
+                  </a:txBody>
+                  <a:tcPr/>
+                </a:tc>
+                <a:tc>
+                  <a:txBody>
+                    <a:bodyPr/>
+                    <a:lstStyle/>
+                    <a:p>
+                      <a:endParaRPr lang="zh-CN" altLang="en-US" sz="1400" dirty="0"/>
+                    </a:p>
+                  </a:txBody>
+                  <a:tcPr/>
+                </a:tc>
+                <a:tc>
+                  <a:txBody>
+                    <a:bodyPr/>
+                    <a:lstStyle/>
+                    <a:p>
+                      <a:endParaRPr lang="zh-CN" altLang="en-US" sz="1400" dirty="0"/>
+                    </a:p>
+                  </a:txBody>
+                  <a:tcPr/>
+                </a:tc>
+                <a:tc>
+                  <a:txBody>
+                    <a:bodyPr/>
+                    <a:lstStyle/>
+                    <a:p>
+                      <a:endParaRPr lang="zh-CN" altLang="en-US" sz="1400" dirty="0"/>
+                    </a:p>
+                  </a:txBody>
+                  <a:tcPr/>
+                </a:tc>
+                <a:tc>
+                  <a:txBody>
+                    <a:bodyPr/>
+                    <a:lstStyle/>
+                    <a:p>
+                      <a:endParaRPr lang="zh-CN" altLang="en-US" sz="1400" dirty="0"/>
+                    </a:p>
+                  </a:txBody>
+                  <a:tcPr/>
+                </a:tc>
+                <a:tc>
+                  <a:txBody>
+                    <a:bodyPr/>
+                    <a:lstStyle/>
+                    <a:p>
+                      <a:endParaRPr lang="zh-CN" altLang="en-US" sz="1400" dirty="0"/>
+                    </a:p>
+                  </a:txBody>
+                  <a:tcPr/>
+                </a:tc>
+                <a:extLst>
+                  <a:ext uri="{0D108BD9-81ED-4DB2-BD59-A6C34878D82A}">
+                    <a16:rowId xmlns:a16="http://schemas.microsoft.com/office/drawing/2014/main" val="3339043196"/>
                   </a:ext>
                 </a:extLst>
               </a:tr>
@@ -5279,6 +7619,36 @@
     <p:extLst>
       <p:ext uri="{BB962C8B-B14F-4D97-AF65-F5344CB8AC3E}">
         <p14:creationId xmlns:p14="http://schemas.microsoft.com/office/powerpoint/2010/main" val="1895356443"/>
+      </p:ext>
+    </p:extLst>
+  </p:cSld>
+  <p:clrMapOvr>
+    <a:masterClrMapping/>
+  </p:clrMapOvr>
+</p:sld>
+</file>
+
+<file path=ppt/slides/slide12.xml><?xml version="1.0" encoding="utf-8"?>
+<p:sld xmlns:a="http://schemas.openxmlformats.org/drawingml/2006/main" xmlns:r="http://schemas.openxmlformats.org/officeDocument/2006/relationships" xmlns:p="http://schemas.openxmlformats.org/presentationml/2006/main">
+  <p:cSld>
+    <p:spTree>
+      <p:nvGrpSpPr>
+        <p:cNvPr id="1" name=""/>
+        <p:cNvGrpSpPr/>
+        <p:nvPr/>
+      </p:nvGrpSpPr>
+      <p:grpSpPr>
+        <a:xfrm>
+          <a:off x="0" y="0"/>
+          <a:ext cx="0" cy="0"/>
+          <a:chOff x="0" y="0"/>
+          <a:chExt cx="0" cy="0"/>
+        </a:xfrm>
+      </p:grpSpPr>
+    </p:spTree>
+    <p:extLst>
+      <p:ext uri="{BB962C8B-B14F-4D97-AF65-F5344CB8AC3E}">
+        <p14:creationId xmlns:p14="http://schemas.microsoft.com/office/powerpoint/2010/main" val="2228465948"/>
       </p:ext>
     </p:extLst>
   </p:cSld>
@@ -9733,6 +12103,184 @@
           </a:p>
         </p:txBody>
       </p:sp>
+      <p:sp>
+        <p:nvSpPr>
+          <p:cNvPr id="100" name="矩形 99">
+            <a:extLst>
+              <a:ext uri="{FF2B5EF4-FFF2-40B4-BE49-F238E27FC236}">
+                <a16:creationId xmlns:a16="http://schemas.microsoft.com/office/drawing/2014/main" id="{0F602BEB-A971-41C9-92D5-11A53505ADB5}"/>
+              </a:ext>
+            </a:extLst>
+          </p:cNvPr>
+          <p:cNvSpPr/>
+          <p:nvPr/>
+        </p:nvSpPr>
+        <p:spPr>
+          <a:xfrm>
+            <a:off x="5815674" y="3003106"/>
+            <a:ext cx="910136" cy="225139"/>
+          </a:xfrm>
+          <a:prstGeom prst="rect">
+            <a:avLst/>
+          </a:prstGeom>
+        </p:spPr>
+        <p:style>
+          <a:lnRef idx="0">
+            <a:schemeClr val="accent1"/>
+          </a:lnRef>
+          <a:fillRef idx="3">
+            <a:schemeClr val="accent1"/>
+          </a:fillRef>
+          <a:effectRef idx="3">
+            <a:schemeClr val="accent1"/>
+          </a:effectRef>
+          <a:fontRef idx="minor">
+            <a:schemeClr val="lt1"/>
+          </a:fontRef>
+        </p:style>
+        <p:txBody>
+          <a:bodyPr rtlCol="0" anchor="ctr"/>
+          <a:lstStyle/>
+          <a:p>
+            <a:pPr algn="ctr"/>
+            <a:r>
+              <a:rPr lang="zh-CN" altLang="en-US" sz="1200" dirty="0"/>
+              <a:t>交易完成</a:t>
+            </a:r>
+          </a:p>
+        </p:txBody>
+      </p:sp>
+      <p:cxnSp>
+        <p:nvCxnSpPr>
+          <p:cNvPr id="5" name="直接箭头连接符 4">
+            <a:extLst>
+              <a:ext uri="{FF2B5EF4-FFF2-40B4-BE49-F238E27FC236}">
+                <a16:creationId xmlns:a16="http://schemas.microsoft.com/office/drawing/2014/main" id="{A7D16BE3-FAB1-4C08-982C-9086A9AE3AED}"/>
+              </a:ext>
+            </a:extLst>
+          </p:cNvPr>
+          <p:cNvCxnSpPr>
+            <a:stCxn id="201" idx="3"/>
+            <a:endCxn id="100" idx="1"/>
+          </p:cNvCxnSpPr>
+          <p:nvPr/>
+        </p:nvCxnSpPr>
+        <p:spPr>
+          <a:xfrm flipV="1">
+            <a:off x="5321985" y="3115676"/>
+            <a:ext cx="493689" cy="758880"/>
+          </a:xfrm>
+          <a:prstGeom prst="straightConnector1">
+            <a:avLst/>
+          </a:prstGeom>
+          <a:ln>
+            <a:tailEnd type="triangle"/>
+          </a:ln>
+        </p:spPr>
+        <p:style>
+          <a:lnRef idx="1">
+            <a:schemeClr val="accent1"/>
+          </a:lnRef>
+          <a:fillRef idx="0">
+            <a:schemeClr val="accent1"/>
+          </a:fillRef>
+          <a:effectRef idx="0">
+            <a:schemeClr val="accent1"/>
+          </a:effectRef>
+          <a:fontRef idx="minor">
+            <a:schemeClr val="tx1"/>
+          </a:fontRef>
+        </p:style>
+      </p:cxnSp>
+      <p:sp>
+        <p:nvSpPr>
+          <p:cNvPr id="103" name="矩形 102">
+            <a:extLst>
+              <a:ext uri="{FF2B5EF4-FFF2-40B4-BE49-F238E27FC236}">
+                <a16:creationId xmlns:a16="http://schemas.microsoft.com/office/drawing/2014/main" id="{8F8BBEF9-75E9-4E3B-99CA-4302FF240FD9}"/>
+              </a:ext>
+            </a:extLst>
+          </p:cNvPr>
+          <p:cNvSpPr/>
+          <p:nvPr/>
+        </p:nvSpPr>
+        <p:spPr>
+          <a:xfrm>
+            <a:off x="8713432" y="3002174"/>
+            <a:ext cx="1179320" cy="225138"/>
+          </a:xfrm>
+          <a:prstGeom prst="rect">
+            <a:avLst/>
+          </a:prstGeom>
+        </p:spPr>
+        <p:style>
+          <a:lnRef idx="0">
+            <a:schemeClr val="accent6"/>
+          </a:lnRef>
+          <a:fillRef idx="3">
+            <a:schemeClr val="accent6"/>
+          </a:fillRef>
+          <a:effectRef idx="3">
+            <a:schemeClr val="accent6"/>
+          </a:effectRef>
+          <a:fontRef idx="minor">
+            <a:schemeClr val="lt1"/>
+          </a:fontRef>
+        </p:style>
+        <p:txBody>
+          <a:bodyPr rtlCol="0" anchor="ctr"/>
+          <a:lstStyle/>
+          <a:p>
+            <a:pPr algn="ctr"/>
+            <a:r>
+              <a:rPr lang="zh-CN" altLang="en-US" sz="1000" dirty="0"/>
+              <a:t>产品评价</a:t>
+            </a:r>
+          </a:p>
+        </p:txBody>
+      </p:sp>
+      <p:cxnSp>
+        <p:nvCxnSpPr>
+          <p:cNvPr id="7" name="直接箭头连接符 6">
+            <a:extLst>
+              <a:ext uri="{FF2B5EF4-FFF2-40B4-BE49-F238E27FC236}">
+                <a16:creationId xmlns:a16="http://schemas.microsoft.com/office/drawing/2014/main" id="{57F1D5C8-7702-4820-B083-DAF38E7682E4}"/>
+              </a:ext>
+            </a:extLst>
+          </p:cNvPr>
+          <p:cNvCxnSpPr>
+            <a:stCxn id="100" idx="3"/>
+            <a:endCxn id="103" idx="1"/>
+          </p:cNvCxnSpPr>
+          <p:nvPr/>
+        </p:nvCxnSpPr>
+        <p:spPr>
+          <a:xfrm flipV="1">
+            <a:off x="6725810" y="3114743"/>
+            <a:ext cx="1987622" cy="933"/>
+          </a:xfrm>
+          <a:prstGeom prst="straightConnector1">
+            <a:avLst/>
+          </a:prstGeom>
+          <a:ln>
+            <a:tailEnd type="triangle"/>
+          </a:ln>
+        </p:spPr>
+        <p:style>
+          <a:lnRef idx="1">
+            <a:schemeClr val="accent1"/>
+          </a:lnRef>
+          <a:fillRef idx="0">
+            <a:schemeClr val="accent1"/>
+          </a:fillRef>
+          <a:effectRef idx="0">
+            <a:schemeClr val="accent1"/>
+          </a:effectRef>
+          <a:fontRef idx="minor">
+            <a:schemeClr val="tx1"/>
+          </a:fontRef>
+        </p:style>
+      </p:cxnSp>
     </p:spTree>
     <p:extLst>
       <p:ext uri="{BB962C8B-B14F-4D97-AF65-F5344CB8AC3E}">
@@ -12228,14 +14776,14 @@
           <p:nvPr>
             <p:extLst>
               <p:ext uri="{D42A27DB-BD31-4B8C-83A1-F6EECF244321}">
-                <p14:modId xmlns:p14="http://schemas.microsoft.com/office/powerpoint/2010/main" val="1288285081"/>
+                <p14:modId xmlns:p14="http://schemas.microsoft.com/office/powerpoint/2010/main" val="2191037781"/>
               </p:ext>
             </p:extLst>
           </p:nvPr>
         </p:nvGraphicFramePr>
         <p:xfrm>
           <a:off x="1" y="1030515"/>
-          <a:ext cx="12192001" cy="4511514"/>
+          <a:ext cx="12192001" cy="5454465"/>
         </p:xfrm>
         <a:graphic>
           <a:graphicData uri="http://schemas.openxmlformats.org/drawingml/2006/table">
@@ -13414,6 +15962,303 @@
                 <a:extLst>
                   <a:ext uri="{0D108BD9-81ED-4DB2-BD59-A6C34878D82A}">
                     <a16:rowId xmlns:a16="http://schemas.microsoft.com/office/drawing/2014/main" val="2140417606"/>
+                  </a:ext>
+                </a:extLst>
+              </a:tr>
+              <a:tr h="314317">
+                <a:tc rowSpan="3">
+                  <a:txBody>
+                    <a:bodyPr/>
+                    <a:lstStyle/>
+                    <a:p>
+                      <a:r>
+                        <a:rPr lang="en-US" altLang="zh-CN" dirty="0"/>
+                        <a:t>add order product review</a:t>
+                      </a:r>
+                      <a:endParaRPr lang="zh-CN" altLang="en-US" dirty="0"/>
+                    </a:p>
+                  </a:txBody>
+                  <a:tcPr/>
+                </a:tc>
+                <a:tc rowSpan="3">
+                  <a:txBody>
+                    <a:bodyPr/>
+                    <a:lstStyle/>
+                    <a:p>
+                      <a:r>
+                        <a:rPr lang="en-US" altLang="zh-CN" dirty="0"/>
+                        <a:t>/orders/{id}/{product.id}</a:t>
+                      </a:r>
+                      <a:endParaRPr lang="zh-CN" altLang="en-US" dirty="0"/>
+                    </a:p>
+                  </a:txBody>
+                  <a:tcPr/>
+                </a:tc>
+                <a:tc rowSpan="3">
+                  <a:txBody>
+                    <a:bodyPr/>
+                    <a:lstStyle/>
+                    <a:p>
+                      <a:r>
+                        <a:rPr lang="en-US" altLang="zh-CN" dirty="0"/>
+                        <a:t>POST</a:t>
+                      </a:r>
+                      <a:endParaRPr lang="zh-CN" altLang="en-US" dirty="0"/>
+                    </a:p>
+                  </a:txBody>
+                  <a:tcPr/>
+                </a:tc>
+                <a:tc>
+                  <a:txBody>
+                    <a:bodyPr/>
+                    <a:lstStyle/>
+                    <a:p>
+                      <a:r>
+                        <a:rPr lang="en-US" altLang="zh-CN" sz="1400" dirty="0"/>
+                        <a:t>param</a:t>
+                      </a:r>
+                      <a:endParaRPr lang="zh-CN" altLang="en-US" sz="1400" dirty="0"/>
+                    </a:p>
+                  </a:txBody>
+                  <a:tcPr/>
+                </a:tc>
+                <a:tc>
+                  <a:txBody>
+                    <a:bodyPr/>
+                    <a:lstStyle/>
+                    <a:p>
+                      <a:pPr marL="0" marR="0" lvl="0" indent="0" algn="l" defTabSz="914400" rtl="0" eaLnBrk="1" fontAlgn="auto" latinLnBrk="0" hangingPunct="1">
+                        <a:lnSpc>
+                          <a:spcPct val="100000"/>
+                        </a:lnSpc>
+                        <a:spcBef>
+                          <a:spcPts val="0"/>
+                        </a:spcBef>
+                        <a:spcAft>
+                          <a:spcPts val="0"/>
+                        </a:spcAft>
+                        <a:buClrTx/>
+                        <a:buSzTx/>
+                        <a:buFontTx/>
+                        <a:buNone/>
+                        <a:tabLst/>
+                        <a:defRPr/>
+                      </a:pPr>
+                      <a:r>
+                        <a:rPr lang="en-US" altLang="zh-CN" sz="1400" dirty="0"/>
+                        <a:t>Title content</a:t>
+                      </a:r>
+                      <a:endParaRPr lang="zh-CN" altLang="en-US" sz="1400" dirty="0"/>
+                    </a:p>
+                  </a:txBody>
+                  <a:tcPr/>
+                </a:tc>
+                <a:extLst>
+                  <a:ext uri="{0D108BD9-81ED-4DB2-BD59-A6C34878D82A}">
+                    <a16:rowId xmlns:a16="http://schemas.microsoft.com/office/drawing/2014/main" val="2799014434"/>
+                  </a:ext>
+                </a:extLst>
+              </a:tr>
+              <a:tr h="314317">
+                <a:tc vMerge="1">
+                  <a:txBody>
+                    <a:bodyPr/>
+                    <a:lstStyle/>
+                    <a:p>
+                      <a:endParaRPr lang="zh-CN" altLang="en-US" dirty="0"/>
+                    </a:p>
+                  </a:txBody>
+                  <a:tcPr/>
+                </a:tc>
+                <a:tc vMerge="1">
+                  <a:txBody>
+                    <a:bodyPr/>
+                    <a:lstStyle/>
+                    <a:p>
+                      <a:endParaRPr lang="zh-CN" altLang="en-US" dirty="0"/>
+                    </a:p>
+                  </a:txBody>
+                  <a:tcPr/>
+                </a:tc>
+                <a:tc vMerge="1">
+                  <a:txBody>
+                    <a:bodyPr/>
+                    <a:lstStyle/>
+                    <a:p>
+                      <a:endParaRPr lang="zh-CN" altLang="en-US" dirty="0"/>
+                    </a:p>
+                  </a:txBody>
+                  <a:tcPr/>
+                </a:tc>
+                <a:tc>
+                  <a:txBody>
+                    <a:bodyPr/>
+                    <a:lstStyle/>
+                    <a:p>
+                      <a:pPr marL="0" marR="0" lvl="0" indent="0" algn="l" defTabSz="914400" rtl="0" eaLnBrk="1" fontAlgn="auto" latinLnBrk="0" hangingPunct="1">
+                        <a:lnSpc>
+                          <a:spcPct val="100000"/>
+                        </a:lnSpc>
+                        <a:spcBef>
+                          <a:spcPts val="0"/>
+                        </a:spcBef>
+                        <a:spcAft>
+                          <a:spcPts val="0"/>
+                        </a:spcAft>
+                        <a:buClrTx/>
+                        <a:buSzTx/>
+                        <a:buFontTx/>
+                        <a:buNone/>
+                        <a:tabLst/>
+                        <a:defRPr/>
+                      </a:pPr>
+                      <a:r>
+                        <a:rPr lang="zh-CN" altLang="en-US" sz="1400" dirty="0"/>
+                        <a:t>功能</a:t>
+                      </a:r>
+                    </a:p>
+                  </a:txBody>
+                  <a:tcPr/>
+                </a:tc>
+                <a:tc>
+                  <a:txBody>
+                    <a:bodyPr/>
+                    <a:lstStyle/>
+                    <a:p>
+                      <a:pPr marL="0" marR="0" lvl="0" indent="0" algn="l" defTabSz="914400" rtl="0" eaLnBrk="1" fontAlgn="auto" latinLnBrk="0" hangingPunct="1">
+                        <a:lnSpc>
+                          <a:spcPct val="100000"/>
+                        </a:lnSpc>
+                        <a:spcBef>
+                          <a:spcPts val="0"/>
+                        </a:spcBef>
+                        <a:spcAft>
+                          <a:spcPts val="0"/>
+                        </a:spcAft>
+                        <a:buClrTx/>
+                        <a:buSzTx/>
+                        <a:buFontTx/>
+                        <a:buNone/>
+                        <a:tabLst/>
+                        <a:defRPr/>
+                      </a:pPr>
+                      <a:r>
+                        <a:rPr lang="zh-CN" altLang="en-US" sz="1400" dirty="0"/>
+                        <a:t>新建评论</a:t>
+                      </a:r>
+                    </a:p>
+                  </a:txBody>
+                  <a:tcPr/>
+                </a:tc>
+                <a:extLst>
+                  <a:ext uri="{0D108BD9-81ED-4DB2-BD59-A6C34878D82A}">
+                    <a16:rowId xmlns:a16="http://schemas.microsoft.com/office/drawing/2014/main" val="1922967361"/>
+                  </a:ext>
+                </a:extLst>
+              </a:tr>
+              <a:tr h="314317">
+                <a:tc vMerge="1">
+                  <a:txBody>
+                    <a:bodyPr/>
+                    <a:lstStyle/>
+                    <a:p>
+                      <a:endParaRPr lang="zh-CN" altLang="en-US" dirty="0"/>
+                    </a:p>
+                  </a:txBody>
+                  <a:tcPr/>
+                </a:tc>
+                <a:tc vMerge="1">
+                  <a:txBody>
+                    <a:bodyPr/>
+                    <a:lstStyle/>
+                    <a:p>
+                      <a:endParaRPr lang="zh-CN" altLang="en-US" dirty="0"/>
+                    </a:p>
+                  </a:txBody>
+                  <a:tcPr/>
+                </a:tc>
+                <a:tc vMerge="1">
+                  <a:txBody>
+                    <a:bodyPr/>
+                    <a:lstStyle/>
+                    <a:p>
+                      <a:endParaRPr lang="zh-CN" altLang="en-US" dirty="0"/>
+                    </a:p>
+                  </a:txBody>
+                  <a:tcPr/>
+                </a:tc>
+                <a:tc>
+                  <a:txBody>
+                    <a:bodyPr/>
+                    <a:lstStyle/>
+                    <a:p>
+                      <a:r>
+                        <a:rPr lang="en-US" altLang="zh-CN" sz="1400" dirty="0"/>
+                        <a:t>return</a:t>
+                      </a:r>
+                      <a:endParaRPr lang="zh-CN" altLang="en-US" sz="1400" dirty="0"/>
+                    </a:p>
+                  </a:txBody>
+                  <a:tcPr/>
+                </a:tc>
+                <a:tc>
+                  <a:txBody>
+                    <a:bodyPr/>
+                    <a:lstStyle/>
+                    <a:p>
+                      <a:pPr marL="0" marR="0" lvl="0" indent="0" algn="l" defTabSz="914400" rtl="0" eaLnBrk="1" fontAlgn="auto" latinLnBrk="0" hangingPunct="1">
+                        <a:lnSpc>
+                          <a:spcPct val="100000"/>
+                        </a:lnSpc>
+                        <a:spcBef>
+                          <a:spcPts val="0"/>
+                        </a:spcBef>
+                        <a:spcAft>
+                          <a:spcPts val="0"/>
+                        </a:spcAft>
+                        <a:buClrTx/>
+                        <a:buSzTx/>
+                        <a:buFontTx/>
+                        <a:buNone/>
+                        <a:tabLst/>
+                        <a:defRPr/>
+                      </a:pPr>
+                      <a:r>
+                        <a:rPr lang="en-US" altLang="zh-CN" sz="1400" dirty="0"/>
+                        <a:t>True</a:t>
+                      </a:r>
+                      <a:r>
+                        <a:rPr lang="zh-CN" altLang="en-US" sz="1400" dirty="0"/>
+                        <a:t> </a:t>
+                      </a:r>
+                      <a:r>
+                        <a:rPr lang="en-US" altLang="zh-CN" sz="1400" dirty="0"/>
+                        <a:t>if</a:t>
+                      </a:r>
+                      <a:r>
+                        <a:rPr lang="zh-CN" altLang="en-US" sz="1400" dirty="0"/>
+                        <a:t> </a:t>
+                      </a:r>
+                      <a:r>
+                        <a:rPr lang="en-US" altLang="zh-CN" sz="1400" dirty="0"/>
+                        <a:t>pass,</a:t>
+                      </a:r>
+                      <a:r>
+                        <a:rPr lang="zh-CN" altLang="en-US" sz="1400" dirty="0"/>
+                        <a:t> </a:t>
+                      </a:r>
+                      <a:r>
+                        <a:rPr lang="en-US" altLang="zh-CN" sz="1400" dirty="0"/>
+                        <a:t>error message if not pass;</a:t>
+                      </a:r>
+                      <a:endParaRPr lang="zh-CN" altLang="en-US" sz="1400" dirty="0"/>
+                    </a:p>
+                  </a:txBody>
+                  <a:tcPr/>
+                </a:tc>
+                <a:extLst>
+                  <a:ext uri="{0D108BD9-81ED-4DB2-BD59-A6C34878D82A}">
+                    <a16:rowId xmlns:a16="http://schemas.microsoft.com/office/drawing/2014/main" val="2627178524"/>
                   </a:ext>
                 </a:extLst>
               </a:tr>

--- a/Shop Web.pptx
+++ b/Shop Web.pptx
@@ -282,7 +282,7 @@
           <a:p>
             <a:fld id="{FBFAB66C-DF62-403B-BC34-3A628988F33D}" type="datetimeFigureOut">
               <a:rPr lang="zh-CN" altLang="en-US" smtClean="0"/>
-              <a:t>2019/9/17</a:t>
+              <a:t>2019/9/18</a:t>
             </a:fld>
             <a:endParaRPr lang="zh-CN" altLang="en-US"/>
           </a:p>
@@ -480,7 +480,7 @@
           <a:p>
             <a:fld id="{FBFAB66C-DF62-403B-BC34-3A628988F33D}" type="datetimeFigureOut">
               <a:rPr lang="zh-CN" altLang="en-US" smtClean="0"/>
-              <a:t>2019/9/17</a:t>
+              <a:t>2019/9/18</a:t>
             </a:fld>
             <a:endParaRPr lang="zh-CN" altLang="en-US"/>
           </a:p>
@@ -688,7 +688,7 @@
           <a:p>
             <a:fld id="{FBFAB66C-DF62-403B-BC34-3A628988F33D}" type="datetimeFigureOut">
               <a:rPr lang="zh-CN" altLang="en-US" smtClean="0"/>
-              <a:t>2019/9/17</a:t>
+              <a:t>2019/9/18</a:t>
             </a:fld>
             <a:endParaRPr lang="zh-CN" altLang="en-US"/>
           </a:p>
@@ -886,7 +886,7 @@
           <a:p>
             <a:fld id="{FBFAB66C-DF62-403B-BC34-3A628988F33D}" type="datetimeFigureOut">
               <a:rPr lang="zh-CN" altLang="en-US" smtClean="0"/>
-              <a:t>2019/9/17</a:t>
+              <a:t>2019/9/18</a:t>
             </a:fld>
             <a:endParaRPr lang="zh-CN" altLang="en-US"/>
           </a:p>
@@ -1161,7 +1161,7 @@
           <a:p>
             <a:fld id="{FBFAB66C-DF62-403B-BC34-3A628988F33D}" type="datetimeFigureOut">
               <a:rPr lang="zh-CN" altLang="en-US" smtClean="0"/>
-              <a:t>2019/9/17</a:t>
+              <a:t>2019/9/18</a:t>
             </a:fld>
             <a:endParaRPr lang="zh-CN" altLang="en-US"/>
           </a:p>
@@ -1426,7 +1426,7 @@
           <a:p>
             <a:fld id="{FBFAB66C-DF62-403B-BC34-3A628988F33D}" type="datetimeFigureOut">
               <a:rPr lang="zh-CN" altLang="en-US" smtClean="0"/>
-              <a:t>2019/9/17</a:t>
+              <a:t>2019/9/18</a:t>
             </a:fld>
             <a:endParaRPr lang="zh-CN" altLang="en-US"/>
           </a:p>
@@ -1838,7 +1838,7 @@
           <a:p>
             <a:fld id="{FBFAB66C-DF62-403B-BC34-3A628988F33D}" type="datetimeFigureOut">
               <a:rPr lang="zh-CN" altLang="en-US" smtClean="0"/>
-              <a:t>2019/9/17</a:t>
+              <a:t>2019/9/18</a:t>
             </a:fld>
             <a:endParaRPr lang="zh-CN" altLang="en-US"/>
           </a:p>
@@ -1979,7 +1979,7 @@
           <a:p>
             <a:fld id="{FBFAB66C-DF62-403B-BC34-3A628988F33D}" type="datetimeFigureOut">
               <a:rPr lang="zh-CN" altLang="en-US" smtClean="0"/>
-              <a:t>2019/9/17</a:t>
+              <a:t>2019/9/18</a:t>
             </a:fld>
             <a:endParaRPr lang="zh-CN" altLang="en-US"/>
           </a:p>
@@ -2092,7 +2092,7 @@
           <a:p>
             <a:fld id="{FBFAB66C-DF62-403B-BC34-3A628988F33D}" type="datetimeFigureOut">
               <a:rPr lang="zh-CN" altLang="en-US" smtClean="0"/>
-              <a:t>2019/9/17</a:t>
+              <a:t>2019/9/18</a:t>
             </a:fld>
             <a:endParaRPr lang="zh-CN" altLang="en-US"/>
           </a:p>
@@ -2403,7 +2403,7 @@
           <a:p>
             <a:fld id="{FBFAB66C-DF62-403B-BC34-3A628988F33D}" type="datetimeFigureOut">
               <a:rPr lang="zh-CN" altLang="en-US" smtClean="0"/>
-              <a:t>2019/9/17</a:t>
+              <a:t>2019/9/18</a:t>
             </a:fld>
             <a:endParaRPr lang="zh-CN" altLang="en-US"/>
           </a:p>
@@ -2691,7 +2691,7 @@
           <a:p>
             <a:fld id="{FBFAB66C-DF62-403B-BC34-3A628988F33D}" type="datetimeFigureOut">
               <a:rPr lang="zh-CN" altLang="en-US" smtClean="0"/>
-              <a:t>2019/9/17</a:t>
+              <a:t>2019/9/18</a:t>
             </a:fld>
             <a:endParaRPr lang="zh-CN" altLang="en-US"/>
           </a:p>
@@ -2932,7 +2932,7 @@
           <a:p>
             <a:fld id="{FBFAB66C-DF62-403B-BC34-3A628988F33D}" type="datetimeFigureOut">
               <a:rPr lang="zh-CN" altLang="en-US" smtClean="0"/>
-              <a:t>2019/9/17</a:t>
+              <a:t>2019/9/18</a:t>
             </a:fld>
             <a:endParaRPr lang="zh-CN" altLang="en-US"/>
           </a:p>
@@ -6291,7 +6291,7 @@
           <p:nvPr>
             <p:extLst>
               <p:ext uri="{D42A27DB-BD31-4B8C-83A1-F6EECF244321}">
-                <p14:modId xmlns:p14="http://schemas.microsoft.com/office/powerpoint/2010/main" val="1743130139"/>
+                <p14:modId xmlns:p14="http://schemas.microsoft.com/office/powerpoint/2010/main" val="11423684"/>
               </p:ext>
             </p:extLst>
           </p:nvPr>
@@ -6803,7 +6803,7 @@
                     <a:p>
                       <a:r>
                         <a:rPr lang="en-US" altLang="zh-CN" sz="1400" dirty="0"/>
-                        <a:t>review</a:t>
+                        <a:t>Shipping address id</a:t>
                       </a:r>
                       <a:endParaRPr lang="zh-CN" altLang="en-US" sz="1400" dirty="0"/>
                     </a:p>
@@ -6922,7 +6922,7 @@
                     <a:p>
                       <a:r>
                         <a:rPr lang="en-US" altLang="zh-CN" sz="1400" dirty="0"/>
-                        <a:t>Shipping address id</a:t>
+                        <a:t>User id</a:t>
                       </a:r>
                       <a:endParaRPr lang="zh-CN" altLang="en-US" sz="1400" dirty="0"/>
                     </a:p>
@@ -7029,7 +7029,7 @@
                     <a:p>
                       <a:r>
                         <a:rPr lang="en-US" altLang="zh-CN" sz="1400" dirty="0"/>
-                        <a:t>User id</a:t>
+                        <a:t>status</a:t>
                       </a:r>
                       <a:endParaRPr lang="zh-CN" altLang="en-US" sz="1400" dirty="0"/>
                     </a:p>
@@ -7150,109 +7150,6 @@
                     <a:bodyPr/>
                     <a:lstStyle/>
                     <a:p>
-                      <a:r>
-                        <a:rPr lang="en-US" altLang="zh-CN" sz="1400" dirty="0"/>
-                        <a:t>status</a:t>
-                      </a:r>
-                      <a:endParaRPr lang="zh-CN" altLang="en-US" sz="1400" dirty="0"/>
-                    </a:p>
-                  </a:txBody>
-                  <a:tcPr/>
-                </a:tc>
-                <a:tc>
-                  <a:txBody>
-                    <a:bodyPr/>
-                    <a:lstStyle/>
-                    <a:p>
-                      <a:endParaRPr lang="zh-CN" altLang="en-US" sz="1400" dirty="0"/>
-                    </a:p>
-                  </a:txBody>
-                  <a:tcPr/>
-                </a:tc>
-                <a:tc>
-                  <a:txBody>
-                    <a:bodyPr/>
-                    <a:lstStyle/>
-                    <a:p>
-                      <a:endParaRPr lang="zh-CN" altLang="en-US" sz="1400" dirty="0"/>
-                    </a:p>
-                  </a:txBody>
-                  <a:tcPr/>
-                </a:tc>
-                <a:extLst>
-                  <a:ext uri="{0D108BD9-81ED-4DB2-BD59-A6C34878D82A}">
-                    <a16:rowId xmlns:a16="http://schemas.microsoft.com/office/drawing/2014/main" val="3159457872"/>
-                  </a:ext>
-                </a:extLst>
-              </a:tr>
-              <a:tr h="530026">
-                <a:tc>
-                  <a:txBody>
-                    <a:bodyPr/>
-                    <a:lstStyle/>
-                    <a:p>
-                      <a:r>
-                        <a:rPr lang="en-US" altLang="zh-CN" sz="1400" dirty="0"/>
-                        <a:t>photo</a:t>
-                      </a:r>
-                      <a:endParaRPr lang="zh-CN" altLang="en-US" sz="1400" dirty="0"/>
-                    </a:p>
-                  </a:txBody>
-                  <a:tcPr/>
-                </a:tc>
-                <a:tc>
-                  <a:txBody>
-                    <a:bodyPr/>
-                    <a:lstStyle/>
-                    <a:p>
-                      <a:r>
-                        <a:rPr lang="en-US" altLang="zh-CN" sz="1400" dirty="0"/>
-                        <a:t>receiver</a:t>
-                      </a:r>
-                      <a:endParaRPr lang="zh-CN" altLang="en-US" sz="1400" dirty="0"/>
-                    </a:p>
-                  </a:txBody>
-                  <a:tcPr/>
-                </a:tc>
-                <a:tc>
-                  <a:txBody>
-                    <a:bodyPr/>
-                    <a:lstStyle/>
-                    <a:p>
-                      <a:endParaRPr lang="zh-CN" altLang="en-US" sz="1400" dirty="0"/>
-                    </a:p>
-                  </a:txBody>
-                  <a:tcPr/>
-                </a:tc>
-                <a:tc>
-                  <a:txBody>
-                    <a:bodyPr/>
-                    <a:lstStyle/>
-                    <a:p>
-                      <a:r>
-                        <a:rPr lang="en-US" altLang="zh-CN" sz="1400" dirty="0"/>
-                        <a:t>volume</a:t>
-                      </a:r>
-                      <a:endParaRPr lang="zh-CN" altLang="en-US" sz="1400" dirty="0"/>
-                    </a:p>
-                  </a:txBody>
-                  <a:tcPr/>
-                </a:tc>
-                <a:tc>
-                  <a:txBody>
-                    <a:bodyPr/>
-                    <a:lstStyle/>
-                    <a:p>
-                      <a:endParaRPr lang="zh-CN" altLang="en-US" sz="1400" dirty="0"/>
-                    </a:p>
-                  </a:txBody>
-                  <a:tcPr/>
-                </a:tc>
-                <a:tc>
-                  <a:txBody>
-                    <a:bodyPr/>
-                    <a:lstStyle/>
-                    <a:p>
                       <a:pPr marL="0" marR="0" lvl="0" indent="0" algn="l" defTabSz="914400" rtl="0" eaLnBrk="1" fontAlgn="auto" latinLnBrk="0" hangingPunct="1">
                         <a:lnSpc>
                           <a:spcPct val="100000"/>
@@ -7301,7 +7198,7 @@
                 </a:tc>
                 <a:extLst>
                   <a:ext uri="{0D108BD9-81ED-4DB2-BD59-A6C34878D82A}">
-                    <a16:rowId xmlns:a16="http://schemas.microsoft.com/office/drawing/2014/main" val="983397264"/>
+                    <a16:rowId xmlns:a16="http://schemas.microsoft.com/office/drawing/2014/main" val="3159457872"/>
                   </a:ext>
                 </a:extLst>
               </a:tr>
@@ -7311,6 +7208,10 @@
                     <a:bodyPr/>
                     <a:lstStyle/>
                     <a:p>
+                      <a:r>
+                        <a:rPr lang="en-US" altLang="zh-CN" sz="1400" dirty="0"/>
+                        <a:t>photo</a:t>
+                      </a:r>
                       <a:endParaRPr lang="zh-CN" altLang="en-US" sz="1400" dirty="0"/>
                     </a:p>
                   </a:txBody>
@@ -7323,7 +7224,7 @@
                     <a:p>
                       <a:r>
                         <a:rPr lang="en-US" altLang="zh-CN" sz="1400" dirty="0"/>
-                        <a:t>Phone no</a:t>
+                        <a:t>receiver</a:t>
                       </a:r>
                       <a:endParaRPr lang="zh-CN" altLang="en-US" sz="1400" dirty="0"/>
                     </a:p>
@@ -7347,7 +7248,7 @@
                     <a:p>
                       <a:r>
                         <a:rPr lang="en-US" altLang="zh-CN" sz="1400" dirty="0"/>
-                        <a:t>stock</a:t>
+                        <a:t>volume</a:t>
                       </a:r>
                       <a:endParaRPr lang="zh-CN" altLang="en-US" sz="1400" dirty="0"/>
                     </a:p>
@@ -7417,6 +7318,101 @@
                 </a:tc>
                 <a:extLst>
                   <a:ext uri="{0D108BD9-81ED-4DB2-BD59-A6C34878D82A}">
+                    <a16:rowId xmlns:a16="http://schemas.microsoft.com/office/drawing/2014/main" val="983397264"/>
+                  </a:ext>
+                </a:extLst>
+              </a:tr>
+              <a:tr h="530026">
+                <a:tc>
+                  <a:txBody>
+                    <a:bodyPr/>
+                    <a:lstStyle/>
+                    <a:p>
+                      <a:endParaRPr lang="zh-CN" altLang="en-US" sz="1400" dirty="0"/>
+                    </a:p>
+                  </a:txBody>
+                  <a:tcPr/>
+                </a:tc>
+                <a:tc>
+                  <a:txBody>
+                    <a:bodyPr/>
+                    <a:lstStyle/>
+                    <a:p>
+                      <a:r>
+                        <a:rPr lang="en-US" altLang="zh-CN" sz="1400" dirty="0"/>
+                        <a:t>Phone no</a:t>
+                      </a:r>
+                      <a:endParaRPr lang="zh-CN" altLang="en-US" sz="1400" dirty="0"/>
+                    </a:p>
+                  </a:txBody>
+                  <a:tcPr/>
+                </a:tc>
+                <a:tc>
+                  <a:txBody>
+                    <a:bodyPr/>
+                    <a:lstStyle/>
+                    <a:p>
+                      <a:endParaRPr lang="zh-CN" altLang="en-US" sz="1400" dirty="0"/>
+                    </a:p>
+                  </a:txBody>
+                  <a:tcPr/>
+                </a:tc>
+                <a:tc>
+                  <a:txBody>
+                    <a:bodyPr/>
+                    <a:lstStyle/>
+                    <a:p>
+                      <a:r>
+                        <a:rPr lang="en-US" altLang="zh-CN" sz="1400" dirty="0"/>
+                        <a:t>stock</a:t>
+                      </a:r>
+                      <a:endParaRPr lang="zh-CN" altLang="en-US" sz="1400" dirty="0"/>
+                    </a:p>
+                  </a:txBody>
+                  <a:tcPr/>
+                </a:tc>
+                <a:tc>
+                  <a:txBody>
+                    <a:bodyPr/>
+                    <a:lstStyle/>
+                    <a:p>
+                      <a:endParaRPr lang="zh-CN" altLang="en-US" sz="1400" dirty="0"/>
+                    </a:p>
+                  </a:txBody>
+                  <a:tcPr/>
+                </a:tc>
+                <a:tc>
+                  <a:txBody>
+                    <a:bodyPr/>
+                    <a:lstStyle/>
+                    <a:p>
+                      <a:endParaRPr lang="zh-CN" altLang="en-US" dirty="0"/>
+                    </a:p>
+                  </a:txBody>
+                  <a:tcPr/>
+                </a:tc>
+                <a:tc>
+                  <a:txBody>
+                    <a:bodyPr/>
+                    <a:lstStyle/>
+                    <a:p>
+                      <a:endParaRPr lang="zh-CN" altLang="en-US" sz="1400" dirty="0"/>
+                    </a:p>
+                  </a:txBody>
+                  <a:tcPr/>
+                </a:tc>
+                <a:tc>
+                  <a:txBody>
+                    <a:bodyPr/>
+                    <a:lstStyle/>
+                    <a:p>
+                      <a:endParaRPr lang="zh-CN" altLang="en-US" sz="1400" dirty="0"/>
+                    </a:p>
+                  </a:txBody>
+                  <a:tcPr/>
+                </a:tc>
+                <a:extLst>
+                  <a:ext uri="{0D108BD9-81ED-4DB2-BD59-A6C34878D82A}">
                     <a16:rowId xmlns:a16="http://schemas.microsoft.com/office/drawing/2014/main" val="2356930557"/>
                   </a:ext>
                 </a:extLst>
@@ -7489,10 +7485,6 @@
                     <a:bodyPr/>
                     <a:lstStyle/>
                     <a:p>
-                      <a:r>
-                        <a:rPr lang="en-US" altLang="zh-CN" sz="1400" dirty="0"/>
-                        <a:t>review</a:t>
-                      </a:r>
                       <a:endParaRPr lang="zh-CN" altLang="en-US" sz="1400" dirty="0"/>
                     </a:p>
                   </a:txBody>

--- a/Shop Web.pptx
+++ b/Shop Web.pptx
@@ -17,6 +17,10 @@
     <p:sldId id="268" r:id="rId11"/>
     <p:sldId id="269" r:id="rId12"/>
     <p:sldId id="270" r:id="rId13"/>
+    <p:sldId id="271" r:id="rId14"/>
+    <p:sldId id="273" r:id="rId15"/>
+    <p:sldId id="274" r:id="rId16"/>
+    <p:sldId id="275" r:id="rId17"/>
   </p:sldIdLst>
   <p:sldSz cx="12192000" cy="6858000"/>
   <p:notesSz cx="6858000" cy="9144000"/>
@@ -282,7 +286,7 @@
           <a:p>
             <a:fld id="{FBFAB66C-DF62-403B-BC34-3A628988F33D}" type="datetimeFigureOut">
               <a:rPr lang="zh-CN" altLang="en-US" smtClean="0"/>
-              <a:t>2019/9/18</a:t>
+              <a:t>2019/10/4</a:t>
             </a:fld>
             <a:endParaRPr lang="zh-CN" altLang="en-US"/>
           </a:p>
@@ -480,7 +484,7 @@
           <a:p>
             <a:fld id="{FBFAB66C-DF62-403B-BC34-3A628988F33D}" type="datetimeFigureOut">
               <a:rPr lang="zh-CN" altLang="en-US" smtClean="0"/>
-              <a:t>2019/9/18</a:t>
+              <a:t>2019/10/4</a:t>
             </a:fld>
             <a:endParaRPr lang="zh-CN" altLang="en-US"/>
           </a:p>
@@ -688,7 +692,7 @@
           <a:p>
             <a:fld id="{FBFAB66C-DF62-403B-BC34-3A628988F33D}" type="datetimeFigureOut">
               <a:rPr lang="zh-CN" altLang="en-US" smtClean="0"/>
-              <a:t>2019/9/18</a:t>
+              <a:t>2019/10/4</a:t>
             </a:fld>
             <a:endParaRPr lang="zh-CN" altLang="en-US"/>
           </a:p>
@@ -886,7 +890,7 @@
           <a:p>
             <a:fld id="{FBFAB66C-DF62-403B-BC34-3A628988F33D}" type="datetimeFigureOut">
               <a:rPr lang="zh-CN" altLang="en-US" smtClean="0"/>
-              <a:t>2019/9/18</a:t>
+              <a:t>2019/10/4</a:t>
             </a:fld>
             <a:endParaRPr lang="zh-CN" altLang="en-US"/>
           </a:p>
@@ -1161,7 +1165,7 @@
           <a:p>
             <a:fld id="{FBFAB66C-DF62-403B-BC34-3A628988F33D}" type="datetimeFigureOut">
               <a:rPr lang="zh-CN" altLang="en-US" smtClean="0"/>
-              <a:t>2019/9/18</a:t>
+              <a:t>2019/10/4</a:t>
             </a:fld>
             <a:endParaRPr lang="zh-CN" altLang="en-US"/>
           </a:p>
@@ -1426,7 +1430,7 @@
           <a:p>
             <a:fld id="{FBFAB66C-DF62-403B-BC34-3A628988F33D}" type="datetimeFigureOut">
               <a:rPr lang="zh-CN" altLang="en-US" smtClean="0"/>
-              <a:t>2019/9/18</a:t>
+              <a:t>2019/10/4</a:t>
             </a:fld>
             <a:endParaRPr lang="zh-CN" altLang="en-US"/>
           </a:p>
@@ -1838,7 +1842,7 @@
           <a:p>
             <a:fld id="{FBFAB66C-DF62-403B-BC34-3A628988F33D}" type="datetimeFigureOut">
               <a:rPr lang="zh-CN" altLang="en-US" smtClean="0"/>
-              <a:t>2019/9/18</a:t>
+              <a:t>2019/10/4</a:t>
             </a:fld>
             <a:endParaRPr lang="zh-CN" altLang="en-US"/>
           </a:p>
@@ -1979,7 +1983,7 @@
           <a:p>
             <a:fld id="{FBFAB66C-DF62-403B-BC34-3A628988F33D}" type="datetimeFigureOut">
               <a:rPr lang="zh-CN" altLang="en-US" smtClean="0"/>
-              <a:t>2019/9/18</a:t>
+              <a:t>2019/10/4</a:t>
             </a:fld>
             <a:endParaRPr lang="zh-CN" altLang="en-US"/>
           </a:p>
@@ -2092,7 +2096,7 @@
           <a:p>
             <a:fld id="{FBFAB66C-DF62-403B-BC34-3A628988F33D}" type="datetimeFigureOut">
               <a:rPr lang="zh-CN" altLang="en-US" smtClean="0"/>
-              <a:t>2019/9/18</a:t>
+              <a:t>2019/10/4</a:t>
             </a:fld>
             <a:endParaRPr lang="zh-CN" altLang="en-US"/>
           </a:p>
@@ -2403,7 +2407,7 @@
           <a:p>
             <a:fld id="{FBFAB66C-DF62-403B-BC34-3A628988F33D}" type="datetimeFigureOut">
               <a:rPr lang="zh-CN" altLang="en-US" smtClean="0"/>
-              <a:t>2019/9/18</a:t>
+              <a:t>2019/10/4</a:t>
             </a:fld>
             <a:endParaRPr lang="zh-CN" altLang="en-US"/>
           </a:p>
@@ -2691,7 +2695,7 @@
           <a:p>
             <a:fld id="{FBFAB66C-DF62-403B-BC34-3A628988F33D}" type="datetimeFigureOut">
               <a:rPr lang="zh-CN" altLang="en-US" smtClean="0"/>
-              <a:t>2019/9/18</a:t>
+              <a:t>2019/10/4</a:t>
             </a:fld>
             <a:endParaRPr lang="zh-CN" altLang="en-US"/>
           </a:p>
@@ -2932,7 +2936,7 @@
           <a:p>
             <a:fld id="{FBFAB66C-DF62-403B-BC34-3A628988F33D}" type="datetimeFigureOut">
               <a:rPr lang="zh-CN" altLang="en-US" smtClean="0"/>
-              <a:t>2019/9/18</a:t>
+              <a:t>2019/10/4</a:t>
             </a:fld>
             <a:endParaRPr lang="zh-CN" altLang="en-US"/>
           </a:p>
@@ -7637,10 +7641,3113 @@
           <a:chExt cx="0" cy="0"/>
         </a:xfrm>
       </p:grpSpPr>
+      <p:sp>
+        <p:nvSpPr>
+          <p:cNvPr id="2" name="矩形 1">
+            <a:extLst>
+              <a:ext uri="{FF2B5EF4-FFF2-40B4-BE49-F238E27FC236}">
+                <a16:creationId xmlns:a16="http://schemas.microsoft.com/office/drawing/2014/main" id="{8FF9C8BB-C45D-44D3-8DE7-9E8DBFFFE9B8}"/>
+              </a:ext>
+            </a:extLst>
+          </p:cNvPr>
+          <p:cNvSpPr/>
+          <p:nvPr/>
+        </p:nvSpPr>
+        <p:spPr>
+          <a:xfrm>
+            <a:off x="3553104" y="431073"/>
+            <a:ext cx="1763486" cy="457200"/>
+          </a:xfrm>
+          <a:prstGeom prst="rect">
+            <a:avLst/>
+          </a:prstGeom>
+        </p:spPr>
+        <p:style>
+          <a:lnRef idx="2">
+            <a:schemeClr val="accent1">
+              <a:shade val="50000"/>
+            </a:schemeClr>
+          </a:lnRef>
+          <a:fillRef idx="1">
+            <a:schemeClr val="accent1"/>
+          </a:fillRef>
+          <a:effectRef idx="0">
+            <a:schemeClr val="accent1"/>
+          </a:effectRef>
+          <a:fontRef idx="minor">
+            <a:schemeClr val="lt1"/>
+          </a:fontRef>
+        </p:style>
+        <p:txBody>
+          <a:bodyPr rtlCol="0" anchor="ctr"/>
+          <a:lstStyle/>
+          <a:p>
+            <a:pPr algn="ctr"/>
+            <a:r>
+              <a:rPr lang="zh-CN" altLang="en-US" dirty="0"/>
+              <a:t>系统</a:t>
+            </a:r>
+            <a:r>
+              <a:rPr lang="en-US" altLang="zh-CN" dirty="0"/>
+              <a:t>A</a:t>
+            </a:r>
+            <a:endParaRPr lang="zh-CN" altLang="en-US" dirty="0"/>
+          </a:p>
+        </p:txBody>
+      </p:sp>
+      <p:sp>
+        <p:nvSpPr>
+          <p:cNvPr id="5" name="矩形 4">
+            <a:extLst>
+              <a:ext uri="{FF2B5EF4-FFF2-40B4-BE49-F238E27FC236}">
+                <a16:creationId xmlns:a16="http://schemas.microsoft.com/office/drawing/2014/main" id="{40724758-FA71-49C4-ACAB-6E0E2DED660B}"/>
+              </a:ext>
+            </a:extLst>
+          </p:cNvPr>
+          <p:cNvSpPr/>
+          <p:nvPr/>
+        </p:nvSpPr>
+        <p:spPr>
+          <a:xfrm>
+            <a:off x="9485812" y="431075"/>
+            <a:ext cx="1763486" cy="457200"/>
+          </a:xfrm>
+          <a:prstGeom prst="rect">
+            <a:avLst/>
+          </a:prstGeom>
+        </p:spPr>
+        <p:style>
+          <a:lnRef idx="2">
+            <a:schemeClr val="accent1">
+              <a:shade val="50000"/>
+            </a:schemeClr>
+          </a:lnRef>
+          <a:fillRef idx="1">
+            <a:schemeClr val="accent1"/>
+          </a:fillRef>
+          <a:effectRef idx="0">
+            <a:schemeClr val="accent1"/>
+          </a:effectRef>
+          <a:fontRef idx="minor">
+            <a:schemeClr val="lt1"/>
+          </a:fontRef>
+        </p:style>
+        <p:txBody>
+          <a:bodyPr rtlCol="0" anchor="ctr"/>
+          <a:lstStyle/>
+          <a:p>
+            <a:pPr algn="ctr"/>
+            <a:r>
+              <a:rPr lang="en-US" altLang="zh-CN" dirty="0"/>
+              <a:t>SSO</a:t>
+            </a:r>
+          </a:p>
+        </p:txBody>
+      </p:sp>
+      <p:cxnSp>
+        <p:nvCxnSpPr>
+          <p:cNvPr id="7" name="直接连接符 6">
+            <a:extLst>
+              <a:ext uri="{FF2B5EF4-FFF2-40B4-BE49-F238E27FC236}">
+                <a16:creationId xmlns:a16="http://schemas.microsoft.com/office/drawing/2014/main" id="{E5FB24FE-EB70-428E-86F4-4FB98FEF9A9B}"/>
+              </a:ext>
+            </a:extLst>
+          </p:cNvPr>
+          <p:cNvCxnSpPr>
+            <a:stCxn id="2" idx="2"/>
+            <a:endCxn id="2" idx="2"/>
+          </p:cNvCxnSpPr>
+          <p:nvPr/>
+        </p:nvCxnSpPr>
+        <p:spPr>
+          <a:xfrm>
+            <a:off x="4434847" y="888273"/>
+            <a:ext cx="0" cy="0"/>
+          </a:xfrm>
+          <a:prstGeom prst="line">
+            <a:avLst/>
+          </a:prstGeom>
+        </p:spPr>
+        <p:style>
+          <a:lnRef idx="1">
+            <a:schemeClr val="accent1"/>
+          </a:lnRef>
+          <a:fillRef idx="0">
+            <a:schemeClr val="accent1"/>
+          </a:fillRef>
+          <a:effectRef idx="0">
+            <a:schemeClr val="accent1"/>
+          </a:effectRef>
+          <a:fontRef idx="minor">
+            <a:schemeClr val="tx1"/>
+          </a:fontRef>
+        </p:style>
+      </p:cxnSp>
+      <p:cxnSp>
+        <p:nvCxnSpPr>
+          <p:cNvPr id="9" name="直接连接符 8">
+            <a:extLst>
+              <a:ext uri="{FF2B5EF4-FFF2-40B4-BE49-F238E27FC236}">
+                <a16:creationId xmlns:a16="http://schemas.microsoft.com/office/drawing/2014/main" id="{F5DD4D2A-3950-43F5-BF22-0C0D1086D2D7}"/>
+              </a:ext>
+            </a:extLst>
+          </p:cNvPr>
+          <p:cNvCxnSpPr>
+            <a:stCxn id="2" idx="2"/>
+          </p:cNvCxnSpPr>
+          <p:nvPr/>
+        </p:nvCxnSpPr>
+        <p:spPr>
+          <a:xfrm>
+            <a:off x="4434847" y="888273"/>
+            <a:ext cx="0" cy="5760719"/>
+          </a:xfrm>
+          <a:prstGeom prst="line">
+            <a:avLst/>
+          </a:prstGeom>
+        </p:spPr>
+        <p:style>
+          <a:lnRef idx="1">
+            <a:schemeClr val="accent1"/>
+          </a:lnRef>
+          <a:fillRef idx="0">
+            <a:schemeClr val="accent1"/>
+          </a:fillRef>
+          <a:effectRef idx="0">
+            <a:schemeClr val="accent1"/>
+          </a:effectRef>
+          <a:fontRef idx="minor">
+            <a:schemeClr val="tx1"/>
+          </a:fontRef>
+        </p:style>
+      </p:cxnSp>
+      <p:cxnSp>
+        <p:nvCxnSpPr>
+          <p:cNvPr id="11" name="直接连接符 10">
+            <a:extLst>
+              <a:ext uri="{FF2B5EF4-FFF2-40B4-BE49-F238E27FC236}">
+                <a16:creationId xmlns:a16="http://schemas.microsoft.com/office/drawing/2014/main" id="{46A2D691-4280-4AEB-A839-EADA672500DE}"/>
+              </a:ext>
+            </a:extLst>
+          </p:cNvPr>
+          <p:cNvCxnSpPr/>
+          <p:nvPr/>
+        </p:nvCxnSpPr>
+        <p:spPr>
+          <a:xfrm>
+            <a:off x="10367555" y="888274"/>
+            <a:ext cx="0" cy="5760719"/>
+          </a:xfrm>
+          <a:prstGeom prst="line">
+            <a:avLst/>
+          </a:prstGeom>
+        </p:spPr>
+        <p:style>
+          <a:lnRef idx="1">
+            <a:schemeClr val="accent1"/>
+          </a:lnRef>
+          <a:fillRef idx="0">
+            <a:schemeClr val="accent1"/>
+          </a:fillRef>
+          <a:effectRef idx="0">
+            <a:schemeClr val="accent1"/>
+          </a:effectRef>
+          <a:fontRef idx="minor">
+            <a:schemeClr val="tx1"/>
+          </a:fontRef>
+        </p:style>
+      </p:cxnSp>
+      <p:sp>
+        <p:nvSpPr>
+          <p:cNvPr id="15" name="矩形 14">
+            <a:extLst>
+              <a:ext uri="{FF2B5EF4-FFF2-40B4-BE49-F238E27FC236}">
+                <a16:creationId xmlns:a16="http://schemas.microsoft.com/office/drawing/2014/main" id="{93146738-4229-483C-8AD2-BB4ED231F60D}"/>
+              </a:ext>
+            </a:extLst>
+          </p:cNvPr>
+          <p:cNvSpPr/>
+          <p:nvPr/>
+        </p:nvSpPr>
+        <p:spPr>
+          <a:xfrm>
+            <a:off x="586754" y="431073"/>
+            <a:ext cx="1763486" cy="457200"/>
+          </a:xfrm>
+          <a:prstGeom prst="rect">
+            <a:avLst/>
+          </a:prstGeom>
+        </p:spPr>
+        <p:style>
+          <a:lnRef idx="2">
+            <a:schemeClr val="accent1">
+              <a:shade val="50000"/>
+            </a:schemeClr>
+          </a:lnRef>
+          <a:fillRef idx="1">
+            <a:schemeClr val="accent1"/>
+          </a:fillRef>
+          <a:effectRef idx="0">
+            <a:schemeClr val="accent1"/>
+          </a:effectRef>
+          <a:fontRef idx="minor">
+            <a:schemeClr val="lt1"/>
+          </a:fontRef>
+        </p:style>
+        <p:txBody>
+          <a:bodyPr rtlCol="0" anchor="ctr"/>
+          <a:lstStyle/>
+          <a:p>
+            <a:pPr algn="ctr"/>
+            <a:r>
+              <a:rPr lang="zh-CN" altLang="en-US" dirty="0"/>
+              <a:t>浏览器</a:t>
+            </a:r>
+          </a:p>
+        </p:txBody>
+      </p:sp>
+      <p:cxnSp>
+        <p:nvCxnSpPr>
+          <p:cNvPr id="16" name="直接连接符 15">
+            <a:extLst>
+              <a:ext uri="{FF2B5EF4-FFF2-40B4-BE49-F238E27FC236}">
+                <a16:creationId xmlns:a16="http://schemas.microsoft.com/office/drawing/2014/main" id="{A80FF5CD-529C-485C-902A-0CAD75277DDC}"/>
+              </a:ext>
+            </a:extLst>
+          </p:cNvPr>
+          <p:cNvCxnSpPr>
+            <a:stCxn id="15" idx="2"/>
+            <a:endCxn id="15" idx="2"/>
+          </p:cNvCxnSpPr>
+          <p:nvPr/>
+        </p:nvCxnSpPr>
+        <p:spPr>
+          <a:xfrm>
+            <a:off x="1468497" y="888273"/>
+            <a:ext cx="0" cy="0"/>
+          </a:xfrm>
+          <a:prstGeom prst="line">
+            <a:avLst/>
+          </a:prstGeom>
+        </p:spPr>
+        <p:style>
+          <a:lnRef idx="1">
+            <a:schemeClr val="accent1"/>
+          </a:lnRef>
+          <a:fillRef idx="0">
+            <a:schemeClr val="accent1"/>
+          </a:fillRef>
+          <a:effectRef idx="0">
+            <a:schemeClr val="accent1"/>
+          </a:effectRef>
+          <a:fontRef idx="minor">
+            <a:schemeClr val="tx1"/>
+          </a:fontRef>
+        </p:style>
+      </p:cxnSp>
+      <p:cxnSp>
+        <p:nvCxnSpPr>
+          <p:cNvPr id="17" name="直接连接符 16">
+            <a:extLst>
+              <a:ext uri="{FF2B5EF4-FFF2-40B4-BE49-F238E27FC236}">
+                <a16:creationId xmlns:a16="http://schemas.microsoft.com/office/drawing/2014/main" id="{21CD7009-27E8-4340-97C9-6DFF24811161}"/>
+              </a:ext>
+            </a:extLst>
+          </p:cNvPr>
+          <p:cNvCxnSpPr>
+            <a:stCxn id="15" idx="2"/>
+          </p:cNvCxnSpPr>
+          <p:nvPr/>
+        </p:nvCxnSpPr>
+        <p:spPr>
+          <a:xfrm>
+            <a:off x="1468497" y="888273"/>
+            <a:ext cx="0" cy="5760719"/>
+          </a:xfrm>
+          <a:prstGeom prst="line">
+            <a:avLst/>
+          </a:prstGeom>
+        </p:spPr>
+        <p:style>
+          <a:lnRef idx="1">
+            <a:schemeClr val="accent1"/>
+          </a:lnRef>
+          <a:fillRef idx="0">
+            <a:schemeClr val="accent1"/>
+          </a:fillRef>
+          <a:effectRef idx="0">
+            <a:schemeClr val="accent1"/>
+          </a:effectRef>
+          <a:fontRef idx="minor">
+            <a:schemeClr val="tx1"/>
+          </a:fontRef>
+        </p:style>
+      </p:cxnSp>
+      <p:cxnSp>
+        <p:nvCxnSpPr>
+          <p:cNvPr id="19" name="直接箭头连接符 18">
+            <a:extLst>
+              <a:ext uri="{FF2B5EF4-FFF2-40B4-BE49-F238E27FC236}">
+                <a16:creationId xmlns:a16="http://schemas.microsoft.com/office/drawing/2014/main" id="{F3A3A159-10F2-4E25-A3E7-B4965537FA32}"/>
+              </a:ext>
+            </a:extLst>
+          </p:cNvPr>
+          <p:cNvCxnSpPr/>
+          <p:nvPr/>
+        </p:nvCxnSpPr>
+        <p:spPr>
+          <a:xfrm>
+            <a:off x="1468496" y="1475874"/>
+            <a:ext cx="2966353" cy="0"/>
+          </a:xfrm>
+          <a:prstGeom prst="straightConnector1">
+            <a:avLst/>
+          </a:prstGeom>
+          <a:ln>
+            <a:tailEnd type="triangle"/>
+          </a:ln>
+        </p:spPr>
+        <p:style>
+          <a:lnRef idx="1">
+            <a:schemeClr val="accent1"/>
+          </a:lnRef>
+          <a:fillRef idx="0">
+            <a:schemeClr val="accent1"/>
+          </a:fillRef>
+          <a:effectRef idx="0">
+            <a:schemeClr val="accent1"/>
+          </a:effectRef>
+          <a:fontRef idx="minor">
+            <a:schemeClr val="tx1"/>
+          </a:fontRef>
+        </p:style>
+      </p:cxnSp>
+      <p:sp>
+        <p:nvSpPr>
+          <p:cNvPr id="20" name="文本框 19">
+            <a:extLst>
+              <a:ext uri="{FF2B5EF4-FFF2-40B4-BE49-F238E27FC236}">
+                <a16:creationId xmlns:a16="http://schemas.microsoft.com/office/drawing/2014/main" id="{AAE1DEBF-A09B-4891-99C5-F3EDEB223AE4}"/>
+              </a:ext>
+            </a:extLst>
+          </p:cNvPr>
+          <p:cNvSpPr txBox="1"/>
+          <p:nvPr/>
+        </p:nvSpPr>
+        <p:spPr>
+          <a:xfrm>
+            <a:off x="2005262" y="1187116"/>
+            <a:ext cx="2197767" cy="369332"/>
+          </a:xfrm>
+          <a:prstGeom prst="rect">
+            <a:avLst/>
+          </a:prstGeom>
+          <a:noFill/>
+        </p:spPr>
+        <p:txBody>
+          <a:bodyPr wrap="square" rtlCol="0">
+            <a:spAutoFit/>
+          </a:bodyPr>
+          <a:lstStyle/>
+          <a:p>
+            <a:r>
+              <a:rPr lang="zh-CN" altLang="en-US" dirty="0"/>
+              <a:t>发送请求到系统</a:t>
+            </a:r>
+            <a:r>
+              <a:rPr lang="en-US" altLang="zh-CN" dirty="0"/>
+              <a:t>A</a:t>
+            </a:r>
+            <a:endParaRPr lang="zh-CN" altLang="en-US" dirty="0"/>
+          </a:p>
+        </p:txBody>
+      </p:sp>
+      <p:sp>
+        <p:nvSpPr>
+          <p:cNvPr id="21" name="矩形 20">
+            <a:extLst>
+              <a:ext uri="{FF2B5EF4-FFF2-40B4-BE49-F238E27FC236}">
+                <a16:creationId xmlns:a16="http://schemas.microsoft.com/office/drawing/2014/main" id="{DEBF31EB-67D9-4485-92C5-8164524E4326}"/>
+              </a:ext>
+            </a:extLst>
+          </p:cNvPr>
+          <p:cNvSpPr/>
+          <p:nvPr/>
+        </p:nvSpPr>
+        <p:spPr>
+          <a:xfrm>
+            <a:off x="4434847" y="1475874"/>
+            <a:ext cx="231779" cy="587598"/>
+          </a:xfrm>
+          <a:prstGeom prst="rect">
+            <a:avLst/>
+          </a:prstGeom>
+        </p:spPr>
+        <p:style>
+          <a:lnRef idx="2">
+            <a:schemeClr val="accent1">
+              <a:shade val="50000"/>
+            </a:schemeClr>
+          </a:lnRef>
+          <a:fillRef idx="1">
+            <a:schemeClr val="accent1"/>
+          </a:fillRef>
+          <a:effectRef idx="0">
+            <a:schemeClr val="accent1"/>
+          </a:effectRef>
+          <a:fontRef idx="minor">
+            <a:schemeClr val="lt1"/>
+          </a:fontRef>
+        </p:style>
+        <p:txBody>
+          <a:bodyPr rtlCol="0" anchor="ctr"/>
+          <a:lstStyle/>
+          <a:p>
+            <a:pPr algn="ctr"/>
+            <a:endParaRPr lang="zh-CN" altLang="en-US"/>
+          </a:p>
+        </p:txBody>
+      </p:sp>
+      <p:sp>
+        <p:nvSpPr>
+          <p:cNvPr id="22" name="文本框 21">
+            <a:extLst>
+              <a:ext uri="{FF2B5EF4-FFF2-40B4-BE49-F238E27FC236}">
+                <a16:creationId xmlns:a16="http://schemas.microsoft.com/office/drawing/2014/main" id="{D1F85BF7-750D-4B9C-9D94-A64875B9E45C}"/>
+              </a:ext>
+            </a:extLst>
+          </p:cNvPr>
+          <p:cNvSpPr txBox="1"/>
+          <p:nvPr/>
+        </p:nvSpPr>
+        <p:spPr>
+          <a:xfrm>
+            <a:off x="4634839" y="1475965"/>
+            <a:ext cx="2890535" cy="369332"/>
+          </a:xfrm>
+          <a:prstGeom prst="rect">
+            <a:avLst/>
+          </a:prstGeom>
+          <a:noFill/>
+        </p:spPr>
+        <p:txBody>
+          <a:bodyPr wrap="none" rtlCol="0">
+            <a:spAutoFit/>
+          </a:bodyPr>
+          <a:lstStyle/>
+          <a:p>
+            <a:r>
+              <a:rPr lang="zh-CN" altLang="en-US" dirty="0"/>
+              <a:t>检查是否有</a:t>
+            </a:r>
+            <a:r>
+              <a:rPr lang="en-US" altLang="zh-CN" dirty="0"/>
+              <a:t>session</a:t>
+            </a:r>
+            <a:r>
+              <a:rPr lang="zh-CN" altLang="en-US" dirty="0"/>
+              <a:t>或</a:t>
+            </a:r>
+            <a:r>
+              <a:rPr lang="en-US" altLang="zh-CN" dirty="0"/>
+              <a:t>Token</a:t>
+            </a:r>
+          </a:p>
+        </p:txBody>
+      </p:sp>
+      <p:cxnSp>
+        <p:nvCxnSpPr>
+          <p:cNvPr id="24" name="直接箭头连接符 23">
+            <a:extLst>
+              <a:ext uri="{FF2B5EF4-FFF2-40B4-BE49-F238E27FC236}">
+                <a16:creationId xmlns:a16="http://schemas.microsoft.com/office/drawing/2014/main" id="{D1024313-3DE5-41F5-A70E-EFF4E13F0CEA}"/>
+              </a:ext>
+            </a:extLst>
+          </p:cNvPr>
+          <p:cNvCxnSpPr/>
+          <p:nvPr/>
+        </p:nvCxnSpPr>
+        <p:spPr>
+          <a:xfrm flipH="1">
+            <a:off x="1468496" y="2063472"/>
+            <a:ext cx="2966353" cy="0"/>
+          </a:xfrm>
+          <a:prstGeom prst="straightConnector1">
+            <a:avLst/>
+          </a:prstGeom>
+          <a:ln>
+            <a:tailEnd type="triangle"/>
+          </a:ln>
+        </p:spPr>
+        <p:style>
+          <a:lnRef idx="1">
+            <a:schemeClr val="accent1"/>
+          </a:lnRef>
+          <a:fillRef idx="0">
+            <a:schemeClr val="accent1"/>
+          </a:fillRef>
+          <a:effectRef idx="0">
+            <a:schemeClr val="accent1"/>
+          </a:effectRef>
+          <a:fontRef idx="minor">
+            <a:schemeClr val="tx1"/>
+          </a:fontRef>
+        </p:style>
+      </p:cxnSp>
+      <p:sp>
+        <p:nvSpPr>
+          <p:cNvPr id="25" name="文本框 24">
+            <a:extLst>
+              <a:ext uri="{FF2B5EF4-FFF2-40B4-BE49-F238E27FC236}">
+                <a16:creationId xmlns:a16="http://schemas.microsoft.com/office/drawing/2014/main" id="{6A5E82DF-3C0B-49EF-87A3-B94343F40E4D}"/>
+              </a:ext>
+            </a:extLst>
+          </p:cNvPr>
+          <p:cNvSpPr txBox="1"/>
+          <p:nvPr/>
+        </p:nvSpPr>
+        <p:spPr>
+          <a:xfrm>
+            <a:off x="1691951" y="1780674"/>
+            <a:ext cx="2539421" cy="369332"/>
+          </a:xfrm>
+          <a:prstGeom prst="rect">
+            <a:avLst/>
+          </a:prstGeom>
+          <a:noFill/>
+        </p:spPr>
+        <p:txBody>
+          <a:bodyPr wrap="square" rtlCol="0">
+            <a:spAutoFit/>
+          </a:bodyPr>
+          <a:lstStyle/>
+          <a:p>
+            <a:r>
+              <a:rPr lang="zh-CN" altLang="en-US" dirty="0"/>
+              <a:t>没有</a:t>
+            </a:r>
+            <a:r>
+              <a:rPr lang="en-US" altLang="zh-CN" dirty="0"/>
+              <a:t>session,</a:t>
+            </a:r>
+            <a:r>
+              <a:rPr lang="zh-CN" altLang="en-US" dirty="0"/>
+              <a:t>跳转</a:t>
+            </a:r>
+            <a:r>
+              <a:rPr lang="en-US" altLang="zh-CN" dirty="0"/>
+              <a:t>SSO</a:t>
+            </a:r>
+          </a:p>
+        </p:txBody>
+      </p:sp>
+      <p:cxnSp>
+        <p:nvCxnSpPr>
+          <p:cNvPr id="27" name="直接箭头连接符 26">
+            <a:extLst>
+              <a:ext uri="{FF2B5EF4-FFF2-40B4-BE49-F238E27FC236}">
+                <a16:creationId xmlns:a16="http://schemas.microsoft.com/office/drawing/2014/main" id="{1E601937-235C-423C-B476-30F56DE8327A}"/>
+              </a:ext>
+            </a:extLst>
+          </p:cNvPr>
+          <p:cNvCxnSpPr/>
+          <p:nvPr/>
+        </p:nvCxnSpPr>
+        <p:spPr>
+          <a:xfrm>
+            <a:off x="1468496" y="2150006"/>
+            <a:ext cx="8899059" cy="0"/>
+          </a:xfrm>
+          <a:prstGeom prst="straightConnector1">
+            <a:avLst/>
+          </a:prstGeom>
+          <a:ln>
+            <a:tailEnd type="triangle"/>
+          </a:ln>
+        </p:spPr>
+        <p:style>
+          <a:lnRef idx="1">
+            <a:schemeClr val="accent1"/>
+          </a:lnRef>
+          <a:fillRef idx="0">
+            <a:schemeClr val="accent1"/>
+          </a:fillRef>
+          <a:effectRef idx="0">
+            <a:schemeClr val="accent1"/>
+          </a:effectRef>
+          <a:fontRef idx="minor">
+            <a:schemeClr val="tx1"/>
+          </a:fontRef>
+        </p:style>
+      </p:cxnSp>
+      <p:sp>
+        <p:nvSpPr>
+          <p:cNvPr id="28" name="文本框 27">
+            <a:extLst>
+              <a:ext uri="{FF2B5EF4-FFF2-40B4-BE49-F238E27FC236}">
+                <a16:creationId xmlns:a16="http://schemas.microsoft.com/office/drawing/2014/main" id="{B5C35511-C70A-4183-A832-7611B4BE9DDC}"/>
+              </a:ext>
+            </a:extLst>
+          </p:cNvPr>
+          <p:cNvSpPr txBox="1"/>
+          <p:nvPr/>
+        </p:nvSpPr>
+        <p:spPr>
+          <a:xfrm>
+            <a:off x="1679098" y="2128398"/>
+            <a:ext cx="2773516" cy="369332"/>
+          </a:xfrm>
+          <a:prstGeom prst="rect">
+            <a:avLst/>
+          </a:prstGeom>
+          <a:noFill/>
+        </p:spPr>
+        <p:txBody>
+          <a:bodyPr wrap="none" rtlCol="0">
+            <a:spAutoFit/>
+          </a:bodyPr>
+          <a:lstStyle/>
+          <a:p>
+            <a:r>
+              <a:rPr lang="zh-CN" altLang="en-US" dirty="0"/>
+              <a:t>带入</a:t>
+            </a:r>
+            <a:r>
+              <a:rPr lang="en-US" altLang="zh-CN" dirty="0"/>
+              <a:t>local Storage</a:t>
+            </a:r>
+            <a:r>
+              <a:rPr lang="zh-CN" altLang="en-US" dirty="0"/>
+              <a:t>的</a:t>
+            </a:r>
+            <a:r>
+              <a:rPr lang="en-US" altLang="zh-CN" dirty="0"/>
+              <a:t>Token</a:t>
+            </a:r>
+          </a:p>
+        </p:txBody>
+      </p:sp>
+      <p:sp>
+        <p:nvSpPr>
+          <p:cNvPr id="29" name="矩形 28">
+            <a:extLst>
+              <a:ext uri="{FF2B5EF4-FFF2-40B4-BE49-F238E27FC236}">
+                <a16:creationId xmlns:a16="http://schemas.microsoft.com/office/drawing/2014/main" id="{D56B1B4D-AA49-48DB-A602-9468CF8D22A7}"/>
+              </a:ext>
+            </a:extLst>
+          </p:cNvPr>
+          <p:cNvSpPr/>
+          <p:nvPr/>
+        </p:nvSpPr>
+        <p:spPr>
+          <a:xfrm>
+            <a:off x="10367555" y="2150006"/>
+            <a:ext cx="231777" cy="881949"/>
+          </a:xfrm>
+          <a:prstGeom prst="rect">
+            <a:avLst/>
+          </a:prstGeom>
+        </p:spPr>
+        <p:style>
+          <a:lnRef idx="2">
+            <a:schemeClr val="accent1">
+              <a:shade val="50000"/>
+            </a:schemeClr>
+          </a:lnRef>
+          <a:fillRef idx="1">
+            <a:schemeClr val="accent1"/>
+          </a:fillRef>
+          <a:effectRef idx="0">
+            <a:schemeClr val="accent1"/>
+          </a:effectRef>
+          <a:fontRef idx="minor">
+            <a:schemeClr val="lt1"/>
+          </a:fontRef>
+        </p:style>
+        <p:txBody>
+          <a:bodyPr rtlCol="0" anchor="ctr"/>
+          <a:lstStyle/>
+          <a:p>
+            <a:pPr algn="ctr"/>
+            <a:endParaRPr lang="zh-CN" altLang="en-US" dirty="0"/>
+          </a:p>
+        </p:txBody>
+      </p:sp>
+      <p:cxnSp>
+        <p:nvCxnSpPr>
+          <p:cNvPr id="32" name="直接箭头连接符 31">
+            <a:extLst>
+              <a:ext uri="{FF2B5EF4-FFF2-40B4-BE49-F238E27FC236}">
+                <a16:creationId xmlns:a16="http://schemas.microsoft.com/office/drawing/2014/main" id="{395F0981-BC33-4233-9297-8CB454B7EC71}"/>
+              </a:ext>
+            </a:extLst>
+          </p:cNvPr>
+          <p:cNvCxnSpPr>
+            <a:stCxn id="21" idx="1"/>
+          </p:cNvCxnSpPr>
+          <p:nvPr/>
+        </p:nvCxnSpPr>
+        <p:spPr>
+          <a:xfrm flipH="1">
+            <a:off x="1496797" y="1769673"/>
+            <a:ext cx="2938050" cy="11001"/>
+          </a:xfrm>
+          <a:prstGeom prst="straightConnector1">
+            <a:avLst/>
+          </a:prstGeom>
+          <a:ln w="9525" cap="flat" cmpd="sng" algn="ctr">
+            <a:solidFill>
+              <a:schemeClr val="accent1"/>
+            </a:solidFill>
+            <a:prstDash val="dash"/>
+            <a:round/>
+            <a:headEnd type="none" w="med" len="med"/>
+            <a:tailEnd type="arrow" w="med" len="med"/>
+          </a:ln>
+        </p:spPr>
+        <p:style>
+          <a:lnRef idx="0">
+            <a:scrgbClr r="0" g="0" b="0"/>
+          </a:lnRef>
+          <a:fillRef idx="0">
+            <a:scrgbClr r="0" g="0" b="0"/>
+          </a:fillRef>
+          <a:effectRef idx="0">
+            <a:scrgbClr r="0" g="0" b="0"/>
+          </a:effectRef>
+          <a:fontRef idx="minor">
+            <a:schemeClr val="tx1"/>
+          </a:fontRef>
+        </p:style>
+      </p:cxnSp>
+      <p:sp>
+        <p:nvSpPr>
+          <p:cNvPr id="33" name="文本框 32">
+            <a:extLst>
+              <a:ext uri="{FF2B5EF4-FFF2-40B4-BE49-F238E27FC236}">
+                <a16:creationId xmlns:a16="http://schemas.microsoft.com/office/drawing/2014/main" id="{3B637A9E-6B0D-4F61-AFF7-64E19836EF10}"/>
+              </a:ext>
+            </a:extLst>
+          </p:cNvPr>
+          <p:cNvSpPr txBox="1"/>
+          <p:nvPr/>
+        </p:nvSpPr>
+        <p:spPr>
+          <a:xfrm>
+            <a:off x="1679098" y="1452815"/>
+            <a:ext cx="2565126" cy="369332"/>
+          </a:xfrm>
+          <a:prstGeom prst="rect">
+            <a:avLst/>
+          </a:prstGeom>
+          <a:noFill/>
+        </p:spPr>
+        <p:txBody>
+          <a:bodyPr wrap="none" rtlCol="0">
+            <a:spAutoFit/>
+          </a:bodyPr>
+          <a:lstStyle/>
+          <a:p>
+            <a:r>
+              <a:rPr lang="zh-CN" altLang="en-US" dirty="0"/>
+              <a:t>如果有</a:t>
+            </a:r>
+            <a:r>
+              <a:rPr lang="en-US" altLang="zh-CN" dirty="0"/>
+              <a:t>session,</a:t>
+            </a:r>
+            <a:r>
+              <a:rPr lang="zh-CN" altLang="en-US" dirty="0"/>
+              <a:t>返回数据</a:t>
+            </a:r>
+            <a:endParaRPr lang="en-US" altLang="zh-CN" dirty="0"/>
+          </a:p>
+        </p:txBody>
+      </p:sp>
+      <p:cxnSp>
+        <p:nvCxnSpPr>
+          <p:cNvPr id="35" name="直接箭头连接符 34">
+            <a:extLst>
+              <a:ext uri="{FF2B5EF4-FFF2-40B4-BE49-F238E27FC236}">
+                <a16:creationId xmlns:a16="http://schemas.microsoft.com/office/drawing/2014/main" id="{0C7451CB-8975-40AA-9651-06168392B293}"/>
+              </a:ext>
+            </a:extLst>
+          </p:cNvPr>
+          <p:cNvCxnSpPr>
+            <a:cxnSpLocks/>
+            <a:stCxn id="29" idx="1"/>
+          </p:cNvCxnSpPr>
+          <p:nvPr/>
+        </p:nvCxnSpPr>
+        <p:spPr>
+          <a:xfrm flipH="1">
+            <a:off x="1468496" y="2590981"/>
+            <a:ext cx="8899059" cy="2083051"/>
+          </a:xfrm>
+          <a:prstGeom prst="straightConnector1">
+            <a:avLst/>
+          </a:prstGeom>
+          <a:ln w="9525" cap="flat" cmpd="sng" algn="ctr">
+            <a:solidFill>
+              <a:schemeClr val="accent1"/>
+            </a:solidFill>
+            <a:prstDash val="dash"/>
+            <a:round/>
+            <a:headEnd type="none" w="med" len="med"/>
+            <a:tailEnd type="arrow" w="med" len="med"/>
+          </a:ln>
+        </p:spPr>
+        <p:style>
+          <a:lnRef idx="0">
+            <a:scrgbClr r="0" g="0" b="0"/>
+          </a:lnRef>
+          <a:fillRef idx="0">
+            <a:scrgbClr r="0" g="0" b="0"/>
+          </a:fillRef>
+          <a:effectRef idx="0">
+            <a:scrgbClr r="0" g="0" b="0"/>
+          </a:effectRef>
+          <a:fontRef idx="minor">
+            <a:schemeClr val="tx1"/>
+          </a:fontRef>
+        </p:style>
+      </p:cxnSp>
+      <p:sp>
+        <p:nvSpPr>
+          <p:cNvPr id="36" name="文本框 35">
+            <a:extLst>
+              <a:ext uri="{FF2B5EF4-FFF2-40B4-BE49-F238E27FC236}">
+                <a16:creationId xmlns:a16="http://schemas.microsoft.com/office/drawing/2014/main" id="{BD963CFB-9FC8-4CA4-8508-3D7283BE5F23}"/>
+              </a:ext>
+            </a:extLst>
+          </p:cNvPr>
+          <p:cNvSpPr txBox="1"/>
+          <p:nvPr/>
+        </p:nvSpPr>
+        <p:spPr>
+          <a:xfrm>
+            <a:off x="6978674" y="2286914"/>
+            <a:ext cx="3313728" cy="369332"/>
+          </a:xfrm>
+          <a:prstGeom prst="rect">
+            <a:avLst/>
+          </a:prstGeom>
+          <a:noFill/>
+        </p:spPr>
+        <p:txBody>
+          <a:bodyPr wrap="none" rtlCol="0">
+            <a:spAutoFit/>
+          </a:bodyPr>
+          <a:lstStyle/>
+          <a:p>
+            <a:r>
+              <a:rPr lang="zh-CN" altLang="en-US" dirty="0"/>
+              <a:t>如果有</a:t>
+            </a:r>
+            <a:r>
+              <a:rPr lang="en-US" altLang="zh-CN" dirty="0"/>
+              <a:t>Token</a:t>
+            </a:r>
+            <a:r>
+              <a:rPr lang="zh-CN" altLang="en-US" dirty="0"/>
+              <a:t>并有效，返回</a:t>
+            </a:r>
+            <a:r>
+              <a:rPr lang="en-US" altLang="zh-CN" dirty="0"/>
+              <a:t>True</a:t>
+            </a:r>
+            <a:endParaRPr lang="zh-CN" altLang="en-US" dirty="0"/>
+          </a:p>
+        </p:txBody>
+      </p:sp>
+      <p:cxnSp>
+        <p:nvCxnSpPr>
+          <p:cNvPr id="38" name="直接箭头连接符 37">
+            <a:extLst>
+              <a:ext uri="{FF2B5EF4-FFF2-40B4-BE49-F238E27FC236}">
+                <a16:creationId xmlns:a16="http://schemas.microsoft.com/office/drawing/2014/main" id="{92A163D4-2C11-4A3C-B2C6-CFB037921CEE}"/>
+              </a:ext>
+            </a:extLst>
+          </p:cNvPr>
+          <p:cNvCxnSpPr/>
+          <p:nvPr/>
+        </p:nvCxnSpPr>
+        <p:spPr>
+          <a:xfrm flipH="1">
+            <a:off x="1468496" y="3031955"/>
+            <a:ext cx="8899059" cy="0"/>
+          </a:xfrm>
+          <a:prstGeom prst="straightConnector1">
+            <a:avLst/>
+          </a:prstGeom>
+          <a:ln>
+            <a:tailEnd type="triangle"/>
+          </a:ln>
+        </p:spPr>
+        <p:style>
+          <a:lnRef idx="1">
+            <a:schemeClr val="accent1"/>
+          </a:lnRef>
+          <a:fillRef idx="0">
+            <a:schemeClr val="accent1"/>
+          </a:fillRef>
+          <a:effectRef idx="0">
+            <a:schemeClr val="accent1"/>
+          </a:effectRef>
+          <a:fontRef idx="minor">
+            <a:schemeClr val="tx1"/>
+          </a:fontRef>
+        </p:style>
+      </p:cxnSp>
+      <p:sp>
+        <p:nvSpPr>
+          <p:cNvPr id="39" name="文本框 38">
+            <a:extLst>
+              <a:ext uri="{FF2B5EF4-FFF2-40B4-BE49-F238E27FC236}">
+                <a16:creationId xmlns:a16="http://schemas.microsoft.com/office/drawing/2014/main" id="{B27DAC20-BDB9-42A0-89A2-4449B2C34B8C}"/>
+              </a:ext>
+            </a:extLst>
+          </p:cNvPr>
+          <p:cNvSpPr txBox="1"/>
+          <p:nvPr/>
+        </p:nvSpPr>
+        <p:spPr>
+          <a:xfrm>
+            <a:off x="5539649" y="2694705"/>
+            <a:ext cx="4658648" cy="369332"/>
+          </a:xfrm>
+          <a:prstGeom prst="rect">
+            <a:avLst/>
+          </a:prstGeom>
+          <a:noFill/>
+        </p:spPr>
+        <p:txBody>
+          <a:bodyPr wrap="none" rtlCol="0">
+            <a:spAutoFit/>
+          </a:bodyPr>
+          <a:lstStyle/>
+          <a:p>
+            <a:r>
+              <a:rPr lang="zh-CN" altLang="en-US" dirty="0"/>
+              <a:t>如果没有</a:t>
+            </a:r>
+            <a:r>
+              <a:rPr lang="en-US" altLang="zh-CN" dirty="0"/>
+              <a:t>Token</a:t>
+            </a:r>
+            <a:r>
+              <a:rPr lang="zh-CN" altLang="en-US" dirty="0"/>
+              <a:t>或</a:t>
+            </a:r>
+            <a:r>
+              <a:rPr lang="en-US" altLang="zh-CN" dirty="0"/>
+              <a:t>Token</a:t>
+            </a:r>
+            <a:r>
+              <a:rPr lang="zh-CN" altLang="en-US" dirty="0"/>
+              <a:t>无效</a:t>
+            </a:r>
+            <a:r>
+              <a:rPr lang="en-US" altLang="zh-CN" dirty="0"/>
+              <a:t>,</a:t>
+            </a:r>
+            <a:r>
+              <a:rPr lang="zh-CN" altLang="en-US" dirty="0"/>
+              <a:t>返回</a:t>
+            </a:r>
+            <a:r>
+              <a:rPr lang="en-US" altLang="zh-CN" dirty="0"/>
+              <a:t>Login Form</a:t>
+            </a:r>
+            <a:endParaRPr lang="zh-CN" altLang="en-US" dirty="0"/>
+          </a:p>
+        </p:txBody>
+      </p:sp>
+      <p:cxnSp>
+        <p:nvCxnSpPr>
+          <p:cNvPr id="43" name="直接箭头连接符 42">
+            <a:extLst>
+              <a:ext uri="{FF2B5EF4-FFF2-40B4-BE49-F238E27FC236}">
+                <a16:creationId xmlns:a16="http://schemas.microsoft.com/office/drawing/2014/main" id="{11DC3972-1524-4F75-B9C5-0D0B6EE2AE75}"/>
+              </a:ext>
+            </a:extLst>
+          </p:cNvPr>
+          <p:cNvCxnSpPr/>
+          <p:nvPr/>
+        </p:nvCxnSpPr>
+        <p:spPr>
+          <a:xfrm>
+            <a:off x="1468496" y="3429000"/>
+            <a:ext cx="8899059" cy="0"/>
+          </a:xfrm>
+          <a:prstGeom prst="straightConnector1">
+            <a:avLst/>
+          </a:prstGeom>
+          <a:ln>
+            <a:tailEnd type="triangle"/>
+          </a:ln>
+        </p:spPr>
+        <p:style>
+          <a:lnRef idx="1">
+            <a:schemeClr val="accent1"/>
+          </a:lnRef>
+          <a:fillRef idx="0">
+            <a:schemeClr val="accent1"/>
+          </a:fillRef>
+          <a:effectRef idx="0">
+            <a:schemeClr val="accent1"/>
+          </a:effectRef>
+          <a:fontRef idx="minor">
+            <a:schemeClr val="tx1"/>
+          </a:fontRef>
+        </p:style>
+      </p:cxnSp>
+      <p:sp>
+        <p:nvSpPr>
+          <p:cNvPr id="44" name="文本框 43">
+            <a:extLst>
+              <a:ext uri="{FF2B5EF4-FFF2-40B4-BE49-F238E27FC236}">
+                <a16:creationId xmlns:a16="http://schemas.microsoft.com/office/drawing/2014/main" id="{20A86C6B-9A48-4346-BA6E-76AA6FDF333D}"/>
+              </a:ext>
+            </a:extLst>
+          </p:cNvPr>
+          <p:cNvSpPr txBox="1"/>
+          <p:nvPr/>
+        </p:nvSpPr>
+        <p:spPr>
+          <a:xfrm>
+            <a:off x="1507945" y="3098367"/>
+            <a:ext cx="2983509" cy="369332"/>
+          </a:xfrm>
+          <a:prstGeom prst="rect">
+            <a:avLst/>
+          </a:prstGeom>
+          <a:noFill/>
+        </p:spPr>
+        <p:txBody>
+          <a:bodyPr wrap="none" rtlCol="0">
+            <a:spAutoFit/>
+          </a:bodyPr>
+          <a:lstStyle/>
+          <a:p>
+            <a:r>
+              <a:rPr lang="en-US" altLang="zh-CN" dirty="0"/>
+              <a:t>Post </a:t>
+            </a:r>
+            <a:r>
+              <a:rPr lang="zh-CN" altLang="en-US" dirty="0"/>
+              <a:t>用户名或密码进行登录</a:t>
+            </a:r>
+          </a:p>
+        </p:txBody>
+      </p:sp>
+      <p:sp>
+        <p:nvSpPr>
+          <p:cNvPr id="45" name="矩形 44">
+            <a:extLst>
+              <a:ext uri="{FF2B5EF4-FFF2-40B4-BE49-F238E27FC236}">
+                <a16:creationId xmlns:a16="http://schemas.microsoft.com/office/drawing/2014/main" id="{98DFFDC4-821B-46F6-8BB8-A21C1976C2FF}"/>
+              </a:ext>
+            </a:extLst>
+          </p:cNvPr>
+          <p:cNvSpPr/>
+          <p:nvPr/>
+        </p:nvSpPr>
+        <p:spPr>
+          <a:xfrm>
+            <a:off x="10367555" y="3429000"/>
+            <a:ext cx="231771" cy="864685"/>
+          </a:xfrm>
+          <a:prstGeom prst="rect">
+            <a:avLst/>
+          </a:prstGeom>
+        </p:spPr>
+        <p:style>
+          <a:lnRef idx="2">
+            <a:schemeClr val="accent1">
+              <a:shade val="50000"/>
+            </a:schemeClr>
+          </a:lnRef>
+          <a:fillRef idx="1">
+            <a:schemeClr val="accent1"/>
+          </a:fillRef>
+          <a:effectRef idx="0">
+            <a:schemeClr val="accent1"/>
+          </a:effectRef>
+          <a:fontRef idx="minor">
+            <a:schemeClr val="lt1"/>
+          </a:fontRef>
+        </p:style>
+        <p:txBody>
+          <a:bodyPr rtlCol="0" anchor="ctr"/>
+          <a:lstStyle/>
+          <a:p>
+            <a:pPr algn="ctr"/>
+            <a:endParaRPr lang="zh-CN" altLang="en-US"/>
+          </a:p>
+        </p:txBody>
+      </p:sp>
+      <p:sp>
+        <p:nvSpPr>
+          <p:cNvPr id="47" name="文本框 46">
+            <a:extLst>
+              <a:ext uri="{FF2B5EF4-FFF2-40B4-BE49-F238E27FC236}">
+                <a16:creationId xmlns:a16="http://schemas.microsoft.com/office/drawing/2014/main" id="{5A1A2A0D-DDD6-431A-8109-B0A30635CAA7}"/>
+              </a:ext>
+            </a:extLst>
+          </p:cNvPr>
+          <p:cNvSpPr txBox="1"/>
+          <p:nvPr/>
+        </p:nvSpPr>
+        <p:spPr>
+          <a:xfrm>
+            <a:off x="10367554" y="3429360"/>
+            <a:ext cx="1015663" cy="1054187"/>
+          </a:xfrm>
+          <a:prstGeom prst="rect">
+            <a:avLst/>
+          </a:prstGeom>
+          <a:noFill/>
+        </p:spPr>
+        <p:txBody>
+          <a:bodyPr vert="eaVert" wrap="square" rtlCol="0">
+            <a:spAutoFit/>
+          </a:bodyPr>
+          <a:lstStyle/>
+          <a:p>
+            <a:r>
+              <a:rPr lang="zh-CN" altLang="en-US" dirty="0"/>
+              <a:t>检查用户</a:t>
+            </a:r>
+            <a:endParaRPr lang="en-US" altLang="zh-CN" dirty="0"/>
+          </a:p>
+          <a:p>
+            <a:r>
+              <a:rPr lang="zh-CN" altLang="en-US" dirty="0"/>
+              <a:t>名密码</a:t>
+            </a:r>
+          </a:p>
+          <a:p>
+            <a:endParaRPr lang="zh-CN" altLang="en-US" dirty="0"/>
+          </a:p>
+        </p:txBody>
+      </p:sp>
+      <p:sp>
+        <p:nvSpPr>
+          <p:cNvPr id="48" name="文本框 47">
+            <a:extLst>
+              <a:ext uri="{FF2B5EF4-FFF2-40B4-BE49-F238E27FC236}">
+                <a16:creationId xmlns:a16="http://schemas.microsoft.com/office/drawing/2014/main" id="{D76A6FF5-34D8-4412-8EE7-F06FA5E5F695}"/>
+              </a:ext>
+            </a:extLst>
+          </p:cNvPr>
+          <p:cNvSpPr txBox="1"/>
+          <p:nvPr/>
+        </p:nvSpPr>
+        <p:spPr>
+          <a:xfrm>
+            <a:off x="10604561" y="2010212"/>
+            <a:ext cx="461665" cy="1161536"/>
+          </a:xfrm>
+          <a:prstGeom prst="rect">
+            <a:avLst/>
+          </a:prstGeom>
+          <a:noFill/>
+        </p:spPr>
+        <p:txBody>
+          <a:bodyPr vert="eaVert" wrap="none" rtlCol="0">
+            <a:spAutoFit/>
+          </a:bodyPr>
+          <a:lstStyle/>
+          <a:p>
+            <a:r>
+              <a:rPr lang="zh-CN" altLang="en-US" dirty="0"/>
+              <a:t>检查</a:t>
+            </a:r>
+            <a:r>
+              <a:rPr lang="en-US" altLang="zh-CN" dirty="0"/>
+              <a:t>Token</a:t>
+            </a:r>
+            <a:endParaRPr lang="zh-CN" altLang="en-US" dirty="0"/>
+          </a:p>
+        </p:txBody>
+      </p:sp>
+      <p:cxnSp>
+        <p:nvCxnSpPr>
+          <p:cNvPr id="50" name="直接箭头连接符 49">
+            <a:extLst>
+              <a:ext uri="{FF2B5EF4-FFF2-40B4-BE49-F238E27FC236}">
+                <a16:creationId xmlns:a16="http://schemas.microsoft.com/office/drawing/2014/main" id="{B21AF4E4-7507-4F5F-85C0-15A33A7147C2}"/>
+              </a:ext>
+            </a:extLst>
+          </p:cNvPr>
+          <p:cNvCxnSpPr/>
+          <p:nvPr/>
+        </p:nvCxnSpPr>
+        <p:spPr>
+          <a:xfrm flipH="1">
+            <a:off x="1496799" y="4293685"/>
+            <a:ext cx="8870755" cy="0"/>
+          </a:xfrm>
+          <a:prstGeom prst="straightConnector1">
+            <a:avLst/>
+          </a:prstGeom>
+          <a:ln>
+            <a:tailEnd type="triangle"/>
+          </a:ln>
+        </p:spPr>
+        <p:style>
+          <a:lnRef idx="1">
+            <a:schemeClr val="accent1"/>
+          </a:lnRef>
+          <a:fillRef idx="0">
+            <a:schemeClr val="accent1"/>
+          </a:fillRef>
+          <a:effectRef idx="0">
+            <a:schemeClr val="accent1"/>
+          </a:effectRef>
+          <a:fontRef idx="minor">
+            <a:schemeClr val="tx1"/>
+          </a:fontRef>
+        </p:style>
+      </p:cxnSp>
+      <p:sp>
+        <p:nvSpPr>
+          <p:cNvPr id="51" name="文本框 50">
+            <a:extLst>
+              <a:ext uri="{FF2B5EF4-FFF2-40B4-BE49-F238E27FC236}">
+                <a16:creationId xmlns:a16="http://schemas.microsoft.com/office/drawing/2014/main" id="{D9FDFA58-02F0-47A9-8E27-3A6A10C8C7BD}"/>
+              </a:ext>
+            </a:extLst>
+          </p:cNvPr>
+          <p:cNvSpPr txBox="1"/>
+          <p:nvPr/>
+        </p:nvSpPr>
+        <p:spPr>
+          <a:xfrm>
+            <a:off x="6704311" y="3910706"/>
+            <a:ext cx="3579826" cy="369332"/>
+          </a:xfrm>
+          <a:prstGeom prst="rect">
+            <a:avLst/>
+          </a:prstGeom>
+          <a:noFill/>
+        </p:spPr>
+        <p:txBody>
+          <a:bodyPr wrap="none" rtlCol="0">
+            <a:spAutoFit/>
+          </a:bodyPr>
+          <a:lstStyle/>
+          <a:p>
+            <a:r>
+              <a:rPr lang="zh-CN" altLang="en-US" dirty="0"/>
+              <a:t>登陆成功</a:t>
+            </a:r>
+            <a:r>
+              <a:rPr lang="en-US" altLang="zh-CN" dirty="0"/>
+              <a:t>,</a:t>
+            </a:r>
+            <a:r>
+              <a:rPr lang="zh-CN" altLang="en-US" dirty="0"/>
+              <a:t>返回</a:t>
+            </a:r>
+            <a:r>
+              <a:rPr lang="en-US" altLang="zh-CN" dirty="0"/>
+              <a:t>Token,</a:t>
+            </a:r>
+            <a:r>
+              <a:rPr lang="zh-CN" altLang="en-US" dirty="0"/>
+              <a:t>并保存</a:t>
+            </a:r>
+            <a:r>
+              <a:rPr lang="en-US" altLang="zh-CN" dirty="0"/>
+              <a:t>Token</a:t>
+            </a:r>
+            <a:endParaRPr lang="zh-CN" altLang="en-US" dirty="0"/>
+          </a:p>
+        </p:txBody>
+      </p:sp>
+      <p:cxnSp>
+        <p:nvCxnSpPr>
+          <p:cNvPr id="55" name="直接箭头连接符 54">
+            <a:extLst>
+              <a:ext uri="{FF2B5EF4-FFF2-40B4-BE49-F238E27FC236}">
+                <a16:creationId xmlns:a16="http://schemas.microsoft.com/office/drawing/2014/main" id="{DEE1DB3A-F813-4DF5-973A-2A7B65133A50}"/>
+              </a:ext>
+            </a:extLst>
+          </p:cNvPr>
+          <p:cNvCxnSpPr/>
+          <p:nvPr/>
+        </p:nvCxnSpPr>
+        <p:spPr>
+          <a:xfrm>
+            <a:off x="1496799" y="4716379"/>
+            <a:ext cx="2938050" cy="0"/>
+          </a:xfrm>
+          <a:prstGeom prst="straightConnector1">
+            <a:avLst/>
+          </a:prstGeom>
+          <a:ln>
+            <a:tailEnd type="triangle"/>
+          </a:ln>
+        </p:spPr>
+        <p:style>
+          <a:lnRef idx="1">
+            <a:schemeClr val="accent1"/>
+          </a:lnRef>
+          <a:fillRef idx="0">
+            <a:schemeClr val="accent1"/>
+          </a:fillRef>
+          <a:effectRef idx="0">
+            <a:schemeClr val="accent1"/>
+          </a:effectRef>
+          <a:fontRef idx="minor">
+            <a:schemeClr val="tx1"/>
+          </a:fontRef>
+        </p:style>
+      </p:cxnSp>
+      <p:sp>
+        <p:nvSpPr>
+          <p:cNvPr id="56" name="文本框 55">
+            <a:extLst>
+              <a:ext uri="{FF2B5EF4-FFF2-40B4-BE49-F238E27FC236}">
+                <a16:creationId xmlns:a16="http://schemas.microsoft.com/office/drawing/2014/main" id="{200BC9E5-AECA-4BD4-B1D9-6EF6D9AB331B}"/>
+              </a:ext>
+            </a:extLst>
+          </p:cNvPr>
+          <p:cNvSpPr txBox="1"/>
+          <p:nvPr/>
+        </p:nvSpPr>
+        <p:spPr>
+          <a:xfrm>
+            <a:off x="1678128" y="4349577"/>
+            <a:ext cx="2375971" cy="369332"/>
+          </a:xfrm>
+          <a:prstGeom prst="rect">
+            <a:avLst/>
+          </a:prstGeom>
+          <a:noFill/>
+        </p:spPr>
+        <p:txBody>
+          <a:bodyPr wrap="none" rtlCol="0">
+            <a:spAutoFit/>
+          </a:bodyPr>
+          <a:lstStyle/>
+          <a:p>
+            <a:r>
+              <a:rPr lang="zh-CN" altLang="en-US" dirty="0"/>
+              <a:t>保存</a:t>
+            </a:r>
+            <a:r>
+              <a:rPr lang="en-US" altLang="zh-CN" dirty="0"/>
+              <a:t>Token,</a:t>
+            </a:r>
+            <a:r>
+              <a:rPr lang="zh-CN" altLang="en-US" dirty="0"/>
+              <a:t>跳转系统</a:t>
+            </a:r>
+            <a:r>
+              <a:rPr lang="en-US" altLang="zh-CN" dirty="0"/>
+              <a:t>A</a:t>
+            </a:r>
+            <a:endParaRPr lang="zh-CN" altLang="en-US" dirty="0"/>
+          </a:p>
+        </p:txBody>
+      </p:sp>
+      <p:sp>
+        <p:nvSpPr>
+          <p:cNvPr id="60" name="矩形 59">
+            <a:extLst>
+              <a:ext uri="{FF2B5EF4-FFF2-40B4-BE49-F238E27FC236}">
+                <a16:creationId xmlns:a16="http://schemas.microsoft.com/office/drawing/2014/main" id="{5251B324-6EBB-4377-B026-736FC6106907}"/>
+              </a:ext>
+            </a:extLst>
+          </p:cNvPr>
+          <p:cNvSpPr/>
+          <p:nvPr/>
+        </p:nvSpPr>
+        <p:spPr>
+          <a:xfrm>
+            <a:off x="4421995" y="4750884"/>
+            <a:ext cx="238701" cy="631235"/>
+          </a:xfrm>
+          <a:prstGeom prst="rect">
+            <a:avLst/>
+          </a:prstGeom>
+        </p:spPr>
+        <p:style>
+          <a:lnRef idx="2">
+            <a:schemeClr val="accent1">
+              <a:shade val="50000"/>
+            </a:schemeClr>
+          </a:lnRef>
+          <a:fillRef idx="1">
+            <a:schemeClr val="accent1"/>
+          </a:fillRef>
+          <a:effectRef idx="0">
+            <a:schemeClr val="accent1"/>
+          </a:effectRef>
+          <a:fontRef idx="minor">
+            <a:schemeClr val="lt1"/>
+          </a:fontRef>
+        </p:style>
+        <p:txBody>
+          <a:bodyPr rtlCol="0" anchor="ctr"/>
+          <a:lstStyle/>
+          <a:p>
+            <a:pPr algn="ctr"/>
+            <a:endParaRPr lang="zh-CN" altLang="en-US"/>
+          </a:p>
+        </p:txBody>
+      </p:sp>
+      <p:sp>
+        <p:nvSpPr>
+          <p:cNvPr id="61" name="文本框 60">
+            <a:extLst>
+              <a:ext uri="{FF2B5EF4-FFF2-40B4-BE49-F238E27FC236}">
+                <a16:creationId xmlns:a16="http://schemas.microsoft.com/office/drawing/2014/main" id="{9551D9B2-0F7F-4724-AE3D-3CB9C628C788}"/>
+              </a:ext>
+            </a:extLst>
+          </p:cNvPr>
+          <p:cNvSpPr txBox="1"/>
+          <p:nvPr/>
+        </p:nvSpPr>
+        <p:spPr>
+          <a:xfrm>
+            <a:off x="4599834" y="4753305"/>
+            <a:ext cx="2890535" cy="369332"/>
+          </a:xfrm>
+          <a:prstGeom prst="rect">
+            <a:avLst/>
+          </a:prstGeom>
+          <a:noFill/>
+        </p:spPr>
+        <p:txBody>
+          <a:bodyPr wrap="none" rtlCol="0">
+            <a:spAutoFit/>
+          </a:bodyPr>
+          <a:lstStyle/>
+          <a:p>
+            <a:r>
+              <a:rPr lang="zh-CN" altLang="en-US" dirty="0"/>
+              <a:t>检查是否有</a:t>
+            </a:r>
+            <a:r>
+              <a:rPr lang="en-US" altLang="zh-CN" dirty="0"/>
+              <a:t>session</a:t>
+            </a:r>
+            <a:r>
+              <a:rPr lang="zh-CN" altLang="en-US" dirty="0"/>
+              <a:t>或</a:t>
+            </a:r>
+            <a:r>
+              <a:rPr lang="en-US" altLang="zh-CN" dirty="0"/>
+              <a:t>Token</a:t>
+            </a:r>
+          </a:p>
+        </p:txBody>
+      </p:sp>
+      <p:sp>
+        <p:nvSpPr>
+          <p:cNvPr id="63" name="弧形 62">
+            <a:extLst>
+              <a:ext uri="{FF2B5EF4-FFF2-40B4-BE49-F238E27FC236}">
+                <a16:creationId xmlns:a16="http://schemas.microsoft.com/office/drawing/2014/main" id="{6F952B92-C6DB-4C0A-A994-7E0F1EF3BABD}"/>
+              </a:ext>
+            </a:extLst>
+          </p:cNvPr>
+          <p:cNvSpPr/>
+          <p:nvPr/>
+        </p:nvSpPr>
+        <p:spPr>
+          <a:xfrm>
+            <a:off x="3480090" y="1952165"/>
+            <a:ext cx="2342479" cy="3453020"/>
+          </a:xfrm>
+          <a:prstGeom prst="arc">
+            <a:avLst/>
+          </a:prstGeom>
+        </p:spPr>
+        <p:style>
+          <a:lnRef idx="1">
+            <a:schemeClr val="accent1"/>
+          </a:lnRef>
+          <a:fillRef idx="0">
+            <a:schemeClr val="accent1"/>
+          </a:fillRef>
+          <a:effectRef idx="0">
+            <a:schemeClr val="accent1"/>
+          </a:effectRef>
+          <a:fontRef idx="minor">
+            <a:schemeClr val="tx1"/>
+          </a:fontRef>
+        </p:style>
+        <p:txBody>
+          <a:bodyPr rtlCol="0" anchor="ctr"/>
+          <a:lstStyle/>
+          <a:p>
+            <a:pPr algn="ctr"/>
+            <a:endParaRPr lang="zh-CN" altLang="en-US"/>
+          </a:p>
+        </p:txBody>
+      </p:sp>
+      <p:sp>
+        <p:nvSpPr>
+          <p:cNvPr id="67" name="弧形 66">
+            <a:extLst>
+              <a:ext uri="{FF2B5EF4-FFF2-40B4-BE49-F238E27FC236}">
+                <a16:creationId xmlns:a16="http://schemas.microsoft.com/office/drawing/2014/main" id="{A53F9B07-895A-4A97-A929-D32A08DA2921}"/>
+              </a:ext>
+            </a:extLst>
+          </p:cNvPr>
+          <p:cNvSpPr/>
+          <p:nvPr/>
+        </p:nvSpPr>
+        <p:spPr>
+          <a:xfrm rot="4848165">
+            <a:off x="2708418" y="2289333"/>
+            <a:ext cx="3441797" cy="2806861"/>
+          </a:xfrm>
+          <a:prstGeom prst="arc">
+            <a:avLst/>
+          </a:prstGeom>
+        </p:spPr>
+        <p:style>
+          <a:lnRef idx="1">
+            <a:schemeClr val="accent1"/>
+          </a:lnRef>
+          <a:fillRef idx="0">
+            <a:schemeClr val="accent1"/>
+          </a:fillRef>
+          <a:effectRef idx="0">
+            <a:schemeClr val="accent1"/>
+          </a:effectRef>
+          <a:fontRef idx="minor">
+            <a:schemeClr val="tx1"/>
+          </a:fontRef>
+        </p:style>
+        <p:txBody>
+          <a:bodyPr rtlCol="0" anchor="ctr"/>
+          <a:lstStyle/>
+          <a:p>
+            <a:pPr algn="ctr"/>
+            <a:endParaRPr lang="zh-CN" altLang="en-US" dirty="0"/>
+          </a:p>
+        </p:txBody>
+      </p:sp>
+      <p:sp>
+        <p:nvSpPr>
+          <p:cNvPr id="68" name="文本框 67">
+            <a:extLst>
+              <a:ext uri="{FF2B5EF4-FFF2-40B4-BE49-F238E27FC236}">
+                <a16:creationId xmlns:a16="http://schemas.microsoft.com/office/drawing/2014/main" id="{7863003C-0364-408F-A3D2-65C97378BF62}"/>
+              </a:ext>
+            </a:extLst>
+          </p:cNvPr>
+          <p:cNvSpPr txBox="1"/>
+          <p:nvPr/>
+        </p:nvSpPr>
+        <p:spPr>
+          <a:xfrm>
+            <a:off x="5760739" y="1113833"/>
+            <a:ext cx="6135013" cy="369332"/>
+          </a:xfrm>
+          <a:prstGeom prst="rect">
+            <a:avLst/>
+          </a:prstGeom>
+          <a:noFill/>
+        </p:spPr>
+        <p:txBody>
+          <a:bodyPr wrap="none" rtlCol="0">
+            <a:spAutoFit/>
+          </a:bodyPr>
+          <a:lstStyle/>
+          <a:p>
+            <a:r>
+              <a:rPr lang="zh-CN" altLang="en-US" dirty="0"/>
+              <a:t>没有</a:t>
+            </a:r>
+            <a:r>
+              <a:rPr lang="en-US" altLang="zh-CN" dirty="0"/>
+              <a:t>Session</a:t>
+            </a:r>
+            <a:r>
+              <a:rPr lang="zh-CN" altLang="en-US" dirty="0"/>
+              <a:t>或者</a:t>
+            </a:r>
+            <a:r>
+              <a:rPr lang="en-US" altLang="zh-CN" dirty="0"/>
+              <a:t>session</a:t>
+            </a:r>
+            <a:r>
+              <a:rPr lang="zh-CN" altLang="en-US" dirty="0"/>
+              <a:t>无效</a:t>
+            </a:r>
+            <a:r>
+              <a:rPr lang="en-US" altLang="zh-CN" dirty="0"/>
+              <a:t>,</a:t>
+            </a:r>
+            <a:r>
+              <a:rPr lang="zh-CN" altLang="en-US" dirty="0"/>
+              <a:t>仅有</a:t>
+            </a:r>
+            <a:r>
+              <a:rPr lang="en-US" altLang="zh-CN" dirty="0"/>
+              <a:t>Token,</a:t>
+            </a:r>
+            <a:r>
+              <a:rPr lang="zh-CN" altLang="en-US" dirty="0"/>
+              <a:t>跳转</a:t>
+            </a:r>
+            <a:r>
+              <a:rPr lang="en-US" altLang="zh-CN" dirty="0"/>
+              <a:t>SSO</a:t>
+            </a:r>
+            <a:r>
+              <a:rPr lang="zh-CN" altLang="en-US" dirty="0"/>
+              <a:t>验证</a:t>
+            </a:r>
+            <a:r>
+              <a:rPr lang="en-US" altLang="zh-CN" dirty="0"/>
+              <a:t>Token</a:t>
+            </a:r>
+            <a:endParaRPr lang="zh-CN" altLang="en-US" dirty="0"/>
+          </a:p>
+        </p:txBody>
+      </p:sp>
+      <p:cxnSp>
+        <p:nvCxnSpPr>
+          <p:cNvPr id="70" name="直接箭头连接符 69">
+            <a:extLst>
+              <a:ext uri="{FF2B5EF4-FFF2-40B4-BE49-F238E27FC236}">
+                <a16:creationId xmlns:a16="http://schemas.microsoft.com/office/drawing/2014/main" id="{D742143D-CEFC-4F1E-9804-15544867A3CF}"/>
+              </a:ext>
+            </a:extLst>
+          </p:cNvPr>
+          <p:cNvCxnSpPr/>
+          <p:nvPr/>
+        </p:nvCxnSpPr>
+        <p:spPr>
+          <a:xfrm flipH="1">
+            <a:off x="5539649" y="1552347"/>
+            <a:ext cx="2329324" cy="1011969"/>
+          </a:xfrm>
+          <a:prstGeom prst="straightConnector1">
+            <a:avLst/>
+          </a:prstGeom>
+          <a:ln w="9525" cap="flat" cmpd="sng" algn="ctr">
+            <a:solidFill>
+              <a:srgbClr val="FF0000"/>
+            </a:solidFill>
+            <a:prstDash val="solid"/>
+            <a:round/>
+            <a:headEnd type="none" w="med" len="med"/>
+            <a:tailEnd type="arrow" w="med" len="med"/>
+          </a:ln>
+        </p:spPr>
+        <p:style>
+          <a:lnRef idx="0">
+            <a:scrgbClr r="0" g="0" b="0"/>
+          </a:lnRef>
+          <a:fillRef idx="0">
+            <a:scrgbClr r="0" g="0" b="0"/>
+          </a:fillRef>
+          <a:effectRef idx="0">
+            <a:scrgbClr r="0" g="0" b="0"/>
+          </a:effectRef>
+          <a:fontRef idx="minor">
+            <a:schemeClr val="tx1"/>
+          </a:fontRef>
+        </p:style>
+      </p:cxnSp>
+      <p:cxnSp>
+        <p:nvCxnSpPr>
+          <p:cNvPr id="72" name="直接箭头连接符 71">
+            <a:extLst>
+              <a:ext uri="{FF2B5EF4-FFF2-40B4-BE49-F238E27FC236}">
+                <a16:creationId xmlns:a16="http://schemas.microsoft.com/office/drawing/2014/main" id="{4D5880FC-033E-42FC-98E8-8FF6B7C20908}"/>
+              </a:ext>
+            </a:extLst>
+          </p:cNvPr>
+          <p:cNvCxnSpPr>
+            <a:stCxn id="67" idx="2"/>
+          </p:cNvCxnSpPr>
+          <p:nvPr/>
+        </p:nvCxnSpPr>
+        <p:spPr>
+          <a:xfrm flipV="1">
+            <a:off x="4704374" y="5382119"/>
+            <a:ext cx="5663180" cy="9419"/>
+          </a:xfrm>
+          <a:prstGeom prst="straightConnector1">
+            <a:avLst/>
+          </a:prstGeom>
+          <a:ln>
+            <a:tailEnd type="triangle"/>
+          </a:ln>
+        </p:spPr>
+        <p:style>
+          <a:lnRef idx="1">
+            <a:schemeClr val="accent1"/>
+          </a:lnRef>
+          <a:fillRef idx="0">
+            <a:schemeClr val="accent1"/>
+          </a:fillRef>
+          <a:effectRef idx="0">
+            <a:schemeClr val="accent1"/>
+          </a:effectRef>
+          <a:fontRef idx="minor">
+            <a:schemeClr val="tx1"/>
+          </a:fontRef>
+        </p:style>
+      </p:cxnSp>
+      <p:sp>
+        <p:nvSpPr>
+          <p:cNvPr id="73" name="文本框 72">
+            <a:extLst>
+              <a:ext uri="{FF2B5EF4-FFF2-40B4-BE49-F238E27FC236}">
+                <a16:creationId xmlns:a16="http://schemas.microsoft.com/office/drawing/2014/main" id="{C3F2EB86-DF7C-4C7B-9173-408D77DE49D2}"/>
+              </a:ext>
+            </a:extLst>
+          </p:cNvPr>
+          <p:cNvSpPr txBox="1"/>
+          <p:nvPr/>
+        </p:nvSpPr>
+        <p:spPr>
+          <a:xfrm>
+            <a:off x="4762497" y="5376551"/>
+            <a:ext cx="3478837" cy="369332"/>
+          </a:xfrm>
+          <a:prstGeom prst="rect">
+            <a:avLst/>
+          </a:prstGeom>
+          <a:noFill/>
+        </p:spPr>
+        <p:txBody>
+          <a:bodyPr wrap="none" rtlCol="0">
+            <a:spAutoFit/>
+          </a:bodyPr>
+          <a:lstStyle/>
+          <a:p>
+            <a:r>
+              <a:rPr lang="zh-CN" altLang="en-US" dirty="0"/>
+              <a:t>发送</a:t>
+            </a:r>
+            <a:r>
+              <a:rPr lang="en-US" altLang="zh-CN" dirty="0"/>
+              <a:t>Token</a:t>
+            </a:r>
+            <a:r>
+              <a:rPr lang="zh-CN" altLang="en-US" dirty="0"/>
+              <a:t>给</a:t>
+            </a:r>
+            <a:r>
+              <a:rPr lang="en-US" altLang="zh-CN" dirty="0"/>
+              <a:t>SSO,</a:t>
+            </a:r>
+            <a:r>
+              <a:rPr lang="zh-CN" altLang="en-US" dirty="0"/>
+              <a:t>验证客户</a:t>
+            </a:r>
+            <a:r>
+              <a:rPr lang="en-US" altLang="zh-CN" dirty="0"/>
+              <a:t>Token</a:t>
+            </a:r>
+            <a:endParaRPr lang="zh-CN" altLang="en-US" dirty="0"/>
+          </a:p>
+        </p:txBody>
+      </p:sp>
+      <p:sp>
+        <p:nvSpPr>
+          <p:cNvPr id="74" name="矩形 73">
+            <a:extLst>
+              <a:ext uri="{FF2B5EF4-FFF2-40B4-BE49-F238E27FC236}">
+                <a16:creationId xmlns:a16="http://schemas.microsoft.com/office/drawing/2014/main" id="{3EEDBEB3-C185-426B-ADFA-66DF589DB64A}"/>
+              </a:ext>
+            </a:extLst>
+          </p:cNvPr>
+          <p:cNvSpPr/>
+          <p:nvPr/>
+        </p:nvSpPr>
+        <p:spPr>
+          <a:xfrm>
+            <a:off x="10367554" y="5376551"/>
+            <a:ext cx="225848" cy="863329"/>
+          </a:xfrm>
+          <a:prstGeom prst="rect">
+            <a:avLst/>
+          </a:prstGeom>
+        </p:spPr>
+        <p:style>
+          <a:lnRef idx="2">
+            <a:schemeClr val="accent1">
+              <a:shade val="50000"/>
+            </a:schemeClr>
+          </a:lnRef>
+          <a:fillRef idx="1">
+            <a:schemeClr val="accent1"/>
+          </a:fillRef>
+          <a:effectRef idx="0">
+            <a:schemeClr val="accent1"/>
+          </a:effectRef>
+          <a:fontRef idx="minor">
+            <a:schemeClr val="lt1"/>
+          </a:fontRef>
+        </p:style>
+        <p:txBody>
+          <a:bodyPr rtlCol="0" anchor="ctr"/>
+          <a:lstStyle/>
+          <a:p>
+            <a:pPr algn="ctr"/>
+            <a:endParaRPr lang="zh-CN" altLang="en-US"/>
+          </a:p>
+        </p:txBody>
+      </p:sp>
+      <p:sp>
+        <p:nvSpPr>
+          <p:cNvPr id="76" name="文本框 75">
+            <a:extLst>
+              <a:ext uri="{FF2B5EF4-FFF2-40B4-BE49-F238E27FC236}">
+                <a16:creationId xmlns:a16="http://schemas.microsoft.com/office/drawing/2014/main" id="{DD954D72-7FAC-4D63-A2FC-A8FE229DD0F9}"/>
+              </a:ext>
+            </a:extLst>
+          </p:cNvPr>
+          <p:cNvSpPr txBox="1"/>
+          <p:nvPr/>
+        </p:nvSpPr>
+        <p:spPr>
+          <a:xfrm>
+            <a:off x="10703210" y="5227447"/>
+            <a:ext cx="461665" cy="1161536"/>
+          </a:xfrm>
+          <a:prstGeom prst="rect">
+            <a:avLst/>
+          </a:prstGeom>
+          <a:noFill/>
+        </p:spPr>
+        <p:txBody>
+          <a:bodyPr vert="eaVert" wrap="none" rtlCol="0">
+            <a:spAutoFit/>
+          </a:bodyPr>
+          <a:lstStyle/>
+          <a:p>
+            <a:r>
+              <a:rPr lang="zh-CN" altLang="en-US" dirty="0"/>
+              <a:t>检查</a:t>
+            </a:r>
+            <a:r>
+              <a:rPr lang="en-US" altLang="zh-CN" dirty="0"/>
+              <a:t>Token</a:t>
+            </a:r>
+          </a:p>
+        </p:txBody>
+      </p:sp>
+      <p:sp>
+        <p:nvSpPr>
+          <p:cNvPr id="77" name="矩形 76">
+            <a:extLst>
+              <a:ext uri="{FF2B5EF4-FFF2-40B4-BE49-F238E27FC236}">
+                <a16:creationId xmlns:a16="http://schemas.microsoft.com/office/drawing/2014/main" id="{91CBDDF8-155F-4578-BD26-8BE7B0C0E218}"/>
+              </a:ext>
+            </a:extLst>
+          </p:cNvPr>
+          <p:cNvSpPr/>
+          <p:nvPr/>
+        </p:nvSpPr>
+        <p:spPr>
+          <a:xfrm>
+            <a:off x="112295" y="6239880"/>
+            <a:ext cx="3941803" cy="495643"/>
+          </a:xfrm>
+          <a:prstGeom prst="rect">
+            <a:avLst/>
+          </a:prstGeom>
+        </p:spPr>
+        <p:style>
+          <a:lnRef idx="0">
+            <a:schemeClr val="accent2"/>
+          </a:lnRef>
+          <a:fillRef idx="3">
+            <a:schemeClr val="accent2"/>
+          </a:fillRef>
+          <a:effectRef idx="3">
+            <a:schemeClr val="accent2"/>
+          </a:effectRef>
+          <a:fontRef idx="minor">
+            <a:schemeClr val="lt1"/>
+          </a:fontRef>
+        </p:style>
+        <p:txBody>
+          <a:bodyPr rtlCol="0" anchor="ctr"/>
+          <a:lstStyle/>
+          <a:p>
+            <a:pPr algn="ctr"/>
+            <a:r>
+              <a:rPr lang="zh-CN" altLang="en-US" dirty="0"/>
+              <a:t>单点登录系统流程</a:t>
+            </a:r>
+          </a:p>
+        </p:txBody>
+      </p:sp>
     </p:spTree>
     <p:extLst>
       <p:ext uri="{BB962C8B-B14F-4D97-AF65-F5344CB8AC3E}">
         <p14:creationId xmlns:p14="http://schemas.microsoft.com/office/powerpoint/2010/main" val="2228465948"/>
+      </p:ext>
+    </p:extLst>
+  </p:cSld>
+  <p:clrMapOvr>
+    <a:masterClrMapping/>
+  </p:clrMapOvr>
+</p:sld>
+</file>
+
+<file path=ppt/slides/slide13.xml><?xml version="1.0" encoding="utf-8"?>
+<p:sld xmlns:a="http://schemas.openxmlformats.org/drawingml/2006/main" xmlns:r="http://schemas.openxmlformats.org/officeDocument/2006/relationships" xmlns:p="http://schemas.openxmlformats.org/presentationml/2006/main">
+  <p:cSld>
+    <p:spTree>
+      <p:nvGrpSpPr>
+        <p:cNvPr id="1" name=""/>
+        <p:cNvGrpSpPr/>
+        <p:nvPr/>
+      </p:nvGrpSpPr>
+      <p:grpSpPr>
+        <a:xfrm>
+          <a:off x="0" y="0"/>
+          <a:ext cx="0" cy="0"/>
+          <a:chOff x="0" y="0"/>
+          <a:chExt cx="0" cy="0"/>
+        </a:xfrm>
+      </p:grpSpPr>
+      <p:sp>
+        <p:nvSpPr>
+          <p:cNvPr id="2" name="标题 1">
+            <a:extLst>
+              <a:ext uri="{FF2B5EF4-FFF2-40B4-BE49-F238E27FC236}">
+                <a16:creationId xmlns:a16="http://schemas.microsoft.com/office/drawing/2014/main" id="{BDED77FD-1985-429D-8AE8-667B72AF4962}"/>
+              </a:ext>
+            </a:extLst>
+          </p:cNvPr>
+          <p:cNvSpPr>
+            <a:spLocks noGrp="1"/>
+          </p:cNvSpPr>
+          <p:nvPr>
+            <p:ph type="title"/>
+          </p:nvPr>
+        </p:nvSpPr>
+        <p:spPr>
+          <a:xfrm>
+            <a:off x="0" y="20470"/>
+            <a:ext cx="10515600" cy="767808"/>
+          </a:xfrm>
+        </p:spPr>
+        <p:txBody>
+          <a:bodyPr/>
+          <a:lstStyle/>
+          <a:p>
+            <a:r>
+              <a:rPr lang="zh-CN" altLang="en-US" dirty="0"/>
+              <a:t>分系统职责</a:t>
+            </a:r>
+          </a:p>
+        </p:txBody>
+      </p:sp>
+      <p:sp>
+        <p:nvSpPr>
+          <p:cNvPr id="3" name="内容占位符 2">
+            <a:extLst>
+              <a:ext uri="{FF2B5EF4-FFF2-40B4-BE49-F238E27FC236}">
+                <a16:creationId xmlns:a16="http://schemas.microsoft.com/office/drawing/2014/main" id="{687264C3-2609-4DDF-8C76-4E4DFB7F392F}"/>
+              </a:ext>
+            </a:extLst>
+          </p:cNvPr>
+          <p:cNvSpPr>
+            <a:spLocks noGrp="1"/>
+          </p:cNvSpPr>
+          <p:nvPr>
+            <p:ph idx="1"/>
+          </p:nvPr>
+        </p:nvSpPr>
+        <p:spPr>
+          <a:xfrm>
+            <a:off x="0" y="788279"/>
+            <a:ext cx="12192000" cy="6051466"/>
+          </a:xfrm>
+        </p:spPr>
+        <p:txBody>
+          <a:bodyPr/>
+          <a:lstStyle/>
+          <a:p>
+            <a:pPr marL="514350" indent="-514350">
+              <a:buAutoNum type="arabicPeriod"/>
+            </a:pPr>
+            <a:r>
+              <a:rPr lang="zh-CN" altLang="en-US" dirty="0"/>
+              <a:t>检查客户端返回的是否有</a:t>
+            </a:r>
+            <a:r>
+              <a:rPr lang="en-US" altLang="zh-CN" dirty="0"/>
+              <a:t>session ID, </a:t>
+            </a:r>
+            <a:r>
+              <a:rPr lang="zh-CN" altLang="en-US" dirty="0"/>
+              <a:t>如果存在</a:t>
+            </a:r>
+            <a:r>
+              <a:rPr lang="en-US" altLang="zh-CN" dirty="0"/>
+              <a:t>session ID,</a:t>
+            </a:r>
+            <a:r>
+              <a:rPr lang="zh-CN" altLang="en-US" dirty="0"/>
+              <a:t>返回数据</a:t>
+            </a:r>
+            <a:endParaRPr lang="en-US" altLang="zh-CN" dirty="0"/>
+          </a:p>
+          <a:p>
+            <a:pPr marL="514350" indent="-514350">
+              <a:buAutoNum type="arabicPeriod"/>
+            </a:pPr>
+            <a:r>
+              <a:rPr lang="zh-CN" altLang="en-US" dirty="0"/>
+              <a:t>如果不存在</a:t>
+            </a:r>
+            <a:r>
+              <a:rPr lang="en-US" altLang="zh-CN" dirty="0"/>
+              <a:t>Session ID ,</a:t>
+            </a:r>
+            <a:r>
+              <a:rPr lang="zh-CN" altLang="en-US" dirty="0"/>
+              <a:t>检查是否存在</a:t>
+            </a:r>
+            <a:r>
+              <a:rPr lang="en-US" altLang="zh-CN" dirty="0"/>
+              <a:t>Token,</a:t>
+            </a:r>
+          </a:p>
+          <a:p>
+            <a:pPr marL="514350" indent="-514350">
+              <a:buAutoNum type="arabicPeriod"/>
+            </a:pPr>
+            <a:r>
+              <a:rPr lang="zh-CN" altLang="en-US" dirty="0"/>
+              <a:t>如果存在客户端发送的</a:t>
+            </a:r>
+            <a:r>
+              <a:rPr lang="en-US" altLang="zh-CN" dirty="0"/>
+              <a:t>Token,</a:t>
+            </a:r>
+            <a:r>
+              <a:rPr lang="zh-CN" altLang="en-US" dirty="0"/>
+              <a:t>那么发送给</a:t>
+            </a:r>
+            <a:r>
+              <a:rPr lang="en-US" altLang="zh-CN" dirty="0"/>
+              <a:t>SSO,</a:t>
+            </a:r>
+            <a:r>
+              <a:rPr lang="zh-CN" altLang="en-US" dirty="0"/>
+              <a:t>检查</a:t>
+            </a:r>
+            <a:r>
+              <a:rPr lang="en-US" altLang="zh-CN" dirty="0"/>
+              <a:t>Token</a:t>
+            </a:r>
+            <a:r>
+              <a:rPr lang="zh-CN" altLang="en-US" dirty="0"/>
+              <a:t>是否正确</a:t>
+            </a:r>
+            <a:endParaRPr lang="en-US" altLang="zh-CN" dirty="0"/>
+          </a:p>
+          <a:p>
+            <a:pPr marL="514350" indent="-514350">
+              <a:buAutoNum type="arabicPeriod"/>
+            </a:pPr>
+            <a:r>
+              <a:rPr lang="zh-CN" altLang="en-US" dirty="0"/>
+              <a:t>如果</a:t>
+            </a:r>
+            <a:r>
+              <a:rPr lang="en-US" altLang="zh-CN" dirty="0"/>
+              <a:t>Token</a:t>
+            </a:r>
+            <a:r>
+              <a:rPr lang="zh-CN" altLang="en-US" dirty="0"/>
+              <a:t>正确，创建</a:t>
+            </a:r>
+            <a:r>
+              <a:rPr lang="en-US" altLang="zh-CN" dirty="0"/>
+              <a:t>Session</a:t>
+            </a:r>
+          </a:p>
+          <a:p>
+            <a:pPr marL="514350" indent="-514350">
+              <a:buAutoNum type="arabicPeriod"/>
+            </a:pPr>
+            <a:r>
+              <a:rPr lang="zh-CN" altLang="en-US" dirty="0"/>
+              <a:t>如果</a:t>
+            </a:r>
+            <a:r>
+              <a:rPr lang="en-US" altLang="zh-CN" dirty="0"/>
+              <a:t>Token</a:t>
+            </a:r>
+            <a:r>
+              <a:rPr lang="zh-CN" altLang="en-US" dirty="0"/>
+              <a:t>不正确或者前段没有发送</a:t>
+            </a:r>
+            <a:r>
+              <a:rPr lang="en-US" altLang="zh-CN" dirty="0"/>
+              <a:t>Token,</a:t>
+            </a:r>
+            <a:r>
+              <a:rPr lang="zh-CN" altLang="en-US" dirty="0"/>
+              <a:t>那么跳转到</a:t>
+            </a:r>
+            <a:r>
+              <a:rPr lang="en-US" altLang="zh-CN" dirty="0"/>
+              <a:t>SSO</a:t>
+            </a:r>
+            <a:r>
+              <a:rPr lang="zh-CN" altLang="en-US" dirty="0"/>
+              <a:t>注册中心，并附带客户此次请求的地址和分系统地址</a:t>
+            </a:r>
+            <a:endParaRPr lang="en-US" altLang="zh-CN" dirty="0"/>
+          </a:p>
+          <a:p>
+            <a:pPr marL="0" indent="0">
+              <a:buNone/>
+            </a:pPr>
+            <a:endParaRPr lang="en-US" altLang="zh-CN" dirty="0"/>
+          </a:p>
+          <a:p>
+            <a:pPr marL="0" indent="0">
+              <a:buNone/>
+            </a:pPr>
+            <a:r>
+              <a:rPr lang="en-US" altLang="zh-CN" dirty="0"/>
+              <a:t>	</a:t>
+            </a:r>
+          </a:p>
+        </p:txBody>
+      </p:sp>
+      <p:sp>
+        <p:nvSpPr>
+          <p:cNvPr id="4" name="矩形 3">
+            <a:extLst>
+              <a:ext uri="{FF2B5EF4-FFF2-40B4-BE49-F238E27FC236}">
+                <a16:creationId xmlns:a16="http://schemas.microsoft.com/office/drawing/2014/main" id="{CBD53E6D-193D-4853-88A2-655A1204CA00}"/>
+              </a:ext>
+            </a:extLst>
+          </p:cNvPr>
+          <p:cNvSpPr/>
+          <p:nvPr/>
+        </p:nvSpPr>
+        <p:spPr>
+          <a:xfrm>
+            <a:off x="112295" y="6239880"/>
+            <a:ext cx="3941803" cy="495643"/>
+          </a:xfrm>
+          <a:prstGeom prst="rect">
+            <a:avLst/>
+          </a:prstGeom>
+        </p:spPr>
+        <p:style>
+          <a:lnRef idx="0">
+            <a:schemeClr val="accent2"/>
+          </a:lnRef>
+          <a:fillRef idx="3">
+            <a:schemeClr val="accent2"/>
+          </a:fillRef>
+          <a:effectRef idx="3">
+            <a:schemeClr val="accent2"/>
+          </a:effectRef>
+          <a:fontRef idx="minor">
+            <a:schemeClr val="lt1"/>
+          </a:fontRef>
+        </p:style>
+        <p:txBody>
+          <a:bodyPr rtlCol="0" anchor="ctr"/>
+          <a:lstStyle/>
+          <a:p>
+            <a:pPr algn="ctr"/>
+            <a:r>
+              <a:rPr lang="zh-CN" altLang="en-US" dirty="0"/>
+              <a:t>单点登录系统流程</a:t>
+            </a:r>
+          </a:p>
+        </p:txBody>
+      </p:sp>
+    </p:spTree>
+    <p:extLst>
+      <p:ext uri="{BB962C8B-B14F-4D97-AF65-F5344CB8AC3E}">
+        <p14:creationId xmlns:p14="http://schemas.microsoft.com/office/powerpoint/2010/main" val="1638281182"/>
+      </p:ext>
+    </p:extLst>
+  </p:cSld>
+  <p:clrMapOvr>
+    <a:masterClrMapping/>
+  </p:clrMapOvr>
+</p:sld>
+</file>
+
+<file path=ppt/slides/slide14.xml><?xml version="1.0" encoding="utf-8"?>
+<p:sld xmlns:a="http://schemas.openxmlformats.org/drawingml/2006/main" xmlns:r="http://schemas.openxmlformats.org/officeDocument/2006/relationships" xmlns:p="http://schemas.openxmlformats.org/presentationml/2006/main">
+  <p:cSld>
+    <p:spTree>
+      <p:nvGrpSpPr>
+        <p:cNvPr id="1" name=""/>
+        <p:cNvGrpSpPr/>
+        <p:nvPr/>
+      </p:nvGrpSpPr>
+      <p:grpSpPr>
+        <a:xfrm>
+          <a:off x="0" y="0"/>
+          <a:ext cx="0" cy="0"/>
+          <a:chOff x="0" y="0"/>
+          <a:chExt cx="0" cy="0"/>
+        </a:xfrm>
+      </p:grpSpPr>
+      <p:sp>
+        <p:nvSpPr>
+          <p:cNvPr id="2" name="标题 1">
+            <a:extLst>
+              <a:ext uri="{FF2B5EF4-FFF2-40B4-BE49-F238E27FC236}">
+                <a16:creationId xmlns:a16="http://schemas.microsoft.com/office/drawing/2014/main" id="{BDED77FD-1985-429D-8AE8-667B72AF4962}"/>
+              </a:ext>
+            </a:extLst>
+          </p:cNvPr>
+          <p:cNvSpPr>
+            <a:spLocks noGrp="1"/>
+          </p:cNvSpPr>
+          <p:nvPr>
+            <p:ph type="title"/>
+          </p:nvPr>
+        </p:nvSpPr>
+        <p:spPr>
+          <a:xfrm>
+            <a:off x="0" y="20470"/>
+            <a:ext cx="10515600" cy="767808"/>
+          </a:xfrm>
+        </p:spPr>
+        <p:txBody>
+          <a:bodyPr/>
+          <a:lstStyle/>
+          <a:p>
+            <a:r>
+              <a:rPr lang="en-US" altLang="zh-CN" dirty="0"/>
+              <a:t>SSO</a:t>
+            </a:r>
+            <a:r>
+              <a:rPr lang="zh-CN" altLang="en-US" dirty="0"/>
+              <a:t>前段</a:t>
+            </a:r>
+            <a:r>
+              <a:rPr lang="en-US" altLang="zh-CN" dirty="0"/>
+              <a:t>One Page</a:t>
+            </a:r>
+            <a:r>
+              <a:rPr lang="zh-CN" altLang="en-US" dirty="0"/>
+              <a:t>职责</a:t>
+            </a:r>
+          </a:p>
+        </p:txBody>
+      </p:sp>
+      <p:sp>
+        <p:nvSpPr>
+          <p:cNvPr id="3" name="内容占位符 2">
+            <a:extLst>
+              <a:ext uri="{FF2B5EF4-FFF2-40B4-BE49-F238E27FC236}">
+                <a16:creationId xmlns:a16="http://schemas.microsoft.com/office/drawing/2014/main" id="{687264C3-2609-4DDF-8C76-4E4DFB7F392F}"/>
+              </a:ext>
+            </a:extLst>
+          </p:cNvPr>
+          <p:cNvSpPr>
+            <a:spLocks noGrp="1"/>
+          </p:cNvSpPr>
+          <p:nvPr>
+            <p:ph idx="1"/>
+          </p:nvPr>
+        </p:nvSpPr>
+        <p:spPr>
+          <a:xfrm>
+            <a:off x="0" y="788279"/>
+            <a:ext cx="12192000" cy="6051466"/>
+          </a:xfrm>
+        </p:spPr>
+        <p:txBody>
+          <a:bodyPr/>
+          <a:lstStyle/>
+          <a:p>
+            <a:pPr marL="514350" indent="-514350">
+              <a:buAutoNum type="arabicPeriod"/>
+            </a:pPr>
+            <a:r>
+              <a:rPr lang="zh-CN" altLang="en-US" dirty="0"/>
+              <a:t>发送请求给</a:t>
+            </a:r>
+            <a:r>
+              <a:rPr lang="en-US" altLang="zh-CN" dirty="0"/>
+              <a:t>SSO</a:t>
+            </a:r>
+            <a:r>
+              <a:rPr lang="zh-CN" altLang="en-US" dirty="0"/>
+              <a:t>认证中心，如果存在</a:t>
+            </a:r>
+            <a:r>
+              <a:rPr lang="en-US" altLang="zh-CN" dirty="0"/>
+              <a:t>Token,</a:t>
+            </a:r>
+            <a:r>
+              <a:rPr lang="zh-CN" altLang="en-US" dirty="0"/>
+              <a:t>带入</a:t>
+            </a:r>
+            <a:r>
+              <a:rPr lang="en-US" altLang="zh-CN" dirty="0"/>
+              <a:t>Token</a:t>
+            </a:r>
+            <a:r>
+              <a:rPr lang="zh-CN" altLang="en-US" dirty="0"/>
+              <a:t>，将返回</a:t>
+            </a:r>
+            <a:r>
+              <a:rPr lang="en-US" altLang="zh-CN" dirty="0"/>
+              <a:t>True</a:t>
+            </a:r>
+            <a:r>
+              <a:rPr lang="zh-CN" altLang="en-US" dirty="0"/>
+              <a:t>或</a:t>
+            </a:r>
+            <a:r>
+              <a:rPr lang="en-US" altLang="zh-CN" dirty="0"/>
+              <a:t>False</a:t>
+            </a:r>
+          </a:p>
+          <a:p>
+            <a:pPr marL="514350" indent="-514350">
+              <a:buAutoNum type="arabicPeriod"/>
+            </a:pPr>
+            <a:r>
+              <a:rPr lang="zh-CN" altLang="en-US" dirty="0"/>
+              <a:t>如果返回</a:t>
+            </a:r>
+            <a:r>
+              <a:rPr lang="en-US" altLang="zh-CN" dirty="0"/>
+              <a:t>True,</a:t>
+            </a:r>
+            <a:r>
+              <a:rPr lang="zh-CN" altLang="en-US" dirty="0"/>
+              <a:t>跳转到</a:t>
+            </a:r>
+            <a:r>
+              <a:rPr lang="en-US" altLang="zh-CN" dirty="0"/>
+              <a:t>Call Back,</a:t>
+            </a:r>
+            <a:r>
+              <a:rPr lang="zh-CN" altLang="en-US" dirty="0"/>
+              <a:t>附带</a:t>
+            </a:r>
+            <a:r>
+              <a:rPr lang="en-US" altLang="zh-CN" dirty="0"/>
+              <a:t>Token</a:t>
+            </a:r>
+          </a:p>
+          <a:p>
+            <a:pPr marL="514350" indent="-514350">
+              <a:buAutoNum type="arabicPeriod"/>
+            </a:pPr>
+            <a:r>
+              <a:rPr lang="zh-CN" altLang="en-US" dirty="0"/>
+              <a:t>如果返回</a:t>
+            </a:r>
+            <a:r>
+              <a:rPr lang="en-US" altLang="zh-CN" dirty="0"/>
+              <a:t>False,</a:t>
+            </a:r>
+            <a:r>
+              <a:rPr lang="zh-CN" altLang="en-US" dirty="0"/>
+              <a:t>创建</a:t>
+            </a:r>
+            <a:r>
+              <a:rPr lang="en-US" altLang="zh-CN" dirty="0"/>
+              <a:t>Login Form</a:t>
+            </a:r>
+          </a:p>
+          <a:p>
+            <a:pPr marL="514350" indent="-514350">
+              <a:buAutoNum type="arabicPeriod"/>
+            </a:pPr>
+            <a:r>
+              <a:rPr lang="zh-CN" altLang="en-US" dirty="0"/>
+              <a:t>登录成功，跳转到</a:t>
+            </a:r>
+            <a:r>
+              <a:rPr lang="en-US" altLang="zh-CN" dirty="0"/>
+              <a:t>Call Back,</a:t>
+            </a:r>
+            <a:r>
+              <a:rPr lang="zh-CN" altLang="en-US" dirty="0"/>
+              <a:t>附带</a:t>
+            </a:r>
+            <a:r>
+              <a:rPr lang="en-US" altLang="zh-CN" dirty="0"/>
+              <a:t>Token</a:t>
+            </a:r>
+          </a:p>
+          <a:p>
+            <a:pPr marL="514350" indent="-514350">
+              <a:buAutoNum type="arabicPeriod"/>
+            </a:pPr>
+            <a:endParaRPr lang="en-US" altLang="zh-CN" dirty="0"/>
+          </a:p>
+          <a:p>
+            <a:pPr marL="514350" indent="-514350">
+              <a:buAutoNum type="arabicPeriod"/>
+            </a:pPr>
+            <a:endParaRPr lang="en-US" altLang="zh-CN" dirty="0"/>
+          </a:p>
+          <a:p>
+            <a:pPr marL="514350" indent="-514350">
+              <a:buAutoNum type="arabicPeriod"/>
+            </a:pPr>
+            <a:endParaRPr lang="en-US" altLang="zh-CN" dirty="0"/>
+          </a:p>
+          <a:p>
+            <a:pPr marL="0" indent="0">
+              <a:buNone/>
+            </a:pPr>
+            <a:r>
+              <a:rPr lang="en-US" altLang="zh-CN" dirty="0"/>
+              <a:t>	</a:t>
+            </a:r>
+          </a:p>
+        </p:txBody>
+      </p:sp>
+      <p:sp>
+        <p:nvSpPr>
+          <p:cNvPr id="4" name="矩形 3">
+            <a:extLst>
+              <a:ext uri="{FF2B5EF4-FFF2-40B4-BE49-F238E27FC236}">
+                <a16:creationId xmlns:a16="http://schemas.microsoft.com/office/drawing/2014/main" id="{E2469134-6949-451F-AC86-447FBD2F971D}"/>
+              </a:ext>
+            </a:extLst>
+          </p:cNvPr>
+          <p:cNvSpPr/>
+          <p:nvPr/>
+        </p:nvSpPr>
+        <p:spPr>
+          <a:xfrm>
+            <a:off x="112295" y="6239880"/>
+            <a:ext cx="3941803" cy="495643"/>
+          </a:xfrm>
+          <a:prstGeom prst="rect">
+            <a:avLst/>
+          </a:prstGeom>
+        </p:spPr>
+        <p:style>
+          <a:lnRef idx="0">
+            <a:schemeClr val="accent2"/>
+          </a:lnRef>
+          <a:fillRef idx="3">
+            <a:schemeClr val="accent2"/>
+          </a:fillRef>
+          <a:effectRef idx="3">
+            <a:schemeClr val="accent2"/>
+          </a:effectRef>
+          <a:fontRef idx="minor">
+            <a:schemeClr val="lt1"/>
+          </a:fontRef>
+        </p:style>
+        <p:txBody>
+          <a:bodyPr rtlCol="0" anchor="ctr"/>
+          <a:lstStyle/>
+          <a:p>
+            <a:pPr algn="ctr"/>
+            <a:r>
+              <a:rPr lang="zh-CN" altLang="en-US" dirty="0"/>
+              <a:t>单点登录系统流程</a:t>
+            </a:r>
+          </a:p>
+        </p:txBody>
+      </p:sp>
+    </p:spTree>
+    <p:extLst>
+      <p:ext uri="{BB962C8B-B14F-4D97-AF65-F5344CB8AC3E}">
+        <p14:creationId xmlns:p14="http://schemas.microsoft.com/office/powerpoint/2010/main" val="891550514"/>
+      </p:ext>
+    </p:extLst>
+  </p:cSld>
+  <p:clrMapOvr>
+    <a:masterClrMapping/>
+  </p:clrMapOvr>
+</p:sld>
+</file>
+
+<file path=ppt/slides/slide15.xml><?xml version="1.0" encoding="utf-8"?>
+<p:sld xmlns:a="http://schemas.openxmlformats.org/drawingml/2006/main" xmlns:r="http://schemas.openxmlformats.org/officeDocument/2006/relationships" xmlns:p="http://schemas.openxmlformats.org/presentationml/2006/main">
+  <p:cSld>
+    <p:spTree>
+      <p:nvGrpSpPr>
+        <p:cNvPr id="1" name=""/>
+        <p:cNvGrpSpPr/>
+        <p:nvPr/>
+      </p:nvGrpSpPr>
+      <p:grpSpPr>
+        <a:xfrm>
+          <a:off x="0" y="0"/>
+          <a:ext cx="0" cy="0"/>
+          <a:chOff x="0" y="0"/>
+          <a:chExt cx="0" cy="0"/>
+        </a:xfrm>
+      </p:grpSpPr>
+      <p:sp>
+        <p:nvSpPr>
+          <p:cNvPr id="2" name="标题 1">
+            <a:extLst>
+              <a:ext uri="{FF2B5EF4-FFF2-40B4-BE49-F238E27FC236}">
+                <a16:creationId xmlns:a16="http://schemas.microsoft.com/office/drawing/2014/main" id="{0936B3A6-9C7F-4196-B04E-1B938559D9BC}"/>
+              </a:ext>
+            </a:extLst>
+          </p:cNvPr>
+          <p:cNvSpPr>
+            <a:spLocks noGrp="1"/>
+          </p:cNvSpPr>
+          <p:nvPr>
+            <p:ph type="title"/>
+          </p:nvPr>
+        </p:nvSpPr>
+        <p:spPr>
+          <a:xfrm>
+            <a:off x="0" y="0"/>
+            <a:ext cx="12192000" cy="773864"/>
+          </a:xfrm>
+        </p:spPr>
+        <p:txBody>
+          <a:bodyPr/>
+          <a:lstStyle/>
+          <a:p>
+            <a:r>
+              <a:rPr lang="en-US" altLang="zh-CN" dirty="0"/>
+              <a:t>SSO</a:t>
+            </a:r>
+            <a:r>
+              <a:rPr lang="zh-CN" altLang="en-US" dirty="0"/>
+              <a:t>职责</a:t>
+            </a:r>
+          </a:p>
+        </p:txBody>
+      </p:sp>
+      <p:sp>
+        <p:nvSpPr>
+          <p:cNvPr id="3" name="内容占位符 2">
+            <a:extLst>
+              <a:ext uri="{FF2B5EF4-FFF2-40B4-BE49-F238E27FC236}">
+                <a16:creationId xmlns:a16="http://schemas.microsoft.com/office/drawing/2014/main" id="{F32F048F-BAC2-488D-9A2B-FFF0E9198CCA}"/>
+              </a:ext>
+            </a:extLst>
+          </p:cNvPr>
+          <p:cNvSpPr>
+            <a:spLocks noGrp="1"/>
+          </p:cNvSpPr>
+          <p:nvPr>
+            <p:ph idx="1"/>
+          </p:nvPr>
+        </p:nvSpPr>
+        <p:spPr>
+          <a:xfrm>
+            <a:off x="0" y="773864"/>
+            <a:ext cx="12192000" cy="6084136"/>
+          </a:xfrm>
+        </p:spPr>
+        <p:txBody>
+          <a:bodyPr/>
+          <a:lstStyle/>
+          <a:p>
+            <a:pPr marL="514350" indent="-514350">
+              <a:buAutoNum type="arabicPeriod"/>
+            </a:pPr>
+            <a:r>
+              <a:rPr lang="zh-CN" altLang="en-US" dirty="0"/>
+              <a:t>接受前段发送的登录请求，如果存在</a:t>
+            </a:r>
+            <a:r>
+              <a:rPr lang="en-US" altLang="zh-CN" dirty="0"/>
+              <a:t>Token</a:t>
+            </a:r>
+            <a:r>
+              <a:rPr lang="zh-CN" altLang="en-US" dirty="0"/>
+              <a:t>，验证</a:t>
+            </a:r>
+            <a:r>
+              <a:rPr lang="en-US" altLang="zh-CN" dirty="0"/>
+              <a:t>Token</a:t>
+            </a:r>
+            <a:r>
+              <a:rPr lang="zh-CN" altLang="en-US" dirty="0"/>
+              <a:t>是否在缓存中，在的话返回</a:t>
+            </a:r>
+            <a:r>
+              <a:rPr lang="en-US" altLang="zh-CN" dirty="0"/>
+              <a:t>True,</a:t>
+            </a:r>
+            <a:r>
+              <a:rPr lang="zh-CN" altLang="en-US" dirty="0"/>
+              <a:t>不在的话返回</a:t>
+            </a:r>
+            <a:r>
+              <a:rPr lang="en-US" altLang="zh-CN" dirty="0"/>
+              <a:t>Login Form</a:t>
+            </a:r>
+          </a:p>
+          <a:p>
+            <a:pPr marL="514350" indent="-514350">
+              <a:buAutoNum type="arabicPeriod"/>
+            </a:pPr>
+            <a:r>
+              <a:rPr lang="zh-CN" altLang="en-US" dirty="0"/>
+              <a:t>接受前段发送的登录信息，如果正确，创建</a:t>
+            </a:r>
+            <a:r>
+              <a:rPr lang="en-US" altLang="zh-CN" dirty="0"/>
+              <a:t>Token</a:t>
+            </a:r>
+            <a:r>
+              <a:rPr lang="zh-CN" altLang="en-US" dirty="0"/>
+              <a:t>并缓存</a:t>
+            </a:r>
+            <a:r>
+              <a:rPr lang="en-US" altLang="zh-CN" dirty="0"/>
+              <a:t>Token</a:t>
+            </a:r>
+            <a:r>
+              <a:rPr lang="zh-CN" altLang="en-US" dirty="0"/>
+              <a:t>和返回</a:t>
+            </a:r>
+            <a:r>
+              <a:rPr lang="en-US" altLang="zh-CN" dirty="0"/>
+              <a:t>Token</a:t>
+            </a:r>
+            <a:r>
+              <a:rPr lang="zh-CN" altLang="en-US" dirty="0"/>
+              <a:t>，如果错误返回</a:t>
+            </a:r>
+            <a:r>
+              <a:rPr lang="en-US" altLang="zh-CN" dirty="0"/>
+              <a:t>Error</a:t>
+            </a:r>
+            <a:r>
+              <a:rPr lang="zh-CN" altLang="en-US" dirty="0"/>
+              <a:t>信息</a:t>
+            </a:r>
+            <a:endParaRPr lang="en-US" altLang="zh-CN" dirty="0"/>
+          </a:p>
+          <a:p>
+            <a:pPr marL="514350" indent="-514350">
+              <a:buAutoNum type="arabicPeriod"/>
+            </a:pPr>
+            <a:r>
+              <a:rPr lang="zh-CN" altLang="en-US" dirty="0"/>
+              <a:t>接受分系统的验证请求，如果</a:t>
+            </a:r>
+            <a:r>
+              <a:rPr lang="en-US" altLang="zh-CN" dirty="0"/>
+              <a:t>Token</a:t>
+            </a:r>
+            <a:r>
+              <a:rPr lang="zh-CN" altLang="en-US" dirty="0"/>
+              <a:t>在缓存中，返回</a:t>
+            </a:r>
+            <a:r>
+              <a:rPr lang="en-US" altLang="zh-CN" dirty="0"/>
+              <a:t>True </a:t>
+            </a:r>
+            <a:r>
+              <a:rPr lang="zh-CN" altLang="en-US" dirty="0"/>
+              <a:t>并将缓存中的系统名加入添加该分系统</a:t>
+            </a:r>
+            <a:r>
+              <a:rPr lang="en-US" altLang="zh-CN" dirty="0"/>
+              <a:t>,</a:t>
+            </a:r>
+            <a:r>
+              <a:rPr lang="zh-CN" altLang="en-US" dirty="0"/>
+              <a:t>否则返回</a:t>
+            </a:r>
+            <a:r>
+              <a:rPr lang="en-US" altLang="zh-CN" dirty="0"/>
+              <a:t>False</a:t>
+            </a:r>
+          </a:p>
+          <a:p>
+            <a:pPr marL="514350" indent="-514350">
+              <a:buAutoNum type="arabicPeriod"/>
+            </a:pPr>
+            <a:r>
+              <a:rPr lang="zh-CN" altLang="en-US" dirty="0"/>
+              <a:t>接受前段发送的注册信息，如果通过，保存用户信息并创建</a:t>
+            </a:r>
+            <a:r>
+              <a:rPr lang="en-US" altLang="zh-CN" dirty="0"/>
+              <a:t>Token,</a:t>
+            </a:r>
+            <a:r>
+              <a:rPr lang="zh-CN" altLang="en-US" dirty="0"/>
+              <a:t>缓存之，并返回之，如果错误返回</a:t>
+            </a:r>
+            <a:r>
+              <a:rPr lang="en-US" altLang="zh-CN" dirty="0"/>
+              <a:t>Error</a:t>
+            </a:r>
+            <a:r>
+              <a:rPr lang="zh-CN" altLang="en-US" dirty="0"/>
+              <a:t>信息</a:t>
+            </a:r>
+            <a:endParaRPr lang="en-US" altLang="zh-CN" dirty="0"/>
+          </a:p>
+          <a:p>
+            <a:pPr marL="514350" indent="-514350">
+              <a:buAutoNum type="arabicPeriod"/>
+            </a:pPr>
+            <a:r>
+              <a:rPr lang="zh-CN" altLang="en-US" dirty="0"/>
+              <a:t>注销</a:t>
+            </a:r>
+            <a:endParaRPr lang="en-US" altLang="zh-CN" dirty="0"/>
+          </a:p>
+          <a:p>
+            <a:endParaRPr lang="zh-CN" altLang="en-US" dirty="0"/>
+          </a:p>
+        </p:txBody>
+      </p:sp>
+      <p:sp>
+        <p:nvSpPr>
+          <p:cNvPr id="4" name="矩形 3">
+            <a:extLst>
+              <a:ext uri="{FF2B5EF4-FFF2-40B4-BE49-F238E27FC236}">
+                <a16:creationId xmlns:a16="http://schemas.microsoft.com/office/drawing/2014/main" id="{0906C233-B9E2-48DB-B78A-640F6373EA7D}"/>
+              </a:ext>
+            </a:extLst>
+          </p:cNvPr>
+          <p:cNvSpPr/>
+          <p:nvPr/>
+        </p:nvSpPr>
+        <p:spPr>
+          <a:xfrm>
+            <a:off x="112295" y="6239880"/>
+            <a:ext cx="3941803" cy="495643"/>
+          </a:xfrm>
+          <a:prstGeom prst="rect">
+            <a:avLst/>
+          </a:prstGeom>
+        </p:spPr>
+        <p:style>
+          <a:lnRef idx="0">
+            <a:schemeClr val="accent2"/>
+          </a:lnRef>
+          <a:fillRef idx="3">
+            <a:schemeClr val="accent2"/>
+          </a:fillRef>
+          <a:effectRef idx="3">
+            <a:schemeClr val="accent2"/>
+          </a:effectRef>
+          <a:fontRef idx="minor">
+            <a:schemeClr val="lt1"/>
+          </a:fontRef>
+        </p:style>
+        <p:txBody>
+          <a:bodyPr rtlCol="0" anchor="ctr"/>
+          <a:lstStyle/>
+          <a:p>
+            <a:pPr algn="ctr"/>
+            <a:r>
+              <a:rPr lang="zh-CN" altLang="en-US" dirty="0"/>
+              <a:t>单点登录系统流程</a:t>
+            </a:r>
+          </a:p>
+        </p:txBody>
+      </p:sp>
+    </p:spTree>
+    <p:extLst>
+      <p:ext uri="{BB962C8B-B14F-4D97-AF65-F5344CB8AC3E}">
+        <p14:creationId xmlns:p14="http://schemas.microsoft.com/office/powerpoint/2010/main" val="3254235016"/>
+      </p:ext>
+    </p:extLst>
+  </p:cSld>
+  <p:clrMapOvr>
+    <a:masterClrMapping/>
+  </p:clrMapOvr>
+</p:sld>
+</file>
+
+<file path=ppt/slides/slide16.xml><?xml version="1.0" encoding="utf-8"?>
+<p:sld xmlns:a="http://schemas.openxmlformats.org/drawingml/2006/main" xmlns:r="http://schemas.openxmlformats.org/officeDocument/2006/relationships" xmlns:p="http://schemas.openxmlformats.org/presentationml/2006/main">
+  <p:cSld>
+    <p:spTree>
+      <p:nvGrpSpPr>
+        <p:cNvPr id="1" name=""/>
+        <p:cNvGrpSpPr/>
+        <p:nvPr/>
+      </p:nvGrpSpPr>
+      <p:grpSpPr>
+        <a:xfrm>
+          <a:off x="0" y="0"/>
+          <a:ext cx="0" cy="0"/>
+          <a:chOff x="0" y="0"/>
+          <a:chExt cx="0" cy="0"/>
+        </a:xfrm>
+      </p:grpSpPr>
+      <p:sp>
+        <p:nvSpPr>
+          <p:cNvPr id="2" name="标题 1">
+            <a:extLst>
+              <a:ext uri="{FF2B5EF4-FFF2-40B4-BE49-F238E27FC236}">
+                <a16:creationId xmlns:a16="http://schemas.microsoft.com/office/drawing/2014/main" id="{001190B2-0F80-4701-9366-794D77E341C8}"/>
+              </a:ext>
+            </a:extLst>
+          </p:cNvPr>
+          <p:cNvSpPr>
+            <a:spLocks noGrp="1"/>
+          </p:cNvSpPr>
+          <p:nvPr>
+            <p:ph type="title"/>
+          </p:nvPr>
+        </p:nvSpPr>
+        <p:spPr>
+          <a:xfrm>
+            <a:off x="0" y="1"/>
+            <a:ext cx="12192000" cy="992776"/>
+          </a:xfrm>
+        </p:spPr>
+        <p:txBody>
+          <a:bodyPr/>
+          <a:lstStyle/>
+          <a:p>
+            <a:r>
+              <a:rPr lang="en-US" altLang="zh-CN" dirty="0"/>
+              <a:t>SSO</a:t>
+            </a:r>
+            <a:r>
+              <a:rPr lang="zh-CN" altLang="en-US" dirty="0"/>
+              <a:t>和分系统如果互相注册</a:t>
+            </a:r>
+          </a:p>
+        </p:txBody>
+      </p:sp>
+      <p:sp>
+        <p:nvSpPr>
+          <p:cNvPr id="3" name="内容占位符 2">
+            <a:extLst>
+              <a:ext uri="{FF2B5EF4-FFF2-40B4-BE49-F238E27FC236}">
+                <a16:creationId xmlns:a16="http://schemas.microsoft.com/office/drawing/2014/main" id="{905E0E34-7BBE-4510-9A6C-AB7C9D11153A}"/>
+              </a:ext>
+            </a:extLst>
+          </p:cNvPr>
+          <p:cNvSpPr>
+            <a:spLocks noGrp="1"/>
+          </p:cNvSpPr>
+          <p:nvPr>
+            <p:ph idx="1"/>
+          </p:nvPr>
+        </p:nvSpPr>
+        <p:spPr>
+          <a:xfrm>
+            <a:off x="0" y="992777"/>
+            <a:ext cx="12192000" cy="5865222"/>
+          </a:xfrm>
+        </p:spPr>
+        <p:txBody>
+          <a:bodyPr/>
+          <a:lstStyle/>
+          <a:p>
+            <a:pPr marL="514350" indent="-514350">
+              <a:buAutoNum type="arabicPeriod"/>
+            </a:pPr>
+            <a:r>
+              <a:rPr lang="en-US" altLang="zh-CN" dirty="0"/>
+              <a:t>SSO</a:t>
+            </a:r>
+            <a:r>
+              <a:rPr lang="zh-CN" altLang="en-US" dirty="0"/>
+              <a:t>首先登录</a:t>
+            </a:r>
+            <a:r>
+              <a:rPr lang="en-US" altLang="zh-CN" dirty="0"/>
+              <a:t>SSO</a:t>
+            </a:r>
+            <a:r>
+              <a:rPr lang="zh-CN" altLang="en-US" dirty="0"/>
+              <a:t>主账号并创建</a:t>
+            </a:r>
+            <a:r>
+              <a:rPr lang="en-US" altLang="zh-CN" dirty="0"/>
+              <a:t>Token</a:t>
+            </a:r>
+            <a:r>
+              <a:rPr lang="zh-CN" altLang="en-US" dirty="0"/>
+              <a:t>保存在缓存中</a:t>
+            </a:r>
+            <a:endParaRPr lang="en-US" altLang="zh-CN" dirty="0"/>
+          </a:p>
+          <a:p>
+            <a:pPr marL="514350" indent="-514350">
+              <a:buAutoNum type="arabicPeriod"/>
+            </a:pPr>
+            <a:r>
+              <a:rPr lang="zh-CN" altLang="en-US" dirty="0"/>
+              <a:t>分系统第一次申请验证客户端</a:t>
+            </a:r>
+            <a:r>
+              <a:rPr lang="en-US" altLang="zh-CN" dirty="0"/>
+              <a:t>Token</a:t>
+            </a:r>
+            <a:r>
+              <a:rPr lang="zh-CN" altLang="en-US" dirty="0"/>
+              <a:t>时，检查是否存在该分系统的</a:t>
+            </a:r>
+            <a:r>
+              <a:rPr lang="en-US" altLang="zh-CN" dirty="0"/>
+              <a:t>J session ID,</a:t>
+            </a:r>
+            <a:r>
+              <a:rPr lang="zh-CN" altLang="en-US" dirty="0"/>
+              <a:t>如果不存在开启线程尝试，登录发送</a:t>
+            </a:r>
+            <a:r>
+              <a:rPr lang="en-US" altLang="zh-CN" dirty="0"/>
+              <a:t>Token</a:t>
+            </a:r>
+            <a:r>
+              <a:rPr lang="zh-CN" altLang="en-US" dirty="0"/>
+              <a:t>给该分系统，该分系统会再次向</a:t>
+            </a:r>
+            <a:r>
+              <a:rPr lang="en-US" altLang="zh-CN" dirty="0"/>
+              <a:t>SSO</a:t>
+            </a:r>
+            <a:r>
+              <a:rPr lang="zh-CN" altLang="en-US" dirty="0"/>
+              <a:t>验证</a:t>
+            </a:r>
+            <a:r>
+              <a:rPr lang="en-US" altLang="zh-CN" dirty="0"/>
+              <a:t>Token,</a:t>
+            </a:r>
+            <a:r>
+              <a:rPr lang="zh-CN" altLang="en-US" dirty="0"/>
+              <a:t>返回</a:t>
+            </a:r>
+            <a:r>
+              <a:rPr lang="en-US" altLang="zh-CN" dirty="0"/>
+              <a:t>True</a:t>
+            </a:r>
+            <a:r>
+              <a:rPr lang="zh-CN" altLang="en-US" dirty="0"/>
+              <a:t>，创建</a:t>
+            </a:r>
+            <a:r>
+              <a:rPr lang="en-US" altLang="zh-CN" dirty="0"/>
+              <a:t>Session,</a:t>
+            </a:r>
+            <a:r>
+              <a:rPr lang="zh-CN" altLang="en-US" dirty="0"/>
+              <a:t>获得</a:t>
+            </a:r>
+            <a:r>
+              <a:rPr lang="en-US" altLang="zh-CN" dirty="0"/>
+              <a:t>J session ID </a:t>
+            </a:r>
+            <a:r>
+              <a:rPr lang="zh-CN" altLang="en-US" dirty="0"/>
+              <a:t>并缓存之</a:t>
+            </a:r>
+            <a:endParaRPr lang="en-US" altLang="zh-CN" dirty="0"/>
+          </a:p>
+          <a:p>
+            <a:pPr marL="514350" indent="-514350">
+              <a:buAutoNum type="arabicPeriod"/>
+            </a:pPr>
+            <a:r>
+              <a:rPr lang="zh-CN" altLang="en-US" dirty="0"/>
+              <a:t>分系统在第一次申请验证客户端</a:t>
+            </a:r>
+            <a:r>
+              <a:rPr lang="en-US" altLang="zh-CN" dirty="0"/>
+              <a:t>Token</a:t>
+            </a:r>
+            <a:r>
+              <a:rPr lang="zh-CN" altLang="en-US" dirty="0"/>
+              <a:t>前，检查是否有存储向</a:t>
+            </a:r>
+            <a:r>
+              <a:rPr lang="en-US" altLang="zh-CN" dirty="0"/>
+              <a:t>SSO</a:t>
+            </a:r>
+            <a:r>
+              <a:rPr lang="zh-CN" altLang="en-US" dirty="0"/>
+              <a:t>的</a:t>
+            </a:r>
+            <a:r>
+              <a:rPr lang="en-US" altLang="zh-CN" dirty="0"/>
+              <a:t>Token,</a:t>
+            </a:r>
+            <a:r>
+              <a:rPr lang="zh-CN" altLang="en-US" dirty="0"/>
+              <a:t>如果没有则登录并缓存</a:t>
+            </a:r>
+            <a:endParaRPr lang="en-US" altLang="zh-CN" dirty="0"/>
+          </a:p>
+        </p:txBody>
+      </p:sp>
+      <p:sp>
+        <p:nvSpPr>
+          <p:cNvPr id="6" name="矩形 5">
+            <a:extLst>
+              <a:ext uri="{FF2B5EF4-FFF2-40B4-BE49-F238E27FC236}">
+                <a16:creationId xmlns:a16="http://schemas.microsoft.com/office/drawing/2014/main" id="{6BF5E312-A189-4625-A70B-E8390C5BC849}"/>
+              </a:ext>
+            </a:extLst>
+          </p:cNvPr>
+          <p:cNvSpPr/>
+          <p:nvPr/>
+        </p:nvSpPr>
+        <p:spPr>
+          <a:xfrm>
+            <a:off x="112295" y="6239880"/>
+            <a:ext cx="3941803" cy="495643"/>
+          </a:xfrm>
+          <a:prstGeom prst="rect">
+            <a:avLst/>
+          </a:prstGeom>
+        </p:spPr>
+        <p:style>
+          <a:lnRef idx="0">
+            <a:schemeClr val="accent2"/>
+          </a:lnRef>
+          <a:fillRef idx="3">
+            <a:schemeClr val="accent2"/>
+          </a:fillRef>
+          <a:effectRef idx="3">
+            <a:schemeClr val="accent2"/>
+          </a:effectRef>
+          <a:fontRef idx="minor">
+            <a:schemeClr val="lt1"/>
+          </a:fontRef>
+        </p:style>
+        <p:txBody>
+          <a:bodyPr rtlCol="0" anchor="ctr"/>
+          <a:lstStyle/>
+          <a:p>
+            <a:pPr algn="ctr"/>
+            <a:r>
+              <a:rPr lang="zh-CN" altLang="en-US" dirty="0"/>
+              <a:t>单点登录系统流程</a:t>
+            </a:r>
+          </a:p>
+        </p:txBody>
+      </p:sp>
+    </p:spTree>
+    <p:extLst>
+      <p:ext uri="{BB962C8B-B14F-4D97-AF65-F5344CB8AC3E}">
+        <p14:creationId xmlns:p14="http://schemas.microsoft.com/office/powerpoint/2010/main" val="3202043152"/>
       </p:ext>
     </p:extLst>
   </p:cSld>
